--- a/Präsentation.pptx
+++ b/Präsentation.pptx
@@ -17,7 +17,7 @@
     <p:sldId id="262" r:id="rId5"/>
     <p:sldId id="269" r:id="rId6"/>
     <p:sldId id="263" r:id="rId7"/>
-    <p:sldId id="264" r:id="rId8"/>
+    <p:sldId id="271" r:id="rId8"/>
     <p:sldId id="265" r:id="rId9"/>
     <p:sldId id="266" r:id="rId10"/>
     <p:sldId id="270" r:id="rId11"/>
@@ -170,6 +170,10 @@
     </p:ext>
   </p:extLst>
 </p:presentation>
+</file>
+
+<file path=ppt/revisionInfo.xml><?xml version="1.0" encoding="utf-8"?>
+<p1510:revInfo xmlns:a="http://schemas.openxmlformats.org/drawingml/2006/main" xmlns:r="http://schemas.openxmlformats.org/officeDocument/2006/relationships" xmlns:p1510="http://schemas.microsoft.com/office/powerpoint/2015/10/main"/>
 </file>
 
 <file path=ppt/charts/chart1.xml><?xml version="1.0" encoding="utf-8"?>
@@ -459,6 +463,31 @@
         <c:delete val="0"/>
         <c:axPos val="b"/>
         <c:title>
+          <c:tx>
+            <c:rich>
+              <a:bodyPr rot="0" spcFirstLastPara="1" vertOverflow="ellipsis" vert="horz" wrap="square" anchor="ctr" anchorCtr="1"/>
+              <a:lstStyle/>
+              <a:p>
+                <a:pPr>
+                  <a:defRPr sz="1000" b="0" i="0" u="none" strike="noStrike" kern="1200" baseline="0">
+                    <a:solidFill>
+                      <a:schemeClr val="tx1">
+                        <a:lumMod val="65000"/>
+                        <a:lumOff val="35000"/>
+                      </a:schemeClr>
+                    </a:solidFill>
+                    <a:latin typeface="+mn-lt"/>
+                    <a:ea typeface="+mn-ea"/>
+                    <a:cs typeface="+mn-cs"/>
+                  </a:defRPr>
+                </a:pPr>
+                <a:r>
+                  <a:rPr lang="de-DE" dirty="0"/>
+                  <a:t>Zellenauflösung</a:t>
+                </a:r>
+              </a:p>
+            </c:rich>
+          </c:tx>
           <c:overlay val="0"/>
           <c:spPr>
             <a:noFill/>
@@ -536,6 +565,8 @@
         <c:axId val="532484528"/>
         <c:scaling>
           <c:orientation val="minMax"/>
+          <c:max val="600"/>
+          <c:min val="0"/>
         </c:scaling>
         <c:delete val="0"/>
         <c:axPos val="l"/>
@@ -684,7 +715,7 @@
       </c:dTable>
       <c:spPr>
         <a:noFill/>
-        <a:ln>
+        <a:ln w="25400">
           <a:noFill/>
         </a:ln>
         <a:effectLst/>
@@ -7340,7 +7371,7 @@
               <a:t> </a:t>
             </a:r>
             <a:r>
-              <a:rPr lang="en-US"/>
+              <a:rPr lang="en-US" dirty="0" err="1"/>
               <a:t>Cuda</a:t>
             </a:r>
             <a:endParaRPr lang="de-DE" dirty="0"/>
@@ -7403,6 +7434,806 @@
       </p:grpSpPr>
       <p:sp>
         <p:nvSpPr>
+          <p:cNvPr id="167" name="Rechteck 166">
+            <a:extLst>
+              <a:ext uri="{FF2B5EF4-FFF2-40B4-BE49-F238E27FC236}">
+                <a16:creationId xmlns:a16="http://schemas.microsoft.com/office/drawing/2014/main" id="{A8F15068-1A16-453C-92A7-0C9F15A691EB}"/>
+              </a:ext>
+            </a:extLst>
+          </p:cNvPr>
+          <p:cNvSpPr/>
+          <p:nvPr/>
+        </p:nvSpPr>
+        <p:spPr>
+          <a:xfrm>
+            <a:off x="6850399" y="4757988"/>
+            <a:ext cx="661518" cy="665439"/>
+          </a:xfrm>
+          <a:prstGeom prst="rect">
+            <a:avLst/>
+          </a:prstGeom>
+          <a:solidFill>
+            <a:srgbClr val="B3DE84"/>
+          </a:solidFill>
+        </p:spPr>
+        <p:txBody>
+          <a:bodyPr wrap="square" lIns="0" rtlCol="0" anchor="ctr">
+            <a:spAutoFit/>
+          </a:bodyPr>
+          <a:lstStyle/>
+          <a:p>
+            <a:pPr algn="ctr"/>
+            <a:endParaRPr lang="de-DE" sz="1600" b="0" dirty="0" err="1">
+              <a:solidFill>
+                <a:schemeClr val="tx1"/>
+              </a:solidFill>
+              <a:latin typeface="+mn-lt"/>
+            </a:endParaRPr>
+          </a:p>
+        </p:txBody>
+      </p:sp>
+      <p:sp>
+        <p:nvSpPr>
+          <p:cNvPr id="168" name="Rechteck 167">
+            <a:extLst>
+              <a:ext uri="{FF2B5EF4-FFF2-40B4-BE49-F238E27FC236}">
+                <a16:creationId xmlns:a16="http://schemas.microsoft.com/office/drawing/2014/main" id="{185B68D6-6A13-45E3-9166-DB4DD2510850}"/>
+              </a:ext>
+            </a:extLst>
+          </p:cNvPr>
+          <p:cNvSpPr/>
+          <p:nvPr/>
+        </p:nvSpPr>
+        <p:spPr>
+          <a:xfrm>
+            <a:off x="7518833" y="4757988"/>
+            <a:ext cx="661518" cy="665439"/>
+          </a:xfrm>
+          <a:prstGeom prst="rect">
+            <a:avLst/>
+          </a:prstGeom>
+          <a:solidFill>
+            <a:srgbClr val="B3DE84"/>
+          </a:solidFill>
+        </p:spPr>
+        <p:txBody>
+          <a:bodyPr wrap="square" lIns="0" rtlCol="0" anchor="ctr">
+            <a:spAutoFit/>
+          </a:bodyPr>
+          <a:lstStyle/>
+          <a:p>
+            <a:pPr algn="ctr"/>
+            <a:endParaRPr lang="de-DE" sz="1600" b="0" dirty="0" err="1">
+              <a:solidFill>
+                <a:schemeClr val="tx1"/>
+              </a:solidFill>
+              <a:latin typeface="+mn-lt"/>
+            </a:endParaRPr>
+          </a:p>
+        </p:txBody>
+      </p:sp>
+      <p:sp>
+        <p:nvSpPr>
+          <p:cNvPr id="169" name="Rechteck 168">
+            <a:extLst>
+              <a:ext uri="{FF2B5EF4-FFF2-40B4-BE49-F238E27FC236}">
+                <a16:creationId xmlns:a16="http://schemas.microsoft.com/office/drawing/2014/main" id="{C864BEE3-C40C-4FF4-85CC-A1FBB1C9A4F2}"/>
+              </a:ext>
+            </a:extLst>
+          </p:cNvPr>
+          <p:cNvSpPr/>
+          <p:nvPr/>
+        </p:nvSpPr>
+        <p:spPr>
+          <a:xfrm>
+            <a:off x="8192157" y="4759925"/>
+            <a:ext cx="661518" cy="665439"/>
+          </a:xfrm>
+          <a:prstGeom prst="rect">
+            <a:avLst/>
+          </a:prstGeom>
+          <a:solidFill>
+            <a:srgbClr val="B3DE84"/>
+          </a:solidFill>
+        </p:spPr>
+        <p:txBody>
+          <a:bodyPr wrap="square" lIns="0" rtlCol="0" anchor="ctr">
+            <a:spAutoFit/>
+          </a:bodyPr>
+          <a:lstStyle/>
+          <a:p>
+            <a:pPr algn="ctr"/>
+            <a:endParaRPr lang="de-DE" sz="1600" b="0" dirty="0" err="1">
+              <a:solidFill>
+                <a:schemeClr val="tx1"/>
+              </a:solidFill>
+              <a:latin typeface="+mn-lt"/>
+            </a:endParaRPr>
+          </a:p>
+        </p:txBody>
+      </p:sp>
+      <p:sp>
+        <p:nvSpPr>
+          <p:cNvPr id="161" name="Rechteck 160">
+            <a:extLst>
+              <a:ext uri="{FF2B5EF4-FFF2-40B4-BE49-F238E27FC236}">
+                <a16:creationId xmlns:a16="http://schemas.microsoft.com/office/drawing/2014/main" id="{C9BBBE9F-6C1E-4360-BA73-45457EF3697F}"/>
+              </a:ext>
+            </a:extLst>
+          </p:cNvPr>
+          <p:cNvSpPr/>
+          <p:nvPr/>
+        </p:nvSpPr>
+        <p:spPr>
+          <a:xfrm>
+            <a:off x="8192157" y="4089321"/>
+            <a:ext cx="661518" cy="665439"/>
+          </a:xfrm>
+          <a:prstGeom prst="rect">
+            <a:avLst/>
+          </a:prstGeom>
+          <a:solidFill>
+            <a:schemeClr val="accent3"/>
+          </a:solidFill>
+        </p:spPr>
+        <p:txBody>
+          <a:bodyPr wrap="square" lIns="0" rtlCol="0" anchor="ctr">
+            <a:spAutoFit/>
+          </a:bodyPr>
+          <a:lstStyle/>
+          <a:p>
+            <a:pPr algn="ctr"/>
+            <a:endParaRPr lang="de-DE" sz="1600" b="0" dirty="0" err="1">
+              <a:solidFill>
+                <a:schemeClr val="tx1"/>
+              </a:solidFill>
+              <a:latin typeface="+mn-lt"/>
+            </a:endParaRPr>
+          </a:p>
+        </p:txBody>
+      </p:sp>
+      <p:sp>
+        <p:nvSpPr>
+          <p:cNvPr id="170" name="Rechteck 169">
+            <a:extLst>
+              <a:ext uri="{FF2B5EF4-FFF2-40B4-BE49-F238E27FC236}">
+                <a16:creationId xmlns:a16="http://schemas.microsoft.com/office/drawing/2014/main" id="{A65E4ABD-BBF5-4361-8782-31E4939756BC}"/>
+              </a:ext>
+            </a:extLst>
+          </p:cNvPr>
+          <p:cNvSpPr/>
+          <p:nvPr/>
+        </p:nvSpPr>
+        <p:spPr>
+          <a:xfrm>
+            <a:off x="6853619" y="2074801"/>
+            <a:ext cx="661518" cy="665439"/>
+          </a:xfrm>
+          <a:prstGeom prst="rect">
+            <a:avLst/>
+          </a:prstGeom>
+          <a:solidFill>
+            <a:srgbClr val="B3DE84"/>
+          </a:solidFill>
+        </p:spPr>
+        <p:txBody>
+          <a:bodyPr wrap="square" lIns="0" rtlCol="0" anchor="ctr">
+            <a:spAutoFit/>
+          </a:bodyPr>
+          <a:lstStyle/>
+          <a:p>
+            <a:pPr algn="ctr"/>
+            <a:endParaRPr lang="de-DE" sz="1600" b="0" dirty="0" err="1">
+              <a:solidFill>
+                <a:schemeClr val="tx1"/>
+              </a:solidFill>
+              <a:latin typeface="+mn-lt"/>
+            </a:endParaRPr>
+          </a:p>
+        </p:txBody>
+      </p:sp>
+      <p:sp>
+        <p:nvSpPr>
+          <p:cNvPr id="171" name="Rechteck 170">
+            <a:extLst>
+              <a:ext uri="{FF2B5EF4-FFF2-40B4-BE49-F238E27FC236}">
+                <a16:creationId xmlns:a16="http://schemas.microsoft.com/office/drawing/2014/main" id="{7D59044F-B1B1-467F-9750-CB3BFB6467BC}"/>
+              </a:ext>
+            </a:extLst>
+          </p:cNvPr>
+          <p:cNvSpPr/>
+          <p:nvPr/>
+        </p:nvSpPr>
+        <p:spPr>
+          <a:xfrm>
+            <a:off x="7522053" y="2074801"/>
+            <a:ext cx="661518" cy="665439"/>
+          </a:xfrm>
+          <a:prstGeom prst="rect">
+            <a:avLst/>
+          </a:prstGeom>
+          <a:solidFill>
+            <a:srgbClr val="B3DE84"/>
+          </a:solidFill>
+        </p:spPr>
+        <p:txBody>
+          <a:bodyPr wrap="square" lIns="0" rtlCol="0" anchor="ctr">
+            <a:spAutoFit/>
+          </a:bodyPr>
+          <a:lstStyle/>
+          <a:p>
+            <a:pPr algn="ctr"/>
+            <a:endParaRPr lang="de-DE" sz="1600" b="0" dirty="0" err="1">
+              <a:solidFill>
+                <a:schemeClr val="tx1"/>
+              </a:solidFill>
+              <a:latin typeface="+mn-lt"/>
+            </a:endParaRPr>
+          </a:p>
+        </p:txBody>
+      </p:sp>
+      <p:sp>
+        <p:nvSpPr>
+          <p:cNvPr id="172" name="Rechteck 171">
+            <a:extLst>
+              <a:ext uri="{FF2B5EF4-FFF2-40B4-BE49-F238E27FC236}">
+                <a16:creationId xmlns:a16="http://schemas.microsoft.com/office/drawing/2014/main" id="{36CB2044-3ED1-4CB3-96AE-2BC5A75BAF3A}"/>
+              </a:ext>
+            </a:extLst>
+          </p:cNvPr>
+          <p:cNvSpPr/>
+          <p:nvPr/>
+        </p:nvSpPr>
+        <p:spPr>
+          <a:xfrm>
+            <a:off x="8195377" y="2076738"/>
+            <a:ext cx="661518" cy="665439"/>
+          </a:xfrm>
+          <a:prstGeom prst="rect">
+            <a:avLst/>
+          </a:prstGeom>
+          <a:solidFill>
+            <a:srgbClr val="B3DE84"/>
+          </a:solidFill>
+        </p:spPr>
+        <p:txBody>
+          <a:bodyPr wrap="square" lIns="0" rtlCol="0" anchor="ctr">
+            <a:spAutoFit/>
+          </a:bodyPr>
+          <a:lstStyle/>
+          <a:p>
+            <a:pPr algn="ctr"/>
+            <a:endParaRPr lang="de-DE" sz="1600" b="0" dirty="0" err="1">
+              <a:solidFill>
+                <a:schemeClr val="tx1"/>
+              </a:solidFill>
+              <a:latin typeface="+mn-lt"/>
+            </a:endParaRPr>
+          </a:p>
+        </p:txBody>
+      </p:sp>
+      <p:sp>
+        <p:nvSpPr>
+          <p:cNvPr id="173" name="Rechteck 172">
+            <a:extLst>
+              <a:ext uri="{FF2B5EF4-FFF2-40B4-BE49-F238E27FC236}">
+                <a16:creationId xmlns:a16="http://schemas.microsoft.com/office/drawing/2014/main" id="{3AABB6D9-4BC5-46BD-850B-FE1DE0E8342C}"/>
+              </a:ext>
+            </a:extLst>
+          </p:cNvPr>
+          <p:cNvSpPr/>
+          <p:nvPr/>
+        </p:nvSpPr>
+        <p:spPr>
+          <a:xfrm>
+            <a:off x="8861364" y="2073408"/>
+            <a:ext cx="661518" cy="665439"/>
+          </a:xfrm>
+          <a:prstGeom prst="rect">
+            <a:avLst/>
+          </a:prstGeom>
+          <a:solidFill>
+            <a:srgbClr val="B3DE84"/>
+          </a:solidFill>
+        </p:spPr>
+        <p:txBody>
+          <a:bodyPr wrap="square" lIns="0" rtlCol="0" anchor="ctr">
+            <a:spAutoFit/>
+          </a:bodyPr>
+          <a:lstStyle/>
+          <a:p>
+            <a:pPr algn="ctr"/>
+            <a:endParaRPr lang="de-DE" sz="1600" b="0" dirty="0" err="1">
+              <a:solidFill>
+                <a:schemeClr val="tx1"/>
+              </a:solidFill>
+              <a:latin typeface="+mn-lt"/>
+            </a:endParaRPr>
+          </a:p>
+        </p:txBody>
+      </p:sp>
+      <p:sp>
+        <p:nvSpPr>
+          <p:cNvPr id="174" name="Rechteck 173">
+            <a:extLst>
+              <a:ext uri="{FF2B5EF4-FFF2-40B4-BE49-F238E27FC236}">
+                <a16:creationId xmlns:a16="http://schemas.microsoft.com/office/drawing/2014/main" id="{08A59EC6-8892-47CB-A5DD-25A4D436FF15}"/>
+              </a:ext>
+            </a:extLst>
+          </p:cNvPr>
+          <p:cNvSpPr/>
+          <p:nvPr/>
+        </p:nvSpPr>
+        <p:spPr>
+          <a:xfrm>
+            <a:off x="8861364" y="2747680"/>
+            <a:ext cx="661518" cy="665439"/>
+          </a:xfrm>
+          <a:prstGeom prst="rect">
+            <a:avLst/>
+          </a:prstGeom>
+          <a:solidFill>
+            <a:srgbClr val="B3DE84"/>
+          </a:solidFill>
+        </p:spPr>
+        <p:txBody>
+          <a:bodyPr wrap="square" lIns="0" rtlCol="0" anchor="ctr">
+            <a:spAutoFit/>
+          </a:bodyPr>
+          <a:lstStyle/>
+          <a:p>
+            <a:pPr algn="ctr"/>
+            <a:endParaRPr lang="de-DE" sz="1600" b="0" dirty="0" err="1">
+              <a:solidFill>
+                <a:schemeClr val="tx1"/>
+              </a:solidFill>
+              <a:latin typeface="+mn-lt"/>
+            </a:endParaRPr>
+          </a:p>
+        </p:txBody>
+      </p:sp>
+      <p:sp>
+        <p:nvSpPr>
+          <p:cNvPr id="175" name="Rechteck 174">
+            <a:extLst>
+              <a:ext uri="{FF2B5EF4-FFF2-40B4-BE49-F238E27FC236}">
+                <a16:creationId xmlns:a16="http://schemas.microsoft.com/office/drawing/2014/main" id="{F806FEF5-7333-499E-86A4-98F118C55DB2}"/>
+              </a:ext>
+            </a:extLst>
+          </p:cNvPr>
+          <p:cNvSpPr/>
+          <p:nvPr/>
+        </p:nvSpPr>
+        <p:spPr>
+          <a:xfrm>
+            <a:off x="8856994" y="3414428"/>
+            <a:ext cx="661518" cy="665439"/>
+          </a:xfrm>
+          <a:prstGeom prst="rect">
+            <a:avLst/>
+          </a:prstGeom>
+          <a:solidFill>
+            <a:srgbClr val="B3DE84"/>
+          </a:solidFill>
+        </p:spPr>
+        <p:txBody>
+          <a:bodyPr wrap="square" lIns="0" rtlCol="0" anchor="ctr">
+            <a:spAutoFit/>
+          </a:bodyPr>
+          <a:lstStyle/>
+          <a:p>
+            <a:pPr algn="ctr"/>
+            <a:endParaRPr lang="de-DE" sz="1600" b="0" dirty="0" err="1">
+              <a:solidFill>
+                <a:schemeClr val="tx1"/>
+              </a:solidFill>
+              <a:latin typeface="+mn-lt"/>
+            </a:endParaRPr>
+          </a:p>
+        </p:txBody>
+      </p:sp>
+      <p:sp>
+        <p:nvSpPr>
+          <p:cNvPr id="176" name="Rechteck 175">
+            <a:extLst>
+              <a:ext uri="{FF2B5EF4-FFF2-40B4-BE49-F238E27FC236}">
+                <a16:creationId xmlns:a16="http://schemas.microsoft.com/office/drawing/2014/main" id="{DEC4A4CB-48AB-4865-B958-C99E61429A51}"/>
+              </a:ext>
+            </a:extLst>
+          </p:cNvPr>
+          <p:cNvSpPr/>
+          <p:nvPr/>
+        </p:nvSpPr>
+        <p:spPr>
+          <a:xfrm>
+            <a:off x="8852237" y="4091156"/>
+            <a:ext cx="661518" cy="665439"/>
+          </a:xfrm>
+          <a:prstGeom prst="rect">
+            <a:avLst/>
+          </a:prstGeom>
+          <a:solidFill>
+            <a:srgbClr val="B3DE84"/>
+          </a:solidFill>
+        </p:spPr>
+        <p:txBody>
+          <a:bodyPr wrap="square" lIns="0" rtlCol="0" anchor="ctr">
+            <a:spAutoFit/>
+          </a:bodyPr>
+          <a:lstStyle/>
+          <a:p>
+            <a:pPr algn="ctr"/>
+            <a:endParaRPr lang="de-DE" sz="1600" b="0" dirty="0" err="1">
+              <a:solidFill>
+                <a:schemeClr val="tx1"/>
+              </a:solidFill>
+              <a:latin typeface="+mn-lt"/>
+            </a:endParaRPr>
+          </a:p>
+        </p:txBody>
+      </p:sp>
+      <p:sp>
+        <p:nvSpPr>
+          <p:cNvPr id="177" name="Rechteck 176">
+            <a:extLst>
+              <a:ext uri="{FF2B5EF4-FFF2-40B4-BE49-F238E27FC236}">
+                <a16:creationId xmlns:a16="http://schemas.microsoft.com/office/drawing/2014/main" id="{02D6D823-09B2-48D3-8D6F-428432952F8B}"/>
+              </a:ext>
+            </a:extLst>
+          </p:cNvPr>
+          <p:cNvSpPr/>
+          <p:nvPr/>
+        </p:nvSpPr>
+        <p:spPr>
+          <a:xfrm>
+            <a:off x="8854031" y="4752376"/>
+            <a:ext cx="661518" cy="665439"/>
+          </a:xfrm>
+          <a:prstGeom prst="rect">
+            <a:avLst/>
+          </a:prstGeom>
+          <a:solidFill>
+            <a:srgbClr val="B3DE84"/>
+          </a:solidFill>
+        </p:spPr>
+        <p:txBody>
+          <a:bodyPr wrap="square" lIns="0" rtlCol="0" anchor="ctr">
+            <a:spAutoFit/>
+          </a:bodyPr>
+          <a:lstStyle/>
+          <a:p>
+            <a:pPr algn="ctr"/>
+            <a:endParaRPr lang="de-DE" sz="1600" b="0" dirty="0" err="1">
+              <a:solidFill>
+                <a:schemeClr val="tx1"/>
+              </a:solidFill>
+              <a:latin typeface="+mn-lt"/>
+            </a:endParaRPr>
+          </a:p>
+        </p:txBody>
+      </p:sp>
+      <p:sp>
+        <p:nvSpPr>
+          <p:cNvPr id="159" name="Rechteck 158">
+            <a:extLst>
+              <a:ext uri="{FF2B5EF4-FFF2-40B4-BE49-F238E27FC236}">
+                <a16:creationId xmlns:a16="http://schemas.microsoft.com/office/drawing/2014/main" id="{926EDE87-CAAB-4FA4-A393-23BF37469971}"/>
+              </a:ext>
+            </a:extLst>
+          </p:cNvPr>
+          <p:cNvSpPr/>
+          <p:nvPr/>
+        </p:nvSpPr>
+        <p:spPr>
+          <a:xfrm>
+            <a:off x="6850399" y="4087384"/>
+            <a:ext cx="661518" cy="665439"/>
+          </a:xfrm>
+          <a:prstGeom prst="rect">
+            <a:avLst/>
+          </a:prstGeom>
+          <a:solidFill>
+            <a:schemeClr val="accent3"/>
+          </a:solidFill>
+        </p:spPr>
+        <p:txBody>
+          <a:bodyPr wrap="square" lIns="0" rtlCol="0" anchor="ctr">
+            <a:spAutoFit/>
+          </a:bodyPr>
+          <a:lstStyle/>
+          <a:p>
+            <a:pPr algn="ctr"/>
+            <a:endParaRPr lang="de-DE" sz="1600" b="0" dirty="0" err="1">
+              <a:solidFill>
+                <a:schemeClr val="tx1"/>
+              </a:solidFill>
+              <a:latin typeface="+mn-lt"/>
+            </a:endParaRPr>
+          </a:p>
+        </p:txBody>
+      </p:sp>
+      <p:sp>
+        <p:nvSpPr>
+          <p:cNvPr id="160" name="Rechteck 159">
+            <a:extLst>
+              <a:ext uri="{FF2B5EF4-FFF2-40B4-BE49-F238E27FC236}">
+                <a16:creationId xmlns:a16="http://schemas.microsoft.com/office/drawing/2014/main" id="{51191B5D-E99D-4CEA-9C9B-231B148C0851}"/>
+              </a:ext>
+            </a:extLst>
+          </p:cNvPr>
+          <p:cNvSpPr/>
+          <p:nvPr/>
+        </p:nvSpPr>
+        <p:spPr>
+          <a:xfrm>
+            <a:off x="7518833" y="4087384"/>
+            <a:ext cx="661518" cy="665439"/>
+          </a:xfrm>
+          <a:prstGeom prst="rect">
+            <a:avLst/>
+          </a:prstGeom>
+          <a:solidFill>
+            <a:schemeClr val="accent3"/>
+          </a:solidFill>
+        </p:spPr>
+        <p:txBody>
+          <a:bodyPr wrap="square" lIns="0" rtlCol="0" anchor="ctr">
+            <a:spAutoFit/>
+          </a:bodyPr>
+          <a:lstStyle/>
+          <a:p>
+            <a:pPr algn="ctr"/>
+            <a:endParaRPr lang="de-DE" sz="1600" b="0" dirty="0" err="1">
+              <a:solidFill>
+                <a:schemeClr val="tx1"/>
+              </a:solidFill>
+              <a:latin typeface="+mn-lt"/>
+            </a:endParaRPr>
+          </a:p>
+        </p:txBody>
+      </p:sp>
+      <p:sp>
+        <p:nvSpPr>
+          <p:cNvPr id="162" name="Rechteck 161">
+            <a:extLst>
+              <a:ext uri="{FF2B5EF4-FFF2-40B4-BE49-F238E27FC236}">
+                <a16:creationId xmlns:a16="http://schemas.microsoft.com/office/drawing/2014/main" id="{8BCC6E92-9B4F-418B-AA38-B19B3794F9A9}"/>
+              </a:ext>
+            </a:extLst>
+          </p:cNvPr>
+          <p:cNvSpPr/>
+          <p:nvPr/>
+        </p:nvSpPr>
+        <p:spPr>
+          <a:xfrm>
+            <a:off x="8188550" y="3422326"/>
+            <a:ext cx="661518" cy="665439"/>
+          </a:xfrm>
+          <a:prstGeom prst="rect">
+            <a:avLst/>
+          </a:prstGeom>
+          <a:solidFill>
+            <a:schemeClr val="accent3"/>
+          </a:solidFill>
+        </p:spPr>
+        <p:txBody>
+          <a:bodyPr wrap="square" lIns="0" rtlCol="0" anchor="ctr">
+            <a:spAutoFit/>
+          </a:bodyPr>
+          <a:lstStyle/>
+          <a:p>
+            <a:pPr algn="ctr"/>
+            <a:endParaRPr lang="de-DE" sz="1600" b="0" dirty="0" err="1">
+              <a:solidFill>
+                <a:schemeClr val="tx1"/>
+              </a:solidFill>
+              <a:latin typeface="+mn-lt"/>
+            </a:endParaRPr>
+          </a:p>
+        </p:txBody>
+      </p:sp>
+      <p:sp>
+        <p:nvSpPr>
+          <p:cNvPr id="163" name="Rechteck 162">
+            <a:extLst>
+              <a:ext uri="{FF2B5EF4-FFF2-40B4-BE49-F238E27FC236}">
+                <a16:creationId xmlns:a16="http://schemas.microsoft.com/office/drawing/2014/main" id="{281B0BE9-C665-4BE4-8736-F8E4D6D4071D}"/>
+              </a:ext>
+            </a:extLst>
+          </p:cNvPr>
+          <p:cNvSpPr/>
+          <p:nvPr/>
+        </p:nvSpPr>
+        <p:spPr>
+          <a:xfrm>
+            <a:off x="7521129" y="3419305"/>
+            <a:ext cx="661518" cy="665439"/>
+          </a:xfrm>
+          <a:prstGeom prst="rect">
+            <a:avLst/>
+          </a:prstGeom>
+          <a:solidFill>
+            <a:schemeClr val="accent3"/>
+          </a:solidFill>
+        </p:spPr>
+        <p:txBody>
+          <a:bodyPr wrap="square" lIns="0" rtlCol="0" anchor="ctr">
+            <a:spAutoFit/>
+          </a:bodyPr>
+          <a:lstStyle/>
+          <a:p>
+            <a:pPr algn="ctr"/>
+            <a:endParaRPr lang="de-DE" sz="1600" b="0" dirty="0" err="1">
+              <a:solidFill>
+                <a:schemeClr val="tx1"/>
+              </a:solidFill>
+              <a:latin typeface="+mn-lt"/>
+            </a:endParaRPr>
+          </a:p>
+        </p:txBody>
+      </p:sp>
+      <p:sp>
+        <p:nvSpPr>
+          <p:cNvPr id="164" name="Rechteck 163">
+            <a:extLst>
+              <a:ext uri="{FF2B5EF4-FFF2-40B4-BE49-F238E27FC236}">
+                <a16:creationId xmlns:a16="http://schemas.microsoft.com/office/drawing/2014/main" id="{09AF2B32-30A0-4E34-B542-AD8367CC2E98}"/>
+              </a:ext>
+            </a:extLst>
+          </p:cNvPr>
+          <p:cNvSpPr/>
+          <p:nvPr/>
+        </p:nvSpPr>
+        <p:spPr>
+          <a:xfrm>
+            <a:off x="6846792" y="2746508"/>
+            <a:ext cx="661518" cy="665439"/>
+          </a:xfrm>
+          <a:prstGeom prst="rect">
+            <a:avLst/>
+          </a:prstGeom>
+          <a:solidFill>
+            <a:schemeClr val="accent3"/>
+          </a:solidFill>
+        </p:spPr>
+        <p:txBody>
+          <a:bodyPr wrap="square" lIns="0" rtlCol="0" anchor="ctr">
+            <a:spAutoFit/>
+          </a:bodyPr>
+          <a:lstStyle/>
+          <a:p>
+            <a:pPr algn="ctr"/>
+            <a:endParaRPr lang="de-DE" sz="1600" b="0" dirty="0" err="1">
+              <a:solidFill>
+                <a:schemeClr val="tx1"/>
+              </a:solidFill>
+              <a:latin typeface="+mn-lt"/>
+            </a:endParaRPr>
+          </a:p>
+        </p:txBody>
+      </p:sp>
+      <p:sp>
+        <p:nvSpPr>
+          <p:cNvPr id="165" name="Rechteck 164">
+            <a:extLst>
+              <a:ext uri="{FF2B5EF4-FFF2-40B4-BE49-F238E27FC236}">
+                <a16:creationId xmlns:a16="http://schemas.microsoft.com/office/drawing/2014/main" id="{B8AB7655-9B9F-4226-BF0E-EF477E92413A}"/>
+              </a:ext>
+            </a:extLst>
+          </p:cNvPr>
+          <p:cNvSpPr/>
+          <p:nvPr/>
+        </p:nvSpPr>
+        <p:spPr>
+          <a:xfrm>
+            <a:off x="7515226" y="2746508"/>
+            <a:ext cx="661518" cy="665439"/>
+          </a:xfrm>
+          <a:prstGeom prst="rect">
+            <a:avLst/>
+          </a:prstGeom>
+          <a:solidFill>
+            <a:schemeClr val="accent3"/>
+          </a:solidFill>
+        </p:spPr>
+        <p:txBody>
+          <a:bodyPr wrap="square" lIns="0" rtlCol="0" anchor="ctr">
+            <a:spAutoFit/>
+          </a:bodyPr>
+          <a:lstStyle/>
+          <a:p>
+            <a:pPr algn="ctr"/>
+            <a:endParaRPr lang="de-DE" sz="1600" b="0" dirty="0" err="1">
+              <a:solidFill>
+                <a:schemeClr val="tx1"/>
+              </a:solidFill>
+              <a:latin typeface="+mn-lt"/>
+            </a:endParaRPr>
+          </a:p>
+        </p:txBody>
+      </p:sp>
+      <p:sp>
+        <p:nvSpPr>
+          <p:cNvPr id="166" name="Rechteck 165">
+            <a:extLst>
+              <a:ext uri="{FF2B5EF4-FFF2-40B4-BE49-F238E27FC236}">
+                <a16:creationId xmlns:a16="http://schemas.microsoft.com/office/drawing/2014/main" id="{C78D00E1-A642-4A5A-BB92-27F54EE2FF62}"/>
+              </a:ext>
+            </a:extLst>
+          </p:cNvPr>
+          <p:cNvSpPr/>
+          <p:nvPr/>
+        </p:nvSpPr>
+        <p:spPr>
+          <a:xfrm>
+            <a:off x="8188550" y="2748445"/>
+            <a:ext cx="661518" cy="665439"/>
+          </a:xfrm>
+          <a:prstGeom prst="rect">
+            <a:avLst/>
+          </a:prstGeom>
+          <a:solidFill>
+            <a:schemeClr val="accent3"/>
+          </a:solidFill>
+        </p:spPr>
+        <p:txBody>
+          <a:bodyPr wrap="square" lIns="0" rtlCol="0" anchor="ctr">
+            <a:spAutoFit/>
+          </a:bodyPr>
+          <a:lstStyle/>
+          <a:p>
+            <a:pPr algn="ctr"/>
+            <a:endParaRPr lang="de-DE" sz="1600" b="0" dirty="0" err="1">
+              <a:solidFill>
+                <a:schemeClr val="tx1"/>
+              </a:solidFill>
+              <a:latin typeface="+mn-lt"/>
+            </a:endParaRPr>
+          </a:p>
+        </p:txBody>
+      </p:sp>
+      <p:sp>
+        <p:nvSpPr>
+          <p:cNvPr id="158" name="Rechteck 157">
+            <a:extLst>
+              <a:ext uri="{FF2B5EF4-FFF2-40B4-BE49-F238E27FC236}">
+                <a16:creationId xmlns:a16="http://schemas.microsoft.com/office/drawing/2014/main" id="{6D4632F6-9B91-4D32-B4C7-1A136BDC1CD7}"/>
+              </a:ext>
+            </a:extLst>
+          </p:cNvPr>
+          <p:cNvSpPr/>
+          <p:nvPr/>
+        </p:nvSpPr>
+        <p:spPr>
+          <a:xfrm>
+            <a:off x="6852029" y="3421644"/>
+            <a:ext cx="661518" cy="665439"/>
+          </a:xfrm>
+          <a:prstGeom prst="rect">
+            <a:avLst/>
+          </a:prstGeom>
+          <a:solidFill>
+            <a:schemeClr val="accent3"/>
+          </a:solidFill>
+        </p:spPr>
+        <p:txBody>
+          <a:bodyPr wrap="square" lIns="0" rtlCol="0" anchor="ctr">
+            <a:spAutoFit/>
+          </a:bodyPr>
+          <a:lstStyle/>
+          <a:p>
+            <a:pPr algn="ctr"/>
+            <a:endParaRPr lang="de-DE" sz="1600" b="0" dirty="0" err="1">
+              <a:solidFill>
+                <a:schemeClr val="tx1"/>
+              </a:solidFill>
+              <a:latin typeface="+mn-lt"/>
+            </a:endParaRPr>
+          </a:p>
+        </p:txBody>
+      </p:sp>
+      <p:sp>
+        <p:nvSpPr>
           <p:cNvPr id="2" name="Titel 1">
             <a:extLst>
               <a:ext uri="{FF2B5EF4-FFF2-40B4-BE49-F238E27FC236}">
@@ -7424,7 +8255,7 @@
           <a:p>
             <a:r>
               <a:rPr lang="de-DE" dirty="0"/>
-              <a:t>Abfrage-Messungen</a:t>
+              <a:t>Abfrage Umkreis</a:t>
             </a:r>
           </a:p>
         </p:txBody>
@@ -7445,15 +8276,120 @@
             <p:ph idx="1"/>
           </p:nvPr>
         </p:nvSpPr>
-        <p:spPr/>
+        <p:spPr>
+          <a:xfrm>
+            <a:off x="681601" y="1196752"/>
+            <a:ext cx="5707180" cy="5040560"/>
+          </a:xfrm>
+        </p:spPr>
         <p:txBody>
           <a:bodyPr/>
           <a:lstStyle/>
           <a:p>
             <a:r>
               <a:rPr lang="de-DE" dirty="0"/>
-              <a:t>…</a:t>
+              <a:t>Wie viele Partikel sind in bestimmter Kugel mit Radius r?</a:t>
             </a:r>
+          </a:p>
+          <a:p>
+            <a:r>
+              <a:rPr lang="de-DE" dirty="0"/>
+              <a:t>Zellen die mit </a:t>
+            </a:r>
+            <a:r>
+              <a:rPr lang="de-DE" dirty="0" err="1"/>
+              <a:t>Bounding</a:t>
+            </a:r>
+            <a:r>
+              <a:rPr lang="de-DE" dirty="0"/>
+              <a:t>-Box des Kreises überschneiden werden ermittelt</a:t>
+            </a:r>
+          </a:p>
+          <a:p>
+            <a:r>
+              <a:rPr lang="de-DE" dirty="0"/>
+              <a:t>Umliegende Zellen werden ermittelt</a:t>
+            </a:r>
+          </a:p>
+          <a:p>
+            <a:r>
+              <a:rPr lang="de-DE" dirty="0"/>
+              <a:t>Thread wird für jede dieser Zellen gestartet</a:t>
+            </a:r>
+          </a:p>
+          <a:p>
+            <a:r>
+              <a:rPr lang="de-DE" dirty="0"/>
+              <a:t>Abstand der entsprechenden Partikel zum Mittelpunkt wird berechnet</a:t>
+            </a:r>
+          </a:p>
+          <a:p>
+            <a:endParaRPr lang="de-DE" dirty="0"/>
+          </a:p>
+          <a:p>
+            <a:r>
+              <a:rPr lang="de-DE" dirty="0"/>
+              <a:t>Mögliche Optimierung: Zellen die nicht den Kreis schneiden können und welche bei denen alle Partikel auf jeden Fall im Kreis nicht extra prüfen</a:t>
+            </a:r>
+          </a:p>
+          <a:p>
+            <a:endParaRPr lang="de-DE" dirty="0"/>
+          </a:p>
+        </p:txBody>
+      </p:sp>
+      <p:sp>
+        <p:nvSpPr>
+          <p:cNvPr id="157" name="Ellipse 156">
+            <a:extLst>
+              <a:ext uri="{FF2B5EF4-FFF2-40B4-BE49-F238E27FC236}">
+                <a16:creationId xmlns:a16="http://schemas.microsoft.com/office/drawing/2014/main" id="{23069289-B608-4DAE-876B-69E99B42CC0A}"/>
+              </a:ext>
+            </a:extLst>
+          </p:cNvPr>
+          <p:cNvSpPr/>
+          <p:nvPr/>
+        </p:nvSpPr>
+        <p:spPr>
+          <a:xfrm>
+            <a:off x="7209349" y="3119838"/>
+            <a:ext cx="1581648" cy="1581648"/>
+          </a:xfrm>
+          <a:prstGeom prst="ellipse">
+            <a:avLst/>
+          </a:prstGeom>
+          <a:solidFill>
+            <a:srgbClr val="DAE8FA">
+              <a:alpha val="74118"/>
+            </a:srgbClr>
+          </a:solidFill>
+        </p:spPr>
+        <p:style>
+          <a:lnRef idx="2">
+            <a:schemeClr val="dk1"/>
+          </a:lnRef>
+          <a:fillRef idx="1">
+            <a:schemeClr val="lt1"/>
+          </a:fillRef>
+          <a:effectRef idx="0">
+            <a:schemeClr val="dk1"/>
+          </a:effectRef>
+          <a:fontRef idx="minor">
+            <a:schemeClr val="dk1"/>
+          </a:fontRef>
+        </p:style>
+        <p:txBody>
+          <a:bodyPr wrap="square" lIns="0" rtlCol="0" anchor="ctr">
+            <a:spAutoFit/>
+          </a:bodyPr>
+          <a:lstStyle/>
+          <a:p>
+            <a:pPr algn="ctr"/>
+            <a:endParaRPr lang="de-DE" sz="1600" b="0" dirty="0" err="1">
+              <a:solidFill>
+                <a:schemeClr val="tx1"/>
+              </a:solidFill>
+              <a:latin typeface="+mn-lt"/>
+            </a:endParaRPr>
           </a:p>
         </p:txBody>
       </p:sp>
@@ -7479,10 +8415,9 @@
           <a:lstStyle/>
           <a:p>
             <a:r>
-              <a:rPr lang="de-DE"/>
+              <a:rPr lang="de-DE" dirty="0"/>
               <a:t>23.01.2018</a:t>
             </a:r>
-            <a:endParaRPr lang="de-DE" dirty="0"/>
           </a:p>
         </p:txBody>
       </p:sp>
@@ -7557,6 +8492,3974 @@
           </a:p>
         </p:txBody>
       </p:sp>
+      <p:sp>
+        <p:nvSpPr>
+          <p:cNvPr id="17" name="Rechteck 16">
+            <a:extLst>
+              <a:ext uri="{FF2B5EF4-FFF2-40B4-BE49-F238E27FC236}">
+                <a16:creationId xmlns:a16="http://schemas.microsoft.com/office/drawing/2014/main" id="{28EE24AB-FB1F-4A98-B2DF-693A7C1FFB8B}"/>
+              </a:ext>
+            </a:extLst>
+          </p:cNvPr>
+          <p:cNvSpPr/>
+          <p:nvPr/>
+        </p:nvSpPr>
+        <p:spPr>
+          <a:xfrm>
+            <a:off x="6845101" y="1406939"/>
+            <a:ext cx="670036" cy="670036"/>
+          </a:xfrm>
+          <a:prstGeom prst="rect">
+            <a:avLst/>
+          </a:prstGeom>
+          <a:noFill/>
+        </p:spPr>
+        <p:style>
+          <a:lnRef idx="2">
+            <a:schemeClr val="dk1"/>
+          </a:lnRef>
+          <a:fillRef idx="1">
+            <a:schemeClr val="lt1"/>
+          </a:fillRef>
+          <a:effectRef idx="0">
+            <a:schemeClr val="dk1"/>
+          </a:effectRef>
+          <a:fontRef idx="minor">
+            <a:schemeClr val="dk1"/>
+          </a:fontRef>
+        </p:style>
+        <p:txBody>
+          <a:bodyPr wrap="square" lIns="0" rtlCol="0" anchor="ctr">
+            <a:spAutoFit/>
+          </a:bodyPr>
+          <a:lstStyle/>
+          <a:p>
+            <a:pPr algn="ctr"/>
+            <a:endParaRPr lang="de-DE" sz="1600" b="0" dirty="0">
+              <a:solidFill>
+                <a:schemeClr val="tx1"/>
+              </a:solidFill>
+              <a:latin typeface="+mn-lt"/>
+            </a:endParaRPr>
+          </a:p>
+        </p:txBody>
+      </p:sp>
+      <p:sp>
+        <p:nvSpPr>
+          <p:cNvPr id="18" name="Rechteck 17">
+            <a:extLst>
+              <a:ext uri="{FF2B5EF4-FFF2-40B4-BE49-F238E27FC236}">
+                <a16:creationId xmlns:a16="http://schemas.microsoft.com/office/drawing/2014/main" id="{7BC59D99-B6B8-43D5-832B-C4F24287075C}"/>
+              </a:ext>
+            </a:extLst>
+          </p:cNvPr>
+          <p:cNvSpPr/>
+          <p:nvPr/>
+        </p:nvSpPr>
+        <p:spPr>
+          <a:xfrm>
+            <a:off x="7513548" y="1406939"/>
+            <a:ext cx="670036" cy="670036"/>
+          </a:xfrm>
+          <a:prstGeom prst="rect">
+            <a:avLst/>
+          </a:prstGeom>
+          <a:noFill/>
+        </p:spPr>
+        <p:style>
+          <a:lnRef idx="2">
+            <a:schemeClr val="dk1"/>
+          </a:lnRef>
+          <a:fillRef idx="1">
+            <a:schemeClr val="lt1"/>
+          </a:fillRef>
+          <a:effectRef idx="0">
+            <a:schemeClr val="dk1"/>
+          </a:effectRef>
+          <a:fontRef idx="minor">
+            <a:schemeClr val="dk1"/>
+          </a:fontRef>
+        </p:style>
+        <p:txBody>
+          <a:bodyPr wrap="square" lIns="0" rtlCol="0" anchor="ctr">
+            <a:spAutoFit/>
+          </a:bodyPr>
+          <a:lstStyle/>
+          <a:p>
+            <a:pPr algn="ctr"/>
+            <a:endParaRPr lang="de-DE" sz="1600" b="0" dirty="0">
+              <a:solidFill>
+                <a:schemeClr val="tx1"/>
+              </a:solidFill>
+              <a:latin typeface="+mn-lt"/>
+            </a:endParaRPr>
+          </a:p>
+        </p:txBody>
+      </p:sp>
+      <p:sp>
+        <p:nvSpPr>
+          <p:cNvPr id="19" name="Rechteck 18">
+            <a:extLst>
+              <a:ext uri="{FF2B5EF4-FFF2-40B4-BE49-F238E27FC236}">
+                <a16:creationId xmlns:a16="http://schemas.microsoft.com/office/drawing/2014/main" id="{DD1F663C-A257-4BD5-9913-1B05A2B45AEE}"/>
+              </a:ext>
+            </a:extLst>
+          </p:cNvPr>
+          <p:cNvSpPr/>
+          <p:nvPr/>
+        </p:nvSpPr>
+        <p:spPr>
+          <a:xfrm>
+            <a:off x="8181995" y="1406939"/>
+            <a:ext cx="670036" cy="670036"/>
+          </a:xfrm>
+          <a:prstGeom prst="rect">
+            <a:avLst/>
+          </a:prstGeom>
+          <a:noFill/>
+        </p:spPr>
+        <p:style>
+          <a:lnRef idx="2">
+            <a:schemeClr val="dk1"/>
+          </a:lnRef>
+          <a:fillRef idx="1">
+            <a:schemeClr val="lt1"/>
+          </a:fillRef>
+          <a:effectRef idx="0">
+            <a:schemeClr val="dk1"/>
+          </a:effectRef>
+          <a:fontRef idx="minor">
+            <a:schemeClr val="dk1"/>
+          </a:fontRef>
+        </p:style>
+        <p:txBody>
+          <a:bodyPr wrap="square" lIns="0" rtlCol="0" anchor="ctr">
+            <a:spAutoFit/>
+          </a:bodyPr>
+          <a:lstStyle/>
+          <a:p>
+            <a:pPr algn="ctr"/>
+            <a:endParaRPr lang="de-DE" sz="1600" b="0" dirty="0" err="1">
+              <a:solidFill>
+                <a:schemeClr val="tx1"/>
+              </a:solidFill>
+              <a:latin typeface="+mn-lt"/>
+            </a:endParaRPr>
+          </a:p>
+        </p:txBody>
+      </p:sp>
+      <p:sp>
+        <p:nvSpPr>
+          <p:cNvPr id="20" name="Rechteck 19">
+            <a:extLst>
+              <a:ext uri="{FF2B5EF4-FFF2-40B4-BE49-F238E27FC236}">
+                <a16:creationId xmlns:a16="http://schemas.microsoft.com/office/drawing/2014/main" id="{64A0F7CE-3A73-4F06-AA4F-F2FDAA73C3D1}"/>
+              </a:ext>
+            </a:extLst>
+          </p:cNvPr>
+          <p:cNvSpPr/>
+          <p:nvPr/>
+        </p:nvSpPr>
+        <p:spPr>
+          <a:xfrm>
+            <a:off x="8850442" y="1406939"/>
+            <a:ext cx="670036" cy="670036"/>
+          </a:xfrm>
+          <a:prstGeom prst="rect">
+            <a:avLst/>
+          </a:prstGeom>
+          <a:noFill/>
+        </p:spPr>
+        <p:style>
+          <a:lnRef idx="2">
+            <a:schemeClr val="dk1"/>
+          </a:lnRef>
+          <a:fillRef idx="1">
+            <a:schemeClr val="lt1"/>
+          </a:fillRef>
+          <a:effectRef idx="0">
+            <a:schemeClr val="dk1"/>
+          </a:effectRef>
+          <a:fontRef idx="minor">
+            <a:schemeClr val="dk1"/>
+          </a:fontRef>
+        </p:style>
+        <p:txBody>
+          <a:bodyPr wrap="square" lIns="0" rtlCol="0" anchor="ctr">
+            <a:spAutoFit/>
+          </a:bodyPr>
+          <a:lstStyle/>
+          <a:p>
+            <a:pPr algn="ctr"/>
+            <a:endParaRPr lang="de-DE" sz="1600" b="0" dirty="0" err="1">
+              <a:solidFill>
+                <a:schemeClr val="tx1"/>
+              </a:solidFill>
+              <a:latin typeface="+mn-lt"/>
+            </a:endParaRPr>
+          </a:p>
+        </p:txBody>
+      </p:sp>
+      <p:sp>
+        <p:nvSpPr>
+          <p:cNvPr id="21" name="Rechteck 20">
+            <a:extLst>
+              <a:ext uri="{FF2B5EF4-FFF2-40B4-BE49-F238E27FC236}">
+                <a16:creationId xmlns:a16="http://schemas.microsoft.com/office/drawing/2014/main" id="{34BE8518-DF26-43F1-A379-BFC04364E700}"/>
+              </a:ext>
+            </a:extLst>
+          </p:cNvPr>
+          <p:cNvSpPr/>
+          <p:nvPr/>
+        </p:nvSpPr>
+        <p:spPr>
+          <a:xfrm>
+            <a:off x="9518889" y="1406939"/>
+            <a:ext cx="670036" cy="670036"/>
+          </a:xfrm>
+          <a:prstGeom prst="rect">
+            <a:avLst/>
+          </a:prstGeom>
+          <a:noFill/>
+        </p:spPr>
+        <p:style>
+          <a:lnRef idx="2">
+            <a:schemeClr val="dk1"/>
+          </a:lnRef>
+          <a:fillRef idx="1">
+            <a:schemeClr val="lt1"/>
+          </a:fillRef>
+          <a:effectRef idx="0">
+            <a:schemeClr val="dk1"/>
+          </a:effectRef>
+          <a:fontRef idx="minor">
+            <a:schemeClr val="dk1"/>
+          </a:fontRef>
+        </p:style>
+        <p:txBody>
+          <a:bodyPr wrap="square" lIns="0" rtlCol="0" anchor="ctr">
+            <a:spAutoFit/>
+          </a:bodyPr>
+          <a:lstStyle/>
+          <a:p>
+            <a:pPr algn="ctr"/>
+            <a:endParaRPr lang="de-DE" sz="1600" b="0" dirty="0" err="1">
+              <a:solidFill>
+                <a:schemeClr val="tx1"/>
+              </a:solidFill>
+              <a:latin typeface="+mn-lt"/>
+            </a:endParaRPr>
+          </a:p>
+        </p:txBody>
+      </p:sp>
+      <p:sp>
+        <p:nvSpPr>
+          <p:cNvPr id="22" name="Rechteck 21">
+            <a:extLst>
+              <a:ext uri="{FF2B5EF4-FFF2-40B4-BE49-F238E27FC236}">
+                <a16:creationId xmlns:a16="http://schemas.microsoft.com/office/drawing/2014/main" id="{2F4B7852-2BDB-4E6B-880A-2B8DC73E9F2F}"/>
+              </a:ext>
+            </a:extLst>
+          </p:cNvPr>
+          <p:cNvSpPr/>
+          <p:nvPr/>
+        </p:nvSpPr>
+        <p:spPr>
+          <a:xfrm>
+            <a:off x="10187336" y="1406939"/>
+            <a:ext cx="670036" cy="670036"/>
+          </a:xfrm>
+          <a:prstGeom prst="rect">
+            <a:avLst/>
+          </a:prstGeom>
+          <a:noFill/>
+        </p:spPr>
+        <p:style>
+          <a:lnRef idx="2">
+            <a:schemeClr val="dk1"/>
+          </a:lnRef>
+          <a:fillRef idx="1">
+            <a:schemeClr val="lt1"/>
+          </a:fillRef>
+          <a:effectRef idx="0">
+            <a:schemeClr val="dk1"/>
+          </a:effectRef>
+          <a:fontRef idx="minor">
+            <a:schemeClr val="dk1"/>
+          </a:fontRef>
+        </p:style>
+        <p:txBody>
+          <a:bodyPr wrap="square" lIns="0" rtlCol="0" anchor="ctr">
+            <a:spAutoFit/>
+          </a:bodyPr>
+          <a:lstStyle/>
+          <a:p>
+            <a:pPr algn="ctr"/>
+            <a:endParaRPr lang="de-DE" sz="1600" b="0" dirty="0" err="1">
+              <a:solidFill>
+                <a:schemeClr val="tx1"/>
+              </a:solidFill>
+              <a:latin typeface="+mn-lt"/>
+            </a:endParaRPr>
+          </a:p>
+        </p:txBody>
+      </p:sp>
+      <p:sp>
+        <p:nvSpPr>
+          <p:cNvPr id="23" name="Rechteck 22">
+            <a:extLst>
+              <a:ext uri="{FF2B5EF4-FFF2-40B4-BE49-F238E27FC236}">
+                <a16:creationId xmlns:a16="http://schemas.microsoft.com/office/drawing/2014/main" id="{4AEC4CD1-3A65-4479-B249-019F219D5920}"/>
+              </a:ext>
+            </a:extLst>
+          </p:cNvPr>
+          <p:cNvSpPr/>
+          <p:nvPr/>
+        </p:nvSpPr>
+        <p:spPr>
+          <a:xfrm>
+            <a:off x="10855781" y="1406939"/>
+            <a:ext cx="670036" cy="670036"/>
+          </a:xfrm>
+          <a:prstGeom prst="rect">
+            <a:avLst/>
+          </a:prstGeom>
+          <a:noFill/>
+        </p:spPr>
+        <p:style>
+          <a:lnRef idx="2">
+            <a:schemeClr val="dk1"/>
+          </a:lnRef>
+          <a:fillRef idx="1">
+            <a:schemeClr val="lt1"/>
+          </a:fillRef>
+          <a:effectRef idx="0">
+            <a:schemeClr val="dk1"/>
+          </a:effectRef>
+          <a:fontRef idx="minor">
+            <a:schemeClr val="dk1"/>
+          </a:fontRef>
+        </p:style>
+        <p:txBody>
+          <a:bodyPr wrap="square" lIns="0" rtlCol="0" anchor="ctr">
+            <a:spAutoFit/>
+          </a:bodyPr>
+          <a:lstStyle/>
+          <a:p>
+            <a:pPr algn="ctr"/>
+            <a:endParaRPr lang="de-DE" sz="1600" b="0" dirty="0" err="1">
+              <a:solidFill>
+                <a:schemeClr val="tx1"/>
+              </a:solidFill>
+              <a:latin typeface="+mn-lt"/>
+            </a:endParaRPr>
+          </a:p>
+        </p:txBody>
+      </p:sp>
+      <p:sp>
+        <p:nvSpPr>
+          <p:cNvPr id="24" name="Rechteck 23">
+            <a:extLst>
+              <a:ext uri="{FF2B5EF4-FFF2-40B4-BE49-F238E27FC236}">
+                <a16:creationId xmlns:a16="http://schemas.microsoft.com/office/drawing/2014/main" id="{355F4646-22C4-4A53-900F-A943684394A5}"/>
+              </a:ext>
+            </a:extLst>
+          </p:cNvPr>
+          <p:cNvSpPr/>
+          <p:nvPr/>
+        </p:nvSpPr>
+        <p:spPr>
+          <a:xfrm>
+            <a:off x="6845102" y="2076975"/>
+            <a:ext cx="670036" cy="670036"/>
+          </a:xfrm>
+          <a:prstGeom prst="rect">
+            <a:avLst/>
+          </a:prstGeom>
+          <a:noFill/>
+        </p:spPr>
+        <p:style>
+          <a:lnRef idx="2">
+            <a:schemeClr val="dk1"/>
+          </a:lnRef>
+          <a:fillRef idx="1">
+            <a:schemeClr val="lt1"/>
+          </a:fillRef>
+          <a:effectRef idx="0">
+            <a:schemeClr val="dk1"/>
+          </a:effectRef>
+          <a:fontRef idx="minor">
+            <a:schemeClr val="dk1"/>
+          </a:fontRef>
+        </p:style>
+        <p:txBody>
+          <a:bodyPr wrap="square" lIns="0" rtlCol="0" anchor="ctr">
+            <a:spAutoFit/>
+          </a:bodyPr>
+          <a:lstStyle/>
+          <a:p>
+            <a:pPr algn="ctr"/>
+            <a:endParaRPr lang="de-DE" sz="1600" b="0" dirty="0" err="1">
+              <a:solidFill>
+                <a:schemeClr val="tx1"/>
+              </a:solidFill>
+              <a:latin typeface="+mn-lt"/>
+            </a:endParaRPr>
+          </a:p>
+        </p:txBody>
+      </p:sp>
+      <p:sp>
+        <p:nvSpPr>
+          <p:cNvPr id="25" name="Rechteck 24">
+            <a:extLst>
+              <a:ext uri="{FF2B5EF4-FFF2-40B4-BE49-F238E27FC236}">
+                <a16:creationId xmlns:a16="http://schemas.microsoft.com/office/drawing/2014/main" id="{94B63B3C-7483-4EF8-8477-59003D4665AA}"/>
+              </a:ext>
+            </a:extLst>
+          </p:cNvPr>
+          <p:cNvSpPr/>
+          <p:nvPr/>
+        </p:nvSpPr>
+        <p:spPr>
+          <a:xfrm>
+            <a:off x="7513549" y="2076975"/>
+            <a:ext cx="670036" cy="670036"/>
+          </a:xfrm>
+          <a:prstGeom prst="rect">
+            <a:avLst/>
+          </a:prstGeom>
+          <a:noFill/>
+        </p:spPr>
+        <p:style>
+          <a:lnRef idx="2">
+            <a:schemeClr val="dk1"/>
+          </a:lnRef>
+          <a:fillRef idx="1">
+            <a:schemeClr val="lt1"/>
+          </a:fillRef>
+          <a:effectRef idx="0">
+            <a:schemeClr val="dk1"/>
+          </a:effectRef>
+          <a:fontRef idx="minor">
+            <a:schemeClr val="dk1"/>
+          </a:fontRef>
+        </p:style>
+        <p:txBody>
+          <a:bodyPr wrap="square" lIns="0" rtlCol="0" anchor="ctr">
+            <a:spAutoFit/>
+          </a:bodyPr>
+          <a:lstStyle/>
+          <a:p>
+            <a:pPr algn="ctr"/>
+            <a:endParaRPr lang="de-DE" sz="1600" b="0" dirty="0" err="1">
+              <a:solidFill>
+                <a:schemeClr val="tx1"/>
+              </a:solidFill>
+              <a:latin typeface="+mn-lt"/>
+            </a:endParaRPr>
+          </a:p>
+        </p:txBody>
+      </p:sp>
+      <p:sp>
+        <p:nvSpPr>
+          <p:cNvPr id="26" name="Rechteck 25">
+            <a:extLst>
+              <a:ext uri="{FF2B5EF4-FFF2-40B4-BE49-F238E27FC236}">
+                <a16:creationId xmlns:a16="http://schemas.microsoft.com/office/drawing/2014/main" id="{C83338E8-0C9C-44E7-A1CC-EEF18D4C6880}"/>
+              </a:ext>
+            </a:extLst>
+          </p:cNvPr>
+          <p:cNvSpPr/>
+          <p:nvPr/>
+        </p:nvSpPr>
+        <p:spPr>
+          <a:xfrm>
+            <a:off x="8181996" y="2076975"/>
+            <a:ext cx="670036" cy="670036"/>
+          </a:xfrm>
+          <a:prstGeom prst="rect">
+            <a:avLst/>
+          </a:prstGeom>
+          <a:noFill/>
+        </p:spPr>
+        <p:style>
+          <a:lnRef idx="2">
+            <a:schemeClr val="dk1"/>
+          </a:lnRef>
+          <a:fillRef idx="1">
+            <a:schemeClr val="lt1"/>
+          </a:fillRef>
+          <a:effectRef idx="0">
+            <a:schemeClr val="dk1"/>
+          </a:effectRef>
+          <a:fontRef idx="minor">
+            <a:schemeClr val="dk1"/>
+          </a:fontRef>
+        </p:style>
+        <p:txBody>
+          <a:bodyPr wrap="square" lIns="0" rtlCol="0" anchor="ctr">
+            <a:spAutoFit/>
+          </a:bodyPr>
+          <a:lstStyle/>
+          <a:p>
+            <a:pPr algn="ctr"/>
+            <a:endParaRPr lang="de-DE" sz="1600" b="0" dirty="0" err="1">
+              <a:solidFill>
+                <a:schemeClr val="tx1"/>
+              </a:solidFill>
+              <a:latin typeface="+mn-lt"/>
+            </a:endParaRPr>
+          </a:p>
+        </p:txBody>
+      </p:sp>
+      <p:sp>
+        <p:nvSpPr>
+          <p:cNvPr id="27" name="Rechteck 26">
+            <a:extLst>
+              <a:ext uri="{FF2B5EF4-FFF2-40B4-BE49-F238E27FC236}">
+                <a16:creationId xmlns:a16="http://schemas.microsoft.com/office/drawing/2014/main" id="{B07E962C-A54F-48A5-830E-75FDC46C21B4}"/>
+              </a:ext>
+            </a:extLst>
+          </p:cNvPr>
+          <p:cNvSpPr/>
+          <p:nvPr/>
+        </p:nvSpPr>
+        <p:spPr>
+          <a:xfrm>
+            <a:off x="8850443" y="2076975"/>
+            <a:ext cx="670036" cy="670036"/>
+          </a:xfrm>
+          <a:prstGeom prst="rect">
+            <a:avLst/>
+          </a:prstGeom>
+          <a:noFill/>
+        </p:spPr>
+        <p:style>
+          <a:lnRef idx="2">
+            <a:schemeClr val="dk1"/>
+          </a:lnRef>
+          <a:fillRef idx="1">
+            <a:schemeClr val="lt1"/>
+          </a:fillRef>
+          <a:effectRef idx="0">
+            <a:schemeClr val="dk1"/>
+          </a:effectRef>
+          <a:fontRef idx="minor">
+            <a:schemeClr val="dk1"/>
+          </a:fontRef>
+        </p:style>
+        <p:txBody>
+          <a:bodyPr wrap="square" lIns="0" rtlCol="0" anchor="ctr">
+            <a:spAutoFit/>
+          </a:bodyPr>
+          <a:lstStyle/>
+          <a:p>
+            <a:pPr algn="ctr"/>
+            <a:endParaRPr lang="de-DE" sz="1600" b="0" dirty="0" err="1">
+              <a:solidFill>
+                <a:schemeClr val="tx1"/>
+              </a:solidFill>
+              <a:latin typeface="+mn-lt"/>
+            </a:endParaRPr>
+          </a:p>
+        </p:txBody>
+      </p:sp>
+      <p:sp>
+        <p:nvSpPr>
+          <p:cNvPr id="28" name="Rechteck 27">
+            <a:extLst>
+              <a:ext uri="{FF2B5EF4-FFF2-40B4-BE49-F238E27FC236}">
+                <a16:creationId xmlns:a16="http://schemas.microsoft.com/office/drawing/2014/main" id="{211862F6-9DF9-4DF5-9146-5C5102A429B4}"/>
+              </a:ext>
+            </a:extLst>
+          </p:cNvPr>
+          <p:cNvSpPr/>
+          <p:nvPr/>
+        </p:nvSpPr>
+        <p:spPr>
+          <a:xfrm>
+            <a:off x="9518890" y="2076975"/>
+            <a:ext cx="670036" cy="670036"/>
+          </a:xfrm>
+          <a:prstGeom prst="rect">
+            <a:avLst/>
+          </a:prstGeom>
+          <a:noFill/>
+        </p:spPr>
+        <p:style>
+          <a:lnRef idx="2">
+            <a:schemeClr val="dk1"/>
+          </a:lnRef>
+          <a:fillRef idx="1">
+            <a:schemeClr val="lt1"/>
+          </a:fillRef>
+          <a:effectRef idx="0">
+            <a:schemeClr val="dk1"/>
+          </a:effectRef>
+          <a:fontRef idx="minor">
+            <a:schemeClr val="dk1"/>
+          </a:fontRef>
+        </p:style>
+        <p:txBody>
+          <a:bodyPr wrap="square" lIns="0" rtlCol="0" anchor="ctr">
+            <a:spAutoFit/>
+          </a:bodyPr>
+          <a:lstStyle/>
+          <a:p>
+            <a:pPr algn="ctr"/>
+            <a:endParaRPr lang="de-DE" sz="1600" b="0" dirty="0" err="1">
+              <a:solidFill>
+                <a:schemeClr val="tx1"/>
+              </a:solidFill>
+              <a:latin typeface="+mn-lt"/>
+            </a:endParaRPr>
+          </a:p>
+        </p:txBody>
+      </p:sp>
+      <p:sp>
+        <p:nvSpPr>
+          <p:cNvPr id="29" name="Rechteck 28">
+            <a:extLst>
+              <a:ext uri="{FF2B5EF4-FFF2-40B4-BE49-F238E27FC236}">
+                <a16:creationId xmlns:a16="http://schemas.microsoft.com/office/drawing/2014/main" id="{331C214E-A4F6-4AA8-868B-0E884DBB23B7}"/>
+              </a:ext>
+            </a:extLst>
+          </p:cNvPr>
+          <p:cNvSpPr/>
+          <p:nvPr/>
+        </p:nvSpPr>
+        <p:spPr>
+          <a:xfrm>
+            <a:off x="10187337" y="2076975"/>
+            <a:ext cx="670036" cy="670036"/>
+          </a:xfrm>
+          <a:prstGeom prst="rect">
+            <a:avLst/>
+          </a:prstGeom>
+          <a:noFill/>
+        </p:spPr>
+        <p:style>
+          <a:lnRef idx="2">
+            <a:schemeClr val="dk1"/>
+          </a:lnRef>
+          <a:fillRef idx="1">
+            <a:schemeClr val="lt1"/>
+          </a:fillRef>
+          <a:effectRef idx="0">
+            <a:schemeClr val="dk1"/>
+          </a:effectRef>
+          <a:fontRef idx="minor">
+            <a:schemeClr val="dk1"/>
+          </a:fontRef>
+        </p:style>
+        <p:txBody>
+          <a:bodyPr wrap="square" lIns="0" rtlCol="0" anchor="ctr">
+            <a:spAutoFit/>
+          </a:bodyPr>
+          <a:lstStyle/>
+          <a:p>
+            <a:pPr algn="ctr"/>
+            <a:endParaRPr lang="de-DE" sz="1600" b="0" dirty="0" err="1">
+              <a:solidFill>
+                <a:schemeClr val="tx1"/>
+              </a:solidFill>
+              <a:latin typeface="+mn-lt"/>
+            </a:endParaRPr>
+          </a:p>
+        </p:txBody>
+      </p:sp>
+      <p:sp>
+        <p:nvSpPr>
+          <p:cNvPr id="30" name="Rechteck 29">
+            <a:extLst>
+              <a:ext uri="{FF2B5EF4-FFF2-40B4-BE49-F238E27FC236}">
+                <a16:creationId xmlns:a16="http://schemas.microsoft.com/office/drawing/2014/main" id="{CBAEC1A2-55E2-4CE1-89FA-CF612D9AD23F}"/>
+              </a:ext>
+            </a:extLst>
+          </p:cNvPr>
+          <p:cNvSpPr/>
+          <p:nvPr/>
+        </p:nvSpPr>
+        <p:spPr>
+          <a:xfrm>
+            <a:off x="10855782" y="2076975"/>
+            <a:ext cx="670036" cy="670036"/>
+          </a:xfrm>
+          <a:prstGeom prst="rect">
+            <a:avLst/>
+          </a:prstGeom>
+          <a:noFill/>
+        </p:spPr>
+        <p:style>
+          <a:lnRef idx="2">
+            <a:schemeClr val="dk1"/>
+          </a:lnRef>
+          <a:fillRef idx="1">
+            <a:schemeClr val="lt1"/>
+          </a:fillRef>
+          <a:effectRef idx="0">
+            <a:schemeClr val="dk1"/>
+          </a:effectRef>
+          <a:fontRef idx="minor">
+            <a:schemeClr val="dk1"/>
+          </a:fontRef>
+        </p:style>
+        <p:txBody>
+          <a:bodyPr wrap="square" lIns="0" rtlCol="0" anchor="ctr">
+            <a:spAutoFit/>
+          </a:bodyPr>
+          <a:lstStyle/>
+          <a:p>
+            <a:pPr algn="ctr"/>
+            <a:endParaRPr lang="de-DE" sz="1600" b="0" dirty="0" err="1">
+              <a:solidFill>
+                <a:schemeClr val="tx1"/>
+              </a:solidFill>
+              <a:latin typeface="+mn-lt"/>
+            </a:endParaRPr>
+          </a:p>
+        </p:txBody>
+      </p:sp>
+      <p:sp>
+        <p:nvSpPr>
+          <p:cNvPr id="31" name="Rechteck 30">
+            <a:extLst>
+              <a:ext uri="{FF2B5EF4-FFF2-40B4-BE49-F238E27FC236}">
+                <a16:creationId xmlns:a16="http://schemas.microsoft.com/office/drawing/2014/main" id="{58F00325-9845-48C0-BA89-ED88B45F0E2B}"/>
+              </a:ext>
+            </a:extLst>
+          </p:cNvPr>
+          <p:cNvSpPr/>
+          <p:nvPr/>
+        </p:nvSpPr>
+        <p:spPr>
+          <a:xfrm>
+            <a:off x="6845101" y="2747011"/>
+            <a:ext cx="670036" cy="670036"/>
+          </a:xfrm>
+          <a:prstGeom prst="rect">
+            <a:avLst/>
+          </a:prstGeom>
+          <a:noFill/>
+        </p:spPr>
+        <p:style>
+          <a:lnRef idx="2">
+            <a:schemeClr val="dk1"/>
+          </a:lnRef>
+          <a:fillRef idx="1">
+            <a:schemeClr val="lt1"/>
+          </a:fillRef>
+          <a:effectRef idx="0">
+            <a:schemeClr val="dk1"/>
+          </a:effectRef>
+          <a:fontRef idx="minor">
+            <a:schemeClr val="dk1"/>
+          </a:fontRef>
+        </p:style>
+        <p:txBody>
+          <a:bodyPr wrap="square" lIns="0" rtlCol="0" anchor="ctr">
+            <a:spAutoFit/>
+          </a:bodyPr>
+          <a:lstStyle/>
+          <a:p>
+            <a:pPr algn="ctr"/>
+            <a:endParaRPr lang="de-DE" sz="1600" b="0" dirty="0" err="1">
+              <a:solidFill>
+                <a:schemeClr val="tx1"/>
+              </a:solidFill>
+              <a:latin typeface="+mn-lt"/>
+            </a:endParaRPr>
+          </a:p>
+        </p:txBody>
+      </p:sp>
+      <p:sp>
+        <p:nvSpPr>
+          <p:cNvPr id="32" name="Rechteck 31">
+            <a:extLst>
+              <a:ext uri="{FF2B5EF4-FFF2-40B4-BE49-F238E27FC236}">
+                <a16:creationId xmlns:a16="http://schemas.microsoft.com/office/drawing/2014/main" id="{20902D51-AEDE-470E-B183-720AFA9B1051}"/>
+              </a:ext>
+            </a:extLst>
+          </p:cNvPr>
+          <p:cNvSpPr/>
+          <p:nvPr/>
+        </p:nvSpPr>
+        <p:spPr>
+          <a:xfrm>
+            <a:off x="7513548" y="2747011"/>
+            <a:ext cx="670036" cy="670036"/>
+          </a:xfrm>
+          <a:prstGeom prst="rect">
+            <a:avLst/>
+          </a:prstGeom>
+          <a:noFill/>
+        </p:spPr>
+        <p:style>
+          <a:lnRef idx="2">
+            <a:schemeClr val="dk1"/>
+          </a:lnRef>
+          <a:fillRef idx="1">
+            <a:schemeClr val="lt1"/>
+          </a:fillRef>
+          <a:effectRef idx="0">
+            <a:schemeClr val="dk1"/>
+          </a:effectRef>
+          <a:fontRef idx="minor">
+            <a:schemeClr val="dk1"/>
+          </a:fontRef>
+        </p:style>
+        <p:txBody>
+          <a:bodyPr wrap="square" lIns="0" rtlCol="0" anchor="ctr">
+            <a:spAutoFit/>
+          </a:bodyPr>
+          <a:lstStyle/>
+          <a:p>
+            <a:pPr algn="ctr"/>
+            <a:endParaRPr lang="de-DE" sz="1600" b="0" dirty="0" err="1">
+              <a:solidFill>
+                <a:schemeClr val="tx1"/>
+              </a:solidFill>
+              <a:latin typeface="+mn-lt"/>
+            </a:endParaRPr>
+          </a:p>
+        </p:txBody>
+      </p:sp>
+      <p:sp>
+        <p:nvSpPr>
+          <p:cNvPr id="33" name="Rechteck 32">
+            <a:extLst>
+              <a:ext uri="{FF2B5EF4-FFF2-40B4-BE49-F238E27FC236}">
+                <a16:creationId xmlns:a16="http://schemas.microsoft.com/office/drawing/2014/main" id="{4FED0054-463A-4169-9309-04B97C844DA1}"/>
+              </a:ext>
+            </a:extLst>
+          </p:cNvPr>
+          <p:cNvSpPr/>
+          <p:nvPr/>
+        </p:nvSpPr>
+        <p:spPr>
+          <a:xfrm>
+            <a:off x="8181995" y="2747011"/>
+            <a:ext cx="670036" cy="670036"/>
+          </a:xfrm>
+          <a:prstGeom prst="rect">
+            <a:avLst/>
+          </a:prstGeom>
+          <a:noFill/>
+        </p:spPr>
+        <p:style>
+          <a:lnRef idx="2">
+            <a:schemeClr val="dk1"/>
+          </a:lnRef>
+          <a:fillRef idx="1">
+            <a:schemeClr val="lt1"/>
+          </a:fillRef>
+          <a:effectRef idx="0">
+            <a:schemeClr val="dk1"/>
+          </a:effectRef>
+          <a:fontRef idx="minor">
+            <a:schemeClr val="dk1"/>
+          </a:fontRef>
+        </p:style>
+        <p:txBody>
+          <a:bodyPr wrap="square" lIns="0" rtlCol="0" anchor="ctr">
+            <a:spAutoFit/>
+          </a:bodyPr>
+          <a:lstStyle/>
+          <a:p>
+            <a:pPr algn="ctr"/>
+            <a:endParaRPr lang="de-DE" sz="1600" b="0" dirty="0" err="1">
+              <a:solidFill>
+                <a:schemeClr val="tx1"/>
+              </a:solidFill>
+              <a:latin typeface="+mn-lt"/>
+            </a:endParaRPr>
+          </a:p>
+        </p:txBody>
+      </p:sp>
+      <p:sp>
+        <p:nvSpPr>
+          <p:cNvPr id="34" name="Rechteck 33">
+            <a:extLst>
+              <a:ext uri="{FF2B5EF4-FFF2-40B4-BE49-F238E27FC236}">
+                <a16:creationId xmlns:a16="http://schemas.microsoft.com/office/drawing/2014/main" id="{50F68838-8FF7-424E-A98F-BAE3232F84B3}"/>
+              </a:ext>
+            </a:extLst>
+          </p:cNvPr>
+          <p:cNvSpPr/>
+          <p:nvPr/>
+        </p:nvSpPr>
+        <p:spPr>
+          <a:xfrm>
+            <a:off x="8850442" y="2747011"/>
+            <a:ext cx="670036" cy="670036"/>
+          </a:xfrm>
+          <a:prstGeom prst="rect">
+            <a:avLst/>
+          </a:prstGeom>
+          <a:noFill/>
+        </p:spPr>
+        <p:style>
+          <a:lnRef idx="2">
+            <a:schemeClr val="dk1"/>
+          </a:lnRef>
+          <a:fillRef idx="1">
+            <a:schemeClr val="lt1"/>
+          </a:fillRef>
+          <a:effectRef idx="0">
+            <a:schemeClr val="dk1"/>
+          </a:effectRef>
+          <a:fontRef idx="minor">
+            <a:schemeClr val="dk1"/>
+          </a:fontRef>
+        </p:style>
+        <p:txBody>
+          <a:bodyPr wrap="square" lIns="0" rtlCol="0" anchor="ctr">
+            <a:spAutoFit/>
+          </a:bodyPr>
+          <a:lstStyle/>
+          <a:p>
+            <a:pPr algn="ctr"/>
+            <a:endParaRPr lang="de-DE" sz="1600" b="0" dirty="0" err="1">
+              <a:solidFill>
+                <a:schemeClr val="tx1"/>
+              </a:solidFill>
+              <a:latin typeface="+mn-lt"/>
+            </a:endParaRPr>
+          </a:p>
+        </p:txBody>
+      </p:sp>
+      <p:sp>
+        <p:nvSpPr>
+          <p:cNvPr id="35" name="Rechteck 34">
+            <a:extLst>
+              <a:ext uri="{FF2B5EF4-FFF2-40B4-BE49-F238E27FC236}">
+                <a16:creationId xmlns:a16="http://schemas.microsoft.com/office/drawing/2014/main" id="{F3187380-48D4-4102-B531-566E83238BF3}"/>
+              </a:ext>
+            </a:extLst>
+          </p:cNvPr>
+          <p:cNvSpPr/>
+          <p:nvPr/>
+        </p:nvSpPr>
+        <p:spPr>
+          <a:xfrm>
+            <a:off x="9518889" y="2747011"/>
+            <a:ext cx="670036" cy="670036"/>
+          </a:xfrm>
+          <a:prstGeom prst="rect">
+            <a:avLst/>
+          </a:prstGeom>
+          <a:noFill/>
+        </p:spPr>
+        <p:style>
+          <a:lnRef idx="2">
+            <a:schemeClr val="dk1"/>
+          </a:lnRef>
+          <a:fillRef idx="1">
+            <a:schemeClr val="lt1"/>
+          </a:fillRef>
+          <a:effectRef idx="0">
+            <a:schemeClr val="dk1"/>
+          </a:effectRef>
+          <a:fontRef idx="minor">
+            <a:schemeClr val="dk1"/>
+          </a:fontRef>
+        </p:style>
+        <p:txBody>
+          <a:bodyPr wrap="square" lIns="0" rtlCol="0" anchor="ctr">
+            <a:spAutoFit/>
+          </a:bodyPr>
+          <a:lstStyle/>
+          <a:p>
+            <a:pPr algn="ctr"/>
+            <a:endParaRPr lang="de-DE" sz="1600" b="0" dirty="0" err="1">
+              <a:solidFill>
+                <a:schemeClr val="tx1"/>
+              </a:solidFill>
+              <a:latin typeface="+mn-lt"/>
+            </a:endParaRPr>
+          </a:p>
+        </p:txBody>
+      </p:sp>
+      <p:sp>
+        <p:nvSpPr>
+          <p:cNvPr id="36" name="Rechteck 35">
+            <a:extLst>
+              <a:ext uri="{FF2B5EF4-FFF2-40B4-BE49-F238E27FC236}">
+                <a16:creationId xmlns:a16="http://schemas.microsoft.com/office/drawing/2014/main" id="{317DC3E0-AA80-4FA2-B8E3-7E87671C4470}"/>
+              </a:ext>
+            </a:extLst>
+          </p:cNvPr>
+          <p:cNvSpPr/>
+          <p:nvPr/>
+        </p:nvSpPr>
+        <p:spPr>
+          <a:xfrm>
+            <a:off x="10187336" y="2747011"/>
+            <a:ext cx="670036" cy="670036"/>
+          </a:xfrm>
+          <a:prstGeom prst="rect">
+            <a:avLst/>
+          </a:prstGeom>
+          <a:noFill/>
+        </p:spPr>
+        <p:style>
+          <a:lnRef idx="2">
+            <a:schemeClr val="dk1"/>
+          </a:lnRef>
+          <a:fillRef idx="1">
+            <a:schemeClr val="lt1"/>
+          </a:fillRef>
+          <a:effectRef idx="0">
+            <a:schemeClr val="dk1"/>
+          </a:effectRef>
+          <a:fontRef idx="minor">
+            <a:schemeClr val="dk1"/>
+          </a:fontRef>
+        </p:style>
+        <p:txBody>
+          <a:bodyPr wrap="square" lIns="0" rtlCol="0" anchor="ctr">
+            <a:spAutoFit/>
+          </a:bodyPr>
+          <a:lstStyle/>
+          <a:p>
+            <a:pPr algn="ctr"/>
+            <a:endParaRPr lang="de-DE" sz="1600" b="0" dirty="0" err="1">
+              <a:solidFill>
+                <a:schemeClr val="tx1"/>
+              </a:solidFill>
+              <a:latin typeface="+mn-lt"/>
+            </a:endParaRPr>
+          </a:p>
+        </p:txBody>
+      </p:sp>
+      <p:sp>
+        <p:nvSpPr>
+          <p:cNvPr id="37" name="Rechteck 36">
+            <a:extLst>
+              <a:ext uri="{FF2B5EF4-FFF2-40B4-BE49-F238E27FC236}">
+                <a16:creationId xmlns:a16="http://schemas.microsoft.com/office/drawing/2014/main" id="{227F7A9D-281C-4932-BD39-E3A51D57780A}"/>
+              </a:ext>
+            </a:extLst>
+          </p:cNvPr>
+          <p:cNvSpPr/>
+          <p:nvPr/>
+        </p:nvSpPr>
+        <p:spPr>
+          <a:xfrm>
+            <a:off x="10855781" y="2747011"/>
+            <a:ext cx="670036" cy="670036"/>
+          </a:xfrm>
+          <a:prstGeom prst="rect">
+            <a:avLst/>
+          </a:prstGeom>
+          <a:noFill/>
+        </p:spPr>
+        <p:style>
+          <a:lnRef idx="2">
+            <a:schemeClr val="dk1"/>
+          </a:lnRef>
+          <a:fillRef idx="1">
+            <a:schemeClr val="lt1"/>
+          </a:fillRef>
+          <a:effectRef idx="0">
+            <a:schemeClr val="dk1"/>
+          </a:effectRef>
+          <a:fontRef idx="minor">
+            <a:schemeClr val="dk1"/>
+          </a:fontRef>
+        </p:style>
+        <p:txBody>
+          <a:bodyPr wrap="square" lIns="0" rtlCol="0" anchor="ctr">
+            <a:spAutoFit/>
+          </a:bodyPr>
+          <a:lstStyle/>
+          <a:p>
+            <a:pPr algn="ctr"/>
+            <a:endParaRPr lang="de-DE" sz="1600" b="0" dirty="0" err="1">
+              <a:solidFill>
+                <a:schemeClr val="tx1"/>
+              </a:solidFill>
+              <a:latin typeface="+mn-lt"/>
+            </a:endParaRPr>
+          </a:p>
+        </p:txBody>
+      </p:sp>
+      <p:sp>
+        <p:nvSpPr>
+          <p:cNvPr id="38" name="Rechteck 37">
+            <a:extLst>
+              <a:ext uri="{FF2B5EF4-FFF2-40B4-BE49-F238E27FC236}">
+                <a16:creationId xmlns:a16="http://schemas.microsoft.com/office/drawing/2014/main" id="{F082141B-D67F-43A6-8E50-2A172CA45E49}"/>
+              </a:ext>
+            </a:extLst>
+          </p:cNvPr>
+          <p:cNvSpPr/>
+          <p:nvPr/>
+        </p:nvSpPr>
+        <p:spPr>
+          <a:xfrm>
+            <a:off x="6845102" y="3417047"/>
+            <a:ext cx="670036" cy="670036"/>
+          </a:xfrm>
+          <a:prstGeom prst="rect">
+            <a:avLst/>
+          </a:prstGeom>
+          <a:noFill/>
+        </p:spPr>
+        <p:style>
+          <a:lnRef idx="2">
+            <a:schemeClr val="dk1"/>
+          </a:lnRef>
+          <a:fillRef idx="1">
+            <a:schemeClr val="lt1"/>
+          </a:fillRef>
+          <a:effectRef idx="0">
+            <a:schemeClr val="dk1"/>
+          </a:effectRef>
+          <a:fontRef idx="minor">
+            <a:schemeClr val="dk1"/>
+          </a:fontRef>
+        </p:style>
+        <p:txBody>
+          <a:bodyPr wrap="square" lIns="0" rtlCol="0" anchor="ctr">
+            <a:spAutoFit/>
+          </a:bodyPr>
+          <a:lstStyle/>
+          <a:p>
+            <a:pPr algn="ctr"/>
+            <a:endParaRPr lang="de-DE" sz="1600" b="0" dirty="0" err="1">
+              <a:solidFill>
+                <a:schemeClr val="tx1"/>
+              </a:solidFill>
+              <a:latin typeface="+mn-lt"/>
+            </a:endParaRPr>
+          </a:p>
+        </p:txBody>
+      </p:sp>
+      <p:sp>
+        <p:nvSpPr>
+          <p:cNvPr id="39" name="Rechteck 38">
+            <a:extLst>
+              <a:ext uri="{FF2B5EF4-FFF2-40B4-BE49-F238E27FC236}">
+                <a16:creationId xmlns:a16="http://schemas.microsoft.com/office/drawing/2014/main" id="{F3F2182F-FBA2-4DAD-9EF3-35204134E82D}"/>
+              </a:ext>
+            </a:extLst>
+          </p:cNvPr>
+          <p:cNvSpPr/>
+          <p:nvPr/>
+        </p:nvSpPr>
+        <p:spPr>
+          <a:xfrm>
+            <a:off x="7513549" y="3417047"/>
+            <a:ext cx="670036" cy="670036"/>
+          </a:xfrm>
+          <a:prstGeom prst="rect">
+            <a:avLst/>
+          </a:prstGeom>
+          <a:noFill/>
+        </p:spPr>
+        <p:style>
+          <a:lnRef idx="2">
+            <a:schemeClr val="dk1"/>
+          </a:lnRef>
+          <a:fillRef idx="1">
+            <a:schemeClr val="lt1"/>
+          </a:fillRef>
+          <a:effectRef idx="0">
+            <a:schemeClr val="dk1"/>
+          </a:effectRef>
+          <a:fontRef idx="minor">
+            <a:schemeClr val="dk1"/>
+          </a:fontRef>
+        </p:style>
+        <p:txBody>
+          <a:bodyPr wrap="square" lIns="0" rtlCol="0" anchor="ctr">
+            <a:spAutoFit/>
+          </a:bodyPr>
+          <a:lstStyle/>
+          <a:p>
+            <a:pPr algn="ctr"/>
+            <a:endParaRPr lang="de-DE" sz="1600" b="0" dirty="0" err="1">
+              <a:solidFill>
+                <a:schemeClr val="tx1"/>
+              </a:solidFill>
+              <a:latin typeface="+mn-lt"/>
+            </a:endParaRPr>
+          </a:p>
+        </p:txBody>
+      </p:sp>
+      <p:sp>
+        <p:nvSpPr>
+          <p:cNvPr id="40" name="Rechteck 39">
+            <a:extLst>
+              <a:ext uri="{FF2B5EF4-FFF2-40B4-BE49-F238E27FC236}">
+                <a16:creationId xmlns:a16="http://schemas.microsoft.com/office/drawing/2014/main" id="{76022664-71FD-4F37-B30D-113341217BFE}"/>
+              </a:ext>
+            </a:extLst>
+          </p:cNvPr>
+          <p:cNvSpPr/>
+          <p:nvPr/>
+        </p:nvSpPr>
+        <p:spPr>
+          <a:xfrm>
+            <a:off x="8181996" y="3417047"/>
+            <a:ext cx="670036" cy="670036"/>
+          </a:xfrm>
+          <a:prstGeom prst="rect">
+            <a:avLst/>
+          </a:prstGeom>
+          <a:noFill/>
+        </p:spPr>
+        <p:style>
+          <a:lnRef idx="2">
+            <a:schemeClr val="dk1"/>
+          </a:lnRef>
+          <a:fillRef idx="1">
+            <a:schemeClr val="lt1"/>
+          </a:fillRef>
+          <a:effectRef idx="0">
+            <a:schemeClr val="dk1"/>
+          </a:effectRef>
+          <a:fontRef idx="minor">
+            <a:schemeClr val="dk1"/>
+          </a:fontRef>
+        </p:style>
+        <p:txBody>
+          <a:bodyPr wrap="square" lIns="0" rtlCol="0" anchor="ctr">
+            <a:spAutoFit/>
+          </a:bodyPr>
+          <a:lstStyle/>
+          <a:p>
+            <a:pPr algn="ctr"/>
+            <a:endParaRPr lang="de-DE" sz="1600" b="0" dirty="0" err="1">
+              <a:solidFill>
+                <a:schemeClr val="tx1"/>
+              </a:solidFill>
+              <a:latin typeface="+mn-lt"/>
+            </a:endParaRPr>
+          </a:p>
+        </p:txBody>
+      </p:sp>
+      <p:sp>
+        <p:nvSpPr>
+          <p:cNvPr id="41" name="Rechteck 40">
+            <a:extLst>
+              <a:ext uri="{FF2B5EF4-FFF2-40B4-BE49-F238E27FC236}">
+                <a16:creationId xmlns:a16="http://schemas.microsoft.com/office/drawing/2014/main" id="{AC1C411C-D43B-4DD7-8DB1-658969CC86F7}"/>
+              </a:ext>
+            </a:extLst>
+          </p:cNvPr>
+          <p:cNvSpPr/>
+          <p:nvPr/>
+        </p:nvSpPr>
+        <p:spPr>
+          <a:xfrm>
+            <a:off x="8850443" y="3417047"/>
+            <a:ext cx="670036" cy="670036"/>
+          </a:xfrm>
+          <a:prstGeom prst="rect">
+            <a:avLst/>
+          </a:prstGeom>
+          <a:noFill/>
+        </p:spPr>
+        <p:style>
+          <a:lnRef idx="2">
+            <a:schemeClr val="dk1"/>
+          </a:lnRef>
+          <a:fillRef idx="1">
+            <a:schemeClr val="lt1"/>
+          </a:fillRef>
+          <a:effectRef idx="0">
+            <a:schemeClr val="dk1"/>
+          </a:effectRef>
+          <a:fontRef idx="minor">
+            <a:schemeClr val="dk1"/>
+          </a:fontRef>
+        </p:style>
+        <p:txBody>
+          <a:bodyPr wrap="square" lIns="0" rtlCol="0" anchor="ctr">
+            <a:spAutoFit/>
+          </a:bodyPr>
+          <a:lstStyle/>
+          <a:p>
+            <a:pPr algn="ctr"/>
+            <a:endParaRPr lang="de-DE" sz="1600" b="0" dirty="0" err="1">
+              <a:solidFill>
+                <a:schemeClr val="tx1"/>
+              </a:solidFill>
+              <a:latin typeface="+mn-lt"/>
+            </a:endParaRPr>
+          </a:p>
+        </p:txBody>
+      </p:sp>
+      <p:sp>
+        <p:nvSpPr>
+          <p:cNvPr id="42" name="Rechteck 41">
+            <a:extLst>
+              <a:ext uri="{FF2B5EF4-FFF2-40B4-BE49-F238E27FC236}">
+                <a16:creationId xmlns:a16="http://schemas.microsoft.com/office/drawing/2014/main" id="{DC37CEEF-B862-46E6-B0DC-728FBBA1280C}"/>
+              </a:ext>
+            </a:extLst>
+          </p:cNvPr>
+          <p:cNvSpPr/>
+          <p:nvPr/>
+        </p:nvSpPr>
+        <p:spPr>
+          <a:xfrm>
+            <a:off x="9518890" y="3417047"/>
+            <a:ext cx="670036" cy="670036"/>
+          </a:xfrm>
+          <a:prstGeom prst="rect">
+            <a:avLst/>
+          </a:prstGeom>
+          <a:noFill/>
+        </p:spPr>
+        <p:style>
+          <a:lnRef idx="2">
+            <a:schemeClr val="dk1"/>
+          </a:lnRef>
+          <a:fillRef idx="1">
+            <a:schemeClr val="lt1"/>
+          </a:fillRef>
+          <a:effectRef idx="0">
+            <a:schemeClr val="dk1"/>
+          </a:effectRef>
+          <a:fontRef idx="minor">
+            <a:schemeClr val="dk1"/>
+          </a:fontRef>
+        </p:style>
+        <p:txBody>
+          <a:bodyPr wrap="square" lIns="0" rtlCol="0" anchor="ctr">
+            <a:spAutoFit/>
+          </a:bodyPr>
+          <a:lstStyle/>
+          <a:p>
+            <a:pPr algn="ctr"/>
+            <a:endParaRPr lang="de-DE" sz="1600" b="0" dirty="0" err="1">
+              <a:solidFill>
+                <a:schemeClr val="tx1"/>
+              </a:solidFill>
+              <a:latin typeface="+mn-lt"/>
+            </a:endParaRPr>
+          </a:p>
+        </p:txBody>
+      </p:sp>
+      <p:sp>
+        <p:nvSpPr>
+          <p:cNvPr id="43" name="Rechteck 42">
+            <a:extLst>
+              <a:ext uri="{FF2B5EF4-FFF2-40B4-BE49-F238E27FC236}">
+                <a16:creationId xmlns:a16="http://schemas.microsoft.com/office/drawing/2014/main" id="{44E4BD9C-83CE-4BB6-B9C1-D1DEE5BC2370}"/>
+              </a:ext>
+            </a:extLst>
+          </p:cNvPr>
+          <p:cNvSpPr/>
+          <p:nvPr/>
+        </p:nvSpPr>
+        <p:spPr>
+          <a:xfrm>
+            <a:off x="10187337" y="3417047"/>
+            <a:ext cx="670036" cy="670036"/>
+          </a:xfrm>
+          <a:prstGeom prst="rect">
+            <a:avLst/>
+          </a:prstGeom>
+          <a:noFill/>
+        </p:spPr>
+        <p:style>
+          <a:lnRef idx="2">
+            <a:schemeClr val="dk1"/>
+          </a:lnRef>
+          <a:fillRef idx="1">
+            <a:schemeClr val="lt1"/>
+          </a:fillRef>
+          <a:effectRef idx="0">
+            <a:schemeClr val="dk1"/>
+          </a:effectRef>
+          <a:fontRef idx="minor">
+            <a:schemeClr val="dk1"/>
+          </a:fontRef>
+        </p:style>
+        <p:txBody>
+          <a:bodyPr wrap="square" lIns="0" rtlCol="0" anchor="ctr">
+            <a:spAutoFit/>
+          </a:bodyPr>
+          <a:lstStyle/>
+          <a:p>
+            <a:pPr algn="ctr"/>
+            <a:endParaRPr lang="de-DE" sz="1600" b="0" dirty="0" err="1">
+              <a:solidFill>
+                <a:schemeClr val="tx1"/>
+              </a:solidFill>
+              <a:latin typeface="+mn-lt"/>
+            </a:endParaRPr>
+          </a:p>
+        </p:txBody>
+      </p:sp>
+      <p:sp>
+        <p:nvSpPr>
+          <p:cNvPr id="44" name="Rechteck 43">
+            <a:extLst>
+              <a:ext uri="{FF2B5EF4-FFF2-40B4-BE49-F238E27FC236}">
+                <a16:creationId xmlns:a16="http://schemas.microsoft.com/office/drawing/2014/main" id="{14B4FAEB-71A2-4FA4-A6E8-34654E199DE0}"/>
+              </a:ext>
+            </a:extLst>
+          </p:cNvPr>
+          <p:cNvSpPr/>
+          <p:nvPr/>
+        </p:nvSpPr>
+        <p:spPr>
+          <a:xfrm>
+            <a:off x="10855782" y="3417047"/>
+            <a:ext cx="670036" cy="670036"/>
+          </a:xfrm>
+          <a:prstGeom prst="rect">
+            <a:avLst/>
+          </a:prstGeom>
+          <a:noFill/>
+        </p:spPr>
+        <p:style>
+          <a:lnRef idx="2">
+            <a:schemeClr val="dk1"/>
+          </a:lnRef>
+          <a:fillRef idx="1">
+            <a:schemeClr val="lt1"/>
+          </a:fillRef>
+          <a:effectRef idx="0">
+            <a:schemeClr val="dk1"/>
+          </a:effectRef>
+          <a:fontRef idx="minor">
+            <a:schemeClr val="dk1"/>
+          </a:fontRef>
+        </p:style>
+        <p:txBody>
+          <a:bodyPr wrap="square" lIns="0" rtlCol="0" anchor="ctr">
+            <a:spAutoFit/>
+          </a:bodyPr>
+          <a:lstStyle/>
+          <a:p>
+            <a:pPr algn="ctr"/>
+            <a:endParaRPr lang="de-DE" sz="1600" b="0" dirty="0" err="1">
+              <a:solidFill>
+                <a:schemeClr val="tx1"/>
+              </a:solidFill>
+              <a:latin typeface="+mn-lt"/>
+            </a:endParaRPr>
+          </a:p>
+        </p:txBody>
+      </p:sp>
+      <p:sp>
+        <p:nvSpPr>
+          <p:cNvPr id="45" name="Rechteck 44">
+            <a:extLst>
+              <a:ext uri="{FF2B5EF4-FFF2-40B4-BE49-F238E27FC236}">
+                <a16:creationId xmlns:a16="http://schemas.microsoft.com/office/drawing/2014/main" id="{3807B676-1711-4921-9B26-7E534534F920}"/>
+              </a:ext>
+            </a:extLst>
+          </p:cNvPr>
+          <p:cNvSpPr/>
+          <p:nvPr/>
+        </p:nvSpPr>
+        <p:spPr>
+          <a:xfrm>
+            <a:off x="6845101" y="4088054"/>
+            <a:ext cx="670036" cy="670036"/>
+          </a:xfrm>
+          <a:prstGeom prst="rect">
+            <a:avLst/>
+          </a:prstGeom>
+          <a:noFill/>
+        </p:spPr>
+        <p:style>
+          <a:lnRef idx="2">
+            <a:schemeClr val="dk1"/>
+          </a:lnRef>
+          <a:fillRef idx="1">
+            <a:schemeClr val="lt1"/>
+          </a:fillRef>
+          <a:effectRef idx="0">
+            <a:schemeClr val="dk1"/>
+          </a:effectRef>
+          <a:fontRef idx="minor">
+            <a:schemeClr val="dk1"/>
+          </a:fontRef>
+        </p:style>
+        <p:txBody>
+          <a:bodyPr wrap="square" lIns="0" rtlCol="0" anchor="ctr">
+            <a:spAutoFit/>
+          </a:bodyPr>
+          <a:lstStyle/>
+          <a:p>
+            <a:pPr algn="ctr"/>
+            <a:endParaRPr lang="de-DE" sz="1600" b="0" dirty="0" err="1">
+              <a:solidFill>
+                <a:schemeClr val="tx1"/>
+              </a:solidFill>
+              <a:latin typeface="+mn-lt"/>
+            </a:endParaRPr>
+          </a:p>
+        </p:txBody>
+      </p:sp>
+      <p:sp>
+        <p:nvSpPr>
+          <p:cNvPr id="46" name="Rechteck 45">
+            <a:extLst>
+              <a:ext uri="{FF2B5EF4-FFF2-40B4-BE49-F238E27FC236}">
+                <a16:creationId xmlns:a16="http://schemas.microsoft.com/office/drawing/2014/main" id="{1FA5B3F9-73CF-4CE5-804C-21EE86F857B9}"/>
+              </a:ext>
+            </a:extLst>
+          </p:cNvPr>
+          <p:cNvSpPr/>
+          <p:nvPr/>
+        </p:nvSpPr>
+        <p:spPr>
+          <a:xfrm>
+            <a:off x="7513548" y="4088054"/>
+            <a:ext cx="670036" cy="670036"/>
+          </a:xfrm>
+          <a:prstGeom prst="rect">
+            <a:avLst/>
+          </a:prstGeom>
+          <a:noFill/>
+        </p:spPr>
+        <p:style>
+          <a:lnRef idx="2">
+            <a:schemeClr val="dk1"/>
+          </a:lnRef>
+          <a:fillRef idx="1">
+            <a:schemeClr val="lt1"/>
+          </a:fillRef>
+          <a:effectRef idx="0">
+            <a:schemeClr val="dk1"/>
+          </a:effectRef>
+          <a:fontRef idx="minor">
+            <a:schemeClr val="dk1"/>
+          </a:fontRef>
+        </p:style>
+        <p:txBody>
+          <a:bodyPr wrap="square" lIns="0" rtlCol="0" anchor="ctr">
+            <a:spAutoFit/>
+          </a:bodyPr>
+          <a:lstStyle/>
+          <a:p>
+            <a:pPr algn="ctr"/>
+            <a:endParaRPr lang="de-DE" sz="1600" b="0" dirty="0" err="1">
+              <a:solidFill>
+                <a:schemeClr val="tx1"/>
+              </a:solidFill>
+              <a:latin typeface="+mn-lt"/>
+            </a:endParaRPr>
+          </a:p>
+        </p:txBody>
+      </p:sp>
+      <p:sp>
+        <p:nvSpPr>
+          <p:cNvPr id="47" name="Rechteck 46">
+            <a:extLst>
+              <a:ext uri="{FF2B5EF4-FFF2-40B4-BE49-F238E27FC236}">
+                <a16:creationId xmlns:a16="http://schemas.microsoft.com/office/drawing/2014/main" id="{E27F4347-272F-4E50-9EBA-F7211B3C5B4A}"/>
+              </a:ext>
+            </a:extLst>
+          </p:cNvPr>
+          <p:cNvSpPr/>
+          <p:nvPr/>
+        </p:nvSpPr>
+        <p:spPr>
+          <a:xfrm>
+            <a:off x="8181995" y="4088054"/>
+            <a:ext cx="670036" cy="670036"/>
+          </a:xfrm>
+          <a:prstGeom prst="rect">
+            <a:avLst/>
+          </a:prstGeom>
+          <a:noFill/>
+        </p:spPr>
+        <p:style>
+          <a:lnRef idx="2">
+            <a:schemeClr val="dk1"/>
+          </a:lnRef>
+          <a:fillRef idx="1">
+            <a:schemeClr val="lt1"/>
+          </a:fillRef>
+          <a:effectRef idx="0">
+            <a:schemeClr val="dk1"/>
+          </a:effectRef>
+          <a:fontRef idx="minor">
+            <a:schemeClr val="dk1"/>
+          </a:fontRef>
+        </p:style>
+        <p:txBody>
+          <a:bodyPr wrap="square" lIns="0" rtlCol="0" anchor="ctr">
+            <a:spAutoFit/>
+          </a:bodyPr>
+          <a:lstStyle/>
+          <a:p>
+            <a:pPr algn="ctr"/>
+            <a:endParaRPr lang="de-DE" sz="1600" b="0" dirty="0" err="1">
+              <a:solidFill>
+                <a:schemeClr val="tx1"/>
+              </a:solidFill>
+              <a:latin typeface="+mn-lt"/>
+            </a:endParaRPr>
+          </a:p>
+        </p:txBody>
+      </p:sp>
+      <p:sp>
+        <p:nvSpPr>
+          <p:cNvPr id="48" name="Rechteck 47">
+            <a:extLst>
+              <a:ext uri="{FF2B5EF4-FFF2-40B4-BE49-F238E27FC236}">
+                <a16:creationId xmlns:a16="http://schemas.microsoft.com/office/drawing/2014/main" id="{659D6624-120F-40A4-B312-5E9F9ED17F49}"/>
+              </a:ext>
+            </a:extLst>
+          </p:cNvPr>
+          <p:cNvSpPr/>
+          <p:nvPr/>
+        </p:nvSpPr>
+        <p:spPr>
+          <a:xfrm>
+            <a:off x="8850442" y="4088054"/>
+            <a:ext cx="670036" cy="670036"/>
+          </a:xfrm>
+          <a:prstGeom prst="rect">
+            <a:avLst/>
+          </a:prstGeom>
+          <a:noFill/>
+        </p:spPr>
+        <p:style>
+          <a:lnRef idx="2">
+            <a:schemeClr val="dk1"/>
+          </a:lnRef>
+          <a:fillRef idx="1">
+            <a:schemeClr val="lt1"/>
+          </a:fillRef>
+          <a:effectRef idx="0">
+            <a:schemeClr val="dk1"/>
+          </a:effectRef>
+          <a:fontRef idx="minor">
+            <a:schemeClr val="dk1"/>
+          </a:fontRef>
+        </p:style>
+        <p:txBody>
+          <a:bodyPr wrap="square" lIns="0" rtlCol="0" anchor="ctr">
+            <a:spAutoFit/>
+          </a:bodyPr>
+          <a:lstStyle/>
+          <a:p>
+            <a:pPr algn="ctr"/>
+            <a:endParaRPr lang="de-DE" sz="1600" b="0" dirty="0" err="1">
+              <a:solidFill>
+                <a:schemeClr val="tx1"/>
+              </a:solidFill>
+              <a:latin typeface="+mn-lt"/>
+            </a:endParaRPr>
+          </a:p>
+        </p:txBody>
+      </p:sp>
+      <p:sp>
+        <p:nvSpPr>
+          <p:cNvPr id="49" name="Rechteck 48">
+            <a:extLst>
+              <a:ext uri="{FF2B5EF4-FFF2-40B4-BE49-F238E27FC236}">
+                <a16:creationId xmlns:a16="http://schemas.microsoft.com/office/drawing/2014/main" id="{60E1EA9D-2859-42E7-84B0-A351BF42FE65}"/>
+              </a:ext>
+            </a:extLst>
+          </p:cNvPr>
+          <p:cNvSpPr/>
+          <p:nvPr/>
+        </p:nvSpPr>
+        <p:spPr>
+          <a:xfrm>
+            <a:off x="9518889" y="4088054"/>
+            <a:ext cx="670036" cy="670036"/>
+          </a:xfrm>
+          <a:prstGeom prst="rect">
+            <a:avLst/>
+          </a:prstGeom>
+          <a:noFill/>
+        </p:spPr>
+        <p:style>
+          <a:lnRef idx="2">
+            <a:schemeClr val="dk1"/>
+          </a:lnRef>
+          <a:fillRef idx="1">
+            <a:schemeClr val="lt1"/>
+          </a:fillRef>
+          <a:effectRef idx="0">
+            <a:schemeClr val="dk1"/>
+          </a:effectRef>
+          <a:fontRef idx="minor">
+            <a:schemeClr val="dk1"/>
+          </a:fontRef>
+        </p:style>
+        <p:txBody>
+          <a:bodyPr wrap="square" lIns="0" rtlCol="0" anchor="ctr">
+            <a:spAutoFit/>
+          </a:bodyPr>
+          <a:lstStyle/>
+          <a:p>
+            <a:pPr algn="ctr"/>
+            <a:endParaRPr lang="de-DE" sz="1600" b="0" dirty="0" err="1">
+              <a:solidFill>
+                <a:schemeClr val="tx1"/>
+              </a:solidFill>
+              <a:latin typeface="+mn-lt"/>
+            </a:endParaRPr>
+          </a:p>
+        </p:txBody>
+      </p:sp>
+      <p:sp>
+        <p:nvSpPr>
+          <p:cNvPr id="50" name="Rechteck 49">
+            <a:extLst>
+              <a:ext uri="{FF2B5EF4-FFF2-40B4-BE49-F238E27FC236}">
+                <a16:creationId xmlns:a16="http://schemas.microsoft.com/office/drawing/2014/main" id="{49696B87-4364-4E3F-8A5F-1A971925FCFF}"/>
+              </a:ext>
+            </a:extLst>
+          </p:cNvPr>
+          <p:cNvSpPr/>
+          <p:nvPr/>
+        </p:nvSpPr>
+        <p:spPr>
+          <a:xfrm>
+            <a:off x="10187336" y="4088054"/>
+            <a:ext cx="670036" cy="670036"/>
+          </a:xfrm>
+          <a:prstGeom prst="rect">
+            <a:avLst/>
+          </a:prstGeom>
+          <a:noFill/>
+        </p:spPr>
+        <p:style>
+          <a:lnRef idx="2">
+            <a:schemeClr val="dk1"/>
+          </a:lnRef>
+          <a:fillRef idx="1">
+            <a:schemeClr val="lt1"/>
+          </a:fillRef>
+          <a:effectRef idx="0">
+            <a:schemeClr val="dk1"/>
+          </a:effectRef>
+          <a:fontRef idx="minor">
+            <a:schemeClr val="dk1"/>
+          </a:fontRef>
+        </p:style>
+        <p:txBody>
+          <a:bodyPr wrap="square" lIns="0" rtlCol="0" anchor="ctr">
+            <a:spAutoFit/>
+          </a:bodyPr>
+          <a:lstStyle/>
+          <a:p>
+            <a:pPr algn="ctr"/>
+            <a:endParaRPr lang="de-DE" sz="1600" b="0" dirty="0" err="1">
+              <a:solidFill>
+                <a:schemeClr val="tx1"/>
+              </a:solidFill>
+              <a:latin typeface="+mn-lt"/>
+            </a:endParaRPr>
+          </a:p>
+        </p:txBody>
+      </p:sp>
+      <p:sp>
+        <p:nvSpPr>
+          <p:cNvPr id="51" name="Rechteck 50">
+            <a:extLst>
+              <a:ext uri="{FF2B5EF4-FFF2-40B4-BE49-F238E27FC236}">
+                <a16:creationId xmlns:a16="http://schemas.microsoft.com/office/drawing/2014/main" id="{5F994168-7E9D-4C6A-946F-C386895CD3A1}"/>
+              </a:ext>
+            </a:extLst>
+          </p:cNvPr>
+          <p:cNvSpPr/>
+          <p:nvPr/>
+        </p:nvSpPr>
+        <p:spPr>
+          <a:xfrm>
+            <a:off x="10855781" y="4088054"/>
+            <a:ext cx="670036" cy="670036"/>
+          </a:xfrm>
+          <a:prstGeom prst="rect">
+            <a:avLst/>
+          </a:prstGeom>
+          <a:noFill/>
+        </p:spPr>
+        <p:style>
+          <a:lnRef idx="2">
+            <a:schemeClr val="dk1"/>
+          </a:lnRef>
+          <a:fillRef idx="1">
+            <a:schemeClr val="lt1"/>
+          </a:fillRef>
+          <a:effectRef idx="0">
+            <a:schemeClr val="dk1"/>
+          </a:effectRef>
+          <a:fontRef idx="minor">
+            <a:schemeClr val="dk1"/>
+          </a:fontRef>
+        </p:style>
+        <p:txBody>
+          <a:bodyPr wrap="square" lIns="0" rtlCol="0" anchor="ctr">
+            <a:spAutoFit/>
+          </a:bodyPr>
+          <a:lstStyle/>
+          <a:p>
+            <a:pPr algn="ctr"/>
+            <a:endParaRPr lang="de-DE" sz="1600" b="0" dirty="0" err="1">
+              <a:solidFill>
+                <a:schemeClr val="tx1"/>
+              </a:solidFill>
+              <a:latin typeface="+mn-lt"/>
+            </a:endParaRPr>
+          </a:p>
+        </p:txBody>
+      </p:sp>
+      <p:sp>
+        <p:nvSpPr>
+          <p:cNvPr id="52" name="Rechteck 51">
+            <a:extLst>
+              <a:ext uri="{FF2B5EF4-FFF2-40B4-BE49-F238E27FC236}">
+                <a16:creationId xmlns:a16="http://schemas.microsoft.com/office/drawing/2014/main" id="{EB0928B8-1939-44EF-9385-85A1CE21366B}"/>
+              </a:ext>
+            </a:extLst>
+          </p:cNvPr>
+          <p:cNvSpPr/>
+          <p:nvPr/>
+        </p:nvSpPr>
+        <p:spPr>
+          <a:xfrm>
+            <a:off x="6845102" y="4758090"/>
+            <a:ext cx="670036" cy="670036"/>
+          </a:xfrm>
+          <a:prstGeom prst="rect">
+            <a:avLst/>
+          </a:prstGeom>
+          <a:noFill/>
+        </p:spPr>
+        <p:style>
+          <a:lnRef idx="2">
+            <a:schemeClr val="dk1"/>
+          </a:lnRef>
+          <a:fillRef idx="1">
+            <a:schemeClr val="lt1"/>
+          </a:fillRef>
+          <a:effectRef idx="0">
+            <a:schemeClr val="dk1"/>
+          </a:effectRef>
+          <a:fontRef idx="minor">
+            <a:schemeClr val="dk1"/>
+          </a:fontRef>
+        </p:style>
+        <p:txBody>
+          <a:bodyPr wrap="square" lIns="0" rtlCol="0" anchor="ctr">
+            <a:spAutoFit/>
+          </a:bodyPr>
+          <a:lstStyle/>
+          <a:p>
+            <a:pPr algn="ctr"/>
+            <a:endParaRPr lang="de-DE" sz="1600" b="0" dirty="0" err="1">
+              <a:solidFill>
+                <a:schemeClr val="tx1"/>
+              </a:solidFill>
+              <a:latin typeface="+mn-lt"/>
+            </a:endParaRPr>
+          </a:p>
+        </p:txBody>
+      </p:sp>
+      <p:sp>
+        <p:nvSpPr>
+          <p:cNvPr id="53" name="Rechteck 52">
+            <a:extLst>
+              <a:ext uri="{FF2B5EF4-FFF2-40B4-BE49-F238E27FC236}">
+                <a16:creationId xmlns:a16="http://schemas.microsoft.com/office/drawing/2014/main" id="{A53308B0-4D88-4EC6-8171-7D6FDCA3662A}"/>
+              </a:ext>
+            </a:extLst>
+          </p:cNvPr>
+          <p:cNvSpPr/>
+          <p:nvPr/>
+        </p:nvSpPr>
+        <p:spPr>
+          <a:xfrm>
+            <a:off x="7513549" y="4758090"/>
+            <a:ext cx="670036" cy="670036"/>
+          </a:xfrm>
+          <a:prstGeom prst="rect">
+            <a:avLst/>
+          </a:prstGeom>
+          <a:noFill/>
+        </p:spPr>
+        <p:style>
+          <a:lnRef idx="2">
+            <a:schemeClr val="dk1"/>
+          </a:lnRef>
+          <a:fillRef idx="1">
+            <a:schemeClr val="lt1"/>
+          </a:fillRef>
+          <a:effectRef idx="0">
+            <a:schemeClr val="dk1"/>
+          </a:effectRef>
+          <a:fontRef idx="minor">
+            <a:schemeClr val="dk1"/>
+          </a:fontRef>
+        </p:style>
+        <p:txBody>
+          <a:bodyPr wrap="square" lIns="0" rtlCol="0" anchor="ctr">
+            <a:spAutoFit/>
+          </a:bodyPr>
+          <a:lstStyle/>
+          <a:p>
+            <a:pPr algn="ctr"/>
+            <a:endParaRPr lang="de-DE" sz="1600" b="0" dirty="0" err="1">
+              <a:solidFill>
+                <a:schemeClr val="tx1"/>
+              </a:solidFill>
+              <a:latin typeface="+mn-lt"/>
+            </a:endParaRPr>
+          </a:p>
+        </p:txBody>
+      </p:sp>
+      <p:sp>
+        <p:nvSpPr>
+          <p:cNvPr id="54" name="Rechteck 53">
+            <a:extLst>
+              <a:ext uri="{FF2B5EF4-FFF2-40B4-BE49-F238E27FC236}">
+                <a16:creationId xmlns:a16="http://schemas.microsoft.com/office/drawing/2014/main" id="{A9542E9F-647E-4219-9414-F5CF5CED58D4}"/>
+              </a:ext>
+            </a:extLst>
+          </p:cNvPr>
+          <p:cNvSpPr/>
+          <p:nvPr/>
+        </p:nvSpPr>
+        <p:spPr>
+          <a:xfrm>
+            <a:off x="8181996" y="4758090"/>
+            <a:ext cx="670036" cy="670036"/>
+          </a:xfrm>
+          <a:prstGeom prst="rect">
+            <a:avLst/>
+          </a:prstGeom>
+          <a:noFill/>
+        </p:spPr>
+        <p:style>
+          <a:lnRef idx="2">
+            <a:schemeClr val="dk1"/>
+          </a:lnRef>
+          <a:fillRef idx="1">
+            <a:schemeClr val="lt1"/>
+          </a:fillRef>
+          <a:effectRef idx="0">
+            <a:schemeClr val="dk1"/>
+          </a:effectRef>
+          <a:fontRef idx="minor">
+            <a:schemeClr val="dk1"/>
+          </a:fontRef>
+        </p:style>
+        <p:txBody>
+          <a:bodyPr wrap="square" lIns="0" rtlCol="0" anchor="ctr">
+            <a:spAutoFit/>
+          </a:bodyPr>
+          <a:lstStyle/>
+          <a:p>
+            <a:pPr algn="ctr"/>
+            <a:endParaRPr lang="de-DE" sz="1600" b="0" dirty="0" err="1">
+              <a:solidFill>
+                <a:schemeClr val="tx1"/>
+              </a:solidFill>
+              <a:latin typeface="+mn-lt"/>
+            </a:endParaRPr>
+          </a:p>
+        </p:txBody>
+      </p:sp>
+      <p:sp>
+        <p:nvSpPr>
+          <p:cNvPr id="55" name="Rechteck 54">
+            <a:extLst>
+              <a:ext uri="{FF2B5EF4-FFF2-40B4-BE49-F238E27FC236}">
+                <a16:creationId xmlns:a16="http://schemas.microsoft.com/office/drawing/2014/main" id="{DB48EA70-C223-4BFB-B7B5-DC9314109A5C}"/>
+              </a:ext>
+            </a:extLst>
+          </p:cNvPr>
+          <p:cNvSpPr/>
+          <p:nvPr/>
+        </p:nvSpPr>
+        <p:spPr>
+          <a:xfrm>
+            <a:off x="8850443" y="4758090"/>
+            <a:ext cx="670036" cy="670036"/>
+          </a:xfrm>
+          <a:prstGeom prst="rect">
+            <a:avLst/>
+          </a:prstGeom>
+          <a:noFill/>
+        </p:spPr>
+        <p:style>
+          <a:lnRef idx="2">
+            <a:schemeClr val="dk1"/>
+          </a:lnRef>
+          <a:fillRef idx="1">
+            <a:schemeClr val="lt1"/>
+          </a:fillRef>
+          <a:effectRef idx="0">
+            <a:schemeClr val="dk1"/>
+          </a:effectRef>
+          <a:fontRef idx="minor">
+            <a:schemeClr val="dk1"/>
+          </a:fontRef>
+        </p:style>
+        <p:txBody>
+          <a:bodyPr wrap="square" lIns="0" rtlCol="0" anchor="ctr">
+            <a:spAutoFit/>
+          </a:bodyPr>
+          <a:lstStyle/>
+          <a:p>
+            <a:pPr algn="ctr"/>
+            <a:endParaRPr lang="de-DE" sz="1600" b="0" dirty="0" err="1">
+              <a:solidFill>
+                <a:schemeClr val="tx1"/>
+              </a:solidFill>
+              <a:latin typeface="+mn-lt"/>
+            </a:endParaRPr>
+          </a:p>
+        </p:txBody>
+      </p:sp>
+      <p:sp>
+        <p:nvSpPr>
+          <p:cNvPr id="56" name="Rechteck 55">
+            <a:extLst>
+              <a:ext uri="{FF2B5EF4-FFF2-40B4-BE49-F238E27FC236}">
+                <a16:creationId xmlns:a16="http://schemas.microsoft.com/office/drawing/2014/main" id="{A4515EAB-4CD6-4EFB-B2B4-E0470BE2099A}"/>
+              </a:ext>
+            </a:extLst>
+          </p:cNvPr>
+          <p:cNvSpPr/>
+          <p:nvPr/>
+        </p:nvSpPr>
+        <p:spPr>
+          <a:xfrm>
+            <a:off x="9518890" y="4758090"/>
+            <a:ext cx="670036" cy="670036"/>
+          </a:xfrm>
+          <a:prstGeom prst="rect">
+            <a:avLst/>
+          </a:prstGeom>
+          <a:noFill/>
+        </p:spPr>
+        <p:style>
+          <a:lnRef idx="2">
+            <a:schemeClr val="dk1"/>
+          </a:lnRef>
+          <a:fillRef idx="1">
+            <a:schemeClr val="lt1"/>
+          </a:fillRef>
+          <a:effectRef idx="0">
+            <a:schemeClr val="dk1"/>
+          </a:effectRef>
+          <a:fontRef idx="minor">
+            <a:schemeClr val="dk1"/>
+          </a:fontRef>
+        </p:style>
+        <p:txBody>
+          <a:bodyPr wrap="square" lIns="0" rtlCol="0" anchor="ctr">
+            <a:spAutoFit/>
+          </a:bodyPr>
+          <a:lstStyle/>
+          <a:p>
+            <a:pPr algn="ctr"/>
+            <a:endParaRPr lang="de-DE" sz="1600" b="0" dirty="0" err="1">
+              <a:solidFill>
+                <a:schemeClr val="tx1"/>
+              </a:solidFill>
+              <a:latin typeface="+mn-lt"/>
+            </a:endParaRPr>
+          </a:p>
+        </p:txBody>
+      </p:sp>
+      <p:sp>
+        <p:nvSpPr>
+          <p:cNvPr id="57" name="Rechteck 56">
+            <a:extLst>
+              <a:ext uri="{FF2B5EF4-FFF2-40B4-BE49-F238E27FC236}">
+                <a16:creationId xmlns:a16="http://schemas.microsoft.com/office/drawing/2014/main" id="{5F195BF6-4A99-4BBB-BC18-ABF4B29FD63E}"/>
+              </a:ext>
+            </a:extLst>
+          </p:cNvPr>
+          <p:cNvSpPr/>
+          <p:nvPr/>
+        </p:nvSpPr>
+        <p:spPr>
+          <a:xfrm>
+            <a:off x="10187337" y="4758090"/>
+            <a:ext cx="670036" cy="670036"/>
+          </a:xfrm>
+          <a:prstGeom prst="rect">
+            <a:avLst/>
+          </a:prstGeom>
+          <a:noFill/>
+        </p:spPr>
+        <p:style>
+          <a:lnRef idx="2">
+            <a:schemeClr val="dk1"/>
+          </a:lnRef>
+          <a:fillRef idx="1">
+            <a:schemeClr val="lt1"/>
+          </a:fillRef>
+          <a:effectRef idx="0">
+            <a:schemeClr val="dk1"/>
+          </a:effectRef>
+          <a:fontRef idx="minor">
+            <a:schemeClr val="dk1"/>
+          </a:fontRef>
+        </p:style>
+        <p:txBody>
+          <a:bodyPr wrap="square" lIns="0" rtlCol="0" anchor="ctr">
+            <a:spAutoFit/>
+          </a:bodyPr>
+          <a:lstStyle/>
+          <a:p>
+            <a:pPr algn="ctr"/>
+            <a:endParaRPr lang="de-DE" sz="1600" b="0" dirty="0" err="1">
+              <a:solidFill>
+                <a:schemeClr val="tx1"/>
+              </a:solidFill>
+              <a:latin typeface="+mn-lt"/>
+            </a:endParaRPr>
+          </a:p>
+        </p:txBody>
+      </p:sp>
+      <p:sp>
+        <p:nvSpPr>
+          <p:cNvPr id="58" name="Rechteck 57">
+            <a:extLst>
+              <a:ext uri="{FF2B5EF4-FFF2-40B4-BE49-F238E27FC236}">
+                <a16:creationId xmlns:a16="http://schemas.microsoft.com/office/drawing/2014/main" id="{81549B21-DB9D-4617-911D-B69EFBB4BE99}"/>
+              </a:ext>
+            </a:extLst>
+          </p:cNvPr>
+          <p:cNvSpPr/>
+          <p:nvPr/>
+        </p:nvSpPr>
+        <p:spPr>
+          <a:xfrm>
+            <a:off x="10855782" y="4758090"/>
+            <a:ext cx="670036" cy="670036"/>
+          </a:xfrm>
+          <a:prstGeom prst="rect">
+            <a:avLst/>
+          </a:prstGeom>
+          <a:noFill/>
+        </p:spPr>
+        <p:style>
+          <a:lnRef idx="2">
+            <a:schemeClr val="dk1"/>
+          </a:lnRef>
+          <a:fillRef idx="1">
+            <a:schemeClr val="lt1"/>
+          </a:fillRef>
+          <a:effectRef idx="0">
+            <a:schemeClr val="dk1"/>
+          </a:effectRef>
+          <a:fontRef idx="minor">
+            <a:schemeClr val="dk1"/>
+          </a:fontRef>
+        </p:style>
+        <p:txBody>
+          <a:bodyPr wrap="square" lIns="0" rtlCol="0" anchor="ctr">
+            <a:spAutoFit/>
+          </a:bodyPr>
+          <a:lstStyle/>
+          <a:p>
+            <a:pPr algn="ctr"/>
+            <a:endParaRPr lang="de-DE" sz="1600" b="0" dirty="0" err="1">
+              <a:solidFill>
+                <a:schemeClr val="tx1"/>
+              </a:solidFill>
+              <a:latin typeface="+mn-lt"/>
+            </a:endParaRPr>
+          </a:p>
+        </p:txBody>
+      </p:sp>
+      <p:sp>
+        <p:nvSpPr>
+          <p:cNvPr id="59" name="Rechteck 58">
+            <a:extLst>
+              <a:ext uri="{FF2B5EF4-FFF2-40B4-BE49-F238E27FC236}">
+                <a16:creationId xmlns:a16="http://schemas.microsoft.com/office/drawing/2014/main" id="{938E6C3C-1779-4EE0-AFB6-988F1591BF0E}"/>
+              </a:ext>
+            </a:extLst>
+          </p:cNvPr>
+          <p:cNvSpPr/>
+          <p:nvPr/>
+        </p:nvSpPr>
+        <p:spPr>
+          <a:xfrm>
+            <a:off x="6845101" y="5429097"/>
+            <a:ext cx="670036" cy="670036"/>
+          </a:xfrm>
+          <a:prstGeom prst="rect">
+            <a:avLst/>
+          </a:prstGeom>
+          <a:noFill/>
+        </p:spPr>
+        <p:style>
+          <a:lnRef idx="2">
+            <a:schemeClr val="dk1"/>
+          </a:lnRef>
+          <a:fillRef idx="1">
+            <a:schemeClr val="lt1"/>
+          </a:fillRef>
+          <a:effectRef idx="0">
+            <a:schemeClr val="dk1"/>
+          </a:effectRef>
+          <a:fontRef idx="minor">
+            <a:schemeClr val="dk1"/>
+          </a:fontRef>
+        </p:style>
+        <p:txBody>
+          <a:bodyPr wrap="square" lIns="0" rtlCol="0" anchor="ctr">
+            <a:spAutoFit/>
+          </a:bodyPr>
+          <a:lstStyle/>
+          <a:p>
+            <a:pPr algn="ctr"/>
+            <a:endParaRPr lang="de-DE" sz="1600" b="0" dirty="0" err="1">
+              <a:solidFill>
+                <a:schemeClr val="tx1"/>
+              </a:solidFill>
+              <a:latin typeface="+mn-lt"/>
+            </a:endParaRPr>
+          </a:p>
+        </p:txBody>
+      </p:sp>
+      <p:sp>
+        <p:nvSpPr>
+          <p:cNvPr id="60" name="Rechteck 59">
+            <a:extLst>
+              <a:ext uri="{FF2B5EF4-FFF2-40B4-BE49-F238E27FC236}">
+                <a16:creationId xmlns:a16="http://schemas.microsoft.com/office/drawing/2014/main" id="{FCA01C48-EF49-416C-9FC6-397E6FCC79CC}"/>
+              </a:ext>
+            </a:extLst>
+          </p:cNvPr>
+          <p:cNvSpPr/>
+          <p:nvPr/>
+        </p:nvSpPr>
+        <p:spPr>
+          <a:xfrm>
+            <a:off x="7513548" y="5429097"/>
+            <a:ext cx="670036" cy="670036"/>
+          </a:xfrm>
+          <a:prstGeom prst="rect">
+            <a:avLst/>
+          </a:prstGeom>
+          <a:noFill/>
+        </p:spPr>
+        <p:style>
+          <a:lnRef idx="2">
+            <a:schemeClr val="dk1"/>
+          </a:lnRef>
+          <a:fillRef idx="1">
+            <a:schemeClr val="lt1"/>
+          </a:fillRef>
+          <a:effectRef idx="0">
+            <a:schemeClr val="dk1"/>
+          </a:effectRef>
+          <a:fontRef idx="minor">
+            <a:schemeClr val="dk1"/>
+          </a:fontRef>
+        </p:style>
+        <p:txBody>
+          <a:bodyPr wrap="square" lIns="0" rtlCol="0" anchor="ctr">
+            <a:spAutoFit/>
+          </a:bodyPr>
+          <a:lstStyle/>
+          <a:p>
+            <a:pPr algn="ctr"/>
+            <a:endParaRPr lang="de-DE" sz="1600" b="0" dirty="0" err="1">
+              <a:solidFill>
+                <a:schemeClr val="tx1"/>
+              </a:solidFill>
+              <a:latin typeface="+mn-lt"/>
+            </a:endParaRPr>
+          </a:p>
+        </p:txBody>
+      </p:sp>
+      <p:sp>
+        <p:nvSpPr>
+          <p:cNvPr id="61" name="Rechteck 60">
+            <a:extLst>
+              <a:ext uri="{FF2B5EF4-FFF2-40B4-BE49-F238E27FC236}">
+                <a16:creationId xmlns:a16="http://schemas.microsoft.com/office/drawing/2014/main" id="{FA0561E1-978B-4190-854D-42E1373D67D3}"/>
+              </a:ext>
+            </a:extLst>
+          </p:cNvPr>
+          <p:cNvSpPr/>
+          <p:nvPr/>
+        </p:nvSpPr>
+        <p:spPr>
+          <a:xfrm>
+            <a:off x="8181995" y="5429097"/>
+            <a:ext cx="670036" cy="670036"/>
+          </a:xfrm>
+          <a:prstGeom prst="rect">
+            <a:avLst/>
+          </a:prstGeom>
+          <a:noFill/>
+        </p:spPr>
+        <p:style>
+          <a:lnRef idx="2">
+            <a:schemeClr val="dk1"/>
+          </a:lnRef>
+          <a:fillRef idx="1">
+            <a:schemeClr val="lt1"/>
+          </a:fillRef>
+          <a:effectRef idx="0">
+            <a:schemeClr val="dk1"/>
+          </a:effectRef>
+          <a:fontRef idx="minor">
+            <a:schemeClr val="dk1"/>
+          </a:fontRef>
+        </p:style>
+        <p:txBody>
+          <a:bodyPr wrap="square" lIns="0" rtlCol="0" anchor="ctr">
+            <a:spAutoFit/>
+          </a:bodyPr>
+          <a:lstStyle/>
+          <a:p>
+            <a:pPr algn="ctr"/>
+            <a:endParaRPr lang="de-DE" sz="1600" b="0" dirty="0" err="1">
+              <a:solidFill>
+                <a:schemeClr val="tx1"/>
+              </a:solidFill>
+              <a:latin typeface="+mn-lt"/>
+            </a:endParaRPr>
+          </a:p>
+        </p:txBody>
+      </p:sp>
+      <p:sp>
+        <p:nvSpPr>
+          <p:cNvPr id="62" name="Rechteck 61">
+            <a:extLst>
+              <a:ext uri="{FF2B5EF4-FFF2-40B4-BE49-F238E27FC236}">
+                <a16:creationId xmlns:a16="http://schemas.microsoft.com/office/drawing/2014/main" id="{B9E4B980-ABE3-480B-818D-8796A59AD566}"/>
+              </a:ext>
+            </a:extLst>
+          </p:cNvPr>
+          <p:cNvSpPr/>
+          <p:nvPr/>
+        </p:nvSpPr>
+        <p:spPr>
+          <a:xfrm>
+            <a:off x="8850442" y="5429097"/>
+            <a:ext cx="670036" cy="670036"/>
+          </a:xfrm>
+          <a:prstGeom prst="rect">
+            <a:avLst/>
+          </a:prstGeom>
+          <a:noFill/>
+        </p:spPr>
+        <p:style>
+          <a:lnRef idx="2">
+            <a:schemeClr val="dk1"/>
+          </a:lnRef>
+          <a:fillRef idx="1">
+            <a:schemeClr val="lt1"/>
+          </a:fillRef>
+          <a:effectRef idx="0">
+            <a:schemeClr val="dk1"/>
+          </a:effectRef>
+          <a:fontRef idx="minor">
+            <a:schemeClr val="dk1"/>
+          </a:fontRef>
+        </p:style>
+        <p:txBody>
+          <a:bodyPr wrap="square" lIns="0" rtlCol="0" anchor="ctr">
+            <a:spAutoFit/>
+          </a:bodyPr>
+          <a:lstStyle/>
+          <a:p>
+            <a:pPr algn="ctr"/>
+            <a:endParaRPr lang="de-DE" sz="1600" b="0" dirty="0" err="1">
+              <a:solidFill>
+                <a:schemeClr val="tx1"/>
+              </a:solidFill>
+              <a:latin typeface="+mn-lt"/>
+            </a:endParaRPr>
+          </a:p>
+        </p:txBody>
+      </p:sp>
+      <p:sp>
+        <p:nvSpPr>
+          <p:cNvPr id="63" name="Rechteck 62">
+            <a:extLst>
+              <a:ext uri="{FF2B5EF4-FFF2-40B4-BE49-F238E27FC236}">
+                <a16:creationId xmlns:a16="http://schemas.microsoft.com/office/drawing/2014/main" id="{B86E22B6-075E-4D31-A7D6-B6AB67E1F08A}"/>
+              </a:ext>
+            </a:extLst>
+          </p:cNvPr>
+          <p:cNvSpPr/>
+          <p:nvPr/>
+        </p:nvSpPr>
+        <p:spPr>
+          <a:xfrm>
+            <a:off x="9518889" y="5429097"/>
+            <a:ext cx="670036" cy="670036"/>
+          </a:xfrm>
+          <a:prstGeom prst="rect">
+            <a:avLst/>
+          </a:prstGeom>
+          <a:noFill/>
+        </p:spPr>
+        <p:style>
+          <a:lnRef idx="2">
+            <a:schemeClr val="dk1"/>
+          </a:lnRef>
+          <a:fillRef idx="1">
+            <a:schemeClr val="lt1"/>
+          </a:fillRef>
+          <a:effectRef idx="0">
+            <a:schemeClr val="dk1"/>
+          </a:effectRef>
+          <a:fontRef idx="minor">
+            <a:schemeClr val="dk1"/>
+          </a:fontRef>
+        </p:style>
+        <p:txBody>
+          <a:bodyPr wrap="square" lIns="0" rtlCol="0" anchor="ctr">
+            <a:spAutoFit/>
+          </a:bodyPr>
+          <a:lstStyle/>
+          <a:p>
+            <a:pPr algn="ctr"/>
+            <a:endParaRPr lang="de-DE" sz="1600" b="0" dirty="0" err="1">
+              <a:solidFill>
+                <a:schemeClr val="tx1"/>
+              </a:solidFill>
+              <a:latin typeface="+mn-lt"/>
+            </a:endParaRPr>
+          </a:p>
+        </p:txBody>
+      </p:sp>
+      <p:sp>
+        <p:nvSpPr>
+          <p:cNvPr id="64" name="Rechteck 63">
+            <a:extLst>
+              <a:ext uri="{FF2B5EF4-FFF2-40B4-BE49-F238E27FC236}">
+                <a16:creationId xmlns:a16="http://schemas.microsoft.com/office/drawing/2014/main" id="{B0F54783-BF33-40E3-BA76-31269B05FA0F}"/>
+              </a:ext>
+            </a:extLst>
+          </p:cNvPr>
+          <p:cNvSpPr/>
+          <p:nvPr/>
+        </p:nvSpPr>
+        <p:spPr>
+          <a:xfrm>
+            <a:off x="10187336" y="5429097"/>
+            <a:ext cx="670036" cy="670036"/>
+          </a:xfrm>
+          <a:prstGeom prst="rect">
+            <a:avLst/>
+          </a:prstGeom>
+          <a:noFill/>
+        </p:spPr>
+        <p:style>
+          <a:lnRef idx="2">
+            <a:schemeClr val="dk1"/>
+          </a:lnRef>
+          <a:fillRef idx="1">
+            <a:schemeClr val="lt1"/>
+          </a:fillRef>
+          <a:effectRef idx="0">
+            <a:schemeClr val="dk1"/>
+          </a:effectRef>
+          <a:fontRef idx="minor">
+            <a:schemeClr val="dk1"/>
+          </a:fontRef>
+        </p:style>
+        <p:txBody>
+          <a:bodyPr wrap="square" lIns="0" rtlCol="0" anchor="ctr">
+            <a:spAutoFit/>
+          </a:bodyPr>
+          <a:lstStyle/>
+          <a:p>
+            <a:pPr algn="ctr"/>
+            <a:endParaRPr lang="de-DE" sz="1600" b="0" dirty="0" err="1">
+              <a:solidFill>
+                <a:schemeClr val="tx1"/>
+              </a:solidFill>
+              <a:latin typeface="+mn-lt"/>
+            </a:endParaRPr>
+          </a:p>
+        </p:txBody>
+      </p:sp>
+      <p:sp>
+        <p:nvSpPr>
+          <p:cNvPr id="65" name="Rechteck 64">
+            <a:extLst>
+              <a:ext uri="{FF2B5EF4-FFF2-40B4-BE49-F238E27FC236}">
+                <a16:creationId xmlns:a16="http://schemas.microsoft.com/office/drawing/2014/main" id="{B124A107-624A-4F66-A77C-A8285324B2F3}"/>
+              </a:ext>
+            </a:extLst>
+          </p:cNvPr>
+          <p:cNvSpPr/>
+          <p:nvPr/>
+        </p:nvSpPr>
+        <p:spPr>
+          <a:xfrm>
+            <a:off x="10855781" y="5429097"/>
+            <a:ext cx="670036" cy="670036"/>
+          </a:xfrm>
+          <a:prstGeom prst="rect">
+            <a:avLst/>
+          </a:prstGeom>
+          <a:noFill/>
+        </p:spPr>
+        <p:style>
+          <a:lnRef idx="2">
+            <a:schemeClr val="dk1"/>
+          </a:lnRef>
+          <a:fillRef idx="1">
+            <a:schemeClr val="lt1"/>
+          </a:fillRef>
+          <a:effectRef idx="0">
+            <a:schemeClr val="dk1"/>
+          </a:effectRef>
+          <a:fontRef idx="minor">
+            <a:schemeClr val="dk1"/>
+          </a:fontRef>
+        </p:style>
+        <p:txBody>
+          <a:bodyPr wrap="square" lIns="0" rtlCol="0" anchor="ctr">
+            <a:spAutoFit/>
+          </a:bodyPr>
+          <a:lstStyle/>
+          <a:p>
+            <a:pPr algn="ctr"/>
+            <a:endParaRPr lang="de-DE" sz="1600" b="0" dirty="0" err="1">
+              <a:solidFill>
+                <a:schemeClr val="tx1"/>
+              </a:solidFill>
+              <a:latin typeface="+mn-lt"/>
+            </a:endParaRPr>
+          </a:p>
+        </p:txBody>
+      </p:sp>
+      <p:grpSp>
+        <p:nvGrpSpPr>
+          <p:cNvPr id="115" name="Gruppieren 114">
+            <a:extLst>
+              <a:ext uri="{FF2B5EF4-FFF2-40B4-BE49-F238E27FC236}">
+                <a16:creationId xmlns:a16="http://schemas.microsoft.com/office/drawing/2014/main" id="{EA507E46-1880-46A2-AF2F-1900075AB4C3}"/>
+              </a:ext>
+            </a:extLst>
+          </p:cNvPr>
+          <p:cNvGrpSpPr/>
+          <p:nvPr/>
+        </p:nvGrpSpPr>
+        <p:grpSpPr>
+          <a:xfrm>
+            <a:off x="7726049" y="4638655"/>
+            <a:ext cx="360040" cy="360040"/>
+            <a:chOff x="2483768" y="2348880"/>
+            <a:chExt cx="360040" cy="360040"/>
+          </a:xfrm>
+          <a:effectLst>
+            <a:glow>
+              <a:schemeClr val="accent1"/>
+            </a:glow>
+          </a:effectLst>
+        </p:grpSpPr>
+        <p:sp>
+          <p:nvSpPr>
+            <p:cNvPr id="116" name="Ellipse 115">
+              <a:extLst>
+                <a:ext uri="{FF2B5EF4-FFF2-40B4-BE49-F238E27FC236}">
+                  <a16:creationId xmlns:a16="http://schemas.microsoft.com/office/drawing/2014/main" id="{3C23C5D9-6C43-49D8-9198-70DFC1E9BBDD}"/>
+                </a:ext>
+              </a:extLst>
+            </p:cNvPr>
+            <p:cNvSpPr/>
+            <p:nvPr/>
+          </p:nvSpPr>
+          <p:spPr bwMode="auto">
+            <a:xfrm>
+              <a:off x="2483768" y="2348880"/>
+              <a:ext cx="360040" cy="360040"/>
+            </a:xfrm>
+            <a:prstGeom prst="ellipse">
+              <a:avLst/>
+            </a:prstGeom>
+            <a:gradFill flip="none" rotWithShape="1">
+              <a:gsLst>
+                <a:gs pos="0">
+                  <a:schemeClr val="tx2">
+                    <a:lumMod val="75000"/>
+                    <a:lumOff val="25000"/>
+                  </a:schemeClr>
+                </a:gs>
+                <a:gs pos="50000">
+                  <a:schemeClr val="bg1">
+                    <a:lumMod val="75000"/>
+                  </a:schemeClr>
+                </a:gs>
+                <a:gs pos="100000">
+                  <a:schemeClr val="bg1">
+                    <a:lumMod val="95000"/>
+                  </a:schemeClr>
+                </a:gs>
+              </a:gsLst>
+              <a:path path="circle">
+                <a:fillToRect t="100000" r="100000"/>
+              </a:path>
+              <a:tileRect l="-100000" b="-100000"/>
+            </a:gradFill>
+            <a:ln w="9525" cap="flat" cmpd="sng" algn="ctr">
+              <a:solidFill>
+                <a:schemeClr val="tx2">
+                  <a:lumMod val="95000"/>
+                  <a:lumOff val="5000"/>
+                </a:schemeClr>
+              </a:solidFill>
+              <a:prstDash val="solid"/>
+              <a:round/>
+              <a:headEnd type="none" w="med" len="med"/>
+              <a:tailEnd type="none" w="med" len="med"/>
+            </a:ln>
+            <a:effectLst/>
+            <a:extLst/>
+          </p:spPr>
+          <p:txBody>
+            <a:bodyPr vert="horz" wrap="square" lIns="91440" tIns="45720" rIns="91440" bIns="45720" numCol="1" rtlCol="0" anchor="t" anchorCtr="0" compatLnSpc="1">
+              <a:prstTxWarp prst="textNoShape">
+                <a:avLst/>
+              </a:prstTxWarp>
+            </a:bodyPr>
+            <a:lstStyle/>
+            <a:p>
+              <a:endParaRPr lang="de-DE"/>
+            </a:p>
+          </p:txBody>
+        </p:sp>
+        <p:sp>
+          <p:nvSpPr>
+            <p:cNvPr id="117" name="Ellipse 116">
+              <a:extLst>
+                <a:ext uri="{FF2B5EF4-FFF2-40B4-BE49-F238E27FC236}">
+                  <a16:creationId xmlns:a16="http://schemas.microsoft.com/office/drawing/2014/main" id="{FECD61E1-EA7E-40A2-AB90-412D6CD9C9E2}"/>
+                </a:ext>
+              </a:extLst>
+            </p:cNvPr>
+            <p:cNvSpPr/>
+            <p:nvPr/>
+          </p:nvSpPr>
+          <p:spPr bwMode="auto">
+            <a:xfrm>
+              <a:off x="2669115" y="2403444"/>
+              <a:ext cx="98456" cy="98456"/>
+            </a:xfrm>
+            <a:prstGeom prst="ellipse">
+              <a:avLst/>
+            </a:prstGeom>
+            <a:solidFill>
+              <a:schemeClr val="bg1"/>
+            </a:solidFill>
+            <a:ln w="9525" cap="flat" cmpd="sng" algn="ctr">
+              <a:noFill/>
+              <a:prstDash val="solid"/>
+              <a:round/>
+              <a:headEnd type="none" w="med" len="med"/>
+              <a:tailEnd type="none" w="med" len="med"/>
+            </a:ln>
+            <a:effectLst/>
+            <a:extLst/>
+          </p:spPr>
+          <p:txBody>
+            <a:bodyPr vert="horz" wrap="square" lIns="91440" tIns="45720" rIns="91440" bIns="45720" numCol="1" rtlCol="0" anchor="t" anchorCtr="0" compatLnSpc="1">
+              <a:prstTxWarp prst="textNoShape">
+                <a:avLst/>
+              </a:prstTxWarp>
+            </a:bodyPr>
+            <a:lstStyle/>
+            <a:p>
+              <a:endParaRPr lang="de-DE"/>
+            </a:p>
+          </p:txBody>
+        </p:sp>
+      </p:grpSp>
+      <p:grpSp>
+        <p:nvGrpSpPr>
+          <p:cNvPr id="118" name="Gruppieren 117">
+            <a:extLst>
+              <a:ext uri="{FF2B5EF4-FFF2-40B4-BE49-F238E27FC236}">
+                <a16:creationId xmlns:a16="http://schemas.microsoft.com/office/drawing/2014/main" id="{E4EFDFB5-198A-46DC-B482-3B4007C07F4A}"/>
+              </a:ext>
+            </a:extLst>
+          </p:cNvPr>
+          <p:cNvGrpSpPr/>
+          <p:nvPr/>
+        </p:nvGrpSpPr>
+        <p:grpSpPr>
+          <a:xfrm>
+            <a:off x="7918710" y="3573016"/>
+            <a:ext cx="360040" cy="360040"/>
+            <a:chOff x="2483768" y="2348880"/>
+            <a:chExt cx="360040" cy="360040"/>
+          </a:xfrm>
+          <a:effectLst>
+            <a:glow>
+              <a:schemeClr val="accent1"/>
+            </a:glow>
+          </a:effectLst>
+        </p:grpSpPr>
+        <p:sp>
+          <p:nvSpPr>
+            <p:cNvPr id="119" name="Ellipse 118">
+              <a:extLst>
+                <a:ext uri="{FF2B5EF4-FFF2-40B4-BE49-F238E27FC236}">
+                  <a16:creationId xmlns:a16="http://schemas.microsoft.com/office/drawing/2014/main" id="{4DFD2CD3-44AC-4CED-A70B-8B2A2B00EE01}"/>
+                </a:ext>
+              </a:extLst>
+            </p:cNvPr>
+            <p:cNvSpPr/>
+            <p:nvPr/>
+          </p:nvSpPr>
+          <p:spPr bwMode="auto">
+            <a:xfrm>
+              <a:off x="2483768" y="2348880"/>
+              <a:ext cx="360040" cy="360040"/>
+            </a:xfrm>
+            <a:prstGeom prst="ellipse">
+              <a:avLst/>
+            </a:prstGeom>
+            <a:gradFill flip="none" rotWithShape="1">
+              <a:gsLst>
+                <a:gs pos="0">
+                  <a:schemeClr val="tx2">
+                    <a:lumMod val="75000"/>
+                    <a:lumOff val="25000"/>
+                  </a:schemeClr>
+                </a:gs>
+                <a:gs pos="50000">
+                  <a:schemeClr val="bg1">
+                    <a:lumMod val="75000"/>
+                  </a:schemeClr>
+                </a:gs>
+                <a:gs pos="100000">
+                  <a:schemeClr val="bg1">
+                    <a:lumMod val="95000"/>
+                  </a:schemeClr>
+                </a:gs>
+              </a:gsLst>
+              <a:path path="circle">
+                <a:fillToRect t="100000" r="100000"/>
+              </a:path>
+              <a:tileRect l="-100000" b="-100000"/>
+            </a:gradFill>
+            <a:ln w="9525" cap="flat" cmpd="sng" algn="ctr">
+              <a:solidFill>
+                <a:schemeClr val="tx2">
+                  <a:lumMod val="95000"/>
+                  <a:lumOff val="5000"/>
+                </a:schemeClr>
+              </a:solidFill>
+              <a:prstDash val="solid"/>
+              <a:round/>
+              <a:headEnd type="none" w="med" len="med"/>
+              <a:tailEnd type="none" w="med" len="med"/>
+            </a:ln>
+            <a:effectLst/>
+            <a:extLst/>
+          </p:spPr>
+          <p:txBody>
+            <a:bodyPr vert="horz" wrap="square" lIns="91440" tIns="45720" rIns="91440" bIns="45720" numCol="1" rtlCol="0" anchor="t" anchorCtr="0" compatLnSpc="1">
+              <a:prstTxWarp prst="textNoShape">
+                <a:avLst/>
+              </a:prstTxWarp>
+            </a:bodyPr>
+            <a:lstStyle/>
+            <a:p>
+              <a:endParaRPr lang="de-DE"/>
+            </a:p>
+          </p:txBody>
+        </p:sp>
+        <p:sp>
+          <p:nvSpPr>
+            <p:cNvPr id="120" name="Ellipse 119">
+              <a:extLst>
+                <a:ext uri="{FF2B5EF4-FFF2-40B4-BE49-F238E27FC236}">
+                  <a16:creationId xmlns:a16="http://schemas.microsoft.com/office/drawing/2014/main" id="{802C7494-7E9B-460D-90CC-E5A5A067FFE8}"/>
+                </a:ext>
+              </a:extLst>
+            </p:cNvPr>
+            <p:cNvSpPr/>
+            <p:nvPr/>
+          </p:nvSpPr>
+          <p:spPr bwMode="auto">
+            <a:xfrm>
+              <a:off x="2669115" y="2403444"/>
+              <a:ext cx="98456" cy="98456"/>
+            </a:xfrm>
+            <a:prstGeom prst="ellipse">
+              <a:avLst/>
+            </a:prstGeom>
+            <a:solidFill>
+              <a:schemeClr val="bg1"/>
+            </a:solidFill>
+            <a:ln w="9525" cap="flat" cmpd="sng" algn="ctr">
+              <a:noFill/>
+              <a:prstDash val="solid"/>
+              <a:round/>
+              <a:headEnd type="none" w="med" len="med"/>
+              <a:tailEnd type="none" w="med" len="med"/>
+            </a:ln>
+            <a:effectLst/>
+            <a:extLst/>
+          </p:spPr>
+          <p:txBody>
+            <a:bodyPr vert="horz" wrap="square" lIns="91440" tIns="45720" rIns="91440" bIns="45720" numCol="1" rtlCol="0" anchor="t" anchorCtr="0" compatLnSpc="1">
+              <a:prstTxWarp prst="textNoShape">
+                <a:avLst/>
+              </a:prstTxWarp>
+            </a:bodyPr>
+            <a:lstStyle/>
+            <a:p>
+              <a:endParaRPr lang="de-DE"/>
+            </a:p>
+          </p:txBody>
+        </p:sp>
+      </p:grpSp>
+      <p:grpSp>
+        <p:nvGrpSpPr>
+          <p:cNvPr id="121" name="Gruppieren 120">
+            <a:extLst>
+              <a:ext uri="{FF2B5EF4-FFF2-40B4-BE49-F238E27FC236}">
+                <a16:creationId xmlns:a16="http://schemas.microsoft.com/office/drawing/2014/main" id="{F2B9A68F-1599-47D9-8D0D-A138358D7DDF}"/>
+              </a:ext>
+            </a:extLst>
+          </p:cNvPr>
+          <p:cNvGrpSpPr/>
+          <p:nvPr/>
+        </p:nvGrpSpPr>
+        <p:grpSpPr>
+          <a:xfrm>
+            <a:off x="8820317" y="3461329"/>
+            <a:ext cx="360040" cy="360040"/>
+            <a:chOff x="2483768" y="2348880"/>
+            <a:chExt cx="360040" cy="360040"/>
+          </a:xfrm>
+          <a:effectLst>
+            <a:glow>
+              <a:schemeClr val="accent1"/>
+            </a:glow>
+          </a:effectLst>
+        </p:grpSpPr>
+        <p:sp>
+          <p:nvSpPr>
+            <p:cNvPr id="122" name="Ellipse 121">
+              <a:extLst>
+                <a:ext uri="{FF2B5EF4-FFF2-40B4-BE49-F238E27FC236}">
+                  <a16:creationId xmlns:a16="http://schemas.microsoft.com/office/drawing/2014/main" id="{346892CB-1250-40AA-8C10-2924FEF0991C}"/>
+                </a:ext>
+              </a:extLst>
+            </p:cNvPr>
+            <p:cNvSpPr/>
+            <p:nvPr/>
+          </p:nvSpPr>
+          <p:spPr bwMode="auto">
+            <a:xfrm>
+              <a:off x="2483768" y="2348880"/>
+              <a:ext cx="360040" cy="360040"/>
+            </a:xfrm>
+            <a:prstGeom prst="ellipse">
+              <a:avLst/>
+            </a:prstGeom>
+            <a:gradFill flip="none" rotWithShape="1">
+              <a:gsLst>
+                <a:gs pos="0">
+                  <a:schemeClr val="tx2">
+                    <a:lumMod val="75000"/>
+                    <a:lumOff val="25000"/>
+                  </a:schemeClr>
+                </a:gs>
+                <a:gs pos="50000">
+                  <a:schemeClr val="bg1">
+                    <a:lumMod val="75000"/>
+                  </a:schemeClr>
+                </a:gs>
+                <a:gs pos="100000">
+                  <a:schemeClr val="bg1">
+                    <a:lumMod val="95000"/>
+                  </a:schemeClr>
+                </a:gs>
+              </a:gsLst>
+              <a:path path="circle">
+                <a:fillToRect t="100000" r="100000"/>
+              </a:path>
+              <a:tileRect l="-100000" b="-100000"/>
+            </a:gradFill>
+            <a:ln w="9525" cap="flat" cmpd="sng" algn="ctr">
+              <a:solidFill>
+                <a:schemeClr val="tx2">
+                  <a:lumMod val="95000"/>
+                  <a:lumOff val="5000"/>
+                </a:schemeClr>
+              </a:solidFill>
+              <a:prstDash val="solid"/>
+              <a:round/>
+              <a:headEnd type="none" w="med" len="med"/>
+              <a:tailEnd type="none" w="med" len="med"/>
+            </a:ln>
+            <a:effectLst/>
+            <a:extLst/>
+          </p:spPr>
+          <p:txBody>
+            <a:bodyPr vert="horz" wrap="square" lIns="91440" tIns="45720" rIns="91440" bIns="45720" numCol="1" rtlCol="0" anchor="t" anchorCtr="0" compatLnSpc="1">
+              <a:prstTxWarp prst="textNoShape">
+                <a:avLst/>
+              </a:prstTxWarp>
+            </a:bodyPr>
+            <a:lstStyle/>
+            <a:p>
+              <a:endParaRPr lang="de-DE"/>
+            </a:p>
+          </p:txBody>
+        </p:sp>
+        <p:sp>
+          <p:nvSpPr>
+            <p:cNvPr id="123" name="Ellipse 122">
+              <a:extLst>
+                <a:ext uri="{FF2B5EF4-FFF2-40B4-BE49-F238E27FC236}">
+                  <a16:creationId xmlns:a16="http://schemas.microsoft.com/office/drawing/2014/main" id="{1CB6B222-8877-4BA5-A970-6DCE0201615D}"/>
+                </a:ext>
+              </a:extLst>
+            </p:cNvPr>
+            <p:cNvSpPr/>
+            <p:nvPr/>
+          </p:nvSpPr>
+          <p:spPr bwMode="auto">
+            <a:xfrm>
+              <a:off x="2669115" y="2403444"/>
+              <a:ext cx="98456" cy="98456"/>
+            </a:xfrm>
+            <a:prstGeom prst="ellipse">
+              <a:avLst/>
+            </a:prstGeom>
+            <a:solidFill>
+              <a:schemeClr val="bg1"/>
+            </a:solidFill>
+            <a:ln w="9525" cap="flat" cmpd="sng" algn="ctr">
+              <a:noFill/>
+              <a:prstDash val="solid"/>
+              <a:round/>
+              <a:headEnd type="none" w="med" len="med"/>
+              <a:tailEnd type="none" w="med" len="med"/>
+            </a:ln>
+            <a:effectLst/>
+            <a:extLst/>
+          </p:spPr>
+          <p:txBody>
+            <a:bodyPr vert="horz" wrap="square" lIns="91440" tIns="45720" rIns="91440" bIns="45720" numCol="1" rtlCol="0" anchor="t" anchorCtr="0" compatLnSpc="1">
+              <a:prstTxWarp prst="textNoShape">
+                <a:avLst/>
+              </a:prstTxWarp>
+            </a:bodyPr>
+            <a:lstStyle/>
+            <a:p>
+              <a:endParaRPr lang="de-DE"/>
+            </a:p>
+          </p:txBody>
+        </p:sp>
+      </p:grpSp>
+      <p:grpSp>
+        <p:nvGrpSpPr>
+          <p:cNvPr id="124" name="Gruppieren 123">
+            <a:extLst>
+              <a:ext uri="{FF2B5EF4-FFF2-40B4-BE49-F238E27FC236}">
+                <a16:creationId xmlns:a16="http://schemas.microsoft.com/office/drawing/2014/main" id="{EB1127AD-A2E8-437B-9DA9-C257A87F07D3}"/>
+              </a:ext>
+            </a:extLst>
+          </p:cNvPr>
+          <p:cNvGrpSpPr/>
+          <p:nvPr/>
+        </p:nvGrpSpPr>
+        <p:grpSpPr>
+          <a:xfrm>
+            <a:off x="11136558" y="3573016"/>
+            <a:ext cx="360040" cy="360040"/>
+            <a:chOff x="2483768" y="2348880"/>
+            <a:chExt cx="360040" cy="360040"/>
+          </a:xfrm>
+          <a:effectLst>
+            <a:glow>
+              <a:schemeClr val="accent1"/>
+            </a:glow>
+          </a:effectLst>
+        </p:grpSpPr>
+        <p:sp>
+          <p:nvSpPr>
+            <p:cNvPr id="125" name="Ellipse 124">
+              <a:extLst>
+                <a:ext uri="{FF2B5EF4-FFF2-40B4-BE49-F238E27FC236}">
+                  <a16:creationId xmlns:a16="http://schemas.microsoft.com/office/drawing/2014/main" id="{1A337718-298F-4C50-BCCF-C6F1190D1438}"/>
+                </a:ext>
+              </a:extLst>
+            </p:cNvPr>
+            <p:cNvSpPr/>
+            <p:nvPr/>
+          </p:nvSpPr>
+          <p:spPr bwMode="auto">
+            <a:xfrm>
+              <a:off x="2483768" y="2348880"/>
+              <a:ext cx="360040" cy="360040"/>
+            </a:xfrm>
+            <a:prstGeom prst="ellipse">
+              <a:avLst/>
+            </a:prstGeom>
+            <a:gradFill flip="none" rotWithShape="1">
+              <a:gsLst>
+                <a:gs pos="0">
+                  <a:schemeClr val="tx2">
+                    <a:lumMod val="75000"/>
+                    <a:lumOff val="25000"/>
+                  </a:schemeClr>
+                </a:gs>
+                <a:gs pos="50000">
+                  <a:schemeClr val="bg1">
+                    <a:lumMod val="75000"/>
+                  </a:schemeClr>
+                </a:gs>
+                <a:gs pos="100000">
+                  <a:schemeClr val="bg1">
+                    <a:lumMod val="95000"/>
+                  </a:schemeClr>
+                </a:gs>
+              </a:gsLst>
+              <a:path path="circle">
+                <a:fillToRect t="100000" r="100000"/>
+              </a:path>
+              <a:tileRect l="-100000" b="-100000"/>
+            </a:gradFill>
+            <a:ln w="9525" cap="flat" cmpd="sng" algn="ctr">
+              <a:solidFill>
+                <a:schemeClr val="tx2">
+                  <a:lumMod val="95000"/>
+                  <a:lumOff val="5000"/>
+                </a:schemeClr>
+              </a:solidFill>
+              <a:prstDash val="solid"/>
+              <a:round/>
+              <a:headEnd type="none" w="med" len="med"/>
+              <a:tailEnd type="none" w="med" len="med"/>
+            </a:ln>
+            <a:effectLst/>
+            <a:extLst/>
+          </p:spPr>
+          <p:txBody>
+            <a:bodyPr vert="horz" wrap="square" lIns="91440" tIns="45720" rIns="91440" bIns="45720" numCol="1" rtlCol="0" anchor="t" anchorCtr="0" compatLnSpc="1">
+              <a:prstTxWarp prst="textNoShape">
+                <a:avLst/>
+              </a:prstTxWarp>
+            </a:bodyPr>
+            <a:lstStyle/>
+            <a:p>
+              <a:endParaRPr lang="de-DE"/>
+            </a:p>
+          </p:txBody>
+        </p:sp>
+        <p:sp>
+          <p:nvSpPr>
+            <p:cNvPr id="126" name="Ellipse 125">
+              <a:extLst>
+                <a:ext uri="{FF2B5EF4-FFF2-40B4-BE49-F238E27FC236}">
+                  <a16:creationId xmlns:a16="http://schemas.microsoft.com/office/drawing/2014/main" id="{9C462C95-39DE-411A-8609-F7D43C603725}"/>
+                </a:ext>
+              </a:extLst>
+            </p:cNvPr>
+            <p:cNvSpPr/>
+            <p:nvPr/>
+          </p:nvSpPr>
+          <p:spPr bwMode="auto">
+            <a:xfrm>
+              <a:off x="2669115" y="2403444"/>
+              <a:ext cx="98456" cy="98456"/>
+            </a:xfrm>
+            <a:prstGeom prst="ellipse">
+              <a:avLst/>
+            </a:prstGeom>
+            <a:solidFill>
+              <a:schemeClr val="bg1"/>
+            </a:solidFill>
+            <a:ln w="9525" cap="flat" cmpd="sng" algn="ctr">
+              <a:noFill/>
+              <a:prstDash val="solid"/>
+              <a:round/>
+              <a:headEnd type="none" w="med" len="med"/>
+              <a:tailEnd type="none" w="med" len="med"/>
+            </a:ln>
+            <a:effectLst/>
+            <a:extLst/>
+          </p:spPr>
+          <p:txBody>
+            <a:bodyPr vert="horz" wrap="square" lIns="91440" tIns="45720" rIns="91440" bIns="45720" numCol="1" rtlCol="0" anchor="t" anchorCtr="0" compatLnSpc="1">
+              <a:prstTxWarp prst="textNoShape">
+                <a:avLst/>
+              </a:prstTxWarp>
+            </a:bodyPr>
+            <a:lstStyle/>
+            <a:p>
+              <a:endParaRPr lang="de-DE"/>
+            </a:p>
+          </p:txBody>
+        </p:sp>
+      </p:grpSp>
+      <p:grpSp>
+        <p:nvGrpSpPr>
+          <p:cNvPr id="127" name="Gruppieren 126">
+            <a:extLst>
+              <a:ext uri="{FF2B5EF4-FFF2-40B4-BE49-F238E27FC236}">
+                <a16:creationId xmlns:a16="http://schemas.microsoft.com/office/drawing/2014/main" id="{A93A96F8-448A-4CA6-B2AE-ECAF4A2A3A12}"/>
+              </a:ext>
+            </a:extLst>
+          </p:cNvPr>
+          <p:cNvGrpSpPr/>
+          <p:nvPr/>
+        </p:nvGrpSpPr>
+        <p:grpSpPr>
+          <a:xfrm>
+            <a:off x="8386761" y="3158830"/>
+            <a:ext cx="360040" cy="360040"/>
+            <a:chOff x="2483768" y="2348880"/>
+            <a:chExt cx="360040" cy="360040"/>
+          </a:xfrm>
+          <a:effectLst>
+            <a:glow>
+              <a:schemeClr val="accent1"/>
+            </a:glow>
+          </a:effectLst>
+        </p:grpSpPr>
+        <p:sp>
+          <p:nvSpPr>
+            <p:cNvPr id="128" name="Ellipse 127">
+              <a:extLst>
+                <a:ext uri="{FF2B5EF4-FFF2-40B4-BE49-F238E27FC236}">
+                  <a16:creationId xmlns:a16="http://schemas.microsoft.com/office/drawing/2014/main" id="{14D01F93-0C11-4DB5-A796-FF37B73EA995}"/>
+                </a:ext>
+              </a:extLst>
+            </p:cNvPr>
+            <p:cNvSpPr/>
+            <p:nvPr/>
+          </p:nvSpPr>
+          <p:spPr bwMode="auto">
+            <a:xfrm>
+              <a:off x="2483768" y="2348880"/>
+              <a:ext cx="360040" cy="360040"/>
+            </a:xfrm>
+            <a:prstGeom prst="ellipse">
+              <a:avLst/>
+            </a:prstGeom>
+            <a:gradFill flip="none" rotWithShape="1">
+              <a:gsLst>
+                <a:gs pos="0">
+                  <a:schemeClr val="tx2">
+                    <a:lumMod val="75000"/>
+                    <a:lumOff val="25000"/>
+                  </a:schemeClr>
+                </a:gs>
+                <a:gs pos="50000">
+                  <a:schemeClr val="bg1">
+                    <a:lumMod val="75000"/>
+                  </a:schemeClr>
+                </a:gs>
+                <a:gs pos="100000">
+                  <a:schemeClr val="bg1">
+                    <a:lumMod val="95000"/>
+                  </a:schemeClr>
+                </a:gs>
+              </a:gsLst>
+              <a:path path="circle">
+                <a:fillToRect t="100000" r="100000"/>
+              </a:path>
+              <a:tileRect l="-100000" b="-100000"/>
+            </a:gradFill>
+            <a:ln w="9525" cap="flat" cmpd="sng" algn="ctr">
+              <a:solidFill>
+                <a:schemeClr val="tx2">
+                  <a:lumMod val="95000"/>
+                  <a:lumOff val="5000"/>
+                </a:schemeClr>
+              </a:solidFill>
+              <a:prstDash val="solid"/>
+              <a:round/>
+              <a:headEnd type="none" w="med" len="med"/>
+              <a:tailEnd type="none" w="med" len="med"/>
+            </a:ln>
+            <a:effectLst/>
+            <a:extLst/>
+          </p:spPr>
+          <p:txBody>
+            <a:bodyPr vert="horz" wrap="square" lIns="91440" tIns="45720" rIns="91440" bIns="45720" numCol="1" rtlCol="0" anchor="t" anchorCtr="0" compatLnSpc="1">
+              <a:prstTxWarp prst="textNoShape">
+                <a:avLst/>
+              </a:prstTxWarp>
+            </a:bodyPr>
+            <a:lstStyle/>
+            <a:p>
+              <a:endParaRPr lang="de-DE"/>
+            </a:p>
+          </p:txBody>
+        </p:sp>
+        <p:sp>
+          <p:nvSpPr>
+            <p:cNvPr id="129" name="Ellipse 128">
+              <a:extLst>
+                <a:ext uri="{FF2B5EF4-FFF2-40B4-BE49-F238E27FC236}">
+                  <a16:creationId xmlns:a16="http://schemas.microsoft.com/office/drawing/2014/main" id="{01295731-23C3-4C9A-8906-2F7564AC30B7}"/>
+                </a:ext>
+              </a:extLst>
+            </p:cNvPr>
+            <p:cNvSpPr/>
+            <p:nvPr/>
+          </p:nvSpPr>
+          <p:spPr bwMode="auto">
+            <a:xfrm>
+              <a:off x="2669115" y="2403444"/>
+              <a:ext cx="98456" cy="98456"/>
+            </a:xfrm>
+            <a:prstGeom prst="ellipse">
+              <a:avLst/>
+            </a:prstGeom>
+            <a:solidFill>
+              <a:schemeClr val="bg1"/>
+            </a:solidFill>
+            <a:ln w="9525" cap="flat" cmpd="sng" algn="ctr">
+              <a:noFill/>
+              <a:prstDash val="solid"/>
+              <a:round/>
+              <a:headEnd type="none" w="med" len="med"/>
+              <a:tailEnd type="none" w="med" len="med"/>
+            </a:ln>
+            <a:effectLst/>
+            <a:extLst/>
+          </p:spPr>
+          <p:txBody>
+            <a:bodyPr vert="horz" wrap="square" lIns="91440" tIns="45720" rIns="91440" bIns="45720" numCol="1" rtlCol="0" anchor="t" anchorCtr="0" compatLnSpc="1">
+              <a:prstTxWarp prst="textNoShape">
+                <a:avLst/>
+              </a:prstTxWarp>
+            </a:bodyPr>
+            <a:lstStyle/>
+            <a:p>
+              <a:endParaRPr lang="de-DE"/>
+            </a:p>
+          </p:txBody>
+        </p:sp>
+      </p:grpSp>
+      <p:grpSp>
+        <p:nvGrpSpPr>
+          <p:cNvPr id="130" name="Gruppieren 129">
+            <a:extLst>
+              <a:ext uri="{FF2B5EF4-FFF2-40B4-BE49-F238E27FC236}">
+                <a16:creationId xmlns:a16="http://schemas.microsoft.com/office/drawing/2014/main" id="{DE96681A-AECB-423F-9D21-E1145F94A1FC}"/>
+              </a:ext>
+            </a:extLst>
+          </p:cNvPr>
+          <p:cNvGrpSpPr/>
+          <p:nvPr/>
+        </p:nvGrpSpPr>
+        <p:grpSpPr>
+          <a:xfrm>
+            <a:off x="7458311" y="3138397"/>
+            <a:ext cx="360040" cy="360040"/>
+            <a:chOff x="2483768" y="2348880"/>
+            <a:chExt cx="360040" cy="360040"/>
+          </a:xfrm>
+          <a:effectLst>
+            <a:glow>
+              <a:schemeClr val="accent1"/>
+            </a:glow>
+          </a:effectLst>
+        </p:grpSpPr>
+        <p:sp>
+          <p:nvSpPr>
+            <p:cNvPr id="131" name="Ellipse 130">
+              <a:extLst>
+                <a:ext uri="{FF2B5EF4-FFF2-40B4-BE49-F238E27FC236}">
+                  <a16:creationId xmlns:a16="http://schemas.microsoft.com/office/drawing/2014/main" id="{E25CDDC1-77BA-4431-8A5B-52EA6846688C}"/>
+                </a:ext>
+              </a:extLst>
+            </p:cNvPr>
+            <p:cNvSpPr/>
+            <p:nvPr/>
+          </p:nvSpPr>
+          <p:spPr bwMode="auto">
+            <a:xfrm>
+              <a:off x="2483768" y="2348880"/>
+              <a:ext cx="360040" cy="360040"/>
+            </a:xfrm>
+            <a:prstGeom prst="ellipse">
+              <a:avLst/>
+            </a:prstGeom>
+            <a:gradFill flip="none" rotWithShape="1">
+              <a:gsLst>
+                <a:gs pos="0">
+                  <a:schemeClr val="tx2">
+                    <a:lumMod val="75000"/>
+                    <a:lumOff val="25000"/>
+                  </a:schemeClr>
+                </a:gs>
+                <a:gs pos="50000">
+                  <a:schemeClr val="bg1">
+                    <a:lumMod val="75000"/>
+                  </a:schemeClr>
+                </a:gs>
+                <a:gs pos="100000">
+                  <a:schemeClr val="bg1">
+                    <a:lumMod val="95000"/>
+                  </a:schemeClr>
+                </a:gs>
+              </a:gsLst>
+              <a:path path="circle">
+                <a:fillToRect t="100000" r="100000"/>
+              </a:path>
+              <a:tileRect l="-100000" b="-100000"/>
+            </a:gradFill>
+            <a:ln w="9525" cap="flat" cmpd="sng" algn="ctr">
+              <a:solidFill>
+                <a:schemeClr val="tx2">
+                  <a:lumMod val="95000"/>
+                  <a:lumOff val="5000"/>
+                </a:schemeClr>
+              </a:solidFill>
+              <a:prstDash val="solid"/>
+              <a:round/>
+              <a:headEnd type="none" w="med" len="med"/>
+              <a:tailEnd type="none" w="med" len="med"/>
+            </a:ln>
+            <a:effectLst/>
+            <a:extLst/>
+          </p:spPr>
+          <p:txBody>
+            <a:bodyPr vert="horz" wrap="square" lIns="91440" tIns="45720" rIns="91440" bIns="45720" numCol="1" rtlCol="0" anchor="t" anchorCtr="0" compatLnSpc="1">
+              <a:prstTxWarp prst="textNoShape">
+                <a:avLst/>
+              </a:prstTxWarp>
+            </a:bodyPr>
+            <a:lstStyle/>
+            <a:p>
+              <a:endParaRPr lang="de-DE"/>
+            </a:p>
+          </p:txBody>
+        </p:sp>
+        <p:sp>
+          <p:nvSpPr>
+            <p:cNvPr id="132" name="Ellipse 131">
+              <a:extLst>
+                <a:ext uri="{FF2B5EF4-FFF2-40B4-BE49-F238E27FC236}">
+                  <a16:creationId xmlns:a16="http://schemas.microsoft.com/office/drawing/2014/main" id="{0CACB55D-BD2C-447E-BDAD-271E00A2C544}"/>
+                </a:ext>
+              </a:extLst>
+            </p:cNvPr>
+            <p:cNvSpPr/>
+            <p:nvPr/>
+          </p:nvSpPr>
+          <p:spPr bwMode="auto">
+            <a:xfrm>
+              <a:off x="2669115" y="2403444"/>
+              <a:ext cx="98456" cy="98456"/>
+            </a:xfrm>
+            <a:prstGeom prst="ellipse">
+              <a:avLst/>
+            </a:prstGeom>
+            <a:solidFill>
+              <a:schemeClr val="bg1"/>
+            </a:solidFill>
+            <a:ln w="9525" cap="flat" cmpd="sng" algn="ctr">
+              <a:noFill/>
+              <a:prstDash val="solid"/>
+              <a:round/>
+              <a:headEnd type="none" w="med" len="med"/>
+              <a:tailEnd type="none" w="med" len="med"/>
+            </a:ln>
+            <a:effectLst/>
+            <a:extLst/>
+          </p:spPr>
+          <p:txBody>
+            <a:bodyPr vert="horz" wrap="square" lIns="91440" tIns="45720" rIns="91440" bIns="45720" numCol="1" rtlCol="0" anchor="t" anchorCtr="0" compatLnSpc="1">
+              <a:prstTxWarp prst="textNoShape">
+                <a:avLst/>
+              </a:prstTxWarp>
+            </a:bodyPr>
+            <a:lstStyle/>
+            <a:p>
+              <a:endParaRPr lang="de-DE"/>
+            </a:p>
+          </p:txBody>
+        </p:sp>
+      </p:grpSp>
+      <p:grpSp>
+        <p:nvGrpSpPr>
+          <p:cNvPr id="133" name="Gruppieren 132">
+            <a:extLst>
+              <a:ext uri="{FF2B5EF4-FFF2-40B4-BE49-F238E27FC236}">
+                <a16:creationId xmlns:a16="http://schemas.microsoft.com/office/drawing/2014/main" id="{3AE78779-56E7-41C9-BE2C-3AFADCA277C9}"/>
+              </a:ext>
+            </a:extLst>
+          </p:cNvPr>
+          <p:cNvGrpSpPr/>
+          <p:nvPr/>
+        </p:nvGrpSpPr>
+        <p:grpSpPr>
+          <a:xfrm>
+            <a:off x="7577221" y="4020344"/>
+            <a:ext cx="360040" cy="360040"/>
+            <a:chOff x="2483768" y="2348880"/>
+            <a:chExt cx="360040" cy="360040"/>
+          </a:xfrm>
+          <a:effectLst>
+            <a:glow>
+              <a:schemeClr val="accent1"/>
+            </a:glow>
+          </a:effectLst>
+        </p:grpSpPr>
+        <p:sp>
+          <p:nvSpPr>
+            <p:cNvPr id="134" name="Ellipse 133">
+              <a:extLst>
+                <a:ext uri="{FF2B5EF4-FFF2-40B4-BE49-F238E27FC236}">
+                  <a16:creationId xmlns:a16="http://schemas.microsoft.com/office/drawing/2014/main" id="{44188F5E-C706-4080-B9E2-AFBF8BE75648}"/>
+                </a:ext>
+              </a:extLst>
+            </p:cNvPr>
+            <p:cNvSpPr/>
+            <p:nvPr/>
+          </p:nvSpPr>
+          <p:spPr bwMode="auto">
+            <a:xfrm>
+              <a:off x="2483768" y="2348880"/>
+              <a:ext cx="360040" cy="360040"/>
+            </a:xfrm>
+            <a:prstGeom prst="ellipse">
+              <a:avLst/>
+            </a:prstGeom>
+            <a:gradFill flip="none" rotWithShape="1">
+              <a:gsLst>
+                <a:gs pos="0">
+                  <a:schemeClr val="tx2">
+                    <a:lumMod val="75000"/>
+                    <a:lumOff val="25000"/>
+                  </a:schemeClr>
+                </a:gs>
+                <a:gs pos="50000">
+                  <a:schemeClr val="bg1">
+                    <a:lumMod val="75000"/>
+                  </a:schemeClr>
+                </a:gs>
+                <a:gs pos="100000">
+                  <a:schemeClr val="bg1">
+                    <a:lumMod val="95000"/>
+                  </a:schemeClr>
+                </a:gs>
+              </a:gsLst>
+              <a:path path="circle">
+                <a:fillToRect t="100000" r="100000"/>
+              </a:path>
+              <a:tileRect l="-100000" b="-100000"/>
+            </a:gradFill>
+            <a:ln w="9525" cap="flat" cmpd="sng" algn="ctr">
+              <a:solidFill>
+                <a:schemeClr val="tx2">
+                  <a:lumMod val="95000"/>
+                  <a:lumOff val="5000"/>
+                </a:schemeClr>
+              </a:solidFill>
+              <a:prstDash val="solid"/>
+              <a:round/>
+              <a:headEnd type="none" w="med" len="med"/>
+              <a:tailEnd type="none" w="med" len="med"/>
+            </a:ln>
+            <a:effectLst/>
+            <a:extLst/>
+          </p:spPr>
+          <p:txBody>
+            <a:bodyPr vert="horz" wrap="square" lIns="91440" tIns="45720" rIns="91440" bIns="45720" numCol="1" rtlCol="0" anchor="t" anchorCtr="0" compatLnSpc="1">
+              <a:prstTxWarp prst="textNoShape">
+                <a:avLst/>
+              </a:prstTxWarp>
+            </a:bodyPr>
+            <a:lstStyle/>
+            <a:p>
+              <a:endParaRPr lang="de-DE"/>
+            </a:p>
+          </p:txBody>
+        </p:sp>
+        <p:sp>
+          <p:nvSpPr>
+            <p:cNvPr id="135" name="Ellipse 134">
+              <a:extLst>
+                <a:ext uri="{FF2B5EF4-FFF2-40B4-BE49-F238E27FC236}">
+                  <a16:creationId xmlns:a16="http://schemas.microsoft.com/office/drawing/2014/main" id="{9DAF55FA-F681-4D27-9D79-2ED76B0128AA}"/>
+                </a:ext>
+              </a:extLst>
+            </p:cNvPr>
+            <p:cNvSpPr/>
+            <p:nvPr/>
+          </p:nvSpPr>
+          <p:spPr bwMode="auto">
+            <a:xfrm>
+              <a:off x="2669115" y="2403444"/>
+              <a:ext cx="98456" cy="98456"/>
+            </a:xfrm>
+            <a:prstGeom prst="ellipse">
+              <a:avLst/>
+            </a:prstGeom>
+            <a:solidFill>
+              <a:schemeClr val="bg1"/>
+            </a:solidFill>
+            <a:ln w="9525" cap="flat" cmpd="sng" algn="ctr">
+              <a:noFill/>
+              <a:prstDash val="solid"/>
+              <a:round/>
+              <a:headEnd type="none" w="med" len="med"/>
+              <a:tailEnd type="none" w="med" len="med"/>
+            </a:ln>
+            <a:effectLst/>
+            <a:extLst/>
+          </p:spPr>
+          <p:txBody>
+            <a:bodyPr vert="horz" wrap="square" lIns="91440" tIns="45720" rIns="91440" bIns="45720" numCol="1" rtlCol="0" anchor="t" anchorCtr="0" compatLnSpc="1">
+              <a:prstTxWarp prst="textNoShape">
+                <a:avLst/>
+              </a:prstTxWarp>
+            </a:bodyPr>
+            <a:lstStyle/>
+            <a:p>
+              <a:endParaRPr lang="de-DE"/>
+            </a:p>
+          </p:txBody>
+        </p:sp>
+      </p:grpSp>
+      <p:grpSp>
+        <p:nvGrpSpPr>
+          <p:cNvPr id="136" name="Gruppieren 135">
+            <a:extLst>
+              <a:ext uri="{FF2B5EF4-FFF2-40B4-BE49-F238E27FC236}">
+                <a16:creationId xmlns:a16="http://schemas.microsoft.com/office/drawing/2014/main" id="{12485241-0884-4F12-8250-5013CD33913E}"/>
+              </a:ext>
+            </a:extLst>
+          </p:cNvPr>
+          <p:cNvGrpSpPr/>
+          <p:nvPr/>
+        </p:nvGrpSpPr>
+        <p:grpSpPr>
+          <a:xfrm>
+            <a:off x="8409978" y="4173364"/>
+            <a:ext cx="360040" cy="360040"/>
+            <a:chOff x="2483768" y="2348880"/>
+            <a:chExt cx="360040" cy="360040"/>
+          </a:xfrm>
+          <a:effectLst>
+            <a:glow>
+              <a:schemeClr val="accent1"/>
+            </a:glow>
+          </a:effectLst>
+        </p:grpSpPr>
+        <p:sp>
+          <p:nvSpPr>
+            <p:cNvPr id="137" name="Ellipse 136">
+              <a:extLst>
+                <a:ext uri="{FF2B5EF4-FFF2-40B4-BE49-F238E27FC236}">
+                  <a16:creationId xmlns:a16="http://schemas.microsoft.com/office/drawing/2014/main" id="{B8B025AE-9E8F-4102-9AA3-E5EBAF253F0A}"/>
+                </a:ext>
+              </a:extLst>
+            </p:cNvPr>
+            <p:cNvSpPr/>
+            <p:nvPr/>
+          </p:nvSpPr>
+          <p:spPr bwMode="auto">
+            <a:xfrm>
+              <a:off x="2483768" y="2348880"/>
+              <a:ext cx="360040" cy="360040"/>
+            </a:xfrm>
+            <a:prstGeom prst="ellipse">
+              <a:avLst/>
+            </a:prstGeom>
+            <a:gradFill flip="none" rotWithShape="1">
+              <a:gsLst>
+                <a:gs pos="0">
+                  <a:schemeClr val="tx2">
+                    <a:lumMod val="75000"/>
+                    <a:lumOff val="25000"/>
+                  </a:schemeClr>
+                </a:gs>
+                <a:gs pos="50000">
+                  <a:schemeClr val="bg1">
+                    <a:lumMod val="75000"/>
+                  </a:schemeClr>
+                </a:gs>
+                <a:gs pos="100000">
+                  <a:schemeClr val="bg1">
+                    <a:lumMod val="95000"/>
+                  </a:schemeClr>
+                </a:gs>
+              </a:gsLst>
+              <a:path path="circle">
+                <a:fillToRect t="100000" r="100000"/>
+              </a:path>
+              <a:tileRect l="-100000" b="-100000"/>
+            </a:gradFill>
+            <a:ln w="9525" cap="flat" cmpd="sng" algn="ctr">
+              <a:solidFill>
+                <a:schemeClr val="tx2">
+                  <a:lumMod val="95000"/>
+                  <a:lumOff val="5000"/>
+                </a:schemeClr>
+              </a:solidFill>
+              <a:prstDash val="solid"/>
+              <a:round/>
+              <a:headEnd type="none" w="med" len="med"/>
+              <a:tailEnd type="none" w="med" len="med"/>
+            </a:ln>
+            <a:effectLst/>
+            <a:extLst/>
+          </p:spPr>
+          <p:txBody>
+            <a:bodyPr vert="horz" wrap="square" lIns="91440" tIns="45720" rIns="91440" bIns="45720" numCol="1" rtlCol="0" anchor="t" anchorCtr="0" compatLnSpc="1">
+              <a:prstTxWarp prst="textNoShape">
+                <a:avLst/>
+              </a:prstTxWarp>
+            </a:bodyPr>
+            <a:lstStyle/>
+            <a:p>
+              <a:endParaRPr lang="de-DE"/>
+            </a:p>
+          </p:txBody>
+        </p:sp>
+        <p:sp>
+          <p:nvSpPr>
+            <p:cNvPr id="138" name="Ellipse 137">
+              <a:extLst>
+                <a:ext uri="{FF2B5EF4-FFF2-40B4-BE49-F238E27FC236}">
+                  <a16:creationId xmlns:a16="http://schemas.microsoft.com/office/drawing/2014/main" id="{64BD0228-5476-4FEB-9362-D910BA3E089D}"/>
+                </a:ext>
+              </a:extLst>
+            </p:cNvPr>
+            <p:cNvSpPr/>
+            <p:nvPr/>
+          </p:nvSpPr>
+          <p:spPr bwMode="auto">
+            <a:xfrm>
+              <a:off x="2669115" y="2403444"/>
+              <a:ext cx="98456" cy="98456"/>
+            </a:xfrm>
+            <a:prstGeom prst="ellipse">
+              <a:avLst/>
+            </a:prstGeom>
+            <a:solidFill>
+              <a:schemeClr val="bg1"/>
+            </a:solidFill>
+            <a:ln w="9525" cap="flat" cmpd="sng" algn="ctr">
+              <a:noFill/>
+              <a:prstDash val="solid"/>
+              <a:round/>
+              <a:headEnd type="none" w="med" len="med"/>
+              <a:tailEnd type="none" w="med" len="med"/>
+            </a:ln>
+            <a:effectLst/>
+            <a:extLst/>
+          </p:spPr>
+          <p:txBody>
+            <a:bodyPr vert="horz" wrap="square" lIns="91440" tIns="45720" rIns="91440" bIns="45720" numCol="1" rtlCol="0" anchor="t" anchorCtr="0" compatLnSpc="1">
+              <a:prstTxWarp prst="textNoShape">
+                <a:avLst/>
+              </a:prstTxWarp>
+            </a:bodyPr>
+            <a:lstStyle/>
+            <a:p>
+              <a:endParaRPr lang="de-DE"/>
+            </a:p>
+          </p:txBody>
+        </p:sp>
+      </p:grpSp>
+      <p:grpSp>
+        <p:nvGrpSpPr>
+          <p:cNvPr id="139" name="Gruppieren 138">
+            <a:extLst>
+              <a:ext uri="{FF2B5EF4-FFF2-40B4-BE49-F238E27FC236}">
+                <a16:creationId xmlns:a16="http://schemas.microsoft.com/office/drawing/2014/main" id="{5000E717-94EF-4A1E-B39B-40B95896519E}"/>
+              </a:ext>
+            </a:extLst>
+          </p:cNvPr>
+          <p:cNvGrpSpPr/>
+          <p:nvPr/>
+        </p:nvGrpSpPr>
+        <p:grpSpPr>
+          <a:xfrm>
+            <a:off x="10284465" y="1627680"/>
+            <a:ext cx="360040" cy="360040"/>
+            <a:chOff x="2483768" y="2348880"/>
+            <a:chExt cx="360040" cy="360040"/>
+          </a:xfrm>
+          <a:effectLst>
+            <a:glow>
+              <a:schemeClr val="accent1"/>
+            </a:glow>
+          </a:effectLst>
+        </p:grpSpPr>
+        <p:sp>
+          <p:nvSpPr>
+            <p:cNvPr id="140" name="Ellipse 139">
+              <a:extLst>
+                <a:ext uri="{FF2B5EF4-FFF2-40B4-BE49-F238E27FC236}">
+                  <a16:creationId xmlns:a16="http://schemas.microsoft.com/office/drawing/2014/main" id="{BF88592A-44BA-4556-A5ED-A44FCE248420}"/>
+                </a:ext>
+              </a:extLst>
+            </p:cNvPr>
+            <p:cNvSpPr/>
+            <p:nvPr/>
+          </p:nvSpPr>
+          <p:spPr bwMode="auto">
+            <a:xfrm>
+              <a:off x="2483768" y="2348880"/>
+              <a:ext cx="360040" cy="360040"/>
+            </a:xfrm>
+            <a:prstGeom prst="ellipse">
+              <a:avLst/>
+            </a:prstGeom>
+            <a:gradFill flip="none" rotWithShape="1">
+              <a:gsLst>
+                <a:gs pos="0">
+                  <a:schemeClr val="tx2">
+                    <a:lumMod val="75000"/>
+                    <a:lumOff val="25000"/>
+                  </a:schemeClr>
+                </a:gs>
+                <a:gs pos="50000">
+                  <a:schemeClr val="bg1">
+                    <a:lumMod val="75000"/>
+                  </a:schemeClr>
+                </a:gs>
+                <a:gs pos="100000">
+                  <a:schemeClr val="bg1">
+                    <a:lumMod val="95000"/>
+                  </a:schemeClr>
+                </a:gs>
+              </a:gsLst>
+              <a:path path="circle">
+                <a:fillToRect t="100000" r="100000"/>
+              </a:path>
+              <a:tileRect l="-100000" b="-100000"/>
+            </a:gradFill>
+            <a:ln w="9525" cap="flat" cmpd="sng" algn="ctr">
+              <a:solidFill>
+                <a:schemeClr val="tx2">
+                  <a:lumMod val="95000"/>
+                  <a:lumOff val="5000"/>
+                </a:schemeClr>
+              </a:solidFill>
+              <a:prstDash val="solid"/>
+              <a:round/>
+              <a:headEnd type="none" w="med" len="med"/>
+              <a:tailEnd type="none" w="med" len="med"/>
+            </a:ln>
+            <a:effectLst/>
+            <a:extLst/>
+          </p:spPr>
+          <p:txBody>
+            <a:bodyPr vert="horz" wrap="square" lIns="91440" tIns="45720" rIns="91440" bIns="45720" numCol="1" rtlCol="0" anchor="t" anchorCtr="0" compatLnSpc="1">
+              <a:prstTxWarp prst="textNoShape">
+                <a:avLst/>
+              </a:prstTxWarp>
+            </a:bodyPr>
+            <a:lstStyle/>
+            <a:p>
+              <a:endParaRPr lang="de-DE"/>
+            </a:p>
+          </p:txBody>
+        </p:sp>
+        <p:sp>
+          <p:nvSpPr>
+            <p:cNvPr id="141" name="Ellipse 140">
+              <a:extLst>
+                <a:ext uri="{FF2B5EF4-FFF2-40B4-BE49-F238E27FC236}">
+                  <a16:creationId xmlns:a16="http://schemas.microsoft.com/office/drawing/2014/main" id="{1E72C228-AA7E-4DC6-9F50-56AE9D2DD5C9}"/>
+                </a:ext>
+              </a:extLst>
+            </p:cNvPr>
+            <p:cNvSpPr/>
+            <p:nvPr/>
+          </p:nvSpPr>
+          <p:spPr bwMode="auto">
+            <a:xfrm>
+              <a:off x="2669115" y="2403444"/>
+              <a:ext cx="98456" cy="98456"/>
+            </a:xfrm>
+            <a:prstGeom prst="ellipse">
+              <a:avLst/>
+            </a:prstGeom>
+            <a:solidFill>
+              <a:schemeClr val="bg1"/>
+            </a:solidFill>
+            <a:ln w="9525" cap="flat" cmpd="sng" algn="ctr">
+              <a:noFill/>
+              <a:prstDash val="solid"/>
+              <a:round/>
+              <a:headEnd type="none" w="med" len="med"/>
+              <a:tailEnd type="none" w="med" len="med"/>
+            </a:ln>
+            <a:effectLst/>
+            <a:extLst/>
+          </p:spPr>
+          <p:txBody>
+            <a:bodyPr vert="horz" wrap="square" lIns="91440" tIns="45720" rIns="91440" bIns="45720" numCol="1" rtlCol="0" anchor="t" anchorCtr="0" compatLnSpc="1">
+              <a:prstTxWarp prst="textNoShape">
+                <a:avLst/>
+              </a:prstTxWarp>
+            </a:bodyPr>
+            <a:lstStyle/>
+            <a:p>
+              <a:endParaRPr lang="de-DE"/>
+            </a:p>
+          </p:txBody>
+        </p:sp>
+      </p:grpSp>
+      <p:grpSp>
+        <p:nvGrpSpPr>
+          <p:cNvPr id="142" name="Gruppieren 141">
+            <a:extLst>
+              <a:ext uri="{FF2B5EF4-FFF2-40B4-BE49-F238E27FC236}">
+                <a16:creationId xmlns:a16="http://schemas.microsoft.com/office/drawing/2014/main" id="{85592FE8-0A1C-4404-BC7E-36B253D8A7C2}"/>
+              </a:ext>
+            </a:extLst>
+          </p:cNvPr>
+          <p:cNvGrpSpPr/>
+          <p:nvPr/>
+        </p:nvGrpSpPr>
+        <p:grpSpPr>
+          <a:xfrm>
+            <a:off x="9584158" y="5229200"/>
+            <a:ext cx="360040" cy="360040"/>
+            <a:chOff x="2483768" y="2348880"/>
+            <a:chExt cx="360040" cy="360040"/>
+          </a:xfrm>
+          <a:effectLst>
+            <a:glow>
+              <a:schemeClr val="accent1"/>
+            </a:glow>
+          </a:effectLst>
+        </p:grpSpPr>
+        <p:sp>
+          <p:nvSpPr>
+            <p:cNvPr id="143" name="Ellipse 142">
+              <a:extLst>
+                <a:ext uri="{FF2B5EF4-FFF2-40B4-BE49-F238E27FC236}">
+                  <a16:creationId xmlns:a16="http://schemas.microsoft.com/office/drawing/2014/main" id="{D5B37625-96BC-4F55-A089-8F74EBA3FAFD}"/>
+                </a:ext>
+              </a:extLst>
+            </p:cNvPr>
+            <p:cNvSpPr/>
+            <p:nvPr/>
+          </p:nvSpPr>
+          <p:spPr bwMode="auto">
+            <a:xfrm>
+              <a:off x="2483768" y="2348880"/>
+              <a:ext cx="360040" cy="360040"/>
+            </a:xfrm>
+            <a:prstGeom prst="ellipse">
+              <a:avLst/>
+            </a:prstGeom>
+            <a:gradFill flip="none" rotWithShape="1">
+              <a:gsLst>
+                <a:gs pos="0">
+                  <a:schemeClr val="tx2">
+                    <a:lumMod val="75000"/>
+                    <a:lumOff val="25000"/>
+                  </a:schemeClr>
+                </a:gs>
+                <a:gs pos="50000">
+                  <a:schemeClr val="bg1">
+                    <a:lumMod val="75000"/>
+                  </a:schemeClr>
+                </a:gs>
+                <a:gs pos="100000">
+                  <a:schemeClr val="bg1">
+                    <a:lumMod val="95000"/>
+                  </a:schemeClr>
+                </a:gs>
+              </a:gsLst>
+              <a:path path="circle">
+                <a:fillToRect t="100000" r="100000"/>
+              </a:path>
+              <a:tileRect l="-100000" b="-100000"/>
+            </a:gradFill>
+            <a:ln w="9525" cap="flat" cmpd="sng" algn="ctr">
+              <a:solidFill>
+                <a:schemeClr val="tx2">
+                  <a:lumMod val="95000"/>
+                  <a:lumOff val="5000"/>
+                </a:schemeClr>
+              </a:solidFill>
+              <a:prstDash val="solid"/>
+              <a:round/>
+              <a:headEnd type="none" w="med" len="med"/>
+              <a:tailEnd type="none" w="med" len="med"/>
+            </a:ln>
+            <a:effectLst/>
+            <a:extLst/>
+          </p:spPr>
+          <p:txBody>
+            <a:bodyPr vert="horz" wrap="square" lIns="91440" tIns="45720" rIns="91440" bIns="45720" numCol="1" rtlCol="0" anchor="t" anchorCtr="0" compatLnSpc="1">
+              <a:prstTxWarp prst="textNoShape">
+                <a:avLst/>
+              </a:prstTxWarp>
+            </a:bodyPr>
+            <a:lstStyle/>
+            <a:p>
+              <a:endParaRPr lang="de-DE"/>
+            </a:p>
+          </p:txBody>
+        </p:sp>
+        <p:sp>
+          <p:nvSpPr>
+            <p:cNvPr id="144" name="Ellipse 143">
+              <a:extLst>
+                <a:ext uri="{FF2B5EF4-FFF2-40B4-BE49-F238E27FC236}">
+                  <a16:creationId xmlns:a16="http://schemas.microsoft.com/office/drawing/2014/main" id="{413ACCB8-DF5A-4189-A2E2-6F9BCDEDA0DC}"/>
+                </a:ext>
+              </a:extLst>
+            </p:cNvPr>
+            <p:cNvSpPr/>
+            <p:nvPr/>
+          </p:nvSpPr>
+          <p:spPr bwMode="auto">
+            <a:xfrm>
+              <a:off x="2669115" y="2403444"/>
+              <a:ext cx="98456" cy="98456"/>
+            </a:xfrm>
+            <a:prstGeom prst="ellipse">
+              <a:avLst/>
+            </a:prstGeom>
+            <a:solidFill>
+              <a:schemeClr val="bg1"/>
+            </a:solidFill>
+            <a:ln w="9525" cap="flat" cmpd="sng" algn="ctr">
+              <a:noFill/>
+              <a:prstDash val="solid"/>
+              <a:round/>
+              <a:headEnd type="none" w="med" len="med"/>
+              <a:tailEnd type="none" w="med" len="med"/>
+            </a:ln>
+            <a:effectLst/>
+            <a:extLst/>
+          </p:spPr>
+          <p:txBody>
+            <a:bodyPr vert="horz" wrap="square" lIns="91440" tIns="45720" rIns="91440" bIns="45720" numCol="1" rtlCol="0" anchor="t" anchorCtr="0" compatLnSpc="1">
+              <a:prstTxWarp prst="textNoShape">
+                <a:avLst/>
+              </a:prstTxWarp>
+            </a:bodyPr>
+            <a:lstStyle/>
+            <a:p>
+              <a:endParaRPr lang="de-DE"/>
+            </a:p>
+          </p:txBody>
+        </p:sp>
+      </p:grpSp>
     </p:spTree>
     <p:extLst>
       <p:ext uri="{BB962C8B-B14F-4D97-AF65-F5344CB8AC3E}">
@@ -7567,6 +12470,848 @@
   <p:clrMapOvr>
     <a:masterClrMapping/>
   </p:clrMapOvr>
+  <p:timing>
+    <p:tnLst>
+      <p:par>
+        <p:cTn id="1" dur="indefinite" restart="never" nodeType="tmRoot">
+          <p:childTnLst>
+            <p:seq concurrent="1" nextAc="seek">
+              <p:cTn id="2" dur="indefinite" nodeType="mainSeq">
+                <p:childTnLst>
+                  <p:par>
+                    <p:cTn id="3" fill="hold">
+                      <p:stCondLst>
+                        <p:cond delay="indefinite"/>
+                      </p:stCondLst>
+                      <p:childTnLst>
+                        <p:par>
+                          <p:cTn id="4" fill="hold">
+                            <p:stCondLst>
+                              <p:cond delay="0"/>
+                            </p:stCondLst>
+                            <p:childTnLst>
+                              <p:par>
+                                <p:cTn id="5" presetID="10" presetClass="entr" presetSubtype="0" fill="hold" grpId="0" nodeType="clickEffect">
+                                  <p:stCondLst>
+                                    <p:cond delay="0"/>
+                                  </p:stCondLst>
+                                  <p:childTnLst>
+                                    <p:set>
+                                      <p:cBhvr>
+                                        <p:cTn id="6" dur="1" fill="hold">
+                                          <p:stCondLst>
+                                            <p:cond delay="0"/>
+                                          </p:stCondLst>
+                                        </p:cTn>
+                                        <p:tgtEl>
+                                          <p:spTgt spid="157"/>
+                                        </p:tgtEl>
+                                        <p:attrNameLst>
+                                          <p:attrName>style.visibility</p:attrName>
+                                        </p:attrNameLst>
+                                      </p:cBhvr>
+                                      <p:to>
+                                        <p:strVal val="visible"/>
+                                      </p:to>
+                                    </p:set>
+                                    <p:animEffect transition="in" filter="fade">
+                                      <p:cBhvr>
+                                        <p:cTn id="7" dur="500"/>
+                                        <p:tgtEl>
+                                          <p:spTgt spid="157"/>
+                                        </p:tgtEl>
+                                      </p:cBhvr>
+                                    </p:animEffect>
+                                  </p:childTnLst>
+                                </p:cTn>
+                              </p:par>
+                            </p:childTnLst>
+                          </p:cTn>
+                        </p:par>
+                      </p:childTnLst>
+                    </p:cTn>
+                  </p:par>
+                  <p:par>
+                    <p:cTn id="8" fill="hold">
+                      <p:stCondLst>
+                        <p:cond delay="indefinite"/>
+                      </p:stCondLst>
+                      <p:childTnLst>
+                        <p:par>
+                          <p:cTn id="9" fill="hold">
+                            <p:stCondLst>
+                              <p:cond delay="0"/>
+                            </p:stCondLst>
+                            <p:childTnLst>
+                              <p:par>
+                                <p:cTn id="10" presetID="10" presetClass="entr" presetSubtype="0" fill="hold" grpId="0" nodeType="clickEffect">
+                                  <p:stCondLst>
+                                    <p:cond delay="0"/>
+                                  </p:stCondLst>
+                                  <p:childTnLst>
+                                    <p:set>
+                                      <p:cBhvr>
+                                        <p:cTn id="11" dur="1" fill="hold">
+                                          <p:stCondLst>
+                                            <p:cond delay="0"/>
+                                          </p:stCondLst>
+                                        </p:cTn>
+                                        <p:tgtEl>
+                                          <p:spTgt spid="164"/>
+                                        </p:tgtEl>
+                                        <p:attrNameLst>
+                                          <p:attrName>style.visibility</p:attrName>
+                                        </p:attrNameLst>
+                                      </p:cBhvr>
+                                      <p:to>
+                                        <p:strVal val="visible"/>
+                                      </p:to>
+                                    </p:set>
+                                    <p:animEffect transition="in" filter="fade">
+                                      <p:cBhvr>
+                                        <p:cTn id="12" dur="500"/>
+                                        <p:tgtEl>
+                                          <p:spTgt spid="164"/>
+                                        </p:tgtEl>
+                                      </p:cBhvr>
+                                    </p:animEffect>
+                                  </p:childTnLst>
+                                </p:cTn>
+                              </p:par>
+                              <p:par>
+                                <p:cTn id="13" presetID="10" presetClass="entr" presetSubtype="0" fill="hold" grpId="0" nodeType="withEffect">
+                                  <p:stCondLst>
+                                    <p:cond delay="0"/>
+                                  </p:stCondLst>
+                                  <p:childTnLst>
+                                    <p:set>
+                                      <p:cBhvr>
+                                        <p:cTn id="14" dur="1" fill="hold">
+                                          <p:stCondLst>
+                                            <p:cond delay="0"/>
+                                          </p:stCondLst>
+                                        </p:cTn>
+                                        <p:tgtEl>
+                                          <p:spTgt spid="161"/>
+                                        </p:tgtEl>
+                                        <p:attrNameLst>
+                                          <p:attrName>style.visibility</p:attrName>
+                                        </p:attrNameLst>
+                                      </p:cBhvr>
+                                      <p:to>
+                                        <p:strVal val="visible"/>
+                                      </p:to>
+                                    </p:set>
+                                    <p:animEffect transition="in" filter="fade">
+                                      <p:cBhvr>
+                                        <p:cTn id="15" dur="500"/>
+                                        <p:tgtEl>
+                                          <p:spTgt spid="161"/>
+                                        </p:tgtEl>
+                                      </p:cBhvr>
+                                    </p:animEffect>
+                                  </p:childTnLst>
+                                </p:cTn>
+                              </p:par>
+                              <p:par>
+                                <p:cTn id="16" presetID="10" presetClass="entr" presetSubtype="0" fill="hold" grpId="0" nodeType="withEffect">
+                                  <p:stCondLst>
+                                    <p:cond delay="0"/>
+                                  </p:stCondLst>
+                                  <p:childTnLst>
+                                    <p:set>
+                                      <p:cBhvr>
+                                        <p:cTn id="17" dur="1" fill="hold">
+                                          <p:stCondLst>
+                                            <p:cond delay="0"/>
+                                          </p:stCondLst>
+                                        </p:cTn>
+                                        <p:tgtEl>
+                                          <p:spTgt spid="160"/>
+                                        </p:tgtEl>
+                                        <p:attrNameLst>
+                                          <p:attrName>style.visibility</p:attrName>
+                                        </p:attrNameLst>
+                                      </p:cBhvr>
+                                      <p:to>
+                                        <p:strVal val="visible"/>
+                                      </p:to>
+                                    </p:set>
+                                    <p:animEffect transition="in" filter="fade">
+                                      <p:cBhvr>
+                                        <p:cTn id="18" dur="500"/>
+                                        <p:tgtEl>
+                                          <p:spTgt spid="160"/>
+                                        </p:tgtEl>
+                                      </p:cBhvr>
+                                    </p:animEffect>
+                                  </p:childTnLst>
+                                </p:cTn>
+                              </p:par>
+                              <p:par>
+                                <p:cTn id="19" presetID="10" presetClass="entr" presetSubtype="0" fill="hold" grpId="0" nodeType="withEffect">
+                                  <p:stCondLst>
+                                    <p:cond delay="0"/>
+                                  </p:stCondLst>
+                                  <p:childTnLst>
+                                    <p:set>
+                                      <p:cBhvr>
+                                        <p:cTn id="20" dur="1" fill="hold">
+                                          <p:stCondLst>
+                                            <p:cond delay="0"/>
+                                          </p:stCondLst>
+                                        </p:cTn>
+                                        <p:tgtEl>
+                                          <p:spTgt spid="159"/>
+                                        </p:tgtEl>
+                                        <p:attrNameLst>
+                                          <p:attrName>style.visibility</p:attrName>
+                                        </p:attrNameLst>
+                                      </p:cBhvr>
+                                      <p:to>
+                                        <p:strVal val="visible"/>
+                                      </p:to>
+                                    </p:set>
+                                    <p:animEffect transition="in" filter="fade">
+                                      <p:cBhvr>
+                                        <p:cTn id="21" dur="500"/>
+                                        <p:tgtEl>
+                                          <p:spTgt spid="159"/>
+                                        </p:tgtEl>
+                                      </p:cBhvr>
+                                    </p:animEffect>
+                                  </p:childTnLst>
+                                </p:cTn>
+                              </p:par>
+                              <p:par>
+                                <p:cTn id="22" presetID="10" presetClass="entr" presetSubtype="0" fill="hold" grpId="0" nodeType="withEffect">
+                                  <p:stCondLst>
+                                    <p:cond delay="0"/>
+                                  </p:stCondLst>
+                                  <p:childTnLst>
+                                    <p:set>
+                                      <p:cBhvr>
+                                        <p:cTn id="23" dur="1" fill="hold">
+                                          <p:stCondLst>
+                                            <p:cond delay="0"/>
+                                          </p:stCondLst>
+                                        </p:cTn>
+                                        <p:tgtEl>
+                                          <p:spTgt spid="158"/>
+                                        </p:tgtEl>
+                                        <p:attrNameLst>
+                                          <p:attrName>style.visibility</p:attrName>
+                                        </p:attrNameLst>
+                                      </p:cBhvr>
+                                      <p:to>
+                                        <p:strVal val="visible"/>
+                                      </p:to>
+                                    </p:set>
+                                    <p:animEffect transition="in" filter="fade">
+                                      <p:cBhvr>
+                                        <p:cTn id="24" dur="500"/>
+                                        <p:tgtEl>
+                                          <p:spTgt spid="158"/>
+                                        </p:tgtEl>
+                                      </p:cBhvr>
+                                    </p:animEffect>
+                                  </p:childTnLst>
+                                </p:cTn>
+                              </p:par>
+                              <p:par>
+                                <p:cTn id="25" presetID="10" presetClass="entr" presetSubtype="0" fill="hold" grpId="0" nodeType="withEffect">
+                                  <p:stCondLst>
+                                    <p:cond delay="0"/>
+                                  </p:stCondLst>
+                                  <p:childTnLst>
+                                    <p:set>
+                                      <p:cBhvr>
+                                        <p:cTn id="26" dur="1" fill="hold">
+                                          <p:stCondLst>
+                                            <p:cond delay="0"/>
+                                          </p:stCondLst>
+                                        </p:cTn>
+                                        <p:tgtEl>
+                                          <p:spTgt spid="165"/>
+                                        </p:tgtEl>
+                                        <p:attrNameLst>
+                                          <p:attrName>style.visibility</p:attrName>
+                                        </p:attrNameLst>
+                                      </p:cBhvr>
+                                      <p:to>
+                                        <p:strVal val="visible"/>
+                                      </p:to>
+                                    </p:set>
+                                    <p:animEffect transition="in" filter="fade">
+                                      <p:cBhvr>
+                                        <p:cTn id="27" dur="500"/>
+                                        <p:tgtEl>
+                                          <p:spTgt spid="165"/>
+                                        </p:tgtEl>
+                                      </p:cBhvr>
+                                    </p:animEffect>
+                                  </p:childTnLst>
+                                </p:cTn>
+                              </p:par>
+                              <p:par>
+                                <p:cTn id="28" presetID="10" presetClass="entr" presetSubtype="0" fill="hold" grpId="0" nodeType="withEffect">
+                                  <p:stCondLst>
+                                    <p:cond delay="0"/>
+                                  </p:stCondLst>
+                                  <p:childTnLst>
+                                    <p:set>
+                                      <p:cBhvr>
+                                        <p:cTn id="29" dur="1" fill="hold">
+                                          <p:stCondLst>
+                                            <p:cond delay="0"/>
+                                          </p:stCondLst>
+                                        </p:cTn>
+                                        <p:tgtEl>
+                                          <p:spTgt spid="166"/>
+                                        </p:tgtEl>
+                                        <p:attrNameLst>
+                                          <p:attrName>style.visibility</p:attrName>
+                                        </p:attrNameLst>
+                                      </p:cBhvr>
+                                      <p:to>
+                                        <p:strVal val="visible"/>
+                                      </p:to>
+                                    </p:set>
+                                    <p:animEffect transition="in" filter="fade">
+                                      <p:cBhvr>
+                                        <p:cTn id="30" dur="500"/>
+                                        <p:tgtEl>
+                                          <p:spTgt spid="166"/>
+                                        </p:tgtEl>
+                                      </p:cBhvr>
+                                    </p:animEffect>
+                                  </p:childTnLst>
+                                </p:cTn>
+                              </p:par>
+                              <p:par>
+                                <p:cTn id="31" presetID="10" presetClass="entr" presetSubtype="0" fill="hold" grpId="0" nodeType="withEffect">
+                                  <p:stCondLst>
+                                    <p:cond delay="0"/>
+                                  </p:stCondLst>
+                                  <p:childTnLst>
+                                    <p:set>
+                                      <p:cBhvr>
+                                        <p:cTn id="32" dur="1" fill="hold">
+                                          <p:stCondLst>
+                                            <p:cond delay="0"/>
+                                          </p:stCondLst>
+                                        </p:cTn>
+                                        <p:tgtEl>
+                                          <p:spTgt spid="163"/>
+                                        </p:tgtEl>
+                                        <p:attrNameLst>
+                                          <p:attrName>style.visibility</p:attrName>
+                                        </p:attrNameLst>
+                                      </p:cBhvr>
+                                      <p:to>
+                                        <p:strVal val="visible"/>
+                                      </p:to>
+                                    </p:set>
+                                    <p:animEffect transition="in" filter="fade">
+                                      <p:cBhvr>
+                                        <p:cTn id="33" dur="500"/>
+                                        <p:tgtEl>
+                                          <p:spTgt spid="163"/>
+                                        </p:tgtEl>
+                                      </p:cBhvr>
+                                    </p:animEffect>
+                                  </p:childTnLst>
+                                </p:cTn>
+                              </p:par>
+                              <p:par>
+                                <p:cTn id="34" presetID="10" presetClass="entr" presetSubtype="0" fill="hold" grpId="0" nodeType="withEffect">
+                                  <p:stCondLst>
+                                    <p:cond delay="0"/>
+                                  </p:stCondLst>
+                                  <p:childTnLst>
+                                    <p:set>
+                                      <p:cBhvr>
+                                        <p:cTn id="35" dur="1" fill="hold">
+                                          <p:stCondLst>
+                                            <p:cond delay="0"/>
+                                          </p:stCondLst>
+                                        </p:cTn>
+                                        <p:tgtEl>
+                                          <p:spTgt spid="162"/>
+                                        </p:tgtEl>
+                                        <p:attrNameLst>
+                                          <p:attrName>style.visibility</p:attrName>
+                                        </p:attrNameLst>
+                                      </p:cBhvr>
+                                      <p:to>
+                                        <p:strVal val="visible"/>
+                                      </p:to>
+                                    </p:set>
+                                    <p:animEffect transition="in" filter="fade">
+                                      <p:cBhvr>
+                                        <p:cTn id="36" dur="500"/>
+                                        <p:tgtEl>
+                                          <p:spTgt spid="162"/>
+                                        </p:tgtEl>
+                                      </p:cBhvr>
+                                    </p:animEffect>
+                                  </p:childTnLst>
+                                </p:cTn>
+                              </p:par>
+                            </p:childTnLst>
+                          </p:cTn>
+                        </p:par>
+                      </p:childTnLst>
+                    </p:cTn>
+                  </p:par>
+                  <p:par>
+                    <p:cTn id="37" fill="hold">
+                      <p:stCondLst>
+                        <p:cond delay="indefinite"/>
+                      </p:stCondLst>
+                      <p:childTnLst>
+                        <p:par>
+                          <p:cTn id="38" fill="hold">
+                            <p:stCondLst>
+                              <p:cond delay="0"/>
+                            </p:stCondLst>
+                            <p:childTnLst>
+                              <p:par>
+                                <p:cTn id="39" presetID="10" presetClass="entr" presetSubtype="0" fill="hold" grpId="0" nodeType="clickEffect">
+                                  <p:stCondLst>
+                                    <p:cond delay="0"/>
+                                  </p:stCondLst>
+                                  <p:childTnLst>
+                                    <p:set>
+                                      <p:cBhvr>
+                                        <p:cTn id="40" dur="1" fill="hold">
+                                          <p:stCondLst>
+                                            <p:cond delay="0"/>
+                                          </p:stCondLst>
+                                        </p:cTn>
+                                        <p:tgtEl>
+                                          <p:spTgt spid="167"/>
+                                        </p:tgtEl>
+                                        <p:attrNameLst>
+                                          <p:attrName>style.visibility</p:attrName>
+                                        </p:attrNameLst>
+                                      </p:cBhvr>
+                                      <p:to>
+                                        <p:strVal val="visible"/>
+                                      </p:to>
+                                    </p:set>
+                                    <p:animEffect transition="in" filter="fade">
+                                      <p:cBhvr>
+                                        <p:cTn id="41" dur="500"/>
+                                        <p:tgtEl>
+                                          <p:spTgt spid="167"/>
+                                        </p:tgtEl>
+                                      </p:cBhvr>
+                                    </p:animEffect>
+                                  </p:childTnLst>
+                                </p:cTn>
+                              </p:par>
+                              <p:par>
+                                <p:cTn id="42" presetID="10" presetClass="entr" presetSubtype="0" fill="hold" grpId="0" nodeType="withEffect">
+                                  <p:stCondLst>
+                                    <p:cond delay="0"/>
+                                  </p:stCondLst>
+                                  <p:childTnLst>
+                                    <p:set>
+                                      <p:cBhvr>
+                                        <p:cTn id="43" dur="1" fill="hold">
+                                          <p:stCondLst>
+                                            <p:cond delay="0"/>
+                                          </p:stCondLst>
+                                        </p:cTn>
+                                        <p:tgtEl>
+                                          <p:spTgt spid="168"/>
+                                        </p:tgtEl>
+                                        <p:attrNameLst>
+                                          <p:attrName>style.visibility</p:attrName>
+                                        </p:attrNameLst>
+                                      </p:cBhvr>
+                                      <p:to>
+                                        <p:strVal val="visible"/>
+                                      </p:to>
+                                    </p:set>
+                                    <p:animEffect transition="in" filter="fade">
+                                      <p:cBhvr>
+                                        <p:cTn id="44" dur="500"/>
+                                        <p:tgtEl>
+                                          <p:spTgt spid="168"/>
+                                        </p:tgtEl>
+                                      </p:cBhvr>
+                                    </p:animEffect>
+                                  </p:childTnLst>
+                                </p:cTn>
+                              </p:par>
+                              <p:par>
+                                <p:cTn id="45" presetID="10" presetClass="entr" presetSubtype="0" fill="hold" grpId="0" nodeType="withEffect">
+                                  <p:stCondLst>
+                                    <p:cond delay="0"/>
+                                  </p:stCondLst>
+                                  <p:childTnLst>
+                                    <p:set>
+                                      <p:cBhvr>
+                                        <p:cTn id="46" dur="1" fill="hold">
+                                          <p:stCondLst>
+                                            <p:cond delay="0"/>
+                                          </p:stCondLst>
+                                        </p:cTn>
+                                        <p:tgtEl>
+                                          <p:spTgt spid="169"/>
+                                        </p:tgtEl>
+                                        <p:attrNameLst>
+                                          <p:attrName>style.visibility</p:attrName>
+                                        </p:attrNameLst>
+                                      </p:cBhvr>
+                                      <p:to>
+                                        <p:strVal val="visible"/>
+                                      </p:to>
+                                    </p:set>
+                                    <p:animEffect transition="in" filter="fade">
+                                      <p:cBhvr>
+                                        <p:cTn id="47" dur="500"/>
+                                        <p:tgtEl>
+                                          <p:spTgt spid="169"/>
+                                        </p:tgtEl>
+                                      </p:cBhvr>
+                                    </p:animEffect>
+                                  </p:childTnLst>
+                                </p:cTn>
+                              </p:par>
+                              <p:par>
+                                <p:cTn id="48" presetID="10" presetClass="entr" presetSubtype="0" fill="hold" grpId="0" nodeType="withEffect">
+                                  <p:stCondLst>
+                                    <p:cond delay="0"/>
+                                  </p:stCondLst>
+                                  <p:childTnLst>
+                                    <p:set>
+                                      <p:cBhvr>
+                                        <p:cTn id="49" dur="1" fill="hold">
+                                          <p:stCondLst>
+                                            <p:cond delay="0"/>
+                                          </p:stCondLst>
+                                        </p:cTn>
+                                        <p:tgtEl>
+                                          <p:spTgt spid="177"/>
+                                        </p:tgtEl>
+                                        <p:attrNameLst>
+                                          <p:attrName>style.visibility</p:attrName>
+                                        </p:attrNameLst>
+                                      </p:cBhvr>
+                                      <p:to>
+                                        <p:strVal val="visible"/>
+                                      </p:to>
+                                    </p:set>
+                                    <p:animEffect transition="in" filter="fade">
+                                      <p:cBhvr>
+                                        <p:cTn id="50" dur="500"/>
+                                        <p:tgtEl>
+                                          <p:spTgt spid="177"/>
+                                        </p:tgtEl>
+                                      </p:cBhvr>
+                                    </p:animEffect>
+                                  </p:childTnLst>
+                                </p:cTn>
+                              </p:par>
+                              <p:par>
+                                <p:cTn id="51" presetID="10" presetClass="entr" presetSubtype="0" fill="hold" grpId="0" nodeType="withEffect">
+                                  <p:stCondLst>
+                                    <p:cond delay="0"/>
+                                  </p:stCondLst>
+                                  <p:childTnLst>
+                                    <p:set>
+                                      <p:cBhvr>
+                                        <p:cTn id="52" dur="1" fill="hold">
+                                          <p:stCondLst>
+                                            <p:cond delay="0"/>
+                                          </p:stCondLst>
+                                        </p:cTn>
+                                        <p:tgtEl>
+                                          <p:spTgt spid="176"/>
+                                        </p:tgtEl>
+                                        <p:attrNameLst>
+                                          <p:attrName>style.visibility</p:attrName>
+                                        </p:attrNameLst>
+                                      </p:cBhvr>
+                                      <p:to>
+                                        <p:strVal val="visible"/>
+                                      </p:to>
+                                    </p:set>
+                                    <p:animEffect transition="in" filter="fade">
+                                      <p:cBhvr>
+                                        <p:cTn id="53" dur="500"/>
+                                        <p:tgtEl>
+                                          <p:spTgt spid="176"/>
+                                        </p:tgtEl>
+                                      </p:cBhvr>
+                                    </p:animEffect>
+                                  </p:childTnLst>
+                                </p:cTn>
+                              </p:par>
+                              <p:par>
+                                <p:cTn id="54" presetID="10" presetClass="entr" presetSubtype="0" fill="hold" grpId="0" nodeType="withEffect">
+                                  <p:stCondLst>
+                                    <p:cond delay="0"/>
+                                  </p:stCondLst>
+                                  <p:childTnLst>
+                                    <p:set>
+                                      <p:cBhvr>
+                                        <p:cTn id="55" dur="1" fill="hold">
+                                          <p:stCondLst>
+                                            <p:cond delay="0"/>
+                                          </p:stCondLst>
+                                        </p:cTn>
+                                        <p:tgtEl>
+                                          <p:spTgt spid="175"/>
+                                        </p:tgtEl>
+                                        <p:attrNameLst>
+                                          <p:attrName>style.visibility</p:attrName>
+                                        </p:attrNameLst>
+                                      </p:cBhvr>
+                                      <p:to>
+                                        <p:strVal val="visible"/>
+                                      </p:to>
+                                    </p:set>
+                                    <p:animEffect transition="in" filter="fade">
+                                      <p:cBhvr>
+                                        <p:cTn id="56" dur="500"/>
+                                        <p:tgtEl>
+                                          <p:spTgt spid="175"/>
+                                        </p:tgtEl>
+                                      </p:cBhvr>
+                                    </p:animEffect>
+                                  </p:childTnLst>
+                                </p:cTn>
+                              </p:par>
+                              <p:par>
+                                <p:cTn id="57" presetID="10" presetClass="entr" presetSubtype="0" fill="hold" grpId="0" nodeType="withEffect">
+                                  <p:stCondLst>
+                                    <p:cond delay="0"/>
+                                  </p:stCondLst>
+                                  <p:childTnLst>
+                                    <p:set>
+                                      <p:cBhvr>
+                                        <p:cTn id="58" dur="1" fill="hold">
+                                          <p:stCondLst>
+                                            <p:cond delay="0"/>
+                                          </p:stCondLst>
+                                        </p:cTn>
+                                        <p:tgtEl>
+                                          <p:spTgt spid="174"/>
+                                        </p:tgtEl>
+                                        <p:attrNameLst>
+                                          <p:attrName>style.visibility</p:attrName>
+                                        </p:attrNameLst>
+                                      </p:cBhvr>
+                                      <p:to>
+                                        <p:strVal val="visible"/>
+                                      </p:to>
+                                    </p:set>
+                                    <p:animEffect transition="in" filter="fade">
+                                      <p:cBhvr>
+                                        <p:cTn id="59" dur="500"/>
+                                        <p:tgtEl>
+                                          <p:spTgt spid="174"/>
+                                        </p:tgtEl>
+                                      </p:cBhvr>
+                                    </p:animEffect>
+                                  </p:childTnLst>
+                                </p:cTn>
+                              </p:par>
+                              <p:par>
+                                <p:cTn id="60" presetID="10" presetClass="entr" presetSubtype="0" fill="hold" grpId="0" nodeType="withEffect">
+                                  <p:stCondLst>
+                                    <p:cond delay="0"/>
+                                  </p:stCondLst>
+                                  <p:childTnLst>
+                                    <p:set>
+                                      <p:cBhvr>
+                                        <p:cTn id="61" dur="1" fill="hold">
+                                          <p:stCondLst>
+                                            <p:cond delay="0"/>
+                                          </p:stCondLst>
+                                        </p:cTn>
+                                        <p:tgtEl>
+                                          <p:spTgt spid="173"/>
+                                        </p:tgtEl>
+                                        <p:attrNameLst>
+                                          <p:attrName>style.visibility</p:attrName>
+                                        </p:attrNameLst>
+                                      </p:cBhvr>
+                                      <p:to>
+                                        <p:strVal val="visible"/>
+                                      </p:to>
+                                    </p:set>
+                                    <p:animEffect transition="in" filter="fade">
+                                      <p:cBhvr>
+                                        <p:cTn id="62" dur="500"/>
+                                        <p:tgtEl>
+                                          <p:spTgt spid="173"/>
+                                        </p:tgtEl>
+                                      </p:cBhvr>
+                                    </p:animEffect>
+                                  </p:childTnLst>
+                                </p:cTn>
+                              </p:par>
+                              <p:par>
+                                <p:cTn id="63" presetID="10" presetClass="entr" presetSubtype="0" fill="hold" grpId="0" nodeType="withEffect">
+                                  <p:stCondLst>
+                                    <p:cond delay="0"/>
+                                  </p:stCondLst>
+                                  <p:childTnLst>
+                                    <p:set>
+                                      <p:cBhvr>
+                                        <p:cTn id="64" dur="1" fill="hold">
+                                          <p:stCondLst>
+                                            <p:cond delay="0"/>
+                                          </p:stCondLst>
+                                        </p:cTn>
+                                        <p:tgtEl>
+                                          <p:spTgt spid="172"/>
+                                        </p:tgtEl>
+                                        <p:attrNameLst>
+                                          <p:attrName>style.visibility</p:attrName>
+                                        </p:attrNameLst>
+                                      </p:cBhvr>
+                                      <p:to>
+                                        <p:strVal val="visible"/>
+                                      </p:to>
+                                    </p:set>
+                                    <p:animEffect transition="in" filter="fade">
+                                      <p:cBhvr>
+                                        <p:cTn id="65" dur="500"/>
+                                        <p:tgtEl>
+                                          <p:spTgt spid="172"/>
+                                        </p:tgtEl>
+                                      </p:cBhvr>
+                                    </p:animEffect>
+                                  </p:childTnLst>
+                                </p:cTn>
+                              </p:par>
+                              <p:par>
+                                <p:cTn id="66" presetID="10" presetClass="entr" presetSubtype="0" fill="hold" grpId="0" nodeType="withEffect">
+                                  <p:stCondLst>
+                                    <p:cond delay="0"/>
+                                  </p:stCondLst>
+                                  <p:childTnLst>
+                                    <p:set>
+                                      <p:cBhvr>
+                                        <p:cTn id="67" dur="1" fill="hold">
+                                          <p:stCondLst>
+                                            <p:cond delay="0"/>
+                                          </p:stCondLst>
+                                        </p:cTn>
+                                        <p:tgtEl>
+                                          <p:spTgt spid="171"/>
+                                        </p:tgtEl>
+                                        <p:attrNameLst>
+                                          <p:attrName>style.visibility</p:attrName>
+                                        </p:attrNameLst>
+                                      </p:cBhvr>
+                                      <p:to>
+                                        <p:strVal val="visible"/>
+                                      </p:to>
+                                    </p:set>
+                                    <p:animEffect transition="in" filter="fade">
+                                      <p:cBhvr>
+                                        <p:cTn id="68" dur="500"/>
+                                        <p:tgtEl>
+                                          <p:spTgt spid="171"/>
+                                        </p:tgtEl>
+                                      </p:cBhvr>
+                                    </p:animEffect>
+                                  </p:childTnLst>
+                                </p:cTn>
+                              </p:par>
+                              <p:par>
+                                <p:cTn id="69" presetID="10" presetClass="entr" presetSubtype="0" fill="hold" grpId="0" nodeType="withEffect">
+                                  <p:stCondLst>
+                                    <p:cond delay="0"/>
+                                  </p:stCondLst>
+                                  <p:childTnLst>
+                                    <p:set>
+                                      <p:cBhvr>
+                                        <p:cTn id="70" dur="1" fill="hold">
+                                          <p:stCondLst>
+                                            <p:cond delay="0"/>
+                                          </p:stCondLst>
+                                        </p:cTn>
+                                        <p:tgtEl>
+                                          <p:spTgt spid="170"/>
+                                        </p:tgtEl>
+                                        <p:attrNameLst>
+                                          <p:attrName>style.visibility</p:attrName>
+                                        </p:attrNameLst>
+                                      </p:cBhvr>
+                                      <p:to>
+                                        <p:strVal val="visible"/>
+                                      </p:to>
+                                    </p:set>
+                                    <p:animEffect transition="in" filter="fade">
+                                      <p:cBhvr>
+                                        <p:cTn id="71" dur="500"/>
+                                        <p:tgtEl>
+                                          <p:spTgt spid="170"/>
+                                        </p:tgtEl>
+                                      </p:cBhvr>
+                                    </p:animEffect>
+                                  </p:childTnLst>
+                                </p:cTn>
+                              </p:par>
+                            </p:childTnLst>
+                          </p:cTn>
+                        </p:par>
+                      </p:childTnLst>
+                    </p:cTn>
+                  </p:par>
+                </p:childTnLst>
+              </p:cTn>
+              <p:prevCondLst>
+                <p:cond evt="onPrev" delay="0">
+                  <p:tgtEl>
+                    <p:sldTgt/>
+                  </p:tgtEl>
+                </p:cond>
+              </p:prevCondLst>
+              <p:nextCondLst>
+                <p:cond evt="onNext" delay="0">
+                  <p:tgtEl>
+                    <p:sldTgt/>
+                  </p:tgtEl>
+                </p:cond>
+              </p:nextCondLst>
+            </p:seq>
+          </p:childTnLst>
+        </p:cTn>
+      </p:par>
+    </p:tnLst>
+    <p:bldLst>
+      <p:bldP spid="167" grpId="0" animBg="1"/>
+      <p:bldP spid="168" grpId="0" animBg="1"/>
+      <p:bldP spid="169" grpId="0" animBg="1"/>
+      <p:bldP spid="161" grpId="0" animBg="1"/>
+      <p:bldP spid="170" grpId="0" animBg="1"/>
+      <p:bldP spid="171" grpId="0" animBg="1"/>
+      <p:bldP spid="172" grpId="0" animBg="1"/>
+      <p:bldP spid="173" grpId="0" animBg="1"/>
+      <p:bldP spid="174" grpId="0" animBg="1"/>
+      <p:bldP spid="175" grpId="0" animBg="1"/>
+      <p:bldP spid="176" grpId="0" animBg="1"/>
+      <p:bldP spid="177" grpId="0" animBg="1"/>
+      <p:bldP spid="159" grpId="0" animBg="1"/>
+      <p:bldP spid="160" grpId="0" animBg="1"/>
+      <p:bldP spid="162" grpId="0" animBg="1"/>
+      <p:bldP spid="163" grpId="0" animBg="1"/>
+      <p:bldP spid="164" grpId="0" animBg="1"/>
+      <p:bldP spid="165" grpId="0" animBg="1"/>
+      <p:bldP spid="166" grpId="0" animBg="1"/>
+      <p:bldP spid="158" grpId="0" animBg="1"/>
+      <p:bldP spid="157" grpId="0" animBg="1"/>
+    </p:bldLst>
+  </p:timing>
 </p:sld>
 </file>
 
@@ -7651,7 +13396,7 @@
           <a:p>
             <a:r>
               <a:rPr lang="de-DE" sz="2400" dirty="0"/>
-              <a:t>Berechnung in Echtzeit möglich, insbesondere ohne Datenübertragung</a:t>
+              <a:t>Berechnung in realistischen Szenarien in unter 16ms möglich ~ 60Hz</a:t>
             </a:r>
           </a:p>
           <a:p>
@@ -20480,8 +26225,14 @@
           <a:p>
             <a:r>
               <a:rPr lang="de-DE" dirty="0"/>
-              <a:t>Dafür ist Radius unabhängig (sonst 2*r &lt;= Zellengröße)</a:t>
+              <a:t>Bei einfacher Eintragung ist Partikelradius nicht von Zellgröße unabhängig</a:t>
             </a:r>
+          </a:p>
+          <a:p>
+            <a:endParaRPr lang="de-DE" dirty="0"/>
+          </a:p>
+          <a:p>
+            <a:endParaRPr lang="de-DE" dirty="0"/>
           </a:p>
           <a:p>
             <a:endParaRPr lang="de-DE" dirty="0"/>
@@ -23419,8 +29170,8 @@
         </p:nvSpPr>
         <p:spPr>
           <a:xfrm>
-            <a:off x="7759375" y="5190312"/>
-            <a:ext cx="2312043" cy="369332"/>
+            <a:off x="7519344" y="5229498"/>
+            <a:ext cx="3188117" cy="369332"/>
           </a:xfrm>
           <a:prstGeom prst="rect">
             <a:avLst/>
@@ -23440,8 +29191,23 @@
                 </a:solidFill>
                 <a:latin typeface="+mn-lt"/>
               </a:rPr>
-              <a:t>Alignment schlägt fehl</a:t>
+              <a:t>Zweiter Datensatz nicht </a:t>
             </a:r>
+            <a:r>
+              <a:rPr lang="de-DE" sz="1800" dirty="0" err="1">
+                <a:solidFill>
+                  <a:schemeClr val="tx1"/>
+                </a:solidFill>
+                <a:latin typeface="+mn-lt"/>
+              </a:rPr>
+              <a:t>aligned</a:t>
+            </a:r>
+            <a:endParaRPr lang="de-DE" sz="1800" dirty="0">
+              <a:solidFill>
+                <a:schemeClr val="tx1"/>
+              </a:solidFill>
+              <a:latin typeface="+mn-lt"/>
+            </a:endParaRPr>
           </a:p>
         </p:txBody>
       </p:sp>
@@ -23466,10 +29232,7 @@
             <a:avLst/>
           </a:prstGeom>
           <a:solidFill>
-            <a:schemeClr val="accent3">
-              <a:lumMod val="60000"/>
-              <a:lumOff val="40000"/>
-            </a:schemeClr>
+            <a:srgbClr val="B3DE84"/>
           </a:solidFill>
         </p:spPr>
         <p:txBody>
@@ -25595,7 +31358,7 @@
                                         <p:tgtEl>
                                           <p:spTgt spid="3">
                                             <p:txEl>
-                                              <p:pRg st="5" end="5"/>
+                                              <p:pRg st="7" end="7"/>
                                             </p:txEl>
                                           </p:spTgt>
                                         </p:tgtEl>
@@ -25613,7 +31376,7 @@
                                         <p:tgtEl>
                                           <p:spTgt spid="3">
                                             <p:txEl>
-                                              <p:pRg st="5" end="5"/>
+                                              <p:pRg st="7" end="7"/>
                                             </p:txEl>
                                           </p:spTgt>
                                         </p:tgtEl>
@@ -27595,11 +33358,7 @@
           </p:cNvGraphicFramePr>
           <p:nvPr>
             <p:ph idx="1"/>
-            <p:extLst>
-              <p:ext uri="{D42A27DB-BD31-4B8C-83A1-F6EECF244321}">
-                <p14:modId xmlns:p14="http://schemas.microsoft.com/office/powerpoint/2010/main" val="3193137837"/>
-              </p:ext>
-            </p:extLst>
+            <p:extLst/>
           </p:nvPr>
         </p:nvGraphicFramePr>
         <p:xfrm>
@@ -27724,11 +33483,7 @@
             <a:graphicFrameLocks noGrp="1"/>
           </p:cNvGraphicFramePr>
           <p:nvPr>
-            <p:extLst>
-              <p:ext uri="{D42A27DB-BD31-4B8C-83A1-F6EECF244321}">
-                <p14:modId xmlns:p14="http://schemas.microsoft.com/office/powerpoint/2010/main" val="1331526817"/>
-              </p:ext>
-            </p:extLst>
+            <p:extLst/>
           </p:nvPr>
         </p:nvGraphicFramePr>
         <p:xfrm>
@@ -27788,12 +33543,12 @@
                     <a:p>
                       <a:pPr algn="ctr" fontAlgn="b"/>
                       <a:r>
-                        <a:rPr lang="de-DE" sz="1100" u="none" strike="noStrike">
+                        <a:rPr lang="de-DE" sz="1100" u="none" strike="noStrike" dirty="0">
                           <a:effectLst/>
                         </a:rPr>
                         <a:t>exp2mill.mmpld</a:t>
                       </a:r>
-                      <a:endParaRPr lang="de-DE" sz="1100" b="0" i="0" u="none" strike="noStrike">
+                      <a:endParaRPr lang="de-DE" sz="1100" b="0" i="0" u="none" strike="noStrike" dirty="0">
                         <a:solidFill>
                           <a:srgbClr val="000000"/>
                         </a:solidFill>
@@ -28153,13 +33908,25 @@
     </p:spTree>
     <p:extLst>
       <p:ext uri="{BB962C8B-B14F-4D97-AF65-F5344CB8AC3E}">
-        <p14:creationId xmlns:p14="http://schemas.microsoft.com/office/powerpoint/2010/main" val="387171943"/>
+        <p14:creationId xmlns:p14="http://schemas.microsoft.com/office/powerpoint/2010/main" val="14110617"/>
       </p:ext>
     </p:extLst>
   </p:cSld>
   <p:clrMapOvr>
     <a:masterClrMapping/>
   </p:clrMapOvr>
+  <mc:AlternateContent xmlns:mc="http://schemas.openxmlformats.org/markup-compatibility/2006">
+    <mc:Choice xmlns:p159="http://schemas.microsoft.com/office/powerpoint/2015/09/main" Requires="p159">
+      <p:transition xmlns:p14="http://schemas.microsoft.com/office/powerpoint/2010/main" spd="slow" p14:dur="2000">
+        <p159:morph option="byObject"/>
+      </p:transition>
+    </mc:Choice>
+    <mc:Fallback>
+      <p:transition spd="slow">
+        <p:fade/>
+      </p:transition>
+    </mc:Fallback>
+  </mc:AlternateContent>
 </p:sld>
 </file>
 

--- a/Präsentation.pptx
+++ b/Präsentation.pptx
@@ -5,10 +5,10 @@
     <p:sldMasterId id="2147483648" r:id="rId1"/>
   </p:sldMasterIdLst>
   <p:notesMasterIdLst>
-    <p:notesMasterId r:id="rId13"/>
+    <p:notesMasterId r:id="rId15"/>
   </p:notesMasterIdLst>
   <p:handoutMasterIdLst>
-    <p:handoutMasterId r:id="rId14"/>
+    <p:handoutMasterId r:id="rId16"/>
   </p:handoutMasterIdLst>
   <p:sldIdLst>
     <p:sldId id="257" r:id="rId2"/>
@@ -19,9 +19,11 @@
     <p:sldId id="263" r:id="rId7"/>
     <p:sldId id="271" r:id="rId8"/>
     <p:sldId id="265" r:id="rId9"/>
-    <p:sldId id="266" r:id="rId10"/>
-    <p:sldId id="270" r:id="rId11"/>
-    <p:sldId id="267" r:id="rId12"/>
+    <p:sldId id="272" r:id="rId10"/>
+    <p:sldId id="266" r:id="rId11"/>
+    <p:sldId id="270" r:id="rId12"/>
+    <p:sldId id="273" r:id="rId13"/>
+    <p:sldId id="267" r:id="rId14"/>
   </p:sldIdLst>
   <p:sldSz cx="12192000" cy="6858000"/>
   <p:notesSz cx="6669088" cy="9928225"/>
@@ -868,7 +870,7 @@
               <c:strCache>
                 <c:ptCount val="1"/>
                 <c:pt idx="0">
-                  <c:v>GPU 1</c:v>
+                  <c:v>GPU</c:v>
                 </c:pt>
               </c:strCache>
             </c:strRef>
@@ -1037,7 +1039,7 @@
               <c:strCache>
                 <c:ptCount val="1"/>
                 <c:pt idx="0">
-                  <c:v>CPU 1</c:v>
+                  <c:v>CPU</c:v>
                 </c:pt>
               </c:strCache>
             </c:strRef>
@@ -1910,7 +1912,1257 @@
             </a:pPr>
             <a:r>
               <a:rPr lang="de-DE" dirty="0"/>
-              <a:t>Laufzeiten mit kopieren der Daten</a:t>
+              <a:t>Laufzeit bei Anpassung der Partikelanzahl (bis 60</a:t>
+            </a:r>
+            <a:r>
+              <a:rPr lang="de-DE" baseline="0" dirty="0"/>
+              <a:t> Millionen)</a:t>
+            </a:r>
+            <a:endParaRPr lang="de-DE" dirty="0"/>
+          </a:p>
+        </c:rich>
+      </c:tx>
+      <c:overlay val="0"/>
+      <c:spPr>
+        <a:noFill/>
+        <a:ln>
+          <a:noFill/>
+        </a:ln>
+        <a:effectLst/>
+      </c:spPr>
+      <c:txPr>
+        <a:bodyPr rot="0" spcFirstLastPara="1" vertOverflow="ellipsis" vert="horz" wrap="square" anchor="ctr" anchorCtr="1"/>
+        <a:lstStyle/>
+        <a:p>
+          <a:pPr>
+            <a:defRPr sz="1400" b="0" i="0" u="none" strike="noStrike" kern="1200" spc="0" baseline="0">
+              <a:solidFill>
+                <a:schemeClr val="tx1">
+                  <a:lumMod val="65000"/>
+                  <a:lumOff val="35000"/>
+                </a:schemeClr>
+              </a:solidFill>
+              <a:latin typeface="+mn-lt"/>
+              <a:ea typeface="+mn-ea"/>
+              <a:cs typeface="+mn-cs"/>
+            </a:defRPr>
+          </a:pPr>
+          <a:endParaRPr lang="de-DE"/>
+        </a:p>
+      </c:txPr>
+    </c:title>
+    <c:autoTitleDeleted val="0"/>
+    <c:plotArea>
+      <c:layout/>
+      <c:lineChart>
+        <c:grouping val="standard"/>
+        <c:varyColors val="0"/>
+        <c:ser>
+          <c:idx val="0"/>
+          <c:order val="0"/>
+          <c:tx>
+            <c:strRef>
+              <c:f>Tabelle5!$B$15</c:f>
+              <c:strCache>
+                <c:ptCount val="1"/>
+                <c:pt idx="0">
+                  <c:v> CPU</c:v>
+                </c:pt>
+              </c:strCache>
+            </c:strRef>
+          </c:tx>
+          <c:spPr>
+            <a:ln w="28575" cap="rnd">
+              <a:solidFill>
+                <a:srgbClr val="0070C0"/>
+              </a:solidFill>
+              <a:round/>
+            </a:ln>
+            <a:effectLst/>
+          </c:spPr>
+          <c:marker>
+            <c:symbol val="none"/>
+          </c:marker>
+          <c:dLbls>
+            <c:spPr>
+              <a:noFill/>
+              <a:ln>
+                <a:noFill/>
+              </a:ln>
+              <a:effectLst/>
+            </c:spPr>
+            <c:txPr>
+              <a:bodyPr rot="0" spcFirstLastPara="1" vertOverflow="ellipsis" vert="horz" wrap="square" lIns="38100" tIns="19050" rIns="38100" bIns="19050" anchor="ctr" anchorCtr="1">
+                <a:spAutoFit/>
+              </a:bodyPr>
+              <a:lstStyle/>
+              <a:p>
+                <a:pPr>
+                  <a:defRPr sz="900" b="0" i="0" u="none" strike="noStrike" kern="1200" baseline="0">
+                    <a:solidFill>
+                      <a:schemeClr val="tx1">
+                        <a:lumMod val="75000"/>
+                        <a:lumOff val="25000"/>
+                      </a:schemeClr>
+                    </a:solidFill>
+                    <a:latin typeface="+mn-lt"/>
+                    <a:ea typeface="+mn-ea"/>
+                    <a:cs typeface="+mn-cs"/>
+                  </a:defRPr>
+                </a:pPr>
+                <a:endParaRPr lang="de-DE"/>
+              </a:p>
+            </c:txPr>
+            <c:dLblPos val="t"/>
+            <c:showLegendKey val="0"/>
+            <c:showVal val="1"/>
+            <c:showCatName val="0"/>
+            <c:showSerName val="0"/>
+            <c:showPercent val="0"/>
+            <c:showBubbleSize val="0"/>
+            <c:showLeaderLines val="0"/>
+            <c:extLst>
+              <c:ext xmlns:c15="http://schemas.microsoft.com/office/drawing/2012/chart" uri="{CE6537A1-D6FC-4f65-9D91-7224C49458BB}">
+                <c15:showLeaderLines val="1"/>
+                <c15:leaderLines>
+                  <c:spPr>
+                    <a:ln w="9525" cap="flat" cmpd="sng" algn="ctr">
+                      <a:solidFill>
+                        <a:schemeClr val="tx1">
+                          <a:lumMod val="35000"/>
+                          <a:lumOff val="65000"/>
+                        </a:schemeClr>
+                      </a:solidFill>
+                      <a:round/>
+                    </a:ln>
+                    <a:effectLst/>
+                  </c:spPr>
+                </c15:leaderLines>
+              </c:ext>
+            </c:extLst>
+          </c:dLbls>
+          <c:trendline>
+            <c:spPr>
+              <a:ln w="19050" cap="rnd">
+                <a:solidFill>
+                  <a:schemeClr val="accent1"/>
+                </a:solidFill>
+                <a:prstDash val="sysDot"/>
+              </a:ln>
+              <a:effectLst/>
+            </c:spPr>
+            <c:trendlineType val="linear"/>
+            <c:forward val="2"/>
+            <c:dispRSqr val="0"/>
+            <c:dispEq val="0"/>
+          </c:trendline>
+          <c:cat>
+            <c:numRef>
+              <c:f>Tabelle5!$A$16:$A$35</c:f>
+              <c:numCache>
+                <c:formatCode>General</c:formatCode>
+                <c:ptCount val="20"/>
+                <c:pt idx="0">
+                  <c:v>3</c:v>
+                </c:pt>
+                <c:pt idx="1">
+                  <c:v>6</c:v>
+                </c:pt>
+                <c:pt idx="2">
+                  <c:v>9</c:v>
+                </c:pt>
+                <c:pt idx="3">
+                  <c:v>12</c:v>
+                </c:pt>
+                <c:pt idx="4">
+                  <c:v>15</c:v>
+                </c:pt>
+                <c:pt idx="5">
+                  <c:v>18</c:v>
+                </c:pt>
+                <c:pt idx="6">
+                  <c:v>21</c:v>
+                </c:pt>
+                <c:pt idx="7">
+                  <c:v>24</c:v>
+                </c:pt>
+                <c:pt idx="8">
+                  <c:v>27</c:v>
+                </c:pt>
+                <c:pt idx="9">
+                  <c:v>30</c:v>
+                </c:pt>
+                <c:pt idx="10">
+                  <c:v>33</c:v>
+                </c:pt>
+                <c:pt idx="11">
+                  <c:v>36</c:v>
+                </c:pt>
+                <c:pt idx="12">
+                  <c:v>39</c:v>
+                </c:pt>
+                <c:pt idx="13">
+                  <c:v>42</c:v>
+                </c:pt>
+                <c:pt idx="14">
+                  <c:v>45</c:v>
+                </c:pt>
+                <c:pt idx="15">
+                  <c:v>48</c:v>
+                </c:pt>
+                <c:pt idx="16">
+                  <c:v>51</c:v>
+                </c:pt>
+                <c:pt idx="17">
+                  <c:v>54</c:v>
+                </c:pt>
+                <c:pt idx="18">
+                  <c:v>57</c:v>
+                </c:pt>
+                <c:pt idx="19">
+                  <c:v>60</c:v>
+                </c:pt>
+              </c:numCache>
+            </c:numRef>
+          </c:cat>
+          <c:val>
+            <c:numRef>
+              <c:f>Tabelle5!$B$16:$B$35</c:f>
+              <c:numCache>
+                <c:formatCode>General</c:formatCode>
+                <c:ptCount val="20"/>
+                <c:pt idx="0">
+                  <c:v>128</c:v>
+                </c:pt>
+                <c:pt idx="1">
+                  <c:v>210</c:v>
+                </c:pt>
+                <c:pt idx="2">
+                  <c:v>284</c:v>
+                </c:pt>
+                <c:pt idx="3">
+                  <c:v>357</c:v>
+                </c:pt>
+                <c:pt idx="4">
+                  <c:v>423</c:v>
+                </c:pt>
+                <c:pt idx="5">
+                  <c:v>501</c:v>
+                </c:pt>
+                <c:pt idx="6">
+                  <c:v>566</c:v>
+                </c:pt>
+                <c:pt idx="7">
+                  <c:v>643</c:v>
+                </c:pt>
+                <c:pt idx="8">
+                  <c:v>686</c:v>
+                </c:pt>
+                <c:pt idx="9">
+                  <c:v>742</c:v>
+                </c:pt>
+                <c:pt idx="10">
+                  <c:v>812</c:v>
+                </c:pt>
+                <c:pt idx="11">
+                  <c:v>891</c:v>
+                </c:pt>
+                <c:pt idx="12">
+                  <c:v>964</c:v>
+                </c:pt>
+                <c:pt idx="13">
+                  <c:v>1003</c:v>
+                </c:pt>
+                <c:pt idx="14">
+                  <c:v>1061</c:v>
+                </c:pt>
+                <c:pt idx="15">
+                  <c:v>1134</c:v>
+                </c:pt>
+                <c:pt idx="16">
+                  <c:v>1212</c:v>
+                </c:pt>
+                <c:pt idx="17">
+                  <c:v>1287</c:v>
+                </c:pt>
+                <c:pt idx="18">
+                  <c:v>1365</c:v>
+                </c:pt>
+                <c:pt idx="19">
+                  <c:v>1411</c:v>
+                </c:pt>
+              </c:numCache>
+            </c:numRef>
+          </c:val>
+          <c:smooth val="0"/>
+          <c:extLst>
+            <c:ext xmlns:c16="http://schemas.microsoft.com/office/drawing/2014/chart" uri="{C3380CC4-5D6E-409C-BE32-E72D297353CC}">
+              <c16:uniqueId val="{00000001-30A9-45CE-89FF-1D861BCF2394}"/>
+            </c:ext>
+          </c:extLst>
+        </c:ser>
+        <c:ser>
+          <c:idx val="1"/>
+          <c:order val="1"/>
+          <c:tx>
+            <c:strRef>
+              <c:f>Tabelle5!$C$15</c:f>
+              <c:strCache>
+                <c:ptCount val="1"/>
+                <c:pt idx="0">
+                  <c:v> GPU mit kopieren</c:v>
+                </c:pt>
+              </c:strCache>
+            </c:strRef>
+          </c:tx>
+          <c:spPr>
+            <a:ln w="28575" cap="rnd">
+              <a:solidFill>
+                <a:srgbClr val="FF0000"/>
+              </a:solidFill>
+              <a:round/>
+            </a:ln>
+            <a:effectLst/>
+          </c:spPr>
+          <c:marker>
+            <c:symbol val="none"/>
+          </c:marker>
+          <c:dLbls>
+            <c:dLbl>
+              <c:idx val="0"/>
+              <c:layout>
+                <c:manualLayout>
+                  <c:x val="-1.6198449612403101E-2"/>
+                  <c:y val="-3.2025880485869497E-2"/>
+                </c:manualLayout>
+              </c:layout>
+              <c:dLblPos val="r"/>
+              <c:showLegendKey val="0"/>
+              <c:showVal val="1"/>
+              <c:showCatName val="0"/>
+              <c:showSerName val="0"/>
+              <c:showPercent val="0"/>
+              <c:showBubbleSize val="0"/>
+              <c:extLst>
+                <c:ext xmlns:c15="http://schemas.microsoft.com/office/drawing/2012/chart" uri="{CE6537A1-D6FC-4f65-9D91-7224C49458BB}"/>
+                <c:ext xmlns:c16="http://schemas.microsoft.com/office/drawing/2014/chart" uri="{C3380CC4-5D6E-409C-BE32-E72D297353CC}">
+                  <c16:uniqueId val="{00000002-30A9-45CE-89FF-1D861BCF2394}"/>
+                </c:ext>
+              </c:extLst>
+            </c:dLbl>
+            <c:dLbl>
+              <c:idx val="1"/>
+              <c:layout>
+                <c:manualLayout>
+                  <c:x val="-1.6198449612403101E-2"/>
+                  <c:y val="-3.202588048586965E-2"/>
+                </c:manualLayout>
+              </c:layout>
+              <c:dLblPos val="r"/>
+              <c:showLegendKey val="0"/>
+              <c:showVal val="1"/>
+              <c:showCatName val="0"/>
+              <c:showSerName val="0"/>
+              <c:showPercent val="0"/>
+              <c:showBubbleSize val="0"/>
+              <c:extLst>
+                <c:ext xmlns:c15="http://schemas.microsoft.com/office/drawing/2012/chart" uri="{CE6537A1-D6FC-4f65-9D91-7224C49458BB}"/>
+                <c:ext xmlns:c16="http://schemas.microsoft.com/office/drawing/2014/chart" uri="{C3380CC4-5D6E-409C-BE32-E72D297353CC}">
+                  <c16:uniqueId val="{00000003-30A9-45CE-89FF-1D861BCF2394}"/>
+                </c:ext>
+              </c:extLst>
+            </c:dLbl>
+            <c:spPr>
+              <a:noFill/>
+              <a:ln>
+                <a:noFill/>
+              </a:ln>
+              <a:effectLst/>
+            </c:spPr>
+            <c:txPr>
+              <a:bodyPr rot="0" spcFirstLastPara="1" vertOverflow="ellipsis" vert="horz" wrap="square" lIns="38100" tIns="19050" rIns="38100" bIns="19050" anchor="ctr" anchorCtr="1">
+                <a:spAutoFit/>
+              </a:bodyPr>
+              <a:lstStyle/>
+              <a:p>
+                <a:pPr>
+                  <a:defRPr sz="900" b="0" i="0" u="none" strike="noStrike" kern="1200" baseline="0">
+                    <a:solidFill>
+                      <a:schemeClr val="tx1">
+                        <a:lumMod val="75000"/>
+                        <a:lumOff val="25000"/>
+                      </a:schemeClr>
+                    </a:solidFill>
+                    <a:latin typeface="+mn-lt"/>
+                    <a:ea typeface="+mn-ea"/>
+                    <a:cs typeface="+mn-cs"/>
+                  </a:defRPr>
+                </a:pPr>
+                <a:endParaRPr lang="de-DE"/>
+              </a:p>
+            </c:txPr>
+            <c:dLblPos val="t"/>
+            <c:showLegendKey val="0"/>
+            <c:showVal val="1"/>
+            <c:showCatName val="0"/>
+            <c:showSerName val="0"/>
+            <c:showPercent val="0"/>
+            <c:showBubbleSize val="0"/>
+            <c:showLeaderLines val="0"/>
+            <c:extLst>
+              <c:ext xmlns:c15="http://schemas.microsoft.com/office/drawing/2012/chart" uri="{CE6537A1-D6FC-4f65-9D91-7224C49458BB}">
+                <c15:showLeaderLines val="1"/>
+                <c15:leaderLines>
+                  <c:spPr>
+                    <a:ln w="9525" cap="flat" cmpd="sng" algn="ctr">
+                      <a:solidFill>
+                        <a:schemeClr val="tx1">
+                          <a:lumMod val="35000"/>
+                          <a:lumOff val="65000"/>
+                        </a:schemeClr>
+                      </a:solidFill>
+                      <a:round/>
+                    </a:ln>
+                    <a:effectLst/>
+                  </c:spPr>
+                </c15:leaderLines>
+              </c:ext>
+            </c:extLst>
+          </c:dLbls>
+          <c:trendline>
+            <c:spPr>
+              <a:ln w="19050" cap="rnd">
+                <a:solidFill>
+                  <a:schemeClr val="accent2"/>
+                </a:solidFill>
+                <a:prstDash val="sysDot"/>
+              </a:ln>
+              <a:effectLst/>
+            </c:spPr>
+            <c:trendlineType val="linear"/>
+            <c:forward val="2"/>
+            <c:dispRSqr val="0"/>
+            <c:dispEq val="0"/>
+          </c:trendline>
+          <c:cat>
+            <c:numRef>
+              <c:f>Tabelle5!$A$16:$A$35</c:f>
+              <c:numCache>
+                <c:formatCode>General</c:formatCode>
+                <c:ptCount val="20"/>
+                <c:pt idx="0">
+                  <c:v>3</c:v>
+                </c:pt>
+                <c:pt idx="1">
+                  <c:v>6</c:v>
+                </c:pt>
+                <c:pt idx="2">
+                  <c:v>9</c:v>
+                </c:pt>
+                <c:pt idx="3">
+                  <c:v>12</c:v>
+                </c:pt>
+                <c:pt idx="4">
+                  <c:v>15</c:v>
+                </c:pt>
+                <c:pt idx="5">
+                  <c:v>18</c:v>
+                </c:pt>
+                <c:pt idx="6">
+                  <c:v>21</c:v>
+                </c:pt>
+                <c:pt idx="7">
+                  <c:v>24</c:v>
+                </c:pt>
+                <c:pt idx="8">
+                  <c:v>27</c:v>
+                </c:pt>
+                <c:pt idx="9">
+                  <c:v>30</c:v>
+                </c:pt>
+                <c:pt idx="10">
+                  <c:v>33</c:v>
+                </c:pt>
+                <c:pt idx="11">
+                  <c:v>36</c:v>
+                </c:pt>
+                <c:pt idx="12">
+                  <c:v>39</c:v>
+                </c:pt>
+                <c:pt idx="13">
+                  <c:v>42</c:v>
+                </c:pt>
+                <c:pt idx="14">
+                  <c:v>45</c:v>
+                </c:pt>
+                <c:pt idx="15">
+                  <c:v>48</c:v>
+                </c:pt>
+                <c:pt idx="16">
+                  <c:v>51</c:v>
+                </c:pt>
+                <c:pt idx="17">
+                  <c:v>54</c:v>
+                </c:pt>
+                <c:pt idx="18">
+                  <c:v>57</c:v>
+                </c:pt>
+                <c:pt idx="19">
+                  <c:v>60</c:v>
+                </c:pt>
+              </c:numCache>
+            </c:numRef>
+          </c:cat>
+          <c:val>
+            <c:numRef>
+              <c:f>Tabelle5!$C$16:$C$35</c:f>
+              <c:numCache>
+                <c:formatCode>General</c:formatCode>
+                <c:ptCount val="20"/>
+                <c:pt idx="0">
+                  <c:v>27</c:v>
+                </c:pt>
+                <c:pt idx="1">
+                  <c:v>49</c:v>
+                </c:pt>
+                <c:pt idx="2">
+                  <c:v>72</c:v>
+                </c:pt>
+                <c:pt idx="3">
+                  <c:v>93</c:v>
+                </c:pt>
+                <c:pt idx="4">
+                  <c:v>117</c:v>
+                </c:pt>
+                <c:pt idx="5">
+                  <c:v>139</c:v>
+                </c:pt>
+                <c:pt idx="6">
+                  <c:v>161</c:v>
+                </c:pt>
+                <c:pt idx="7">
+                  <c:v>181</c:v>
+                </c:pt>
+                <c:pt idx="8">
+                  <c:v>205</c:v>
+                </c:pt>
+                <c:pt idx="9">
+                  <c:v>226</c:v>
+                </c:pt>
+                <c:pt idx="10">
+                  <c:v>248</c:v>
+                </c:pt>
+                <c:pt idx="11">
+                  <c:v>271</c:v>
+                </c:pt>
+                <c:pt idx="12">
+                  <c:v>294</c:v>
+                </c:pt>
+                <c:pt idx="13">
+                  <c:v>315</c:v>
+                </c:pt>
+                <c:pt idx="14">
+                  <c:v>339</c:v>
+                </c:pt>
+                <c:pt idx="15">
+                  <c:v>358</c:v>
+                </c:pt>
+                <c:pt idx="16">
+                  <c:v>381</c:v>
+                </c:pt>
+                <c:pt idx="17">
+                  <c:v>402</c:v>
+                </c:pt>
+                <c:pt idx="18">
+                  <c:v>426</c:v>
+                </c:pt>
+                <c:pt idx="19">
+                  <c:v>449</c:v>
+                </c:pt>
+              </c:numCache>
+            </c:numRef>
+          </c:val>
+          <c:smooth val="0"/>
+          <c:extLst>
+            <c:ext xmlns:c16="http://schemas.microsoft.com/office/drawing/2014/chart" uri="{C3380CC4-5D6E-409C-BE32-E72D297353CC}">
+              <c16:uniqueId val="{00000005-30A9-45CE-89FF-1D861BCF2394}"/>
+            </c:ext>
+          </c:extLst>
+        </c:ser>
+        <c:ser>
+          <c:idx val="2"/>
+          <c:order val="2"/>
+          <c:tx>
+            <c:strRef>
+              <c:f>Tabelle5!$D$15</c:f>
+              <c:strCache>
+                <c:ptCount val="1"/>
+                <c:pt idx="0">
+                  <c:v> GPU</c:v>
+                </c:pt>
+              </c:strCache>
+            </c:strRef>
+          </c:tx>
+          <c:spPr>
+            <a:ln w="28575" cap="rnd">
+              <a:solidFill>
+                <a:srgbClr val="00B050"/>
+              </a:solidFill>
+              <a:round/>
+            </a:ln>
+            <a:effectLst/>
+          </c:spPr>
+          <c:marker>
+            <c:symbol val="none"/>
+          </c:marker>
+          <c:dLbls>
+            <c:dLbl>
+              <c:idx val="0"/>
+              <c:layout>
+                <c:manualLayout>
+                  <c:x val="-1.6198449612403101E-2"/>
+                  <c:y val="-2.37571466357403E-2"/>
+                </c:manualLayout>
+              </c:layout>
+              <c:dLblPos val="r"/>
+              <c:showLegendKey val="0"/>
+              <c:showVal val="1"/>
+              <c:showCatName val="0"/>
+              <c:showSerName val="0"/>
+              <c:showPercent val="0"/>
+              <c:showBubbleSize val="0"/>
+              <c:extLst>
+                <c:ext xmlns:c15="http://schemas.microsoft.com/office/drawing/2012/chart" uri="{CE6537A1-D6FC-4f65-9D91-7224C49458BB}"/>
+                <c:ext xmlns:c16="http://schemas.microsoft.com/office/drawing/2014/chart" uri="{C3380CC4-5D6E-409C-BE32-E72D297353CC}">
+                  <c16:uniqueId val="{00000006-30A9-45CE-89FF-1D861BCF2394}"/>
+                </c:ext>
+              </c:extLst>
+            </c:dLbl>
+            <c:dLbl>
+              <c:idx val="3"/>
+              <c:layout>
+                <c:manualLayout>
+                  <c:x val="-1.6198449612403101E-2"/>
+                  <c:y val="-1.3421229323078801E-2"/>
+                </c:manualLayout>
+              </c:layout>
+              <c:dLblPos val="r"/>
+              <c:showLegendKey val="0"/>
+              <c:showVal val="1"/>
+              <c:showCatName val="0"/>
+              <c:showSerName val="0"/>
+              <c:showPercent val="0"/>
+              <c:showBubbleSize val="0"/>
+              <c:extLst>
+                <c:ext xmlns:c15="http://schemas.microsoft.com/office/drawing/2012/chart" uri="{CE6537A1-D6FC-4f65-9D91-7224C49458BB}"/>
+                <c:ext xmlns:c16="http://schemas.microsoft.com/office/drawing/2014/chart" uri="{C3380CC4-5D6E-409C-BE32-E72D297353CC}">
+                  <c16:uniqueId val="{00000007-30A9-45CE-89FF-1D861BCF2394}"/>
+                </c:ext>
+              </c:extLst>
+            </c:dLbl>
+            <c:dLbl>
+              <c:idx val="4"/>
+              <c:layout>
+                <c:manualLayout>
+                  <c:x val="-1.6198449612403101E-2"/>
+                  <c:y val="-1.9622779710675851E-2"/>
+                </c:manualLayout>
+              </c:layout>
+              <c:dLblPos val="r"/>
+              <c:showLegendKey val="0"/>
+              <c:showVal val="1"/>
+              <c:showCatName val="0"/>
+              <c:showSerName val="0"/>
+              <c:showPercent val="0"/>
+              <c:showBubbleSize val="0"/>
+              <c:extLst>
+                <c:ext xmlns:c15="http://schemas.microsoft.com/office/drawing/2012/chart" uri="{CE6537A1-D6FC-4f65-9D91-7224C49458BB}"/>
+                <c:ext xmlns:c16="http://schemas.microsoft.com/office/drawing/2014/chart" uri="{C3380CC4-5D6E-409C-BE32-E72D297353CC}">
+                  <c16:uniqueId val="{00000008-30A9-45CE-89FF-1D861BCF2394}"/>
+                </c:ext>
+              </c:extLst>
+            </c:dLbl>
+            <c:spPr>
+              <a:noFill/>
+              <a:ln>
+                <a:noFill/>
+              </a:ln>
+              <a:effectLst/>
+            </c:spPr>
+            <c:txPr>
+              <a:bodyPr rot="0" spcFirstLastPara="1" vertOverflow="ellipsis" vert="horz" wrap="square" lIns="38100" tIns="19050" rIns="38100" bIns="19050" anchor="ctr" anchorCtr="1">
+                <a:spAutoFit/>
+              </a:bodyPr>
+              <a:lstStyle/>
+              <a:p>
+                <a:pPr>
+                  <a:defRPr sz="900" b="0" i="0" u="none" strike="noStrike" kern="1200" baseline="0">
+                    <a:solidFill>
+                      <a:schemeClr val="tx1">
+                        <a:lumMod val="75000"/>
+                        <a:lumOff val="25000"/>
+                      </a:schemeClr>
+                    </a:solidFill>
+                    <a:latin typeface="+mn-lt"/>
+                    <a:ea typeface="+mn-ea"/>
+                    <a:cs typeface="+mn-cs"/>
+                  </a:defRPr>
+                </a:pPr>
+                <a:endParaRPr lang="de-DE"/>
+              </a:p>
+            </c:txPr>
+            <c:dLblPos val="t"/>
+            <c:showLegendKey val="0"/>
+            <c:showVal val="1"/>
+            <c:showCatName val="0"/>
+            <c:showSerName val="0"/>
+            <c:showPercent val="0"/>
+            <c:showBubbleSize val="0"/>
+            <c:showLeaderLines val="0"/>
+            <c:extLst>
+              <c:ext xmlns:c15="http://schemas.microsoft.com/office/drawing/2012/chart" uri="{CE6537A1-D6FC-4f65-9D91-7224C49458BB}">
+                <c15:showLeaderLines val="1"/>
+                <c15:leaderLines>
+                  <c:spPr>
+                    <a:ln w="9525" cap="flat" cmpd="sng" algn="ctr">
+                      <a:solidFill>
+                        <a:schemeClr val="tx1">
+                          <a:lumMod val="35000"/>
+                          <a:lumOff val="65000"/>
+                        </a:schemeClr>
+                      </a:solidFill>
+                      <a:round/>
+                    </a:ln>
+                    <a:effectLst/>
+                  </c:spPr>
+                </c15:leaderLines>
+              </c:ext>
+            </c:extLst>
+          </c:dLbls>
+          <c:trendline>
+            <c:spPr>
+              <a:ln w="19050" cap="rnd">
+                <a:solidFill>
+                  <a:schemeClr val="accent3"/>
+                </a:solidFill>
+                <a:prstDash val="sysDot"/>
+              </a:ln>
+              <a:effectLst/>
+            </c:spPr>
+            <c:trendlineType val="linear"/>
+            <c:forward val="2"/>
+            <c:dispRSqr val="0"/>
+            <c:dispEq val="0"/>
+          </c:trendline>
+          <c:cat>
+            <c:numRef>
+              <c:f>Tabelle5!$A$16:$A$35</c:f>
+              <c:numCache>
+                <c:formatCode>General</c:formatCode>
+                <c:ptCount val="20"/>
+                <c:pt idx="0">
+                  <c:v>3</c:v>
+                </c:pt>
+                <c:pt idx="1">
+                  <c:v>6</c:v>
+                </c:pt>
+                <c:pt idx="2">
+                  <c:v>9</c:v>
+                </c:pt>
+                <c:pt idx="3">
+                  <c:v>12</c:v>
+                </c:pt>
+                <c:pt idx="4">
+                  <c:v>15</c:v>
+                </c:pt>
+                <c:pt idx="5">
+                  <c:v>18</c:v>
+                </c:pt>
+                <c:pt idx="6">
+                  <c:v>21</c:v>
+                </c:pt>
+                <c:pt idx="7">
+                  <c:v>24</c:v>
+                </c:pt>
+                <c:pt idx="8">
+                  <c:v>27</c:v>
+                </c:pt>
+                <c:pt idx="9">
+                  <c:v>30</c:v>
+                </c:pt>
+                <c:pt idx="10">
+                  <c:v>33</c:v>
+                </c:pt>
+                <c:pt idx="11">
+                  <c:v>36</c:v>
+                </c:pt>
+                <c:pt idx="12">
+                  <c:v>39</c:v>
+                </c:pt>
+                <c:pt idx="13">
+                  <c:v>42</c:v>
+                </c:pt>
+                <c:pt idx="14">
+                  <c:v>45</c:v>
+                </c:pt>
+                <c:pt idx="15">
+                  <c:v>48</c:v>
+                </c:pt>
+                <c:pt idx="16">
+                  <c:v>51</c:v>
+                </c:pt>
+                <c:pt idx="17">
+                  <c:v>54</c:v>
+                </c:pt>
+                <c:pt idx="18">
+                  <c:v>57</c:v>
+                </c:pt>
+                <c:pt idx="19">
+                  <c:v>60</c:v>
+                </c:pt>
+              </c:numCache>
+            </c:numRef>
+          </c:cat>
+          <c:val>
+            <c:numRef>
+              <c:f>Tabelle5!$D$16:$D$35</c:f>
+              <c:numCache>
+                <c:formatCode>General</c:formatCode>
+                <c:ptCount val="20"/>
+                <c:pt idx="0">
+                  <c:v>10</c:v>
+                </c:pt>
+                <c:pt idx="1">
+                  <c:v>18</c:v>
+                </c:pt>
+                <c:pt idx="2">
+                  <c:v>26</c:v>
+                </c:pt>
+                <c:pt idx="3">
+                  <c:v>33</c:v>
+                </c:pt>
+                <c:pt idx="4">
+                  <c:v>40</c:v>
+                </c:pt>
+                <c:pt idx="5">
+                  <c:v>49</c:v>
+                </c:pt>
+                <c:pt idx="6">
+                  <c:v>56</c:v>
+                </c:pt>
+                <c:pt idx="7">
+                  <c:v>63</c:v>
+                </c:pt>
+                <c:pt idx="8">
+                  <c:v>71</c:v>
+                </c:pt>
+                <c:pt idx="9">
+                  <c:v>77</c:v>
+                </c:pt>
+                <c:pt idx="10">
+                  <c:v>85</c:v>
+                </c:pt>
+                <c:pt idx="11">
+                  <c:v>93</c:v>
+                </c:pt>
+                <c:pt idx="12">
+                  <c:v>100</c:v>
+                </c:pt>
+                <c:pt idx="13">
+                  <c:v>109</c:v>
+                </c:pt>
+                <c:pt idx="14">
+                  <c:v>115</c:v>
+                </c:pt>
+                <c:pt idx="15">
+                  <c:v>123</c:v>
+                </c:pt>
+                <c:pt idx="16">
+                  <c:v>131</c:v>
+                </c:pt>
+                <c:pt idx="17">
+                  <c:v>137</c:v>
+                </c:pt>
+                <c:pt idx="18">
+                  <c:v>145</c:v>
+                </c:pt>
+                <c:pt idx="19">
+                  <c:v>153</c:v>
+                </c:pt>
+              </c:numCache>
+            </c:numRef>
+          </c:val>
+          <c:smooth val="0"/>
+          <c:extLst>
+            <c:ext xmlns:c16="http://schemas.microsoft.com/office/drawing/2014/chart" uri="{C3380CC4-5D6E-409C-BE32-E72D297353CC}">
+              <c16:uniqueId val="{0000000A-30A9-45CE-89FF-1D861BCF2394}"/>
+            </c:ext>
+          </c:extLst>
+        </c:ser>
+        <c:dLbls>
+          <c:dLblPos val="t"/>
+          <c:showLegendKey val="0"/>
+          <c:showVal val="1"/>
+          <c:showCatName val="0"/>
+          <c:showSerName val="0"/>
+          <c:showPercent val="0"/>
+          <c:showBubbleSize val="0"/>
+        </c:dLbls>
+        <c:smooth val="0"/>
+        <c:axId val="543509480"/>
+        <c:axId val="543500952"/>
+      </c:lineChart>
+      <c:catAx>
+        <c:axId val="543509480"/>
+        <c:scaling>
+          <c:orientation val="minMax"/>
+        </c:scaling>
+        <c:delete val="0"/>
+        <c:axPos val="b"/>
+        <c:minorGridlines>
+          <c:spPr>
+            <a:ln w="9525" cap="flat" cmpd="sng" algn="ctr">
+              <a:solidFill>
+                <a:schemeClr val="tx1">
+                  <a:lumMod val="5000"/>
+                  <a:lumOff val="95000"/>
+                </a:schemeClr>
+              </a:solidFill>
+              <a:round/>
+            </a:ln>
+            <a:effectLst/>
+          </c:spPr>
+        </c:minorGridlines>
+        <c:title>
+          <c:tx>
+            <c:rich>
+              <a:bodyPr rot="0" spcFirstLastPara="1" vertOverflow="ellipsis" vert="horz" wrap="square" anchor="ctr" anchorCtr="1"/>
+              <a:lstStyle/>
+              <a:p>
+                <a:pPr>
+                  <a:defRPr sz="1000" b="0" i="0" u="none" strike="noStrike" kern="1200" baseline="0">
+                    <a:solidFill>
+                      <a:schemeClr val="tx1">
+                        <a:lumMod val="65000"/>
+                        <a:lumOff val="35000"/>
+                      </a:schemeClr>
+                    </a:solidFill>
+                    <a:latin typeface="+mn-lt"/>
+                    <a:ea typeface="+mn-ea"/>
+                    <a:cs typeface="+mn-cs"/>
+                  </a:defRPr>
+                </a:pPr>
+                <a:r>
+                  <a:rPr lang="de-DE"/>
+                  <a:t>Partikelanzahl in Millionen</a:t>
+                </a:r>
+              </a:p>
+            </c:rich>
+          </c:tx>
+          <c:overlay val="0"/>
+          <c:spPr>
+            <a:noFill/>
+            <a:ln>
+              <a:noFill/>
+            </a:ln>
+            <a:effectLst/>
+          </c:spPr>
+          <c:txPr>
+            <a:bodyPr rot="0" spcFirstLastPara="1" vertOverflow="ellipsis" vert="horz" wrap="square" anchor="ctr" anchorCtr="1"/>
+            <a:lstStyle/>
+            <a:p>
+              <a:pPr>
+                <a:defRPr sz="1000" b="0" i="0" u="none" strike="noStrike" kern="1200" baseline="0">
+                  <a:solidFill>
+                    <a:schemeClr val="tx1">
+                      <a:lumMod val="65000"/>
+                      <a:lumOff val="35000"/>
+                    </a:schemeClr>
+                  </a:solidFill>
+                  <a:latin typeface="+mn-lt"/>
+                  <a:ea typeface="+mn-ea"/>
+                  <a:cs typeface="+mn-cs"/>
+                </a:defRPr>
+              </a:pPr>
+              <a:endParaRPr lang="de-DE"/>
+            </a:p>
+          </c:txPr>
+        </c:title>
+        <c:numFmt formatCode="General" sourceLinked="1"/>
+        <c:majorTickMark val="none"/>
+        <c:minorTickMark val="none"/>
+        <c:tickLblPos val="nextTo"/>
+        <c:spPr>
+          <a:noFill/>
+          <a:ln w="9525" cap="flat" cmpd="sng" algn="ctr">
+            <a:solidFill>
+              <a:schemeClr val="tx1">
+                <a:lumMod val="15000"/>
+                <a:lumOff val="85000"/>
+              </a:schemeClr>
+            </a:solidFill>
+            <a:round/>
+          </a:ln>
+          <a:effectLst/>
+        </c:spPr>
+        <c:txPr>
+          <a:bodyPr rot="-60000000" spcFirstLastPara="1" vertOverflow="ellipsis" vert="horz" wrap="square" anchor="ctr" anchorCtr="1"/>
+          <a:lstStyle/>
+          <a:p>
+            <a:pPr>
+              <a:defRPr sz="900" b="0" i="0" u="none" strike="noStrike" kern="1200" baseline="0">
+                <a:solidFill>
+                  <a:schemeClr val="tx1">
+                    <a:lumMod val="65000"/>
+                    <a:lumOff val="35000"/>
+                  </a:schemeClr>
+                </a:solidFill>
+                <a:latin typeface="+mn-lt"/>
+                <a:ea typeface="+mn-ea"/>
+                <a:cs typeface="+mn-cs"/>
+              </a:defRPr>
+            </a:pPr>
+            <a:endParaRPr lang="de-DE"/>
+          </a:p>
+        </c:txPr>
+        <c:crossAx val="543500952"/>
+        <c:crosses val="autoZero"/>
+        <c:auto val="1"/>
+        <c:lblAlgn val="ctr"/>
+        <c:lblOffset val="100"/>
+        <c:noMultiLvlLbl val="0"/>
+      </c:catAx>
+      <c:valAx>
+        <c:axId val="543500952"/>
+        <c:scaling>
+          <c:orientation val="minMax"/>
+          <c:max val="1600"/>
+        </c:scaling>
+        <c:delete val="0"/>
+        <c:axPos val="l"/>
+        <c:majorGridlines>
+          <c:spPr>
+            <a:ln w="9525" cap="flat" cmpd="sng" algn="ctr">
+              <a:solidFill>
+                <a:schemeClr val="tx1">
+                  <a:lumMod val="15000"/>
+                  <a:lumOff val="85000"/>
+                </a:schemeClr>
+              </a:solidFill>
+              <a:round/>
+            </a:ln>
+            <a:effectLst/>
+          </c:spPr>
+        </c:majorGridlines>
+        <c:minorGridlines>
+          <c:spPr>
+            <a:ln w="9525" cap="flat" cmpd="sng" algn="ctr">
+              <a:solidFill>
+                <a:schemeClr val="tx1">
+                  <a:lumMod val="5000"/>
+                  <a:lumOff val="95000"/>
+                </a:schemeClr>
+              </a:solidFill>
+              <a:round/>
+            </a:ln>
+            <a:effectLst/>
+          </c:spPr>
+        </c:minorGridlines>
+        <c:title>
+          <c:tx>
+            <c:rich>
+              <a:bodyPr rot="-5400000" spcFirstLastPara="1" vertOverflow="ellipsis" vert="horz" wrap="square" anchor="ctr" anchorCtr="1"/>
+              <a:lstStyle/>
+              <a:p>
+                <a:pPr>
+                  <a:defRPr sz="1000" b="0" i="0" u="none" strike="noStrike" kern="1200" baseline="0">
+                    <a:solidFill>
+                      <a:schemeClr val="tx1">
+                        <a:lumMod val="65000"/>
+                        <a:lumOff val="35000"/>
+                      </a:schemeClr>
+                    </a:solidFill>
+                    <a:latin typeface="+mn-lt"/>
+                    <a:ea typeface="+mn-ea"/>
+                    <a:cs typeface="+mn-cs"/>
+                  </a:defRPr>
+                </a:pPr>
+                <a:r>
+                  <a:rPr lang="de-DE"/>
+                  <a:t>Laufzeit in ms</a:t>
+                </a:r>
+              </a:p>
+            </c:rich>
+          </c:tx>
+          <c:overlay val="0"/>
+          <c:spPr>
+            <a:noFill/>
+            <a:ln>
+              <a:noFill/>
+            </a:ln>
+            <a:effectLst/>
+          </c:spPr>
+          <c:txPr>
+            <a:bodyPr rot="-5400000" spcFirstLastPara="1" vertOverflow="ellipsis" vert="horz" wrap="square" anchor="ctr" anchorCtr="1"/>
+            <a:lstStyle/>
+            <a:p>
+              <a:pPr>
+                <a:defRPr sz="1000" b="0" i="0" u="none" strike="noStrike" kern="1200" baseline="0">
+                  <a:solidFill>
+                    <a:schemeClr val="tx1">
+                      <a:lumMod val="65000"/>
+                      <a:lumOff val="35000"/>
+                    </a:schemeClr>
+                  </a:solidFill>
+                  <a:latin typeface="+mn-lt"/>
+                  <a:ea typeface="+mn-ea"/>
+                  <a:cs typeface="+mn-cs"/>
+                </a:defRPr>
+              </a:pPr>
+              <a:endParaRPr lang="de-DE"/>
+            </a:p>
+          </c:txPr>
+        </c:title>
+        <c:numFmt formatCode="General" sourceLinked="1"/>
+        <c:majorTickMark val="none"/>
+        <c:minorTickMark val="none"/>
+        <c:tickLblPos val="nextTo"/>
+        <c:spPr>
+          <a:noFill/>
+          <a:ln>
+            <a:solidFill>
+              <a:schemeClr val="accent1"/>
+            </a:solidFill>
+          </a:ln>
+          <a:effectLst/>
+        </c:spPr>
+        <c:txPr>
+          <a:bodyPr rot="-60000000" spcFirstLastPara="1" vertOverflow="ellipsis" vert="horz" wrap="square" anchor="ctr" anchorCtr="1"/>
+          <a:lstStyle/>
+          <a:p>
+            <a:pPr>
+              <a:defRPr sz="900" b="0" i="0" u="none" strike="noStrike" kern="1200" baseline="0">
+                <a:solidFill>
+                  <a:schemeClr val="tx1">
+                    <a:lumMod val="65000"/>
+                    <a:lumOff val="35000"/>
+                  </a:schemeClr>
+                </a:solidFill>
+                <a:latin typeface="+mn-lt"/>
+                <a:ea typeface="+mn-ea"/>
+                <a:cs typeface="+mn-cs"/>
+              </a:defRPr>
+            </a:pPr>
+            <a:endParaRPr lang="de-DE"/>
+          </a:p>
+        </c:txPr>
+        <c:crossAx val="543509480"/>
+        <c:crosses val="autoZero"/>
+        <c:crossBetween val="between"/>
+        <c:minorUnit val="50"/>
+      </c:valAx>
+      <c:spPr>
+        <a:noFill/>
+        <a:ln>
+          <a:noFill/>
+        </a:ln>
+        <a:effectLst/>
+      </c:spPr>
+    </c:plotArea>
+    <c:legend>
+      <c:legendPos val="b"/>
+      <c:overlay val="0"/>
+      <c:spPr>
+        <a:noFill/>
+        <a:ln>
+          <a:noFill/>
+        </a:ln>
+        <a:effectLst/>
+      </c:spPr>
+      <c:txPr>
+        <a:bodyPr rot="0" spcFirstLastPara="1" vertOverflow="ellipsis" vert="horz" wrap="square" anchor="ctr" anchorCtr="1"/>
+        <a:lstStyle/>
+        <a:p>
+          <a:pPr>
+            <a:defRPr sz="900" b="0" i="0" u="none" strike="noStrike" kern="1200" baseline="0">
+              <a:solidFill>
+                <a:schemeClr val="tx1">
+                  <a:lumMod val="65000"/>
+                  <a:lumOff val="35000"/>
+                </a:schemeClr>
+              </a:solidFill>
+              <a:latin typeface="+mn-lt"/>
+              <a:ea typeface="+mn-ea"/>
+              <a:cs typeface="+mn-cs"/>
+            </a:defRPr>
+          </a:pPr>
+          <a:endParaRPr lang="de-DE"/>
+        </a:p>
+      </c:txPr>
+    </c:legend>
+    <c:plotVisOnly val="1"/>
+    <c:dispBlanksAs val="gap"/>
+    <c:showDLblsOverMax val="0"/>
+  </c:chart>
+  <c:spPr>
+    <a:noFill/>
+    <a:ln>
+      <a:noFill/>
+    </a:ln>
+    <a:effectLst/>
+  </c:spPr>
+  <c:txPr>
+    <a:bodyPr/>
+    <a:lstStyle/>
+    <a:p>
+      <a:pPr>
+        <a:defRPr/>
+      </a:pPr>
+      <a:endParaRPr lang="de-DE"/>
+    </a:p>
+  </c:txPr>
+  <c:externalData r:id="rId3">
+    <c:autoUpdate val="0"/>
+  </c:externalData>
+</c:chartSpace>
+</file>
+
+<file path=ppt/charts/chart4.xml><?xml version="1.0" encoding="utf-8"?>
+<c:chartSpace xmlns:c="http://schemas.openxmlformats.org/drawingml/2006/chart" xmlns:a="http://schemas.openxmlformats.org/drawingml/2006/main" xmlns:r="http://schemas.openxmlformats.org/officeDocument/2006/relationships" xmlns:c16r2="http://schemas.microsoft.com/office/drawing/2015/06/chart">
+  <c:date1904 val="0"/>
+  <c:lang val="de-DE"/>
+  <c:roundedCorners val="0"/>
+  <mc:AlternateContent xmlns:mc="http://schemas.openxmlformats.org/markup-compatibility/2006">
+    <mc:Choice xmlns:c14="http://schemas.microsoft.com/office/drawing/2007/8/2/chart" Requires="c14">
+      <c14:style val="102"/>
+    </mc:Choice>
+    <mc:Fallback>
+      <c:style val="2"/>
+    </mc:Fallback>
+  </mc:AlternateContent>
+  <c:chart>
+    <c:title>
+      <c:tx>
+        <c:rich>
+          <a:bodyPr rot="0" spcFirstLastPara="1" vertOverflow="ellipsis" vert="horz" wrap="square" anchor="ctr" anchorCtr="1"/>
+          <a:lstStyle/>
+          <a:p>
+            <a:pPr>
+              <a:defRPr sz="1400" b="0" i="0" u="none" strike="noStrike" kern="1200" spc="0" baseline="0">
+                <a:solidFill>
+                  <a:schemeClr val="tx1">
+                    <a:lumMod val="65000"/>
+                    <a:lumOff val="35000"/>
+                  </a:schemeClr>
+                </a:solidFill>
+                <a:latin typeface="+mn-lt"/>
+                <a:ea typeface="+mn-ea"/>
+                <a:cs typeface="+mn-cs"/>
+              </a:defRPr>
+            </a:pPr>
+            <a:r>
+              <a:rPr lang="de-DE" dirty="0"/>
+              <a:t>Laufzeiten mit Kopieren der Daten</a:t>
             </a:r>
           </a:p>
         </c:rich>
@@ -2616,6 +3868,863 @@
 </c:chartSpace>
 </file>
 
+<file path=ppt/charts/chart5.xml><?xml version="1.0" encoding="utf-8"?>
+<c:chartSpace xmlns:c="http://schemas.openxmlformats.org/drawingml/2006/chart" xmlns:a="http://schemas.openxmlformats.org/drawingml/2006/main" xmlns:r="http://schemas.openxmlformats.org/officeDocument/2006/relationships" xmlns:c16r2="http://schemas.microsoft.com/office/drawing/2015/06/chart">
+  <c:date1904 val="0"/>
+  <c:lang val="de-DE"/>
+  <c:roundedCorners val="0"/>
+  <mc:AlternateContent xmlns:mc="http://schemas.openxmlformats.org/markup-compatibility/2006">
+    <mc:Choice xmlns:c14="http://schemas.microsoft.com/office/drawing/2007/8/2/chart" Requires="c14">
+      <c14:style val="102"/>
+    </mc:Choice>
+    <mc:Fallback>
+      <c:style val="2"/>
+    </mc:Fallback>
+  </mc:AlternateContent>
+  <c:chart>
+    <c:title>
+      <c:tx>
+        <c:rich>
+          <a:bodyPr rot="0" spcFirstLastPara="1" vertOverflow="ellipsis" vert="horz" wrap="square" anchor="ctr" anchorCtr="1"/>
+          <a:lstStyle/>
+          <a:p>
+            <a:pPr>
+              <a:defRPr sz="1400" b="0" i="0" u="none" strike="noStrike" kern="1200" spc="0" baseline="0">
+                <a:solidFill>
+                  <a:schemeClr val="tx1">
+                    <a:lumMod val="65000"/>
+                    <a:lumOff val="35000"/>
+                  </a:schemeClr>
+                </a:solidFill>
+                <a:latin typeface="+mn-lt"/>
+                <a:ea typeface="+mn-ea"/>
+                <a:cs typeface="+mn-cs"/>
+              </a:defRPr>
+            </a:pPr>
+            <a:r>
+              <a:rPr lang="de-DE" dirty="0"/>
+              <a:t>Abfragezeit bei steigendem</a:t>
+            </a:r>
+            <a:r>
+              <a:rPr lang="de-DE" baseline="0" dirty="0"/>
+              <a:t> Abfrage Radius</a:t>
+            </a:r>
+            <a:endParaRPr lang="de-DE" dirty="0"/>
+          </a:p>
+        </c:rich>
+      </c:tx>
+      <c:overlay val="0"/>
+      <c:spPr>
+        <a:noFill/>
+        <a:ln>
+          <a:noFill/>
+        </a:ln>
+        <a:effectLst/>
+      </c:spPr>
+      <c:txPr>
+        <a:bodyPr rot="0" spcFirstLastPara="1" vertOverflow="ellipsis" vert="horz" wrap="square" anchor="ctr" anchorCtr="1"/>
+        <a:lstStyle/>
+        <a:p>
+          <a:pPr>
+            <a:defRPr sz="1400" b="0" i="0" u="none" strike="noStrike" kern="1200" spc="0" baseline="0">
+              <a:solidFill>
+                <a:schemeClr val="tx1">
+                  <a:lumMod val="65000"/>
+                  <a:lumOff val="35000"/>
+                </a:schemeClr>
+              </a:solidFill>
+              <a:latin typeface="+mn-lt"/>
+              <a:ea typeface="+mn-ea"/>
+              <a:cs typeface="+mn-cs"/>
+            </a:defRPr>
+          </a:pPr>
+          <a:endParaRPr lang="de-DE"/>
+        </a:p>
+      </c:txPr>
+    </c:title>
+    <c:autoTitleDeleted val="0"/>
+    <c:plotArea>
+      <c:layout/>
+      <c:lineChart>
+        <c:grouping val="standard"/>
+        <c:varyColors val="0"/>
+        <c:ser>
+          <c:idx val="0"/>
+          <c:order val="0"/>
+          <c:tx>
+            <c:strRef>
+              <c:f>Tabelle7!$F$18</c:f>
+              <c:strCache>
+                <c:ptCount val="1"/>
+                <c:pt idx="0">
+                  <c:v> GPU</c:v>
+                </c:pt>
+              </c:strCache>
+            </c:strRef>
+          </c:tx>
+          <c:spPr>
+            <a:ln w="19050" cap="rnd">
+              <a:solidFill>
+                <a:srgbClr val="FF0000"/>
+              </a:solidFill>
+              <a:round/>
+            </a:ln>
+            <a:effectLst/>
+          </c:spPr>
+          <c:marker>
+            <c:symbol val="none"/>
+          </c:marker>
+          <c:cat>
+            <c:numRef>
+              <c:f>Tabelle7!$E$19:$E$48</c:f>
+              <c:numCache>
+                <c:formatCode>General</c:formatCode>
+                <c:ptCount val="30"/>
+                <c:pt idx="0">
+                  <c:v>19</c:v>
+                </c:pt>
+                <c:pt idx="1">
+                  <c:v>39</c:v>
+                </c:pt>
+                <c:pt idx="2">
+                  <c:v>58</c:v>
+                </c:pt>
+                <c:pt idx="3">
+                  <c:v>78</c:v>
+                </c:pt>
+                <c:pt idx="4">
+                  <c:v>97</c:v>
+                </c:pt>
+                <c:pt idx="5">
+                  <c:v>117</c:v>
+                </c:pt>
+                <c:pt idx="6">
+                  <c:v>136</c:v>
+                </c:pt>
+                <c:pt idx="7">
+                  <c:v>156</c:v>
+                </c:pt>
+                <c:pt idx="8">
+                  <c:v>175</c:v>
+                </c:pt>
+                <c:pt idx="9">
+                  <c:v>195</c:v>
+                </c:pt>
+                <c:pt idx="10">
+                  <c:v>214</c:v>
+                </c:pt>
+                <c:pt idx="11">
+                  <c:v>234</c:v>
+                </c:pt>
+                <c:pt idx="12">
+                  <c:v>253</c:v>
+                </c:pt>
+                <c:pt idx="13">
+                  <c:v>273</c:v>
+                </c:pt>
+                <c:pt idx="14">
+                  <c:v>292</c:v>
+                </c:pt>
+                <c:pt idx="15">
+                  <c:v>312</c:v>
+                </c:pt>
+                <c:pt idx="16">
+                  <c:v>331</c:v>
+                </c:pt>
+                <c:pt idx="17">
+                  <c:v>351</c:v>
+                </c:pt>
+                <c:pt idx="18">
+                  <c:v>370</c:v>
+                </c:pt>
+                <c:pt idx="19">
+                  <c:v>390</c:v>
+                </c:pt>
+                <c:pt idx="20">
+                  <c:v>409</c:v>
+                </c:pt>
+                <c:pt idx="21">
+                  <c:v>429</c:v>
+                </c:pt>
+                <c:pt idx="22">
+                  <c:v>448</c:v>
+                </c:pt>
+                <c:pt idx="23">
+                  <c:v>468</c:v>
+                </c:pt>
+                <c:pt idx="24">
+                  <c:v>487</c:v>
+                </c:pt>
+                <c:pt idx="25">
+                  <c:v>507</c:v>
+                </c:pt>
+                <c:pt idx="26">
+                  <c:v>526</c:v>
+                </c:pt>
+                <c:pt idx="27">
+                  <c:v>546</c:v>
+                </c:pt>
+                <c:pt idx="28">
+                  <c:v>565</c:v>
+                </c:pt>
+                <c:pt idx="29">
+                  <c:v>585</c:v>
+                </c:pt>
+              </c:numCache>
+            </c:numRef>
+          </c:cat>
+          <c:val>
+            <c:numRef>
+              <c:f>Tabelle7!$F$19:$F$48</c:f>
+              <c:numCache>
+                <c:formatCode>General</c:formatCode>
+                <c:ptCount val="30"/>
+                <c:pt idx="0">
+                  <c:v>0.41299999999999998</c:v>
+                </c:pt>
+                <c:pt idx="1">
+                  <c:v>0.502</c:v>
+                </c:pt>
+                <c:pt idx="2">
+                  <c:v>0.39400000000000002</c:v>
+                </c:pt>
+                <c:pt idx="3">
+                  <c:v>0.4</c:v>
+                </c:pt>
+                <c:pt idx="4">
+                  <c:v>0.47899999999999998</c:v>
+                </c:pt>
+                <c:pt idx="5">
+                  <c:v>0.441</c:v>
+                </c:pt>
+                <c:pt idx="6">
+                  <c:v>0.49</c:v>
+                </c:pt>
+                <c:pt idx="7">
+                  <c:v>0.45200000000000001</c:v>
+                </c:pt>
+                <c:pt idx="8">
+                  <c:v>0.43</c:v>
+                </c:pt>
+                <c:pt idx="9">
+                  <c:v>0.441</c:v>
+                </c:pt>
+                <c:pt idx="10">
+                  <c:v>0.46500000000000002</c:v>
+                </c:pt>
+                <c:pt idx="11">
+                  <c:v>0.46600000000000003</c:v>
+                </c:pt>
+                <c:pt idx="12">
+                  <c:v>0.44800000000000001</c:v>
+                </c:pt>
+                <c:pt idx="13">
+                  <c:v>0.47899999999999998</c:v>
+                </c:pt>
+                <c:pt idx="14">
+                  <c:v>0.47599999999999998</c:v>
+                </c:pt>
+                <c:pt idx="15">
+                  <c:v>0.47699999999999998</c:v>
+                </c:pt>
+                <c:pt idx="16">
+                  <c:v>0.50700000000000001</c:v>
+                </c:pt>
+                <c:pt idx="17">
+                  <c:v>0.49099999999999999</c:v>
+                </c:pt>
+                <c:pt idx="18">
+                  <c:v>0.52400000000000002</c:v>
+                </c:pt>
+                <c:pt idx="19">
+                  <c:v>0.55600000000000005</c:v>
+                </c:pt>
+                <c:pt idx="20">
+                  <c:v>0.55500000000000005</c:v>
+                </c:pt>
+                <c:pt idx="21">
+                  <c:v>0.54800000000000004</c:v>
+                </c:pt>
+                <c:pt idx="22">
+                  <c:v>0.73599999999999999</c:v>
+                </c:pt>
+                <c:pt idx="23">
+                  <c:v>0.78500000000000003</c:v>
+                </c:pt>
+                <c:pt idx="24">
+                  <c:v>0.85799999999999998</c:v>
+                </c:pt>
+                <c:pt idx="25">
+                  <c:v>0.90600000000000003</c:v>
+                </c:pt>
+                <c:pt idx="26">
+                  <c:v>0.93400000000000005</c:v>
+                </c:pt>
+                <c:pt idx="27">
+                  <c:v>0.96699999999999997</c:v>
+                </c:pt>
+                <c:pt idx="28">
+                  <c:v>0.98</c:v>
+                </c:pt>
+                <c:pt idx="29">
+                  <c:v>1.0629999999999999</c:v>
+                </c:pt>
+              </c:numCache>
+            </c:numRef>
+          </c:val>
+          <c:smooth val="0"/>
+          <c:extLst>
+            <c:ext xmlns:c16="http://schemas.microsoft.com/office/drawing/2014/chart" uri="{C3380CC4-5D6E-409C-BE32-E72D297353CC}">
+              <c16:uniqueId val="{00000000-316B-4F58-94E6-6ED3BC501CD0}"/>
+            </c:ext>
+          </c:extLst>
+        </c:ser>
+        <c:ser>
+          <c:idx val="1"/>
+          <c:order val="1"/>
+          <c:tx>
+            <c:strRef>
+              <c:f>Tabelle7!$G$18</c:f>
+              <c:strCache>
+                <c:ptCount val="1"/>
+                <c:pt idx="0">
+                  <c:v> CPU</c:v>
+                </c:pt>
+              </c:strCache>
+            </c:strRef>
+          </c:tx>
+          <c:spPr>
+            <a:ln w="19050" cap="rnd">
+              <a:solidFill>
+                <a:srgbClr val="0070C0"/>
+              </a:solidFill>
+              <a:round/>
+            </a:ln>
+            <a:effectLst/>
+          </c:spPr>
+          <c:marker>
+            <c:symbol val="none"/>
+          </c:marker>
+          <c:cat>
+            <c:numRef>
+              <c:f>Tabelle7!$E$19:$E$48</c:f>
+              <c:numCache>
+                <c:formatCode>General</c:formatCode>
+                <c:ptCount val="30"/>
+                <c:pt idx="0">
+                  <c:v>19</c:v>
+                </c:pt>
+                <c:pt idx="1">
+                  <c:v>39</c:v>
+                </c:pt>
+                <c:pt idx="2">
+                  <c:v>58</c:v>
+                </c:pt>
+                <c:pt idx="3">
+                  <c:v>78</c:v>
+                </c:pt>
+                <c:pt idx="4">
+                  <c:v>97</c:v>
+                </c:pt>
+                <c:pt idx="5">
+                  <c:v>117</c:v>
+                </c:pt>
+                <c:pt idx="6">
+                  <c:v>136</c:v>
+                </c:pt>
+                <c:pt idx="7">
+                  <c:v>156</c:v>
+                </c:pt>
+                <c:pt idx="8">
+                  <c:v>175</c:v>
+                </c:pt>
+                <c:pt idx="9">
+                  <c:v>195</c:v>
+                </c:pt>
+                <c:pt idx="10">
+                  <c:v>214</c:v>
+                </c:pt>
+                <c:pt idx="11">
+                  <c:v>234</c:v>
+                </c:pt>
+                <c:pt idx="12">
+                  <c:v>253</c:v>
+                </c:pt>
+                <c:pt idx="13">
+                  <c:v>273</c:v>
+                </c:pt>
+                <c:pt idx="14">
+                  <c:v>292</c:v>
+                </c:pt>
+                <c:pt idx="15">
+                  <c:v>312</c:v>
+                </c:pt>
+                <c:pt idx="16">
+                  <c:v>331</c:v>
+                </c:pt>
+                <c:pt idx="17">
+                  <c:v>351</c:v>
+                </c:pt>
+                <c:pt idx="18">
+                  <c:v>370</c:v>
+                </c:pt>
+                <c:pt idx="19">
+                  <c:v>390</c:v>
+                </c:pt>
+                <c:pt idx="20">
+                  <c:v>409</c:v>
+                </c:pt>
+                <c:pt idx="21">
+                  <c:v>429</c:v>
+                </c:pt>
+                <c:pt idx="22">
+                  <c:v>448</c:v>
+                </c:pt>
+                <c:pt idx="23">
+                  <c:v>468</c:v>
+                </c:pt>
+                <c:pt idx="24">
+                  <c:v>487</c:v>
+                </c:pt>
+                <c:pt idx="25">
+                  <c:v>507</c:v>
+                </c:pt>
+                <c:pt idx="26">
+                  <c:v>526</c:v>
+                </c:pt>
+                <c:pt idx="27">
+                  <c:v>546</c:v>
+                </c:pt>
+                <c:pt idx="28">
+                  <c:v>565</c:v>
+                </c:pt>
+                <c:pt idx="29">
+                  <c:v>585</c:v>
+                </c:pt>
+              </c:numCache>
+            </c:numRef>
+          </c:cat>
+          <c:val>
+            <c:numRef>
+              <c:f>Tabelle7!$G$19:$G$48</c:f>
+              <c:numCache>
+                <c:formatCode>General</c:formatCode>
+                <c:ptCount val="30"/>
+                <c:pt idx="0">
+                  <c:v>1.6E-2</c:v>
+                </c:pt>
+                <c:pt idx="1">
+                  <c:v>3.5999999999999997E-2</c:v>
+                </c:pt>
+                <c:pt idx="2">
+                  <c:v>7.5999999999999998E-2</c:v>
+                </c:pt>
+                <c:pt idx="3">
+                  <c:v>0.153</c:v>
+                </c:pt>
+                <c:pt idx="4">
+                  <c:v>0.26600000000000001</c:v>
+                </c:pt>
+                <c:pt idx="5">
+                  <c:v>0.441</c:v>
+                </c:pt>
+                <c:pt idx="6">
+                  <c:v>0.7</c:v>
+                </c:pt>
+                <c:pt idx="7">
+                  <c:v>0.94</c:v>
+                </c:pt>
+                <c:pt idx="8">
+                  <c:v>1.0609999999999999</c:v>
+                </c:pt>
+                <c:pt idx="9">
+                  <c:v>1.244</c:v>
+                </c:pt>
+                <c:pt idx="10">
+                  <c:v>1.385</c:v>
+                </c:pt>
+                <c:pt idx="11">
+                  <c:v>1.5840000000000001</c:v>
+                </c:pt>
+                <c:pt idx="12">
+                  <c:v>1.7709999999999999</c:v>
+                </c:pt>
+                <c:pt idx="13">
+                  <c:v>1.944</c:v>
+                </c:pt>
+                <c:pt idx="14">
+                  <c:v>2.081</c:v>
+                </c:pt>
+                <c:pt idx="15">
+                  <c:v>2.3370000000000002</c:v>
+                </c:pt>
+                <c:pt idx="16">
+                  <c:v>2.4969999999999999</c:v>
+                </c:pt>
+                <c:pt idx="17">
+                  <c:v>2.798</c:v>
+                </c:pt>
+                <c:pt idx="18">
+                  <c:v>3.0710000000000002</c:v>
+                </c:pt>
+                <c:pt idx="19">
+                  <c:v>3.407</c:v>
+                </c:pt>
+                <c:pt idx="20">
+                  <c:v>3.7290000000000001</c:v>
+                </c:pt>
+                <c:pt idx="21">
+                  <c:v>4.2320000000000002</c:v>
+                </c:pt>
+                <c:pt idx="22">
+                  <c:v>6.25</c:v>
+                </c:pt>
+                <c:pt idx="23">
+                  <c:v>8.9009999999999998</c:v>
+                </c:pt>
+                <c:pt idx="24">
+                  <c:v>11.311</c:v>
+                </c:pt>
+                <c:pt idx="25">
+                  <c:v>13.111000000000001</c:v>
+                </c:pt>
+                <c:pt idx="26">
+                  <c:v>15.374000000000001</c:v>
+                </c:pt>
+                <c:pt idx="27">
+                  <c:v>15.688000000000001</c:v>
+                </c:pt>
+                <c:pt idx="28">
+                  <c:v>17.379000000000001</c:v>
+                </c:pt>
+                <c:pt idx="29">
+                  <c:v>17.951000000000001</c:v>
+                </c:pt>
+              </c:numCache>
+            </c:numRef>
+          </c:val>
+          <c:smooth val="0"/>
+          <c:extLst>
+            <c:ext xmlns:c16="http://schemas.microsoft.com/office/drawing/2014/chart" uri="{C3380CC4-5D6E-409C-BE32-E72D297353CC}">
+              <c16:uniqueId val="{00000001-316B-4F58-94E6-6ED3BC501CD0}"/>
+            </c:ext>
+          </c:extLst>
+        </c:ser>
+        <c:dLbls>
+          <c:showLegendKey val="0"/>
+          <c:showVal val="0"/>
+          <c:showCatName val="0"/>
+          <c:showSerName val="0"/>
+          <c:showPercent val="0"/>
+          <c:showBubbleSize val="0"/>
+        </c:dLbls>
+        <c:smooth val="0"/>
+        <c:axId val="643236136"/>
+        <c:axId val="643236792"/>
+      </c:lineChart>
+      <c:catAx>
+        <c:axId val="643236136"/>
+        <c:scaling>
+          <c:orientation val="minMax"/>
+        </c:scaling>
+        <c:delete val="0"/>
+        <c:axPos val="b"/>
+        <c:majorGridlines>
+          <c:spPr>
+            <a:ln w="9525" cap="flat" cmpd="sng" algn="ctr">
+              <a:solidFill>
+                <a:schemeClr val="tx1">
+                  <a:lumMod val="15000"/>
+                  <a:lumOff val="85000"/>
+                </a:schemeClr>
+              </a:solidFill>
+              <a:round/>
+            </a:ln>
+            <a:effectLst/>
+          </c:spPr>
+        </c:majorGridlines>
+        <c:title>
+          <c:tx>
+            <c:rich>
+              <a:bodyPr rot="0" spcFirstLastPara="1" vertOverflow="ellipsis" vert="horz" wrap="square" anchor="ctr" anchorCtr="1"/>
+              <a:lstStyle/>
+              <a:p>
+                <a:pPr>
+                  <a:defRPr sz="1000" b="0" i="0" u="none" strike="noStrike" kern="1200" baseline="0">
+                    <a:solidFill>
+                      <a:schemeClr val="tx1">
+                        <a:lumMod val="65000"/>
+                        <a:lumOff val="35000"/>
+                      </a:schemeClr>
+                    </a:solidFill>
+                    <a:latin typeface="+mn-lt"/>
+                    <a:ea typeface="+mn-ea"/>
+                    <a:cs typeface="+mn-cs"/>
+                  </a:defRPr>
+                </a:pPr>
+                <a:r>
+                  <a:rPr lang="de-DE"/>
+                  <a:t>Anfrage Radius</a:t>
+                </a:r>
+              </a:p>
+            </c:rich>
+          </c:tx>
+          <c:overlay val="0"/>
+          <c:spPr>
+            <a:noFill/>
+            <a:ln>
+              <a:noFill/>
+            </a:ln>
+            <a:effectLst/>
+          </c:spPr>
+          <c:txPr>
+            <a:bodyPr rot="0" spcFirstLastPara="1" vertOverflow="ellipsis" vert="horz" wrap="square" anchor="ctr" anchorCtr="1"/>
+            <a:lstStyle/>
+            <a:p>
+              <a:pPr>
+                <a:defRPr sz="1000" b="0" i="0" u="none" strike="noStrike" kern="1200" baseline="0">
+                  <a:solidFill>
+                    <a:schemeClr val="tx1">
+                      <a:lumMod val="65000"/>
+                      <a:lumOff val="35000"/>
+                    </a:schemeClr>
+                  </a:solidFill>
+                  <a:latin typeface="+mn-lt"/>
+                  <a:ea typeface="+mn-ea"/>
+                  <a:cs typeface="+mn-cs"/>
+                </a:defRPr>
+              </a:pPr>
+              <a:endParaRPr lang="de-DE"/>
+            </a:p>
+          </c:txPr>
+        </c:title>
+        <c:numFmt formatCode="General" sourceLinked="1"/>
+        <c:majorTickMark val="none"/>
+        <c:minorTickMark val="none"/>
+        <c:tickLblPos val="nextTo"/>
+        <c:spPr>
+          <a:noFill/>
+          <a:ln w="9525" cap="flat" cmpd="sng" algn="ctr">
+            <a:solidFill>
+              <a:schemeClr val="tx1">
+                <a:lumMod val="25000"/>
+                <a:lumOff val="75000"/>
+              </a:schemeClr>
+            </a:solidFill>
+            <a:round/>
+          </a:ln>
+          <a:effectLst/>
+        </c:spPr>
+        <c:txPr>
+          <a:bodyPr rot="-60000000" spcFirstLastPara="1" vertOverflow="ellipsis" vert="horz" wrap="square" anchor="ctr" anchorCtr="1"/>
+          <a:lstStyle/>
+          <a:p>
+            <a:pPr>
+              <a:defRPr sz="900" b="0" i="0" u="none" strike="noStrike" kern="1200" baseline="0">
+                <a:solidFill>
+                  <a:schemeClr val="tx1">
+                    <a:lumMod val="65000"/>
+                    <a:lumOff val="35000"/>
+                  </a:schemeClr>
+                </a:solidFill>
+                <a:latin typeface="+mn-lt"/>
+                <a:ea typeface="+mn-ea"/>
+                <a:cs typeface="+mn-cs"/>
+              </a:defRPr>
+            </a:pPr>
+            <a:endParaRPr lang="de-DE"/>
+          </a:p>
+        </c:txPr>
+        <c:crossAx val="643236792"/>
+        <c:crosses val="autoZero"/>
+        <c:auto val="1"/>
+        <c:lblAlgn val="ctr"/>
+        <c:lblOffset val="100"/>
+        <c:noMultiLvlLbl val="0"/>
+      </c:catAx>
+      <c:valAx>
+        <c:axId val="643236792"/>
+        <c:scaling>
+          <c:orientation val="minMax"/>
+        </c:scaling>
+        <c:delete val="0"/>
+        <c:axPos val="l"/>
+        <c:majorGridlines>
+          <c:spPr>
+            <a:ln w="9525" cap="flat" cmpd="sng" algn="ctr">
+              <a:solidFill>
+                <a:schemeClr val="tx1">
+                  <a:lumMod val="15000"/>
+                  <a:lumOff val="85000"/>
+                </a:schemeClr>
+              </a:solidFill>
+              <a:round/>
+            </a:ln>
+            <a:effectLst/>
+          </c:spPr>
+        </c:majorGridlines>
+        <c:title>
+          <c:tx>
+            <c:rich>
+              <a:bodyPr rot="-5400000" spcFirstLastPara="1" vertOverflow="ellipsis" vert="horz" wrap="square" anchor="ctr" anchorCtr="1"/>
+              <a:lstStyle/>
+              <a:p>
+                <a:pPr>
+                  <a:defRPr sz="1000" b="0" i="0" u="none" strike="noStrike" kern="1200" baseline="0">
+                    <a:solidFill>
+                      <a:schemeClr val="tx1">
+                        <a:lumMod val="65000"/>
+                        <a:lumOff val="35000"/>
+                      </a:schemeClr>
+                    </a:solidFill>
+                    <a:latin typeface="+mn-lt"/>
+                    <a:ea typeface="+mn-ea"/>
+                    <a:cs typeface="+mn-cs"/>
+                  </a:defRPr>
+                </a:pPr>
+                <a:r>
+                  <a:rPr lang="de-DE"/>
+                  <a:t>Laufzeit in ms</a:t>
+                </a:r>
+              </a:p>
+            </c:rich>
+          </c:tx>
+          <c:overlay val="0"/>
+          <c:spPr>
+            <a:noFill/>
+            <a:ln>
+              <a:noFill/>
+            </a:ln>
+            <a:effectLst/>
+          </c:spPr>
+          <c:txPr>
+            <a:bodyPr rot="-5400000" spcFirstLastPara="1" vertOverflow="ellipsis" vert="horz" wrap="square" anchor="ctr" anchorCtr="1"/>
+            <a:lstStyle/>
+            <a:p>
+              <a:pPr>
+                <a:defRPr sz="1000" b="0" i="0" u="none" strike="noStrike" kern="1200" baseline="0">
+                  <a:solidFill>
+                    <a:schemeClr val="tx1">
+                      <a:lumMod val="65000"/>
+                      <a:lumOff val="35000"/>
+                    </a:schemeClr>
+                  </a:solidFill>
+                  <a:latin typeface="+mn-lt"/>
+                  <a:ea typeface="+mn-ea"/>
+                  <a:cs typeface="+mn-cs"/>
+                </a:defRPr>
+              </a:pPr>
+              <a:endParaRPr lang="de-DE"/>
+            </a:p>
+          </c:txPr>
+        </c:title>
+        <c:numFmt formatCode="General" sourceLinked="1"/>
+        <c:majorTickMark val="none"/>
+        <c:minorTickMark val="none"/>
+        <c:tickLblPos val="nextTo"/>
+        <c:spPr>
+          <a:noFill/>
+          <a:ln w="9525" cap="flat" cmpd="sng" algn="ctr">
+            <a:solidFill>
+              <a:schemeClr val="tx1">
+                <a:lumMod val="25000"/>
+                <a:lumOff val="75000"/>
+              </a:schemeClr>
+            </a:solidFill>
+            <a:round/>
+          </a:ln>
+          <a:effectLst/>
+        </c:spPr>
+        <c:txPr>
+          <a:bodyPr rot="-60000000" spcFirstLastPara="1" vertOverflow="ellipsis" vert="horz" wrap="square" anchor="ctr" anchorCtr="1"/>
+          <a:lstStyle/>
+          <a:p>
+            <a:pPr>
+              <a:defRPr sz="900" b="0" i="0" u="none" strike="noStrike" kern="1200" baseline="0">
+                <a:solidFill>
+                  <a:schemeClr val="tx1">
+                    <a:lumMod val="65000"/>
+                    <a:lumOff val="35000"/>
+                  </a:schemeClr>
+                </a:solidFill>
+                <a:latin typeface="+mn-lt"/>
+                <a:ea typeface="+mn-ea"/>
+                <a:cs typeface="+mn-cs"/>
+              </a:defRPr>
+            </a:pPr>
+            <a:endParaRPr lang="de-DE"/>
+          </a:p>
+        </c:txPr>
+        <c:crossAx val="643236136"/>
+        <c:crosses val="autoZero"/>
+        <c:crossBetween val="between"/>
+      </c:valAx>
+      <c:spPr>
+        <a:noFill/>
+        <a:ln>
+          <a:noFill/>
+        </a:ln>
+        <a:effectLst/>
+      </c:spPr>
+    </c:plotArea>
+    <c:legend>
+      <c:legendPos val="b"/>
+      <c:overlay val="0"/>
+      <c:spPr>
+        <a:noFill/>
+        <a:ln>
+          <a:noFill/>
+        </a:ln>
+        <a:effectLst/>
+      </c:spPr>
+      <c:txPr>
+        <a:bodyPr rot="0" spcFirstLastPara="1" vertOverflow="ellipsis" vert="horz" wrap="square" anchor="ctr" anchorCtr="1"/>
+        <a:lstStyle/>
+        <a:p>
+          <a:pPr>
+            <a:defRPr sz="900" b="0" i="0" u="none" strike="noStrike" kern="1200" baseline="0">
+              <a:solidFill>
+                <a:schemeClr val="tx1">
+                  <a:lumMod val="65000"/>
+                  <a:lumOff val="35000"/>
+                </a:schemeClr>
+              </a:solidFill>
+              <a:latin typeface="+mn-lt"/>
+              <a:ea typeface="+mn-ea"/>
+              <a:cs typeface="+mn-cs"/>
+            </a:defRPr>
+          </a:pPr>
+          <a:endParaRPr lang="de-DE"/>
+        </a:p>
+      </c:txPr>
+    </c:legend>
+    <c:plotVisOnly val="1"/>
+    <c:dispBlanksAs val="gap"/>
+    <c:showDLblsOverMax val="0"/>
+  </c:chart>
+  <c:spPr>
+    <a:noFill/>
+    <a:ln>
+      <a:noFill/>
+    </a:ln>
+    <a:effectLst/>
+  </c:spPr>
+  <c:txPr>
+    <a:bodyPr/>
+    <a:lstStyle/>
+    <a:p>
+      <a:pPr>
+        <a:defRPr/>
+      </a:pPr>
+      <a:endParaRPr lang="de-DE"/>
+    </a:p>
+  </c:txPr>
+  <c:externalData r:id="rId3">
+    <c:autoUpdate val="0"/>
+  </c:externalData>
+</c:chartSpace>
+</file>
+
 <file path=ppt/charts/colors1.xml><?xml version="1.0" encoding="utf-8"?>
 <cs:colorStyle xmlns:cs="http://schemas.microsoft.com/office/drawing/2012/chartStyle" xmlns:a="http://schemas.openxmlformats.org/drawingml/2006/main" meth="cycle" id="10">
   <a:schemeClr val="accent1"/>
@@ -2697,6 +4806,86 @@
 </file>
 
 <file path=ppt/charts/colors3.xml><?xml version="1.0" encoding="utf-8"?>
+<cs:colorStyle xmlns:cs="http://schemas.microsoft.com/office/drawing/2012/chartStyle" xmlns:a="http://schemas.openxmlformats.org/drawingml/2006/main" meth="cycle" id="10">
+  <a:schemeClr val="accent1"/>
+  <a:schemeClr val="accent2"/>
+  <a:schemeClr val="accent3"/>
+  <a:schemeClr val="accent4"/>
+  <a:schemeClr val="accent5"/>
+  <a:schemeClr val="accent6"/>
+  <cs:variation/>
+  <cs:variation>
+    <a:lumMod val="60000"/>
+  </cs:variation>
+  <cs:variation>
+    <a:lumMod val="80000"/>
+    <a:lumOff val="20000"/>
+  </cs:variation>
+  <cs:variation>
+    <a:lumMod val="80000"/>
+  </cs:variation>
+  <cs:variation>
+    <a:lumMod val="60000"/>
+    <a:lumOff val="40000"/>
+  </cs:variation>
+  <cs:variation>
+    <a:lumMod val="50000"/>
+  </cs:variation>
+  <cs:variation>
+    <a:lumMod val="70000"/>
+    <a:lumOff val="30000"/>
+  </cs:variation>
+  <cs:variation>
+    <a:lumMod val="70000"/>
+  </cs:variation>
+  <cs:variation>
+    <a:lumMod val="50000"/>
+    <a:lumOff val="50000"/>
+  </cs:variation>
+</cs:colorStyle>
+</file>
+
+<file path=ppt/charts/colors4.xml><?xml version="1.0" encoding="utf-8"?>
+<cs:colorStyle xmlns:cs="http://schemas.microsoft.com/office/drawing/2012/chartStyle" xmlns:a="http://schemas.openxmlformats.org/drawingml/2006/main" meth="cycle" id="10">
+  <a:schemeClr val="accent1"/>
+  <a:schemeClr val="accent2"/>
+  <a:schemeClr val="accent3"/>
+  <a:schemeClr val="accent4"/>
+  <a:schemeClr val="accent5"/>
+  <a:schemeClr val="accent6"/>
+  <cs:variation/>
+  <cs:variation>
+    <a:lumMod val="60000"/>
+  </cs:variation>
+  <cs:variation>
+    <a:lumMod val="80000"/>
+    <a:lumOff val="20000"/>
+  </cs:variation>
+  <cs:variation>
+    <a:lumMod val="80000"/>
+  </cs:variation>
+  <cs:variation>
+    <a:lumMod val="60000"/>
+    <a:lumOff val="40000"/>
+  </cs:variation>
+  <cs:variation>
+    <a:lumMod val="50000"/>
+  </cs:variation>
+  <cs:variation>
+    <a:lumMod val="70000"/>
+    <a:lumOff val="30000"/>
+  </cs:variation>
+  <cs:variation>
+    <a:lumMod val="70000"/>
+  </cs:variation>
+  <cs:variation>
+    <a:lumMod val="50000"/>
+    <a:lumOff val="50000"/>
+  </cs:variation>
+</cs:colorStyle>
+</file>
+
+<file path=ppt/charts/colors5.xml><?xml version="1.0" encoding="utf-8"?>
 <cs:colorStyle xmlns:cs="http://schemas.microsoft.com/office/drawing/2012/chartStyle" xmlns:a="http://schemas.openxmlformats.org/drawingml/2006/main" meth="cycle" id="10">
   <a:schemeClr val="accent1"/>
   <a:schemeClr val="accent2"/>
@@ -3756,6 +5945,1038 @@
 </file>
 
 <file path=ppt/charts/style3.xml><?xml version="1.0" encoding="utf-8"?>
+<cs:chartStyle xmlns:cs="http://schemas.microsoft.com/office/drawing/2012/chartStyle" xmlns:a="http://schemas.openxmlformats.org/drawingml/2006/main" id="227">
+  <cs:axisTitle>
+    <cs:lnRef idx="0"/>
+    <cs:fillRef idx="0"/>
+    <cs:effectRef idx="0"/>
+    <cs:fontRef idx="minor">
+      <a:schemeClr val="tx1">
+        <a:lumMod val="65000"/>
+        <a:lumOff val="35000"/>
+      </a:schemeClr>
+    </cs:fontRef>
+    <cs:defRPr sz="1000" kern="1200"/>
+  </cs:axisTitle>
+  <cs:categoryAxis>
+    <cs:lnRef idx="0"/>
+    <cs:fillRef idx="0"/>
+    <cs:effectRef idx="0"/>
+    <cs:fontRef idx="minor">
+      <a:schemeClr val="tx1">
+        <a:lumMod val="65000"/>
+        <a:lumOff val="35000"/>
+      </a:schemeClr>
+    </cs:fontRef>
+    <cs:spPr>
+      <a:ln w="9525" cap="flat" cmpd="sng" algn="ctr">
+        <a:solidFill>
+          <a:schemeClr val="tx1">
+            <a:lumMod val="15000"/>
+            <a:lumOff val="85000"/>
+          </a:schemeClr>
+        </a:solidFill>
+        <a:round/>
+      </a:ln>
+    </cs:spPr>
+    <cs:defRPr sz="900" kern="1200"/>
+  </cs:categoryAxis>
+  <cs:chartArea mods="allowNoFillOverride allowNoLineOverride">
+    <cs:lnRef idx="0"/>
+    <cs:fillRef idx="0"/>
+    <cs:effectRef idx="0"/>
+    <cs:fontRef idx="minor">
+      <a:schemeClr val="tx1"/>
+    </cs:fontRef>
+    <cs:spPr>
+      <a:solidFill>
+        <a:schemeClr val="bg1"/>
+      </a:solidFill>
+      <a:ln w="9525" cap="flat" cmpd="sng" algn="ctr">
+        <a:solidFill>
+          <a:schemeClr val="tx1">
+            <a:lumMod val="15000"/>
+            <a:lumOff val="85000"/>
+          </a:schemeClr>
+        </a:solidFill>
+        <a:round/>
+      </a:ln>
+    </cs:spPr>
+    <cs:defRPr sz="1000" kern="1200"/>
+  </cs:chartArea>
+  <cs:dataLabel>
+    <cs:lnRef idx="0"/>
+    <cs:fillRef idx="0"/>
+    <cs:effectRef idx="0"/>
+    <cs:fontRef idx="minor">
+      <a:schemeClr val="tx1">
+        <a:lumMod val="75000"/>
+        <a:lumOff val="25000"/>
+      </a:schemeClr>
+    </cs:fontRef>
+    <cs:defRPr sz="900" kern="1200"/>
+  </cs:dataLabel>
+  <cs:dataLabelCallout>
+    <cs:lnRef idx="0"/>
+    <cs:fillRef idx="0"/>
+    <cs:effectRef idx="0"/>
+    <cs:fontRef idx="minor">
+      <a:schemeClr val="dk1">
+        <a:lumMod val="65000"/>
+        <a:lumOff val="35000"/>
+      </a:schemeClr>
+    </cs:fontRef>
+    <cs:spPr>
+      <a:solidFill>
+        <a:schemeClr val="lt1"/>
+      </a:solidFill>
+      <a:ln>
+        <a:solidFill>
+          <a:schemeClr val="dk1">
+            <a:lumMod val="25000"/>
+            <a:lumOff val="75000"/>
+          </a:schemeClr>
+        </a:solidFill>
+      </a:ln>
+    </cs:spPr>
+    <cs:defRPr sz="900" kern="1200"/>
+    <cs:bodyPr rot="0" spcFirstLastPara="1" vertOverflow="clip" horzOverflow="clip" vert="horz" wrap="square" lIns="36576" tIns="18288" rIns="36576" bIns="18288" anchor="ctr" anchorCtr="1">
+      <a:spAutoFit/>
+    </cs:bodyPr>
+  </cs:dataLabelCallout>
+  <cs:dataPoint>
+    <cs:lnRef idx="0"/>
+    <cs:fillRef idx="1">
+      <cs:styleClr val="auto"/>
+    </cs:fillRef>
+    <cs:effectRef idx="0"/>
+    <cs:fontRef idx="minor">
+      <a:schemeClr val="tx1"/>
+    </cs:fontRef>
+    <cs:spPr>
+      <a:solidFill>
+        <a:schemeClr val="phClr"/>
+      </a:solidFill>
+    </cs:spPr>
+  </cs:dataPoint>
+  <cs:dataPoint3D>
+    <cs:lnRef idx="0"/>
+    <cs:fillRef idx="1">
+      <cs:styleClr val="auto"/>
+    </cs:fillRef>
+    <cs:effectRef idx="0"/>
+    <cs:fontRef idx="minor">
+      <a:schemeClr val="tx1"/>
+    </cs:fontRef>
+    <cs:spPr>
+      <a:solidFill>
+        <a:schemeClr val="phClr"/>
+      </a:solidFill>
+    </cs:spPr>
+  </cs:dataPoint3D>
+  <cs:dataPointLine>
+    <cs:lnRef idx="0">
+      <cs:styleClr val="auto"/>
+    </cs:lnRef>
+    <cs:fillRef idx="1"/>
+    <cs:effectRef idx="0"/>
+    <cs:fontRef idx="minor">
+      <a:schemeClr val="tx1"/>
+    </cs:fontRef>
+    <cs:spPr>
+      <a:ln w="28575" cap="rnd">
+        <a:solidFill>
+          <a:schemeClr val="phClr"/>
+        </a:solidFill>
+        <a:round/>
+      </a:ln>
+    </cs:spPr>
+  </cs:dataPointLine>
+  <cs:dataPointMarker>
+    <cs:lnRef idx="0">
+      <cs:styleClr val="auto"/>
+    </cs:lnRef>
+    <cs:fillRef idx="1">
+      <cs:styleClr val="auto"/>
+    </cs:fillRef>
+    <cs:effectRef idx="0"/>
+    <cs:fontRef idx="minor">
+      <a:schemeClr val="tx1"/>
+    </cs:fontRef>
+    <cs:spPr>
+      <a:solidFill>
+        <a:schemeClr val="phClr"/>
+      </a:solidFill>
+      <a:ln w="9525">
+        <a:solidFill>
+          <a:schemeClr val="phClr"/>
+        </a:solidFill>
+      </a:ln>
+    </cs:spPr>
+  </cs:dataPointMarker>
+  <cs:dataPointMarkerLayout symbol="circle" size="5"/>
+  <cs:dataPointWireframe>
+    <cs:lnRef idx="0">
+      <cs:styleClr val="auto"/>
+    </cs:lnRef>
+    <cs:fillRef idx="1"/>
+    <cs:effectRef idx="0"/>
+    <cs:fontRef idx="minor">
+      <a:schemeClr val="tx1"/>
+    </cs:fontRef>
+    <cs:spPr>
+      <a:ln w="9525" cap="rnd">
+        <a:solidFill>
+          <a:schemeClr val="phClr"/>
+        </a:solidFill>
+        <a:round/>
+      </a:ln>
+    </cs:spPr>
+  </cs:dataPointWireframe>
+  <cs:dataTable>
+    <cs:lnRef idx="0"/>
+    <cs:fillRef idx="0"/>
+    <cs:effectRef idx="0"/>
+    <cs:fontRef idx="minor">
+      <a:schemeClr val="tx1">
+        <a:lumMod val="65000"/>
+        <a:lumOff val="35000"/>
+      </a:schemeClr>
+    </cs:fontRef>
+    <cs:spPr>
+      <a:noFill/>
+      <a:ln w="9525" cap="flat" cmpd="sng" algn="ctr">
+        <a:solidFill>
+          <a:schemeClr val="tx1">
+            <a:lumMod val="15000"/>
+            <a:lumOff val="85000"/>
+          </a:schemeClr>
+        </a:solidFill>
+        <a:round/>
+      </a:ln>
+    </cs:spPr>
+    <cs:defRPr sz="900" kern="1200"/>
+  </cs:dataTable>
+  <cs:downBar>
+    <cs:lnRef idx="0"/>
+    <cs:fillRef idx="0"/>
+    <cs:effectRef idx="0"/>
+    <cs:fontRef idx="minor">
+      <a:schemeClr val="dk1"/>
+    </cs:fontRef>
+    <cs:spPr>
+      <a:solidFill>
+        <a:schemeClr val="dk1">
+          <a:lumMod val="65000"/>
+          <a:lumOff val="35000"/>
+        </a:schemeClr>
+      </a:solidFill>
+      <a:ln w="9525">
+        <a:solidFill>
+          <a:schemeClr val="tx1">
+            <a:lumMod val="65000"/>
+            <a:lumOff val="35000"/>
+          </a:schemeClr>
+        </a:solidFill>
+      </a:ln>
+    </cs:spPr>
+  </cs:downBar>
+  <cs:dropLine>
+    <cs:lnRef idx="0"/>
+    <cs:fillRef idx="0"/>
+    <cs:effectRef idx="0"/>
+    <cs:fontRef idx="minor">
+      <a:schemeClr val="tx1"/>
+    </cs:fontRef>
+    <cs:spPr>
+      <a:ln w="9525" cap="flat" cmpd="sng" algn="ctr">
+        <a:solidFill>
+          <a:schemeClr val="tx1">
+            <a:lumMod val="35000"/>
+            <a:lumOff val="65000"/>
+          </a:schemeClr>
+        </a:solidFill>
+        <a:round/>
+      </a:ln>
+    </cs:spPr>
+  </cs:dropLine>
+  <cs:errorBar>
+    <cs:lnRef idx="0"/>
+    <cs:fillRef idx="0"/>
+    <cs:effectRef idx="0"/>
+    <cs:fontRef idx="minor">
+      <a:schemeClr val="tx1"/>
+    </cs:fontRef>
+    <cs:spPr>
+      <a:ln w="9525" cap="flat" cmpd="sng" algn="ctr">
+        <a:solidFill>
+          <a:schemeClr val="tx1">
+            <a:lumMod val="65000"/>
+            <a:lumOff val="35000"/>
+          </a:schemeClr>
+        </a:solidFill>
+        <a:round/>
+      </a:ln>
+    </cs:spPr>
+  </cs:errorBar>
+  <cs:floor>
+    <cs:lnRef idx="0"/>
+    <cs:fillRef idx="0"/>
+    <cs:effectRef idx="0"/>
+    <cs:fontRef idx="minor">
+      <a:schemeClr val="tx1"/>
+    </cs:fontRef>
+    <cs:spPr>
+      <a:noFill/>
+      <a:ln>
+        <a:noFill/>
+      </a:ln>
+    </cs:spPr>
+  </cs:floor>
+  <cs:gridlineMajor>
+    <cs:lnRef idx="0"/>
+    <cs:fillRef idx="0"/>
+    <cs:effectRef idx="0"/>
+    <cs:fontRef idx="minor">
+      <a:schemeClr val="tx1"/>
+    </cs:fontRef>
+    <cs:spPr>
+      <a:ln w="9525" cap="flat" cmpd="sng" algn="ctr">
+        <a:solidFill>
+          <a:schemeClr val="tx1">
+            <a:lumMod val="15000"/>
+            <a:lumOff val="85000"/>
+          </a:schemeClr>
+        </a:solidFill>
+        <a:round/>
+      </a:ln>
+    </cs:spPr>
+  </cs:gridlineMajor>
+  <cs:gridlineMinor>
+    <cs:lnRef idx="0"/>
+    <cs:fillRef idx="0"/>
+    <cs:effectRef idx="0"/>
+    <cs:fontRef idx="minor">
+      <a:schemeClr val="tx1"/>
+    </cs:fontRef>
+    <cs:spPr>
+      <a:ln w="9525" cap="flat" cmpd="sng" algn="ctr">
+        <a:solidFill>
+          <a:schemeClr val="tx1">
+            <a:lumMod val="5000"/>
+            <a:lumOff val="95000"/>
+          </a:schemeClr>
+        </a:solidFill>
+        <a:round/>
+      </a:ln>
+    </cs:spPr>
+  </cs:gridlineMinor>
+  <cs:hiLoLine>
+    <cs:lnRef idx="0"/>
+    <cs:fillRef idx="0"/>
+    <cs:effectRef idx="0"/>
+    <cs:fontRef idx="minor">
+      <a:schemeClr val="tx1"/>
+    </cs:fontRef>
+    <cs:spPr>
+      <a:ln w="9525" cap="flat" cmpd="sng" algn="ctr">
+        <a:solidFill>
+          <a:schemeClr val="tx1">
+            <a:lumMod val="75000"/>
+            <a:lumOff val="25000"/>
+          </a:schemeClr>
+        </a:solidFill>
+        <a:round/>
+      </a:ln>
+    </cs:spPr>
+  </cs:hiLoLine>
+  <cs:leaderLine>
+    <cs:lnRef idx="0"/>
+    <cs:fillRef idx="0"/>
+    <cs:effectRef idx="0"/>
+    <cs:fontRef idx="minor">
+      <a:schemeClr val="tx1"/>
+    </cs:fontRef>
+    <cs:spPr>
+      <a:ln w="9525" cap="flat" cmpd="sng" algn="ctr">
+        <a:solidFill>
+          <a:schemeClr val="tx1">
+            <a:lumMod val="35000"/>
+            <a:lumOff val="65000"/>
+          </a:schemeClr>
+        </a:solidFill>
+        <a:round/>
+      </a:ln>
+    </cs:spPr>
+  </cs:leaderLine>
+  <cs:legend>
+    <cs:lnRef idx="0"/>
+    <cs:fillRef idx="0"/>
+    <cs:effectRef idx="0"/>
+    <cs:fontRef idx="minor">
+      <a:schemeClr val="tx1">
+        <a:lumMod val="65000"/>
+        <a:lumOff val="35000"/>
+      </a:schemeClr>
+    </cs:fontRef>
+    <cs:defRPr sz="900" kern="1200"/>
+  </cs:legend>
+  <cs:plotArea mods="allowNoFillOverride allowNoLineOverride">
+    <cs:lnRef idx="0"/>
+    <cs:fillRef idx="0"/>
+    <cs:effectRef idx="0"/>
+    <cs:fontRef idx="minor">
+      <a:schemeClr val="tx1"/>
+    </cs:fontRef>
+  </cs:plotArea>
+  <cs:plotArea3D mods="allowNoFillOverride allowNoLineOverride">
+    <cs:lnRef idx="0"/>
+    <cs:fillRef idx="0"/>
+    <cs:effectRef idx="0"/>
+    <cs:fontRef idx="minor">
+      <a:schemeClr val="tx1"/>
+    </cs:fontRef>
+  </cs:plotArea3D>
+  <cs:seriesAxis>
+    <cs:lnRef idx="0"/>
+    <cs:fillRef idx="0"/>
+    <cs:effectRef idx="0"/>
+    <cs:fontRef idx="minor">
+      <a:schemeClr val="tx1">
+        <a:lumMod val="65000"/>
+        <a:lumOff val="35000"/>
+      </a:schemeClr>
+    </cs:fontRef>
+    <cs:defRPr sz="900" kern="1200"/>
+  </cs:seriesAxis>
+  <cs:seriesLine>
+    <cs:lnRef idx="0"/>
+    <cs:fillRef idx="0"/>
+    <cs:effectRef idx="0"/>
+    <cs:fontRef idx="minor">
+      <a:schemeClr val="tx1"/>
+    </cs:fontRef>
+    <cs:spPr>
+      <a:ln w="9525" cap="flat" cmpd="sng" algn="ctr">
+        <a:solidFill>
+          <a:schemeClr val="tx1">
+            <a:lumMod val="35000"/>
+            <a:lumOff val="65000"/>
+          </a:schemeClr>
+        </a:solidFill>
+        <a:round/>
+      </a:ln>
+    </cs:spPr>
+  </cs:seriesLine>
+  <cs:title>
+    <cs:lnRef idx="0"/>
+    <cs:fillRef idx="0"/>
+    <cs:effectRef idx="0"/>
+    <cs:fontRef idx="minor">
+      <a:schemeClr val="tx1">
+        <a:lumMod val="65000"/>
+        <a:lumOff val="35000"/>
+      </a:schemeClr>
+    </cs:fontRef>
+    <cs:defRPr sz="1400" b="0" kern="1200" spc="0" baseline="0"/>
+  </cs:title>
+  <cs:trendline>
+    <cs:lnRef idx="0">
+      <cs:styleClr val="auto"/>
+    </cs:lnRef>
+    <cs:fillRef idx="0"/>
+    <cs:effectRef idx="0"/>
+    <cs:fontRef idx="minor">
+      <a:schemeClr val="tx1"/>
+    </cs:fontRef>
+    <cs:spPr>
+      <a:ln w="19050" cap="rnd">
+        <a:solidFill>
+          <a:schemeClr val="phClr"/>
+        </a:solidFill>
+        <a:prstDash val="sysDot"/>
+      </a:ln>
+    </cs:spPr>
+  </cs:trendline>
+  <cs:trendlineLabel>
+    <cs:lnRef idx="0"/>
+    <cs:fillRef idx="0"/>
+    <cs:effectRef idx="0"/>
+    <cs:fontRef idx="minor">
+      <a:schemeClr val="tx1">
+        <a:lumMod val="65000"/>
+        <a:lumOff val="35000"/>
+      </a:schemeClr>
+    </cs:fontRef>
+    <cs:defRPr sz="900" kern="1200"/>
+  </cs:trendlineLabel>
+  <cs:upBar>
+    <cs:lnRef idx="0"/>
+    <cs:fillRef idx="0"/>
+    <cs:effectRef idx="0"/>
+    <cs:fontRef idx="minor">
+      <a:schemeClr val="dk1"/>
+    </cs:fontRef>
+    <cs:spPr>
+      <a:solidFill>
+        <a:schemeClr val="lt1"/>
+      </a:solidFill>
+      <a:ln w="9525">
+        <a:solidFill>
+          <a:schemeClr val="tx1">
+            <a:lumMod val="15000"/>
+            <a:lumOff val="85000"/>
+          </a:schemeClr>
+        </a:solidFill>
+      </a:ln>
+    </cs:spPr>
+  </cs:upBar>
+  <cs:valueAxis>
+    <cs:lnRef idx="0"/>
+    <cs:fillRef idx="0"/>
+    <cs:effectRef idx="0"/>
+    <cs:fontRef idx="minor">
+      <a:schemeClr val="tx1">
+        <a:lumMod val="65000"/>
+        <a:lumOff val="35000"/>
+      </a:schemeClr>
+    </cs:fontRef>
+    <cs:defRPr sz="900" kern="1200"/>
+  </cs:valueAxis>
+  <cs:wall>
+    <cs:lnRef idx="0"/>
+    <cs:fillRef idx="0"/>
+    <cs:effectRef idx="0"/>
+    <cs:fontRef idx="minor">
+      <a:schemeClr val="tx1"/>
+    </cs:fontRef>
+    <cs:spPr>
+      <a:noFill/>
+      <a:ln>
+        <a:noFill/>
+      </a:ln>
+    </cs:spPr>
+  </cs:wall>
+</cs:chartStyle>
+</file>
+
+<file path=ppt/charts/style4.xml><?xml version="1.0" encoding="utf-8"?>
+<cs:chartStyle xmlns:cs="http://schemas.microsoft.com/office/drawing/2012/chartStyle" xmlns:a="http://schemas.openxmlformats.org/drawingml/2006/main" id="240">
+  <cs:axisTitle>
+    <cs:lnRef idx="0"/>
+    <cs:fillRef idx="0"/>
+    <cs:effectRef idx="0"/>
+    <cs:fontRef idx="minor">
+      <a:schemeClr val="tx1">
+        <a:lumMod val="65000"/>
+        <a:lumOff val="35000"/>
+      </a:schemeClr>
+    </cs:fontRef>
+    <cs:defRPr sz="1000" kern="1200"/>
+  </cs:axisTitle>
+  <cs:categoryAxis>
+    <cs:lnRef idx="0"/>
+    <cs:fillRef idx="0"/>
+    <cs:effectRef idx="0"/>
+    <cs:fontRef idx="minor">
+      <a:schemeClr val="tx1">
+        <a:lumMod val="65000"/>
+        <a:lumOff val="35000"/>
+      </a:schemeClr>
+    </cs:fontRef>
+    <cs:spPr>
+      <a:ln w="9525" cap="flat" cmpd="sng" algn="ctr">
+        <a:solidFill>
+          <a:schemeClr val="tx1">
+            <a:lumMod val="25000"/>
+            <a:lumOff val="75000"/>
+          </a:schemeClr>
+        </a:solidFill>
+        <a:round/>
+      </a:ln>
+    </cs:spPr>
+    <cs:defRPr sz="900" kern="1200"/>
+  </cs:categoryAxis>
+  <cs:chartArea mods="allowNoFillOverride allowNoLineOverride">
+    <cs:lnRef idx="0"/>
+    <cs:fillRef idx="0"/>
+    <cs:effectRef idx="0"/>
+    <cs:fontRef idx="minor">
+      <a:schemeClr val="tx1"/>
+    </cs:fontRef>
+    <cs:spPr>
+      <a:solidFill>
+        <a:schemeClr val="bg1"/>
+      </a:solidFill>
+      <a:ln w="9525" cap="flat" cmpd="sng" algn="ctr">
+        <a:solidFill>
+          <a:schemeClr val="tx1">
+            <a:lumMod val="15000"/>
+            <a:lumOff val="85000"/>
+          </a:schemeClr>
+        </a:solidFill>
+        <a:round/>
+      </a:ln>
+    </cs:spPr>
+    <cs:defRPr sz="1000" kern="1200"/>
+  </cs:chartArea>
+  <cs:dataLabel>
+    <cs:lnRef idx="0"/>
+    <cs:fillRef idx="0"/>
+    <cs:effectRef idx="0"/>
+    <cs:fontRef idx="minor">
+      <a:schemeClr val="tx1">
+        <a:lumMod val="75000"/>
+        <a:lumOff val="25000"/>
+      </a:schemeClr>
+    </cs:fontRef>
+    <cs:defRPr sz="900" kern="1200"/>
+  </cs:dataLabel>
+  <cs:dataLabelCallout>
+    <cs:lnRef idx="0"/>
+    <cs:fillRef idx="0"/>
+    <cs:effectRef idx="0"/>
+    <cs:fontRef idx="minor">
+      <a:schemeClr val="dk1">
+        <a:lumMod val="65000"/>
+        <a:lumOff val="35000"/>
+      </a:schemeClr>
+    </cs:fontRef>
+    <cs:spPr>
+      <a:solidFill>
+        <a:schemeClr val="lt1"/>
+      </a:solidFill>
+      <a:ln>
+        <a:solidFill>
+          <a:schemeClr val="dk1">
+            <a:lumMod val="25000"/>
+            <a:lumOff val="75000"/>
+          </a:schemeClr>
+        </a:solidFill>
+      </a:ln>
+    </cs:spPr>
+    <cs:defRPr sz="900" kern="1200"/>
+    <cs:bodyPr rot="0" spcFirstLastPara="1" vertOverflow="clip" horzOverflow="clip" vert="horz" wrap="square" lIns="36576" tIns="18288" rIns="36576" bIns="18288" anchor="ctr" anchorCtr="1">
+      <a:spAutoFit/>
+    </cs:bodyPr>
+  </cs:dataLabelCallout>
+  <cs:dataPoint>
+    <cs:lnRef idx="0"/>
+    <cs:fillRef idx="1">
+      <cs:styleClr val="auto"/>
+    </cs:fillRef>
+    <cs:effectRef idx="0"/>
+    <cs:fontRef idx="minor">
+      <a:schemeClr val="tx1"/>
+    </cs:fontRef>
+  </cs:dataPoint>
+  <cs:dataPoint3D>
+    <cs:lnRef idx="0"/>
+    <cs:fillRef idx="1">
+      <cs:styleClr val="auto"/>
+    </cs:fillRef>
+    <cs:effectRef idx="0"/>
+    <cs:fontRef idx="minor">
+      <a:schemeClr val="tx1"/>
+    </cs:fontRef>
+  </cs:dataPoint3D>
+  <cs:dataPointLine>
+    <cs:lnRef idx="0">
+      <cs:styleClr val="auto"/>
+    </cs:lnRef>
+    <cs:fillRef idx="1"/>
+    <cs:effectRef idx="0"/>
+    <cs:fontRef idx="minor">
+      <a:schemeClr val="tx1"/>
+    </cs:fontRef>
+    <cs:spPr>
+      <a:ln w="19050" cap="rnd">
+        <a:solidFill>
+          <a:schemeClr val="phClr"/>
+        </a:solidFill>
+        <a:round/>
+      </a:ln>
+    </cs:spPr>
+  </cs:dataPointLine>
+  <cs:dataPointMarker>
+    <cs:lnRef idx="0">
+      <cs:styleClr val="auto"/>
+    </cs:lnRef>
+    <cs:fillRef idx="1">
+      <cs:styleClr val="auto"/>
+    </cs:fillRef>
+    <cs:effectRef idx="0"/>
+    <cs:fontRef idx="minor">
+      <a:schemeClr val="tx1"/>
+    </cs:fontRef>
+    <cs:spPr>
+      <a:ln w="9525">
+        <a:solidFill>
+          <a:schemeClr val="phClr"/>
+        </a:solidFill>
+      </a:ln>
+    </cs:spPr>
+  </cs:dataPointMarker>
+  <cs:dataPointMarkerLayout symbol="circle" size="5"/>
+  <cs:dataPointWireframe>
+    <cs:lnRef idx="0">
+      <cs:styleClr val="auto"/>
+    </cs:lnRef>
+    <cs:fillRef idx="0"/>
+    <cs:effectRef idx="0"/>
+    <cs:fontRef idx="minor">
+      <a:schemeClr val="dk1"/>
+    </cs:fontRef>
+    <cs:spPr>
+      <a:ln w="9525" cap="rnd">
+        <a:solidFill>
+          <a:schemeClr val="phClr"/>
+        </a:solidFill>
+        <a:round/>
+      </a:ln>
+    </cs:spPr>
+  </cs:dataPointWireframe>
+  <cs:dataTable>
+    <cs:lnRef idx="0"/>
+    <cs:fillRef idx="0"/>
+    <cs:effectRef idx="0"/>
+    <cs:fontRef idx="minor">
+      <a:schemeClr val="tx1">
+        <a:lumMod val="65000"/>
+        <a:lumOff val="35000"/>
+      </a:schemeClr>
+    </cs:fontRef>
+    <cs:spPr>
+      <a:noFill/>
+      <a:ln w="9525" cap="flat" cmpd="sng" algn="ctr">
+        <a:solidFill>
+          <a:schemeClr val="tx1">
+            <a:lumMod val="15000"/>
+            <a:lumOff val="85000"/>
+          </a:schemeClr>
+        </a:solidFill>
+        <a:round/>
+      </a:ln>
+    </cs:spPr>
+    <cs:defRPr sz="900" kern="1200"/>
+  </cs:dataTable>
+  <cs:downBar>
+    <cs:lnRef idx="0"/>
+    <cs:fillRef idx="0"/>
+    <cs:effectRef idx="0"/>
+    <cs:fontRef idx="minor">
+      <a:schemeClr val="tx1"/>
+    </cs:fontRef>
+    <cs:spPr>
+      <a:solidFill>
+        <a:schemeClr val="dk1">
+          <a:lumMod val="75000"/>
+          <a:lumOff val="25000"/>
+        </a:schemeClr>
+      </a:solidFill>
+      <a:ln w="9525" cap="flat" cmpd="sng" algn="ctr">
+        <a:solidFill>
+          <a:schemeClr val="tx1">
+            <a:lumMod val="65000"/>
+            <a:lumOff val="35000"/>
+          </a:schemeClr>
+        </a:solidFill>
+        <a:round/>
+      </a:ln>
+    </cs:spPr>
+  </cs:downBar>
+  <cs:dropLine>
+    <cs:lnRef idx="0"/>
+    <cs:fillRef idx="0"/>
+    <cs:effectRef idx="0"/>
+    <cs:fontRef idx="minor">
+      <a:schemeClr val="tx1"/>
+    </cs:fontRef>
+    <cs:spPr>
+      <a:ln w="9525" cap="flat" cmpd="sng" algn="ctr">
+        <a:solidFill>
+          <a:schemeClr val="tx1">
+            <a:lumMod val="35000"/>
+            <a:lumOff val="65000"/>
+          </a:schemeClr>
+        </a:solidFill>
+        <a:round/>
+      </a:ln>
+    </cs:spPr>
+  </cs:dropLine>
+  <cs:errorBar>
+    <cs:lnRef idx="0"/>
+    <cs:fillRef idx="0"/>
+    <cs:effectRef idx="0"/>
+    <cs:fontRef idx="minor">
+      <a:schemeClr val="tx1"/>
+    </cs:fontRef>
+    <cs:spPr>
+      <a:ln w="9525" cap="flat" cmpd="sng" algn="ctr">
+        <a:solidFill>
+          <a:schemeClr val="tx1">
+            <a:lumMod val="65000"/>
+            <a:lumOff val="35000"/>
+          </a:schemeClr>
+        </a:solidFill>
+        <a:round/>
+      </a:ln>
+    </cs:spPr>
+  </cs:errorBar>
+  <cs:floor>
+    <cs:lnRef idx="0"/>
+    <cs:fillRef idx="0"/>
+    <cs:effectRef idx="0"/>
+    <cs:fontRef idx="minor">
+      <a:schemeClr val="tx1"/>
+    </cs:fontRef>
+    <cs:spPr>
+      <a:noFill/>
+      <a:ln>
+        <a:noFill/>
+      </a:ln>
+    </cs:spPr>
+  </cs:floor>
+  <cs:gridlineMajor>
+    <cs:lnRef idx="0"/>
+    <cs:fillRef idx="0"/>
+    <cs:effectRef idx="0"/>
+    <cs:fontRef idx="minor">
+      <a:schemeClr val="tx1"/>
+    </cs:fontRef>
+    <cs:spPr>
+      <a:ln w="9525" cap="flat" cmpd="sng" algn="ctr">
+        <a:solidFill>
+          <a:schemeClr val="tx1">
+            <a:lumMod val="15000"/>
+            <a:lumOff val="85000"/>
+          </a:schemeClr>
+        </a:solidFill>
+        <a:round/>
+      </a:ln>
+    </cs:spPr>
+  </cs:gridlineMajor>
+  <cs:gridlineMinor>
+    <cs:lnRef idx="0"/>
+    <cs:fillRef idx="0"/>
+    <cs:effectRef idx="0"/>
+    <cs:fontRef idx="minor">
+      <a:schemeClr val="tx1"/>
+    </cs:fontRef>
+    <cs:spPr>
+      <a:ln w="9525" cap="flat" cmpd="sng" algn="ctr">
+        <a:solidFill>
+          <a:schemeClr val="tx1">
+            <a:lumMod val="5000"/>
+            <a:lumOff val="95000"/>
+          </a:schemeClr>
+        </a:solidFill>
+        <a:round/>
+      </a:ln>
+    </cs:spPr>
+  </cs:gridlineMinor>
+  <cs:hiLoLine>
+    <cs:lnRef idx="0"/>
+    <cs:fillRef idx="0"/>
+    <cs:effectRef idx="0"/>
+    <cs:fontRef idx="minor">
+      <a:schemeClr val="tx1"/>
+    </cs:fontRef>
+    <cs:spPr>
+      <a:ln w="9525" cap="flat" cmpd="sng" algn="ctr">
+        <a:solidFill>
+          <a:schemeClr val="tx1">
+            <a:lumMod val="50000"/>
+            <a:lumOff val="50000"/>
+          </a:schemeClr>
+        </a:solidFill>
+        <a:round/>
+      </a:ln>
+    </cs:spPr>
+  </cs:hiLoLine>
+  <cs:leaderLine>
+    <cs:lnRef idx="0"/>
+    <cs:fillRef idx="0"/>
+    <cs:effectRef idx="0"/>
+    <cs:fontRef idx="minor">
+      <a:schemeClr val="tx1"/>
+    </cs:fontRef>
+    <cs:spPr>
+      <a:ln w="9525" cap="flat" cmpd="sng" algn="ctr">
+        <a:solidFill>
+          <a:schemeClr val="tx1">
+            <a:lumMod val="35000"/>
+            <a:lumOff val="65000"/>
+          </a:schemeClr>
+        </a:solidFill>
+        <a:round/>
+      </a:ln>
+    </cs:spPr>
+  </cs:leaderLine>
+  <cs:legend>
+    <cs:lnRef idx="0"/>
+    <cs:fillRef idx="0"/>
+    <cs:effectRef idx="0"/>
+    <cs:fontRef idx="minor">
+      <a:schemeClr val="tx1">
+        <a:lumMod val="65000"/>
+        <a:lumOff val="35000"/>
+      </a:schemeClr>
+    </cs:fontRef>
+    <cs:defRPr sz="900" kern="1200"/>
+  </cs:legend>
+  <cs:plotArea mods="allowNoFillOverride allowNoLineOverride">
+    <cs:lnRef idx="0"/>
+    <cs:fillRef idx="0"/>
+    <cs:effectRef idx="0"/>
+    <cs:fontRef idx="minor">
+      <a:schemeClr val="tx1"/>
+    </cs:fontRef>
+  </cs:plotArea>
+  <cs:plotArea3D mods="allowNoFillOverride allowNoLineOverride">
+    <cs:lnRef idx="0"/>
+    <cs:fillRef idx="0"/>
+    <cs:effectRef idx="0"/>
+    <cs:fontRef idx="minor">
+      <a:schemeClr val="tx1"/>
+    </cs:fontRef>
+  </cs:plotArea3D>
+  <cs:seriesAxis>
+    <cs:lnRef idx="0"/>
+    <cs:fillRef idx="0"/>
+    <cs:effectRef idx="0"/>
+    <cs:fontRef idx="minor">
+      <a:schemeClr val="tx1">
+        <a:lumMod val="65000"/>
+        <a:lumOff val="35000"/>
+      </a:schemeClr>
+    </cs:fontRef>
+    <cs:defRPr sz="900" kern="1200"/>
+  </cs:seriesAxis>
+  <cs:seriesLine>
+    <cs:lnRef idx="0"/>
+    <cs:fillRef idx="0"/>
+    <cs:effectRef idx="0"/>
+    <cs:fontRef idx="minor">
+      <a:schemeClr val="tx1"/>
+    </cs:fontRef>
+    <cs:spPr>
+      <a:ln w="9525" cap="flat" cmpd="sng" algn="ctr">
+        <a:solidFill>
+          <a:schemeClr val="tx1">
+            <a:lumMod val="35000"/>
+            <a:lumOff val="65000"/>
+          </a:schemeClr>
+        </a:solidFill>
+        <a:round/>
+      </a:ln>
+    </cs:spPr>
+  </cs:seriesLine>
+  <cs:title>
+    <cs:lnRef idx="0"/>
+    <cs:fillRef idx="0"/>
+    <cs:effectRef idx="0"/>
+    <cs:fontRef idx="minor">
+      <a:schemeClr val="tx1">
+        <a:lumMod val="65000"/>
+        <a:lumOff val="35000"/>
+      </a:schemeClr>
+    </cs:fontRef>
+    <cs:defRPr sz="1400" b="0" kern="1200" spc="0" baseline="0"/>
+  </cs:title>
+  <cs:trendline>
+    <cs:lnRef idx="0">
+      <cs:styleClr val="auto"/>
+    </cs:lnRef>
+    <cs:fillRef idx="0"/>
+    <cs:effectRef idx="0"/>
+    <cs:fontRef idx="minor">
+      <a:schemeClr val="tx1"/>
+    </cs:fontRef>
+    <cs:spPr>
+      <a:ln w="19050" cap="rnd">
+        <a:solidFill>
+          <a:schemeClr val="phClr"/>
+        </a:solidFill>
+        <a:prstDash val="sysDot"/>
+      </a:ln>
+    </cs:spPr>
+  </cs:trendline>
+  <cs:trendlineLabel>
+    <cs:lnRef idx="0"/>
+    <cs:fillRef idx="0"/>
+    <cs:effectRef idx="0"/>
+    <cs:fontRef idx="minor">
+      <a:schemeClr val="tx1">
+        <a:lumMod val="65000"/>
+        <a:lumOff val="35000"/>
+      </a:schemeClr>
+    </cs:fontRef>
+    <cs:defRPr sz="900" kern="1200"/>
+  </cs:trendlineLabel>
+  <cs:upBar>
+    <cs:lnRef idx="0"/>
+    <cs:fillRef idx="0"/>
+    <cs:effectRef idx="0"/>
+    <cs:fontRef idx="minor">
+      <a:schemeClr val="tx1"/>
+    </cs:fontRef>
+    <cs:spPr>
+      <a:solidFill>
+        <a:schemeClr val="lt1"/>
+      </a:solidFill>
+      <a:ln w="9525" cap="flat" cmpd="sng" algn="ctr">
+        <a:solidFill>
+          <a:schemeClr val="tx1">
+            <a:lumMod val="65000"/>
+            <a:lumOff val="35000"/>
+          </a:schemeClr>
+        </a:solidFill>
+        <a:round/>
+      </a:ln>
+    </cs:spPr>
+  </cs:upBar>
+  <cs:valueAxis>
+    <cs:lnRef idx="0"/>
+    <cs:fillRef idx="0"/>
+    <cs:effectRef idx="0"/>
+    <cs:fontRef idx="minor">
+      <a:schemeClr val="tx1">
+        <a:lumMod val="65000"/>
+        <a:lumOff val="35000"/>
+      </a:schemeClr>
+    </cs:fontRef>
+    <cs:spPr>
+      <a:ln w="9525" cap="flat" cmpd="sng" algn="ctr">
+        <a:solidFill>
+          <a:schemeClr val="tx1">
+            <a:lumMod val="25000"/>
+            <a:lumOff val="75000"/>
+          </a:schemeClr>
+        </a:solidFill>
+        <a:round/>
+      </a:ln>
+    </cs:spPr>
+    <cs:defRPr sz="900" kern="1200"/>
+  </cs:valueAxis>
+  <cs:wall>
+    <cs:lnRef idx="0"/>
+    <cs:fillRef idx="0"/>
+    <cs:effectRef idx="0"/>
+    <cs:fontRef idx="minor">
+      <a:schemeClr val="tx1"/>
+    </cs:fontRef>
+    <cs:spPr>
+      <a:noFill/>
+      <a:ln>
+        <a:noFill/>
+      </a:ln>
+    </cs:spPr>
+  </cs:wall>
+</cs:chartStyle>
+</file>
+
+<file path=ppt/charts/style5.xml><?xml version="1.0" encoding="utf-8"?>
 <cs:chartStyle xmlns:cs="http://schemas.microsoft.com/office/drawing/2012/chartStyle" xmlns:a="http://schemas.openxmlformats.org/drawingml/2006/main" id="240">
   <cs:axisTitle>
     <cs:lnRef idx="0"/>
@@ -7434,6 +10655,194 @@
       </p:grpSpPr>
       <p:sp>
         <p:nvSpPr>
+          <p:cNvPr id="2" name="Titel 1">
+            <a:extLst>
+              <a:ext uri="{FF2B5EF4-FFF2-40B4-BE49-F238E27FC236}">
+                <a16:creationId xmlns:a16="http://schemas.microsoft.com/office/drawing/2014/main" id="{C38FD5C6-56C4-4024-A216-5EFE33CF6ED4}"/>
+              </a:ext>
+            </a:extLst>
+          </p:cNvPr>
+          <p:cNvSpPr>
+            <a:spLocks noGrp="1"/>
+          </p:cNvSpPr>
+          <p:nvPr>
+            <p:ph type="title"/>
+          </p:nvPr>
+        </p:nvSpPr>
+        <p:spPr/>
+        <p:txBody>
+          <a:bodyPr/>
+          <a:lstStyle/>
+          <a:p>
+            <a:r>
+              <a:rPr lang="de-DE"/>
+              <a:t>Messungen Hash-Grid Aufbau</a:t>
+            </a:r>
+            <a:endParaRPr lang="de-DE" dirty="0"/>
+          </a:p>
+        </p:txBody>
+      </p:sp>
+      <p:sp>
+        <p:nvSpPr>
+          <p:cNvPr id="4" name="Datumsplatzhalter 3">
+            <a:extLst>
+              <a:ext uri="{FF2B5EF4-FFF2-40B4-BE49-F238E27FC236}">
+                <a16:creationId xmlns:a16="http://schemas.microsoft.com/office/drawing/2014/main" id="{F210AD21-4B6D-4D3B-805D-A78A9BFF42D3}"/>
+              </a:ext>
+            </a:extLst>
+          </p:cNvPr>
+          <p:cNvSpPr>
+            <a:spLocks noGrp="1"/>
+          </p:cNvSpPr>
+          <p:nvPr>
+            <p:ph type="dt" sz="half" idx="10"/>
+          </p:nvPr>
+        </p:nvSpPr>
+        <p:spPr/>
+        <p:txBody>
+          <a:bodyPr/>
+          <a:lstStyle/>
+          <a:p>
+            <a:r>
+              <a:rPr lang="de-DE" dirty="0"/>
+              <a:t>23.01.2018</a:t>
+            </a:r>
+          </a:p>
+        </p:txBody>
+      </p:sp>
+      <p:sp>
+        <p:nvSpPr>
+          <p:cNvPr id="5" name="Fußzeilenplatzhalter 4">
+            <a:extLst>
+              <a:ext uri="{FF2B5EF4-FFF2-40B4-BE49-F238E27FC236}">
+                <a16:creationId xmlns:a16="http://schemas.microsoft.com/office/drawing/2014/main" id="{7567A8A2-0ADB-4D8F-A40D-AFF7FE01519C}"/>
+              </a:ext>
+            </a:extLst>
+          </p:cNvPr>
+          <p:cNvSpPr>
+            <a:spLocks noGrp="1"/>
+          </p:cNvSpPr>
+          <p:nvPr>
+            <p:ph type="ftr" sz="quarter" idx="11"/>
+          </p:nvPr>
+        </p:nvSpPr>
+        <p:spPr/>
+        <p:txBody>
+          <a:bodyPr/>
+          <a:lstStyle/>
+          <a:p>
+            <a:r>
+              <a:rPr lang="en-US" dirty="0"/>
+              <a:t>Hash-Grid </a:t>
+            </a:r>
+            <a:r>
+              <a:rPr lang="en-US" dirty="0" err="1"/>
+              <a:t>mit</a:t>
+            </a:r>
+            <a:r>
+              <a:rPr lang="en-US" dirty="0"/>
+              <a:t> </a:t>
+            </a:r>
+            <a:r>
+              <a:rPr lang="en-US" dirty="0" err="1"/>
+              <a:t>Cuda</a:t>
+            </a:r>
+            <a:endParaRPr lang="de-DE" dirty="0"/>
+          </a:p>
+        </p:txBody>
+      </p:sp>
+      <p:sp>
+        <p:nvSpPr>
+          <p:cNvPr id="6" name="Foliennummernplatzhalter 5">
+            <a:extLst>
+              <a:ext uri="{FF2B5EF4-FFF2-40B4-BE49-F238E27FC236}">
+                <a16:creationId xmlns:a16="http://schemas.microsoft.com/office/drawing/2014/main" id="{BD525DF0-70F7-4ACE-8A40-2DCCB8464C37}"/>
+              </a:ext>
+            </a:extLst>
+          </p:cNvPr>
+          <p:cNvSpPr>
+            <a:spLocks noGrp="1"/>
+          </p:cNvSpPr>
+          <p:nvPr>
+            <p:ph type="sldNum" sz="quarter" idx="12"/>
+          </p:nvPr>
+        </p:nvSpPr>
+        <p:spPr/>
+        <p:txBody>
+          <a:bodyPr/>
+          <a:lstStyle/>
+          <a:p>
+            <a:fld id="{B84403B3-73A0-4FC3-A73F-428D462C922D}" type="slidenum">
+              <a:rPr lang="de-DE" smtClean="0"/>
+              <a:pPr/>
+              <a:t>10</a:t>
+            </a:fld>
+            <a:endParaRPr lang="de-DE" dirty="0"/>
+          </a:p>
+        </p:txBody>
+      </p:sp>
+      <p:graphicFrame>
+        <p:nvGraphicFramePr>
+          <p:cNvPr id="7" name="Diagramm 6">
+            <a:extLst>
+              <a:ext uri="{FF2B5EF4-FFF2-40B4-BE49-F238E27FC236}">
+                <a16:creationId xmlns:a16="http://schemas.microsoft.com/office/drawing/2014/main" id="{DC556FEC-B9AB-4CFA-A31C-AD65105837DD}"/>
+              </a:ext>
+            </a:extLst>
+          </p:cNvPr>
+          <p:cNvGraphicFramePr>
+            <a:graphicFrameLocks/>
+          </p:cNvGraphicFramePr>
+          <p:nvPr>
+            <p:extLst>
+              <p:ext uri="{D42A27DB-BD31-4B8C-83A1-F6EECF244321}">
+                <p14:modId xmlns:p14="http://schemas.microsoft.com/office/powerpoint/2010/main" val="2404073762"/>
+              </p:ext>
+            </p:extLst>
+          </p:nvPr>
+        </p:nvGraphicFramePr>
+        <p:xfrm>
+          <a:off x="47328" y="1134773"/>
+          <a:ext cx="11953328" cy="4958523"/>
+        </p:xfrm>
+        <a:graphic>
+          <a:graphicData uri="http://schemas.openxmlformats.org/drawingml/2006/chart">
+            <c:chart xmlns:c="http://schemas.openxmlformats.org/drawingml/2006/chart" xmlns:r="http://schemas.openxmlformats.org/officeDocument/2006/relationships" r:id="rId2"/>
+          </a:graphicData>
+        </a:graphic>
+      </p:graphicFrame>
+    </p:spTree>
+    <p:extLst>
+      <p:ext uri="{BB962C8B-B14F-4D97-AF65-F5344CB8AC3E}">
+        <p14:creationId xmlns:p14="http://schemas.microsoft.com/office/powerpoint/2010/main" val="3370589006"/>
+      </p:ext>
+    </p:extLst>
+  </p:cSld>
+  <p:clrMapOvr>
+    <a:masterClrMapping/>
+  </p:clrMapOvr>
+</p:sld>
+</file>
+
+<file path=ppt/slides/slide11.xml><?xml version="1.0" encoding="utf-8"?>
+<p:sld xmlns:a="http://schemas.openxmlformats.org/drawingml/2006/main" xmlns:r="http://schemas.openxmlformats.org/officeDocument/2006/relationships" xmlns:p="http://schemas.openxmlformats.org/presentationml/2006/main">
+  <p:cSld>
+    <p:spTree>
+      <p:nvGrpSpPr>
+        <p:cNvPr id="1" name=""/>
+        <p:cNvGrpSpPr/>
+        <p:nvPr/>
+      </p:nvGrpSpPr>
+      <p:grpSpPr>
+        <a:xfrm>
+          <a:off x="0" y="0"/>
+          <a:ext cx="0" cy="0"/>
+          <a:chOff x="0" y="0"/>
+          <a:chExt cx="0" cy="0"/>
+        </a:xfrm>
+      </p:grpSpPr>
+      <p:sp>
+        <p:nvSpPr>
           <p:cNvPr id="167" name="Rechteck 166">
             <a:extLst>
               <a:ext uri="{FF2B5EF4-FFF2-40B4-BE49-F238E27FC236}">
@@ -8486,7 +11895,7 @@
             <a:fld id="{B84403B3-73A0-4FC3-A73F-428D462C922D}" type="slidenum">
               <a:rPr lang="de-DE" smtClean="0"/>
               <a:pPr/>
-              <a:t>10</a:t>
+              <a:t>11</a:t>
             </a:fld>
             <a:endParaRPr lang="de-DE" dirty="0"/>
           </a:p>
@@ -13315,7 +16724,605 @@
 </p:sld>
 </file>
 
-<file path=ppt/slides/slide11.xml><?xml version="1.0" encoding="utf-8"?>
+<file path=ppt/slides/slide12.xml><?xml version="1.0" encoding="utf-8"?>
+<p:sld xmlns:a="http://schemas.openxmlformats.org/drawingml/2006/main" xmlns:r="http://schemas.openxmlformats.org/officeDocument/2006/relationships" xmlns:p="http://schemas.openxmlformats.org/presentationml/2006/main">
+  <p:cSld>
+    <p:spTree>
+      <p:nvGrpSpPr>
+        <p:cNvPr id="1" name=""/>
+        <p:cNvGrpSpPr/>
+        <p:nvPr/>
+      </p:nvGrpSpPr>
+      <p:grpSpPr>
+        <a:xfrm>
+          <a:off x="0" y="0"/>
+          <a:ext cx="0" cy="0"/>
+          <a:chOff x="0" y="0"/>
+          <a:chExt cx="0" cy="0"/>
+        </a:xfrm>
+      </p:grpSpPr>
+      <p:sp>
+        <p:nvSpPr>
+          <p:cNvPr id="2" name="Titel 1">
+            <a:extLst>
+              <a:ext uri="{FF2B5EF4-FFF2-40B4-BE49-F238E27FC236}">
+                <a16:creationId xmlns:a16="http://schemas.microsoft.com/office/drawing/2014/main" id="{1FBE03A4-3C2D-42A6-AFCA-E5D89C78F9E0}"/>
+              </a:ext>
+            </a:extLst>
+          </p:cNvPr>
+          <p:cNvSpPr>
+            <a:spLocks noGrp="1"/>
+          </p:cNvSpPr>
+          <p:nvPr>
+            <p:ph type="title"/>
+          </p:nvPr>
+        </p:nvSpPr>
+        <p:spPr/>
+        <p:txBody>
+          <a:bodyPr/>
+          <a:lstStyle/>
+          <a:p>
+            <a:r>
+              <a:rPr lang="de-DE" dirty="0"/>
+              <a:t>Messungen Umkreis Abfrage</a:t>
+            </a:r>
+          </a:p>
+        </p:txBody>
+      </p:sp>
+      <p:sp>
+        <p:nvSpPr>
+          <p:cNvPr id="4" name="Datumsplatzhalter 3">
+            <a:extLst>
+              <a:ext uri="{FF2B5EF4-FFF2-40B4-BE49-F238E27FC236}">
+                <a16:creationId xmlns:a16="http://schemas.microsoft.com/office/drawing/2014/main" id="{385BF395-E908-4AB7-A5F2-BDAED4A7B69F}"/>
+              </a:ext>
+            </a:extLst>
+          </p:cNvPr>
+          <p:cNvSpPr>
+            <a:spLocks noGrp="1"/>
+          </p:cNvSpPr>
+          <p:nvPr>
+            <p:ph type="dt" sz="half" idx="10"/>
+          </p:nvPr>
+        </p:nvSpPr>
+        <p:spPr/>
+        <p:txBody>
+          <a:bodyPr/>
+          <a:lstStyle/>
+          <a:p>
+            <a:r>
+              <a:rPr lang="de-DE"/>
+              <a:t>23.01.2018</a:t>
+            </a:r>
+            <a:endParaRPr lang="de-DE" dirty="0"/>
+          </a:p>
+        </p:txBody>
+      </p:sp>
+      <p:sp>
+        <p:nvSpPr>
+          <p:cNvPr id="5" name="Fußzeilenplatzhalter 4">
+            <a:extLst>
+              <a:ext uri="{FF2B5EF4-FFF2-40B4-BE49-F238E27FC236}">
+                <a16:creationId xmlns:a16="http://schemas.microsoft.com/office/drawing/2014/main" id="{8D81ABEF-3C2E-4E31-9B75-9A8A98221CE6}"/>
+              </a:ext>
+            </a:extLst>
+          </p:cNvPr>
+          <p:cNvSpPr>
+            <a:spLocks noGrp="1"/>
+          </p:cNvSpPr>
+          <p:nvPr>
+            <p:ph type="ftr" sz="quarter" idx="11"/>
+          </p:nvPr>
+        </p:nvSpPr>
+        <p:spPr/>
+        <p:txBody>
+          <a:bodyPr/>
+          <a:lstStyle/>
+          <a:p>
+            <a:r>
+              <a:rPr lang="en-US"/>
+              <a:t>Hash-Grid mit Cuda</a:t>
+            </a:r>
+            <a:endParaRPr lang="de-DE" dirty="0"/>
+          </a:p>
+        </p:txBody>
+      </p:sp>
+      <p:sp>
+        <p:nvSpPr>
+          <p:cNvPr id="6" name="Foliennummernplatzhalter 5">
+            <a:extLst>
+              <a:ext uri="{FF2B5EF4-FFF2-40B4-BE49-F238E27FC236}">
+                <a16:creationId xmlns:a16="http://schemas.microsoft.com/office/drawing/2014/main" id="{A03F8AE4-4105-4584-97C0-5535780A386A}"/>
+              </a:ext>
+            </a:extLst>
+          </p:cNvPr>
+          <p:cNvSpPr>
+            <a:spLocks noGrp="1"/>
+          </p:cNvSpPr>
+          <p:nvPr>
+            <p:ph type="sldNum" sz="quarter" idx="12"/>
+          </p:nvPr>
+        </p:nvSpPr>
+        <p:spPr/>
+        <p:txBody>
+          <a:bodyPr/>
+          <a:lstStyle/>
+          <a:p>
+            <a:fld id="{B84403B3-73A0-4FC3-A73F-428D462C922D}" type="slidenum">
+              <a:rPr lang="de-DE" smtClean="0"/>
+              <a:pPr/>
+              <a:t>12</a:t>
+            </a:fld>
+            <a:endParaRPr lang="de-DE" dirty="0"/>
+          </a:p>
+        </p:txBody>
+      </p:sp>
+      <p:graphicFrame>
+        <p:nvGraphicFramePr>
+          <p:cNvPr id="7" name="Inhaltsplatzhalter 6">
+            <a:extLst>
+              <a:ext uri="{FF2B5EF4-FFF2-40B4-BE49-F238E27FC236}">
+                <a16:creationId xmlns:a16="http://schemas.microsoft.com/office/drawing/2014/main" id="{F26432EC-5079-4E35-B37F-9E3AD4DD7ADE}"/>
+              </a:ext>
+            </a:extLst>
+          </p:cNvPr>
+          <p:cNvGraphicFramePr>
+            <a:graphicFrameLocks noGrp="1"/>
+          </p:cNvGraphicFramePr>
+          <p:nvPr>
+            <p:ph idx="1"/>
+            <p:extLst>
+              <p:ext uri="{D42A27DB-BD31-4B8C-83A1-F6EECF244321}">
+                <p14:modId xmlns:p14="http://schemas.microsoft.com/office/powerpoint/2010/main" val="74145187"/>
+              </p:ext>
+            </p:extLst>
+          </p:nvPr>
+        </p:nvGraphicFramePr>
+        <p:xfrm>
+          <a:off x="681038" y="1196975"/>
+          <a:ext cx="10890250" cy="5040313"/>
+        </p:xfrm>
+        <a:graphic>
+          <a:graphicData uri="http://schemas.openxmlformats.org/drawingml/2006/chart">
+            <c:chart xmlns:c="http://schemas.openxmlformats.org/drawingml/2006/chart" xmlns:r="http://schemas.openxmlformats.org/officeDocument/2006/relationships" r:id="rId2"/>
+          </a:graphicData>
+        </a:graphic>
+      </p:graphicFrame>
+      <p:graphicFrame>
+        <p:nvGraphicFramePr>
+          <p:cNvPr id="8" name="Tabelle 7">
+            <a:extLst>
+              <a:ext uri="{FF2B5EF4-FFF2-40B4-BE49-F238E27FC236}">
+                <a16:creationId xmlns:a16="http://schemas.microsoft.com/office/drawing/2014/main" id="{F83CBA6D-8668-4478-9AA7-FF8A036D79CC}"/>
+              </a:ext>
+            </a:extLst>
+          </p:cNvPr>
+          <p:cNvGraphicFramePr>
+            <a:graphicFrameLocks noGrp="1"/>
+          </p:cNvGraphicFramePr>
+          <p:nvPr>
+            <p:extLst>
+              <p:ext uri="{D42A27DB-BD31-4B8C-83A1-F6EECF244321}">
+                <p14:modId xmlns:p14="http://schemas.microsoft.com/office/powerpoint/2010/main" val="1892199880"/>
+              </p:ext>
+            </p:extLst>
+          </p:nvPr>
+        </p:nvGraphicFramePr>
+        <p:xfrm>
+          <a:off x="1508891" y="1844824"/>
+          <a:ext cx="3936999" cy="1440180"/>
+        </p:xfrm>
+        <a:graphic>
+          <a:graphicData uri="http://schemas.openxmlformats.org/drawingml/2006/table">
+            <a:tbl>
+              <a:tblPr>
+                <a:tableStyleId>{5C22544A-7EE6-4342-B048-85BDC9FD1C3A}</a:tableStyleId>
+              </a:tblPr>
+              <a:tblGrid>
+                <a:gridCol w="1510483">
+                  <a:extLst>
+                    <a:ext uri="{9D8B030D-6E8A-4147-A177-3AD203B41FA5}">
+                      <a16:colId xmlns:a16="http://schemas.microsoft.com/office/drawing/2014/main" val="1295988609"/>
+                    </a:ext>
+                  </a:extLst>
+                </a:gridCol>
+                <a:gridCol w="2426516">
+                  <a:extLst>
+                    <a:ext uri="{9D8B030D-6E8A-4147-A177-3AD203B41FA5}">
+                      <a16:colId xmlns:a16="http://schemas.microsoft.com/office/drawing/2014/main" val="3263447709"/>
+                    </a:ext>
+                  </a:extLst>
+                </a:gridCol>
+              </a:tblGrid>
+              <a:tr h="182880">
+                <a:tc>
+                  <a:txBody>
+                    <a:bodyPr/>
+                    <a:lstStyle/>
+                    <a:p>
+                      <a:pPr algn="l" fontAlgn="b"/>
+                      <a:r>
+                        <a:rPr lang="de-DE" sz="1100" u="none" strike="noStrike">
+                          <a:effectLst/>
+                        </a:rPr>
+                        <a:t>Datei:</a:t>
+                      </a:r>
+                      <a:endParaRPr lang="de-DE" sz="1100" b="0" i="0" u="none" strike="noStrike">
+                        <a:solidFill>
+                          <a:srgbClr val="000000"/>
+                        </a:solidFill>
+                        <a:effectLst/>
+                        <a:latin typeface="Calibri" panose="020F0502020204030204" pitchFamily="34" charset="0"/>
+                      </a:endParaRPr>
+                    </a:p>
+                  </a:txBody>
+                  <a:tcPr marL="3810" marR="3810" marT="3810" marB="0" anchor="b"/>
+                </a:tc>
+                <a:tc>
+                  <a:txBody>
+                    <a:bodyPr/>
+                    <a:lstStyle/>
+                    <a:p>
+                      <a:pPr algn="ctr" fontAlgn="b"/>
+                      <a:r>
+                        <a:rPr lang="de-DE" sz="1100" u="none" strike="noStrike">
+                          <a:effectLst/>
+                        </a:rPr>
+                        <a:t>laser.mmpld</a:t>
+                      </a:r>
+                      <a:endParaRPr lang="de-DE" sz="1100" b="0" i="0" u="none" strike="noStrike">
+                        <a:solidFill>
+                          <a:srgbClr val="000000"/>
+                        </a:solidFill>
+                        <a:effectLst/>
+                        <a:latin typeface="Calibri" panose="020F0502020204030204" pitchFamily="34" charset="0"/>
+                      </a:endParaRPr>
+                    </a:p>
+                  </a:txBody>
+                  <a:tcPr marL="3810" marR="3810" marT="3810" marB="0" anchor="b"/>
+                </a:tc>
+                <a:extLst>
+                  <a:ext uri="{0D108BD9-81ED-4DB2-BD59-A6C34878D82A}">
+                    <a16:rowId xmlns:a16="http://schemas.microsoft.com/office/drawing/2014/main" val="3629573502"/>
+                  </a:ext>
+                </a:extLst>
+              </a:tr>
+              <a:tr h="182880">
+                <a:tc>
+                  <a:txBody>
+                    <a:bodyPr/>
+                    <a:lstStyle/>
+                    <a:p>
+                      <a:pPr algn="l" fontAlgn="b"/>
+                      <a:r>
+                        <a:rPr lang="de-DE" sz="1100" u="none" strike="noStrike">
+                          <a:effectLst/>
+                        </a:rPr>
+                        <a:t>Frame:</a:t>
+                      </a:r>
+                      <a:endParaRPr lang="de-DE" sz="1100" b="0" i="0" u="none" strike="noStrike">
+                        <a:solidFill>
+                          <a:srgbClr val="000000"/>
+                        </a:solidFill>
+                        <a:effectLst/>
+                        <a:latin typeface="Calibri" panose="020F0502020204030204" pitchFamily="34" charset="0"/>
+                      </a:endParaRPr>
+                    </a:p>
+                  </a:txBody>
+                  <a:tcPr marL="3810" marR="3810" marT="3810" marB="0" anchor="b"/>
+                </a:tc>
+                <a:tc>
+                  <a:txBody>
+                    <a:bodyPr/>
+                    <a:lstStyle/>
+                    <a:p>
+                      <a:pPr algn="ctr" fontAlgn="b"/>
+                      <a:r>
+                        <a:rPr lang="de-DE" sz="1100" u="none" strike="noStrike">
+                          <a:effectLst/>
+                        </a:rPr>
+                        <a:t>200</a:t>
+                      </a:r>
+                      <a:endParaRPr lang="de-DE" sz="1100" b="0" i="0" u="none" strike="noStrike">
+                        <a:solidFill>
+                          <a:srgbClr val="000000"/>
+                        </a:solidFill>
+                        <a:effectLst/>
+                        <a:latin typeface="Calibri" panose="020F0502020204030204" pitchFamily="34" charset="0"/>
+                      </a:endParaRPr>
+                    </a:p>
+                  </a:txBody>
+                  <a:tcPr marL="3810" marR="3810" marT="3810" marB="0" anchor="b"/>
+                </a:tc>
+                <a:extLst>
+                  <a:ext uri="{0D108BD9-81ED-4DB2-BD59-A6C34878D82A}">
+                    <a16:rowId xmlns:a16="http://schemas.microsoft.com/office/drawing/2014/main" val="3380638956"/>
+                  </a:ext>
+                </a:extLst>
+              </a:tr>
+              <a:tr h="182880">
+                <a:tc>
+                  <a:txBody>
+                    <a:bodyPr/>
+                    <a:lstStyle/>
+                    <a:p>
+                      <a:pPr algn="l" fontAlgn="b"/>
+                      <a:r>
+                        <a:rPr lang="de-DE" sz="1100" u="none" strike="noStrike">
+                          <a:effectLst/>
+                        </a:rPr>
+                        <a:t>Partikelanzahl:</a:t>
+                      </a:r>
+                      <a:endParaRPr lang="de-DE" sz="1100" b="0" i="0" u="none" strike="noStrike">
+                        <a:solidFill>
+                          <a:srgbClr val="000000"/>
+                        </a:solidFill>
+                        <a:effectLst/>
+                        <a:latin typeface="Calibri" panose="020F0502020204030204" pitchFamily="34" charset="0"/>
+                      </a:endParaRPr>
+                    </a:p>
+                  </a:txBody>
+                  <a:tcPr marL="3810" marR="3810" marT="3810" marB="0" anchor="b"/>
+                </a:tc>
+                <a:tc>
+                  <a:txBody>
+                    <a:bodyPr/>
+                    <a:lstStyle/>
+                    <a:p>
+                      <a:pPr algn="ctr" fontAlgn="b"/>
+                      <a:r>
+                        <a:rPr lang="de-DE" sz="1100" u="none" strike="noStrike">
+                          <a:effectLst/>
+                        </a:rPr>
+                        <a:t>562500</a:t>
+                      </a:r>
+                      <a:endParaRPr lang="de-DE" sz="1100" b="0" i="0" u="none" strike="noStrike">
+                        <a:solidFill>
+                          <a:srgbClr val="000000"/>
+                        </a:solidFill>
+                        <a:effectLst/>
+                        <a:latin typeface="Calibri" panose="020F0502020204030204" pitchFamily="34" charset="0"/>
+                      </a:endParaRPr>
+                    </a:p>
+                  </a:txBody>
+                  <a:tcPr marL="3810" marR="3810" marT="3810" marB="0" anchor="b"/>
+                </a:tc>
+                <a:extLst>
+                  <a:ext uri="{0D108BD9-81ED-4DB2-BD59-A6C34878D82A}">
+                    <a16:rowId xmlns:a16="http://schemas.microsoft.com/office/drawing/2014/main" val="572521259"/>
+                  </a:ext>
+                </a:extLst>
+              </a:tr>
+              <a:tr h="182880">
+                <a:tc>
+                  <a:txBody>
+                    <a:bodyPr/>
+                    <a:lstStyle/>
+                    <a:p>
+                      <a:pPr algn="l" fontAlgn="b"/>
+                      <a:r>
+                        <a:rPr lang="de-DE" sz="1100" u="none" strike="noStrike">
+                          <a:effectLst/>
+                        </a:rPr>
+                        <a:t>Grid Auflösung:</a:t>
+                      </a:r>
+                      <a:endParaRPr lang="de-DE" sz="1100" b="0" i="0" u="none" strike="noStrike">
+                        <a:solidFill>
+                          <a:srgbClr val="000000"/>
+                        </a:solidFill>
+                        <a:effectLst/>
+                        <a:latin typeface="Calibri" panose="020F0502020204030204" pitchFamily="34" charset="0"/>
+                      </a:endParaRPr>
+                    </a:p>
+                  </a:txBody>
+                  <a:tcPr marL="3810" marR="3810" marT="3810" marB="0" anchor="b"/>
+                </a:tc>
+                <a:tc>
+                  <a:txBody>
+                    <a:bodyPr/>
+                    <a:lstStyle/>
+                    <a:p>
+                      <a:pPr algn="ctr" fontAlgn="b"/>
+                      <a:r>
+                        <a:rPr lang="de-DE" sz="1100" u="none" strike="noStrike">
+                          <a:effectLst/>
+                        </a:rPr>
+                        <a:t>64x64x64</a:t>
+                      </a:r>
+                      <a:endParaRPr lang="de-DE" sz="1100" b="0" i="0" u="none" strike="noStrike">
+                        <a:solidFill>
+                          <a:srgbClr val="000000"/>
+                        </a:solidFill>
+                        <a:effectLst/>
+                        <a:latin typeface="Calibri" panose="020F0502020204030204" pitchFamily="34" charset="0"/>
+                      </a:endParaRPr>
+                    </a:p>
+                  </a:txBody>
+                  <a:tcPr marL="3810" marR="3810" marT="3810" marB="0" anchor="b"/>
+                </a:tc>
+                <a:extLst>
+                  <a:ext uri="{0D108BD9-81ED-4DB2-BD59-A6C34878D82A}">
+                    <a16:rowId xmlns:a16="http://schemas.microsoft.com/office/drawing/2014/main" val="45000225"/>
+                  </a:ext>
+                </a:extLst>
+              </a:tr>
+              <a:tr h="182880">
+                <a:tc>
+                  <a:txBody>
+                    <a:bodyPr/>
+                    <a:lstStyle/>
+                    <a:p>
+                      <a:pPr algn="l" fontAlgn="b"/>
+                      <a:r>
+                        <a:rPr lang="de-DE" sz="1100" u="none" strike="noStrike">
+                          <a:effectLst/>
+                        </a:rPr>
+                        <a:t>Verfahren:</a:t>
+                      </a:r>
+                      <a:endParaRPr lang="de-DE" sz="1100" b="0" i="0" u="none" strike="noStrike">
+                        <a:solidFill>
+                          <a:srgbClr val="000000"/>
+                        </a:solidFill>
+                        <a:effectLst/>
+                        <a:latin typeface="Calibri" panose="020F0502020204030204" pitchFamily="34" charset="0"/>
+                      </a:endParaRPr>
+                    </a:p>
+                  </a:txBody>
+                  <a:tcPr marL="3810" marR="3810" marT="3810" marB="0" anchor="b"/>
+                </a:tc>
+                <a:tc>
+                  <a:txBody>
+                    <a:bodyPr/>
+                    <a:lstStyle/>
+                    <a:p>
+                      <a:pPr algn="ctr" fontAlgn="b"/>
+                      <a:r>
+                        <a:rPr lang="de-DE" sz="1100" u="none" strike="noStrike">
+                          <a:effectLst/>
+                        </a:rPr>
+                        <a:t>niedrigste gemessene Zeit bei 10 durchläufen</a:t>
+                      </a:r>
+                      <a:endParaRPr lang="de-DE" sz="1100" b="0" i="0" u="none" strike="noStrike">
+                        <a:solidFill>
+                          <a:srgbClr val="000000"/>
+                        </a:solidFill>
+                        <a:effectLst/>
+                        <a:latin typeface="Calibri" panose="020F0502020204030204" pitchFamily="34" charset="0"/>
+                      </a:endParaRPr>
+                    </a:p>
+                  </a:txBody>
+                  <a:tcPr marL="3810" marR="3810" marT="3810" marB="0" anchor="b"/>
+                </a:tc>
+                <a:extLst>
+                  <a:ext uri="{0D108BD9-81ED-4DB2-BD59-A6C34878D82A}">
+                    <a16:rowId xmlns:a16="http://schemas.microsoft.com/office/drawing/2014/main" val="2463066374"/>
+                  </a:ext>
+                </a:extLst>
+              </a:tr>
+              <a:tr h="182880">
+                <a:tc>
+                  <a:txBody>
+                    <a:bodyPr/>
+                    <a:lstStyle/>
+                    <a:p>
+                      <a:pPr algn="l" fontAlgn="b"/>
+                      <a:r>
+                        <a:rPr lang="de-DE" sz="1100" u="none" strike="noStrike">
+                          <a:effectLst/>
+                        </a:rPr>
+                        <a:t>GPU:</a:t>
+                      </a:r>
+                      <a:endParaRPr lang="de-DE" sz="1100" b="0" i="0" u="none" strike="noStrike">
+                        <a:solidFill>
+                          <a:srgbClr val="000000"/>
+                        </a:solidFill>
+                        <a:effectLst/>
+                        <a:latin typeface="Calibri" panose="020F0502020204030204" pitchFamily="34" charset="0"/>
+                      </a:endParaRPr>
+                    </a:p>
+                  </a:txBody>
+                  <a:tcPr marL="3810" marR="3810" marT="3810" marB="0" anchor="b"/>
+                </a:tc>
+                <a:tc>
+                  <a:txBody>
+                    <a:bodyPr/>
+                    <a:lstStyle/>
+                    <a:p>
+                      <a:pPr algn="ctr" fontAlgn="b"/>
+                      <a:r>
+                        <a:rPr lang="de-DE" sz="1100" u="none" strike="noStrike">
+                          <a:effectLst/>
+                        </a:rPr>
+                        <a:t>Nvidia Gtx 970</a:t>
+                      </a:r>
+                      <a:endParaRPr lang="de-DE" sz="1100" b="0" i="0" u="none" strike="noStrike">
+                        <a:solidFill>
+                          <a:srgbClr val="000000"/>
+                        </a:solidFill>
+                        <a:effectLst/>
+                        <a:latin typeface="Calibri" panose="020F0502020204030204" pitchFamily="34" charset="0"/>
+                      </a:endParaRPr>
+                    </a:p>
+                  </a:txBody>
+                  <a:tcPr marL="3810" marR="3810" marT="3810" marB="0" anchor="b"/>
+                </a:tc>
+                <a:extLst>
+                  <a:ext uri="{0D108BD9-81ED-4DB2-BD59-A6C34878D82A}">
+                    <a16:rowId xmlns:a16="http://schemas.microsoft.com/office/drawing/2014/main" val="261038477"/>
+                  </a:ext>
+                </a:extLst>
+              </a:tr>
+              <a:tr h="186690">
+                <a:tc>
+                  <a:txBody>
+                    <a:bodyPr/>
+                    <a:lstStyle/>
+                    <a:p>
+                      <a:pPr algn="l" fontAlgn="b"/>
+                      <a:r>
+                        <a:rPr lang="de-DE" sz="1100" u="none" strike="noStrike">
+                          <a:effectLst/>
+                        </a:rPr>
+                        <a:t>CPU:</a:t>
+                      </a:r>
+                      <a:endParaRPr lang="de-DE" sz="1100" b="0" i="0" u="none" strike="noStrike">
+                        <a:solidFill>
+                          <a:srgbClr val="000000"/>
+                        </a:solidFill>
+                        <a:effectLst/>
+                        <a:latin typeface="Calibri" panose="020F0502020204030204" pitchFamily="34" charset="0"/>
+                      </a:endParaRPr>
+                    </a:p>
+                  </a:txBody>
+                  <a:tcPr marL="3810" marR="3810" marT="3810" marB="0" anchor="b"/>
+                </a:tc>
+                <a:tc>
+                  <a:txBody>
+                    <a:bodyPr/>
+                    <a:lstStyle/>
+                    <a:p>
+                      <a:pPr algn="ctr" fontAlgn="b"/>
+                      <a:r>
+                        <a:rPr lang="de-DE" sz="1100" u="none" strike="noStrike" dirty="0">
+                          <a:effectLst/>
+                        </a:rPr>
+                        <a:t>Intel Xeon E3-1240 V2 3,40GHz</a:t>
+                      </a:r>
+                      <a:endParaRPr lang="de-DE" sz="1100" b="0" i="0" u="none" strike="noStrike" dirty="0">
+                        <a:solidFill>
+                          <a:srgbClr val="000000"/>
+                        </a:solidFill>
+                        <a:effectLst/>
+                        <a:latin typeface="Calibri" panose="020F0502020204030204" pitchFamily="34" charset="0"/>
+                      </a:endParaRPr>
+                    </a:p>
+                  </a:txBody>
+                  <a:tcPr marL="3810" marR="3810" marT="3810" marB="0" anchor="b"/>
+                </a:tc>
+                <a:extLst>
+                  <a:ext uri="{0D108BD9-81ED-4DB2-BD59-A6C34878D82A}">
+                    <a16:rowId xmlns:a16="http://schemas.microsoft.com/office/drawing/2014/main" val="3330964763"/>
+                  </a:ext>
+                </a:extLst>
+              </a:tr>
+            </a:tbl>
+          </a:graphicData>
+        </a:graphic>
+      </p:graphicFrame>
+    </p:spTree>
+    <p:extLst>
+      <p:ext uri="{BB962C8B-B14F-4D97-AF65-F5344CB8AC3E}">
+        <p14:creationId xmlns:p14="http://schemas.microsoft.com/office/powerpoint/2010/main" val="840224668"/>
+      </p:ext>
+    </p:extLst>
+  </p:cSld>
+  <p:clrMapOvr>
+    <a:masterClrMapping/>
+  </p:clrMapOvr>
+</p:sld>
+</file>
+
+<file path=ppt/slides/slide13.xml><?xml version="1.0" encoding="utf-8"?>
 <p:sld xmlns:a="http://schemas.openxmlformats.org/drawingml/2006/main" xmlns:r="http://schemas.openxmlformats.org/officeDocument/2006/relationships" xmlns:p="http://schemas.openxmlformats.org/presentationml/2006/main">
   <p:cSld>
     <p:spTree>
@@ -13509,7 +17516,7 @@
             <a:fld id="{B84403B3-73A0-4FC3-A73F-428D462C922D}" type="slidenum">
               <a:rPr lang="de-DE" smtClean="0"/>
               <a:pPr/>
-              <a:t>11</a:t>
+              <a:t>13</a:t>
             </a:fld>
             <a:endParaRPr lang="de-DE" dirty="0"/>
           </a:p>
@@ -24504,6 +28511,12 @@
           <a:p>
             <a:r>
               <a:rPr lang="de-DE" sz="2000" dirty="0"/>
+              <a:t>Nach Simon Green [1]</a:t>
+            </a:r>
+          </a:p>
+          <a:p>
+            <a:r>
+              <a:rPr lang="de-DE" sz="2000" dirty="0"/>
               <a:t>Einzelne Schritte in einzelne Kernel eingeteilt</a:t>
             </a:r>
           </a:p>
@@ -25569,7 +29582,7 @@
                                         <p:tgtEl>
                                           <p:spTgt spid="3">
                                             <p:txEl>
-                                              <p:pRg st="4" end="4"/>
+                                              <p:pRg st="5" end="5"/>
                                             </p:txEl>
                                           </p:spTgt>
                                         </p:tgtEl>
@@ -25587,7 +29600,7 @@
                                         <p:tgtEl>
                                           <p:spTgt spid="3">
                                             <p:txEl>
-                                              <p:pRg st="4" end="4"/>
+                                              <p:pRg st="5" end="5"/>
                                             </p:txEl>
                                           </p:spTgt>
                                         </p:tgtEl>
@@ -26225,7 +30238,7 @@
           <a:p>
             <a:r>
               <a:rPr lang="de-DE" dirty="0"/>
-              <a:t>Bei einfacher Eintragung ist Partikelradius nicht von Zellgröße unabhängig</a:t>
+              <a:t>Bei einmaligem Eintragen ist Partikelradius von Zellgröße abhängig</a:t>
             </a:r>
           </a:p>
           <a:p>
@@ -33915,13 +37928,13 @@
   <p:clrMapOvr>
     <a:masterClrMapping/>
   </p:clrMapOvr>
-  <mc:AlternateContent xmlns:mc="http://schemas.openxmlformats.org/markup-compatibility/2006">
-    <mc:Choice xmlns:p159="http://schemas.microsoft.com/office/powerpoint/2015/09/main" Requires="p159">
+  <mc:AlternateContent xmlns:mc="http://schemas.openxmlformats.org/markup-compatibility/2006" xmlns:p159="http://schemas.microsoft.com/office/powerpoint/2015/09/main">
+    <mc:Choice Requires="p159">
       <p:transition xmlns:p14="http://schemas.microsoft.com/office/powerpoint/2010/main" spd="slow" p14:dur="2000">
         <p159:morph option="byObject"/>
       </p:transition>
     </mc:Choice>
-    <mc:Fallback>
+    <mc:Fallback xmlns="">
       <p:transition spd="slow">
         <p:fade/>
       </p:transition>
@@ -33969,10 +37982,9 @@
           <a:lstStyle/>
           <a:p>
             <a:r>
-              <a:rPr lang="de-DE"/>
+              <a:rPr lang="de-DE" dirty="0"/>
               <a:t>Messungen Hash-Grid Aufbau</a:t>
             </a:r>
-            <a:endParaRPr lang="de-DE" dirty="0"/>
           </a:p>
         </p:txBody>
       </p:sp>
@@ -34090,7 +38102,7 @@
           <p:nvPr>
             <p:extLst>
               <p:ext uri="{D42A27DB-BD31-4B8C-83A1-F6EECF244321}">
-                <p14:modId xmlns:p14="http://schemas.microsoft.com/office/powerpoint/2010/main" val="1316780649"/>
+                <p14:modId xmlns:p14="http://schemas.microsoft.com/office/powerpoint/2010/main" val="2997401140"/>
               </p:ext>
             </p:extLst>
           </p:nvPr>
@@ -34561,7 +38573,7 @@
           <p:cNvPr id="2" name="Titel 1">
             <a:extLst>
               <a:ext uri="{FF2B5EF4-FFF2-40B4-BE49-F238E27FC236}">
-                <a16:creationId xmlns:a16="http://schemas.microsoft.com/office/drawing/2014/main" id="{C38FD5C6-56C4-4024-A216-5EFE33CF6ED4}"/>
+                <a16:creationId xmlns:a16="http://schemas.microsoft.com/office/drawing/2014/main" id="{4B05B260-D74E-406F-B2FA-67320E2F4D49}"/>
               </a:ext>
             </a:extLst>
           </p:cNvPr>
@@ -34578,10 +38590,9 @@
           <a:lstStyle/>
           <a:p>
             <a:r>
-              <a:rPr lang="de-DE"/>
+              <a:rPr lang="de-DE" dirty="0"/>
               <a:t>Messungen Hash-Grid Aufbau</a:t>
             </a:r>
-            <a:endParaRPr lang="de-DE" dirty="0"/>
           </a:p>
         </p:txBody>
       </p:sp>
@@ -34590,7 +38601,7 @@
           <p:cNvPr id="4" name="Datumsplatzhalter 3">
             <a:extLst>
               <a:ext uri="{FF2B5EF4-FFF2-40B4-BE49-F238E27FC236}">
-                <a16:creationId xmlns:a16="http://schemas.microsoft.com/office/drawing/2014/main" id="{F210AD21-4B6D-4D3B-805D-A78A9BFF42D3}"/>
+                <a16:creationId xmlns:a16="http://schemas.microsoft.com/office/drawing/2014/main" id="{5DDE255B-82F3-4292-ADC6-ECAAA3B93A53}"/>
               </a:ext>
             </a:extLst>
           </p:cNvPr>
@@ -34607,9 +38618,10 @@
           <a:lstStyle/>
           <a:p>
             <a:r>
-              <a:rPr lang="de-DE" dirty="0"/>
+              <a:rPr lang="de-DE"/>
               <a:t>23.01.2018</a:t>
             </a:r>
+            <a:endParaRPr lang="de-DE" dirty="0"/>
           </a:p>
         </p:txBody>
       </p:sp>
@@ -34618,7 +38630,7 @@
           <p:cNvPr id="5" name="Fußzeilenplatzhalter 4">
             <a:extLst>
               <a:ext uri="{FF2B5EF4-FFF2-40B4-BE49-F238E27FC236}">
-                <a16:creationId xmlns:a16="http://schemas.microsoft.com/office/drawing/2014/main" id="{7567A8A2-0ADB-4D8F-A40D-AFF7FE01519C}"/>
+                <a16:creationId xmlns:a16="http://schemas.microsoft.com/office/drawing/2014/main" id="{6C415784-825C-41D4-B6D4-0428E7C61334}"/>
               </a:ext>
             </a:extLst>
           </p:cNvPr>
@@ -34635,20 +38647,8 @@
           <a:lstStyle/>
           <a:p>
             <a:r>
-              <a:rPr lang="en-US" dirty="0"/>
-              <a:t>Hash-Grid </a:t>
-            </a:r>
-            <a:r>
-              <a:rPr lang="en-US" dirty="0" err="1"/>
-              <a:t>mit</a:t>
-            </a:r>
-            <a:r>
-              <a:rPr lang="en-US" dirty="0"/>
-              <a:t> </a:t>
-            </a:r>
-            <a:r>
-              <a:rPr lang="en-US" dirty="0" err="1"/>
-              <a:t>Cuda</a:t>
+              <a:rPr lang="en-US"/>
+              <a:t>Hash-Grid mit Cuda</a:t>
             </a:r>
             <a:endParaRPr lang="de-DE" dirty="0"/>
           </a:p>
@@ -34659,7 +38659,7 @@
           <p:cNvPr id="6" name="Foliennummernplatzhalter 5">
             <a:extLst>
               <a:ext uri="{FF2B5EF4-FFF2-40B4-BE49-F238E27FC236}">
-                <a16:creationId xmlns:a16="http://schemas.microsoft.com/office/drawing/2014/main" id="{BD525DF0-70F7-4ACE-8A40-2DCCB8464C37}"/>
+                <a16:creationId xmlns:a16="http://schemas.microsoft.com/office/drawing/2014/main" id="{6E73FB0E-14D1-4DCE-B693-7A4EEAE695BD}"/>
               </a:ext>
             </a:extLst>
           </p:cNvPr>
@@ -34689,7 +38689,7 @@
           <p:cNvPr id="7" name="Diagramm 6">
             <a:extLst>
               <a:ext uri="{FF2B5EF4-FFF2-40B4-BE49-F238E27FC236}">
-                <a16:creationId xmlns:a16="http://schemas.microsoft.com/office/drawing/2014/main" id="{DC556FEC-B9AB-4CFA-A31C-AD65105837DD}"/>
+                <a16:creationId xmlns:a16="http://schemas.microsoft.com/office/drawing/2014/main" id="{6272BB7C-5DA6-4559-8BD5-9F288248D974}"/>
               </a:ext>
             </a:extLst>
           </p:cNvPr>
@@ -34699,14 +38699,14 @@
           <p:nvPr>
             <p:extLst>
               <p:ext uri="{D42A27DB-BD31-4B8C-83A1-F6EECF244321}">
-                <p14:modId xmlns:p14="http://schemas.microsoft.com/office/powerpoint/2010/main" val="86670407"/>
+                <p14:modId xmlns:p14="http://schemas.microsoft.com/office/powerpoint/2010/main" val="1040535274"/>
               </p:ext>
             </p:extLst>
           </p:nvPr>
         </p:nvGraphicFramePr>
         <p:xfrm>
-          <a:off x="744248" y="1134773"/>
-          <a:ext cx="10766152" cy="5040560"/>
+          <a:off x="191344" y="1196752"/>
+          <a:ext cx="11737303" cy="5141270"/>
         </p:xfrm>
         <a:graphic>
           <a:graphicData uri="http://schemas.openxmlformats.org/drawingml/2006/chart">
@@ -34714,10 +38714,431 @@
           </a:graphicData>
         </a:graphic>
       </p:graphicFrame>
+      <p:graphicFrame>
+        <p:nvGraphicFramePr>
+          <p:cNvPr id="8" name="Tabelle 7">
+            <a:extLst>
+              <a:ext uri="{FF2B5EF4-FFF2-40B4-BE49-F238E27FC236}">
+                <a16:creationId xmlns:a16="http://schemas.microsoft.com/office/drawing/2014/main" id="{91389BC1-5CD8-400D-BEA2-6A58F4FD76D0}"/>
+              </a:ext>
+            </a:extLst>
+          </p:cNvPr>
+          <p:cNvGraphicFramePr>
+            <a:graphicFrameLocks noGrp="1"/>
+          </p:cNvGraphicFramePr>
+          <p:nvPr>
+            <p:extLst>
+              <p:ext uri="{D42A27DB-BD31-4B8C-83A1-F6EECF244321}">
+                <p14:modId xmlns:p14="http://schemas.microsoft.com/office/powerpoint/2010/main" val="3210552894"/>
+              </p:ext>
+            </p:extLst>
+          </p:nvPr>
+        </p:nvGraphicFramePr>
+        <p:xfrm>
+          <a:off x="1127448" y="1772816"/>
+          <a:ext cx="4356101" cy="1283970"/>
+        </p:xfrm>
+        <a:graphic>
+          <a:graphicData uri="http://schemas.openxmlformats.org/drawingml/2006/table">
+            <a:tbl>
+              <a:tblPr>
+                <a:tableStyleId>{5C22544A-7EE6-4342-B048-85BDC9FD1C3A}</a:tableStyleId>
+              </a:tblPr>
+              <a:tblGrid>
+                <a:gridCol w="1547726">
+                  <a:extLst>
+                    <a:ext uri="{9D8B030D-6E8A-4147-A177-3AD203B41FA5}">
+                      <a16:colId xmlns:a16="http://schemas.microsoft.com/office/drawing/2014/main" val="4258357727"/>
+                    </a:ext>
+                  </a:extLst>
+                </a:gridCol>
+                <a:gridCol w="2808375">
+                  <a:extLst>
+                    <a:ext uri="{9D8B030D-6E8A-4147-A177-3AD203B41FA5}">
+                      <a16:colId xmlns:a16="http://schemas.microsoft.com/office/drawing/2014/main" val="3683941207"/>
+                    </a:ext>
+                  </a:extLst>
+                </a:gridCol>
+              </a:tblGrid>
+              <a:tr h="182880">
+                <a:tc>
+                  <a:txBody>
+                    <a:bodyPr/>
+                    <a:lstStyle/>
+                    <a:p>
+                      <a:pPr algn="l" fontAlgn="b"/>
+                      <a:r>
+                        <a:rPr lang="de-DE" sz="1100" u="none" strike="noStrike">
+                          <a:effectLst/>
+                        </a:rPr>
+                        <a:t>Datei:</a:t>
+                      </a:r>
+                      <a:endParaRPr lang="de-DE" sz="1100" b="0" i="0" u="none" strike="noStrike">
+                        <a:solidFill>
+                          <a:srgbClr val="000000"/>
+                        </a:solidFill>
+                        <a:effectLst/>
+                        <a:latin typeface="Calibri" panose="020F0502020204030204" pitchFamily="34" charset="0"/>
+                      </a:endParaRPr>
+                    </a:p>
+                  </a:txBody>
+                  <a:tcPr marL="3810" marR="3810" marT="3810" marB="0" anchor="b"/>
+                </a:tc>
+                <a:tc>
+                  <a:txBody>
+                    <a:bodyPr/>
+                    <a:lstStyle/>
+                    <a:p>
+                      <a:pPr algn="ctr" fontAlgn="b"/>
+                      <a:r>
+                        <a:rPr lang="de-DE" sz="1100" u="none" strike="noStrike">
+                          <a:effectLst/>
+                        </a:rPr>
+                        <a:t>laser.00080.chkpt.density.mmpld</a:t>
+                      </a:r>
+                      <a:endParaRPr lang="de-DE" sz="1100" b="0" i="0" u="none" strike="noStrike">
+                        <a:solidFill>
+                          <a:srgbClr val="000000"/>
+                        </a:solidFill>
+                        <a:effectLst/>
+                        <a:latin typeface="Calibri" panose="020F0502020204030204" pitchFamily="34" charset="0"/>
+                      </a:endParaRPr>
+                    </a:p>
+                  </a:txBody>
+                  <a:tcPr marL="3810" marR="3810" marT="3810" marB="0" anchor="b"/>
+                </a:tc>
+                <a:extLst>
+                  <a:ext uri="{0D108BD9-81ED-4DB2-BD59-A6C34878D82A}">
+                    <a16:rowId xmlns:a16="http://schemas.microsoft.com/office/drawing/2014/main" val="544715554"/>
+                  </a:ext>
+                </a:extLst>
+              </a:tr>
+              <a:tr h="182880">
+                <a:tc>
+                  <a:txBody>
+                    <a:bodyPr/>
+                    <a:lstStyle/>
+                    <a:p>
+                      <a:pPr algn="l" fontAlgn="b"/>
+                      <a:r>
+                        <a:rPr lang="de-DE" sz="1100" u="none" strike="noStrike">
+                          <a:effectLst/>
+                        </a:rPr>
+                        <a:t>Frame:</a:t>
+                      </a:r>
+                      <a:endParaRPr lang="de-DE" sz="1100" b="0" i="0" u="none" strike="noStrike">
+                        <a:solidFill>
+                          <a:srgbClr val="000000"/>
+                        </a:solidFill>
+                        <a:effectLst/>
+                        <a:latin typeface="Calibri" panose="020F0502020204030204" pitchFamily="34" charset="0"/>
+                      </a:endParaRPr>
+                    </a:p>
+                  </a:txBody>
+                  <a:tcPr marL="3810" marR="3810" marT="3810" marB="0" anchor="b"/>
+                </a:tc>
+                <a:tc>
+                  <a:txBody>
+                    <a:bodyPr/>
+                    <a:lstStyle/>
+                    <a:p>
+                      <a:pPr algn="ctr" fontAlgn="b"/>
+                      <a:r>
+                        <a:rPr lang="de-DE" sz="1100" u="none" strike="noStrike">
+                          <a:effectLst/>
+                        </a:rPr>
+                        <a:t>0</a:t>
+                      </a:r>
+                      <a:endParaRPr lang="de-DE" sz="1100" b="0" i="0" u="none" strike="noStrike">
+                        <a:solidFill>
+                          <a:srgbClr val="000000"/>
+                        </a:solidFill>
+                        <a:effectLst/>
+                        <a:latin typeface="Calibri" panose="020F0502020204030204" pitchFamily="34" charset="0"/>
+                      </a:endParaRPr>
+                    </a:p>
+                  </a:txBody>
+                  <a:tcPr marL="3810" marR="3810" marT="3810" marB="0" anchor="b"/>
+                </a:tc>
+                <a:extLst>
+                  <a:ext uri="{0D108BD9-81ED-4DB2-BD59-A6C34878D82A}">
+                    <a16:rowId xmlns:a16="http://schemas.microsoft.com/office/drawing/2014/main" val="1633851544"/>
+                  </a:ext>
+                </a:extLst>
+              </a:tr>
+              <a:tr h="182880">
+                <a:tc>
+                  <a:txBody>
+                    <a:bodyPr/>
+                    <a:lstStyle/>
+                    <a:p>
+                      <a:pPr algn="l" fontAlgn="b"/>
+                      <a:r>
+                        <a:rPr lang="de-DE" sz="1100" u="none" strike="noStrike">
+                          <a:effectLst/>
+                        </a:rPr>
+                        <a:t>Partikelanzahl:</a:t>
+                      </a:r>
+                      <a:endParaRPr lang="de-DE" sz="1100" b="0" i="0" u="none" strike="noStrike">
+                        <a:solidFill>
+                          <a:srgbClr val="000000"/>
+                        </a:solidFill>
+                        <a:effectLst/>
+                        <a:latin typeface="Calibri" panose="020F0502020204030204" pitchFamily="34" charset="0"/>
+                      </a:endParaRPr>
+                    </a:p>
+                  </a:txBody>
+                  <a:tcPr marL="3810" marR="3810" marT="3810" marB="0" anchor="b"/>
+                </a:tc>
+                <a:tc>
+                  <a:txBody>
+                    <a:bodyPr/>
+                    <a:lstStyle/>
+                    <a:p>
+                      <a:pPr algn="ctr" fontAlgn="b"/>
+                      <a:r>
+                        <a:rPr lang="de-DE" sz="1100" u="none" strike="noStrike">
+                          <a:effectLst/>
+                        </a:rPr>
+                        <a:t>variabel</a:t>
+                      </a:r>
+                      <a:endParaRPr lang="de-DE" sz="1100" b="0" i="0" u="none" strike="noStrike">
+                        <a:solidFill>
+                          <a:srgbClr val="000000"/>
+                        </a:solidFill>
+                        <a:effectLst/>
+                        <a:latin typeface="Calibri" panose="020F0502020204030204" pitchFamily="34" charset="0"/>
+                      </a:endParaRPr>
+                    </a:p>
+                  </a:txBody>
+                  <a:tcPr marL="3810" marR="3810" marT="3810" marB="0" anchor="b"/>
+                </a:tc>
+                <a:extLst>
+                  <a:ext uri="{0D108BD9-81ED-4DB2-BD59-A6C34878D82A}">
+                    <a16:rowId xmlns:a16="http://schemas.microsoft.com/office/drawing/2014/main" val="3039649838"/>
+                  </a:ext>
+                </a:extLst>
+              </a:tr>
+              <a:tr h="182880">
+                <a:tc>
+                  <a:txBody>
+                    <a:bodyPr/>
+                    <a:lstStyle/>
+                    <a:p>
+                      <a:pPr algn="l" fontAlgn="b"/>
+                      <a:r>
+                        <a:rPr lang="de-DE" sz="1100" u="none" strike="noStrike">
+                          <a:effectLst/>
+                        </a:rPr>
+                        <a:t>Grid Auflösung:</a:t>
+                      </a:r>
+                      <a:endParaRPr lang="de-DE" sz="1100" b="0" i="0" u="none" strike="noStrike">
+                        <a:solidFill>
+                          <a:srgbClr val="000000"/>
+                        </a:solidFill>
+                        <a:effectLst/>
+                        <a:latin typeface="Calibri" panose="020F0502020204030204" pitchFamily="34" charset="0"/>
+                      </a:endParaRPr>
+                    </a:p>
+                  </a:txBody>
+                  <a:tcPr marL="3810" marR="3810" marT="3810" marB="0" anchor="b"/>
+                </a:tc>
+                <a:tc>
+                  <a:txBody>
+                    <a:bodyPr/>
+                    <a:lstStyle/>
+                    <a:p>
+                      <a:pPr algn="ctr" fontAlgn="b"/>
+                      <a:r>
+                        <a:rPr lang="de-DE" sz="1100" u="none" strike="noStrike">
+                          <a:effectLst/>
+                        </a:rPr>
+                        <a:t>64x64x64</a:t>
+                      </a:r>
+                      <a:endParaRPr lang="de-DE" sz="1100" b="0" i="0" u="none" strike="noStrike">
+                        <a:solidFill>
+                          <a:srgbClr val="000000"/>
+                        </a:solidFill>
+                        <a:effectLst/>
+                        <a:latin typeface="Calibri" panose="020F0502020204030204" pitchFamily="34" charset="0"/>
+                      </a:endParaRPr>
+                    </a:p>
+                  </a:txBody>
+                  <a:tcPr marL="3810" marR="3810" marT="3810" marB="0" anchor="b"/>
+                </a:tc>
+                <a:extLst>
+                  <a:ext uri="{0D108BD9-81ED-4DB2-BD59-A6C34878D82A}">
+                    <a16:rowId xmlns:a16="http://schemas.microsoft.com/office/drawing/2014/main" val="3237546957"/>
+                  </a:ext>
+                </a:extLst>
+              </a:tr>
+              <a:tr h="182880">
+                <a:tc>
+                  <a:txBody>
+                    <a:bodyPr/>
+                    <a:lstStyle/>
+                    <a:p>
+                      <a:pPr algn="l" fontAlgn="b"/>
+                      <a:r>
+                        <a:rPr lang="de-DE" sz="1100" u="none" strike="noStrike">
+                          <a:effectLst/>
+                        </a:rPr>
+                        <a:t>Verfahren:</a:t>
+                      </a:r>
+                      <a:endParaRPr lang="de-DE" sz="1100" b="0" i="0" u="none" strike="noStrike">
+                        <a:solidFill>
+                          <a:srgbClr val="000000"/>
+                        </a:solidFill>
+                        <a:effectLst/>
+                        <a:latin typeface="Calibri" panose="020F0502020204030204" pitchFamily="34" charset="0"/>
+                      </a:endParaRPr>
+                    </a:p>
+                  </a:txBody>
+                  <a:tcPr marL="3810" marR="3810" marT="3810" marB="0" anchor="b"/>
+                </a:tc>
+                <a:tc>
+                  <a:txBody>
+                    <a:bodyPr/>
+                    <a:lstStyle/>
+                    <a:p>
+                      <a:pPr algn="ctr" fontAlgn="b"/>
+                      <a:r>
+                        <a:rPr lang="de-DE" sz="1100" u="none" strike="noStrike">
+                          <a:effectLst/>
+                        </a:rPr>
+                        <a:t>niedrigste gemessene Zeit bei 10 durchläufen</a:t>
+                      </a:r>
+                      <a:endParaRPr lang="de-DE" sz="1100" b="0" i="0" u="none" strike="noStrike">
+                        <a:solidFill>
+                          <a:srgbClr val="000000"/>
+                        </a:solidFill>
+                        <a:effectLst/>
+                        <a:latin typeface="Calibri" panose="020F0502020204030204" pitchFamily="34" charset="0"/>
+                      </a:endParaRPr>
+                    </a:p>
+                  </a:txBody>
+                  <a:tcPr marL="3810" marR="3810" marT="3810" marB="0" anchor="b"/>
+                </a:tc>
+                <a:extLst>
+                  <a:ext uri="{0D108BD9-81ED-4DB2-BD59-A6C34878D82A}">
+                    <a16:rowId xmlns:a16="http://schemas.microsoft.com/office/drawing/2014/main" val="1788107252"/>
+                  </a:ext>
+                </a:extLst>
+              </a:tr>
+              <a:tr h="182880">
+                <a:tc>
+                  <a:txBody>
+                    <a:bodyPr/>
+                    <a:lstStyle/>
+                    <a:p>
+                      <a:pPr algn="l" fontAlgn="b"/>
+                      <a:r>
+                        <a:rPr lang="de-DE" sz="1100" u="none" strike="noStrike">
+                          <a:effectLst/>
+                        </a:rPr>
+                        <a:t>GPU:</a:t>
+                      </a:r>
+                      <a:endParaRPr lang="de-DE" sz="1100" b="0" i="0" u="none" strike="noStrike">
+                        <a:solidFill>
+                          <a:srgbClr val="000000"/>
+                        </a:solidFill>
+                        <a:effectLst/>
+                        <a:latin typeface="Calibri" panose="020F0502020204030204" pitchFamily="34" charset="0"/>
+                      </a:endParaRPr>
+                    </a:p>
+                  </a:txBody>
+                  <a:tcPr marL="3810" marR="3810" marT="3810" marB="0" anchor="b"/>
+                </a:tc>
+                <a:tc>
+                  <a:txBody>
+                    <a:bodyPr/>
+                    <a:lstStyle/>
+                    <a:p>
+                      <a:pPr algn="ctr" fontAlgn="b"/>
+                      <a:r>
+                        <a:rPr lang="de-DE" sz="1100" u="none" strike="noStrike">
+                          <a:effectLst/>
+                        </a:rPr>
+                        <a:t>Nvidia Gtx 970</a:t>
+                      </a:r>
+                      <a:endParaRPr lang="de-DE" sz="1100" b="0" i="0" u="none" strike="noStrike">
+                        <a:solidFill>
+                          <a:srgbClr val="000000"/>
+                        </a:solidFill>
+                        <a:effectLst/>
+                        <a:latin typeface="Calibri" panose="020F0502020204030204" pitchFamily="34" charset="0"/>
+                      </a:endParaRPr>
+                    </a:p>
+                  </a:txBody>
+                  <a:tcPr marL="3810" marR="3810" marT="3810" marB="0" anchor="b"/>
+                </a:tc>
+                <a:extLst>
+                  <a:ext uri="{0D108BD9-81ED-4DB2-BD59-A6C34878D82A}">
+                    <a16:rowId xmlns:a16="http://schemas.microsoft.com/office/drawing/2014/main" val="1633659855"/>
+                  </a:ext>
+                </a:extLst>
+              </a:tr>
+              <a:tr h="186690">
+                <a:tc>
+                  <a:txBody>
+                    <a:bodyPr/>
+                    <a:lstStyle/>
+                    <a:p>
+                      <a:pPr algn="l" fontAlgn="b"/>
+                      <a:r>
+                        <a:rPr lang="de-DE" sz="1100" u="none" strike="noStrike">
+                          <a:effectLst/>
+                        </a:rPr>
+                        <a:t>CPU:</a:t>
+                      </a:r>
+                      <a:endParaRPr lang="de-DE" sz="1100" b="0" i="0" u="none" strike="noStrike">
+                        <a:solidFill>
+                          <a:srgbClr val="000000"/>
+                        </a:solidFill>
+                        <a:effectLst/>
+                        <a:latin typeface="Calibri" panose="020F0502020204030204" pitchFamily="34" charset="0"/>
+                      </a:endParaRPr>
+                    </a:p>
+                  </a:txBody>
+                  <a:tcPr marL="3810" marR="3810" marT="3810" marB="0" anchor="b"/>
+                </a:tc>
+                <a:tc>
+                  <a:txBody>
+                    <a:bodyPr/>
+                    <a:lstStyle/>
+                    <a:p>
+                      <a:pPr algn="ctr" fontAlgn="b"/>
+                      <a:r>
+                        <a:rPr lang="de-DE" sz="1100" u="none" strike="noStrike" dirty="0">
+                          <a:effectLst/>
+                        </a:rPr>
+                        <a:t>Intel Xeon E3-1240 V2 3,40GHz</a:t>
+                      </a:r>
+                      <a:endParaRPr lang="de-DE" sz="1100" b="0" i="0" u="none" strike="noStrike" dirty="0">
+                        <a:solidFill>
+                          <a:srgbClr val="000000"/>
+                        </a:solidFill>
+                        <a:effectLst/>
+                        <a:latin typeface="Calibri" panose="020F0502020204030204" pitchFamily="34" charset="0"/>
+                      </a:endParaRPr>
+                    </a:p>
+                  </a:txBody>
+                  <a:tcPr marL="3810" marR="3810" marT="3810" marB="0" anchor="b"/>
+                </a:tc>
+                <a:extLst>
+                  <a:ext uri="{0D108BD9-81ED-4DB2-BD59-A6C34878D82A}">
+                    <a16:rowId xmlns:a16="http://schemas.microsoft.com/office/drawing/2014/main" val="3224349830"/>
+                  </a:ext>
+                </a:extLst>
+              </a:tr>
+            </a:tbl>
+          </a:graphicData>
+        </a:graphic>
+      </p:graphicFrame>
     </p:spTree>
     <p:extLst>
       <p:ext uri="{BB962C8B-B14F-4D97-AF65-F5344CB8AC3E}">
-        <p14:creationId xmlns:p14="http://schemas.microsoft.com/office/powerpoint/2010/main" val="3370589006"/>
+        <p14:creationId xmlns:p14="http://schemas.microsoft.com/office/powerpoint/2010/main" val="3312481036"/>
       </p:ext>
     </p:extLst>
   </p:cSld>

--- a/Präsentation.pptx
+++ b/Präsentation.pptx
@@ -203,13 +203,27 @@
           <a:bodyPr rot="0" spcFirstLastPara="1" vertOverflow="ellipsis" vert="horz" wrap="square" anchor="ctr" anchorCtr="1"/>
           <a:lstStyle/>
           <a:p>
-            <a:pPr>
+            <a:pPr marL="0" marR="0" lvl="0" indent="0" algn="ctr" defTabSz="914400" rtl="0" eaLnBrk="1" fontAlgn="auto" latinLnBrk="0" hangingPunct="1">
+              <a:lnSpc>
+                <a:spcPct val="100000"/>
+              </a:lnSpc>
+              <a:spcBef>
+                <a:spcPts val="0"/>
+              </a:spcBef>
+              <a:spcAft>
+                <a:spcPts val="0"/>
+              </a:spcAft>
+              <a:buClrTx/>
+              <a:buSzTx/>
+              <a:buFontTx/>
+              <a:buNone/>
+              <a:tabLst/>
               <a:defRPr sz="1400" b="0" i="0" u="none" strike="noStrike" kern="1200" spc="0" baseline="0">
                 <a:solidFill>
-                  <a:schemeClr val="tx1">
+                  <a:srgbClr val="0B2A51">
                     <a:lumMod val="65000"/>
                     <a:lumOff val="35000"/>
-                  </a:schemeClr>
+                  </a:srgbClr>
                 </a:solidFill>
                 <a:latin typeface="+mn-lt"/>
                 <a:ea typeface="+mn-ea"/>
@@ -217,14 +231,14 @@
               </a:defRPr>
             </a:pPr>
             <a:r>
-              <a:rPr lang="de-DE" dirty="0"/>
-              <a:t>Laufzeit bei Veränderung</a:t>
+              <a:rPr lang="de-DE" sz="1800" b="0" i="0" baseline="0" dirty="0">
+                <a:effectLst/>
+              </a:rPr>
+              <a:t>Laufzeit bei Veränderung der Grid-Größe</a:t>
             </a:r>
-            <a:r>
-              <a:rPr lang="de-DE" baseline="0" dirty="0"/>
-              <a:t> der Grid-Größe</a:t>
-            </a:r>
-            <a:endParaRPr lang="de-DE" dirty="0"/>
+            <a:endParaRPr lang="de-DE" dirty="0">
+              <a:effectLst/>
+            </a:endParaRPr>
           </a:p>
         </c:rich>
       </c:tx>
@@ -240,13 +254,27 @@
         <a:bodyPr rot="0" spcFirstLastPara="1" vertOverflow="ellipsis" vert="horz" wrap="square" anchor="ctr" anchorCtr="1"/>
         <a:lstStyle/>
         <a:p>
-          <a:pPr>
+          <a:pPr marL="0" marR="0" lvl="0" indent="0" algn="ctr" defTabSz="914400" rtl="0" eaLnBrk="1" fontAlgn="auto" latinLnBrk="0" hangingPunct="1">
+            <a:lnSpc>
+              <a:spcPct val="100000"/>
+            </a:lnSpc>
+            <a:spcBef>
+              <a:spcPts val="0"/>
+            </a:spcBef>
+            <a:spcAft>
+              <a:spcPts val="0"/>
+            </a:spcAft>
+            <a:buClrTx/>
+            <a:buSzTx/>
+            <a:buFontTx/>
+            <a:buNone/>
+            <a:tabLst/>
             <a:defRPr sz="1400" b="0" i="0" u="none" strike="noStrike" kern="1200" spc="0" baseline="0">
               <a:solidFill>
-                <a:schemeClr val="tx1">
+                <a:srgbClr val="0B2A51">
                   <a:lumMod val="65000"/>
                   <a:lumOff val="35000"/>
-                </a:schemeClr>
+                </a:srgbClr>
               </a:solidFill>
               <a:latin typeface="+mn-lt"/>
               <a:ea typeface="+mn-ea"/>
@@ -280,6 +308,64 @@
             <a:effectLst/>
           </c:spPr>
           <c:invertIfNegative val="0"/>
+          <c:dLbls>
+            <c:spPr>
+              <a:noFill/>
+              <a:ln>
+                <a:noFill/>
+              </a:ln>
+              <a:effectLst/>
+            </c:spPr>
+            <c:txPr>
+              <a:bodyPr rot="0" spcFirstLastPara="1" vertOverflow="ellipsis" vert="horz" wrap="square" lIns="38100" tIns="19050" rIns="38100" bIns="19050" anchor="ctr" anchorCtr="1">
+                <a:spAutoFit/>
+              </a:bodyPr>
+              <a:lstStyle/>
+              <a:p>
+                <a:pPr>
+                  <a:defRPr sz="900" b="0" i="0" u="none" strike="noStrike" kern="1200" baseline="0">
+                    <a:solidFill>
+                      <a:schemeClr val="tx1">
+                        <a:lumMod val="75000"/>
+                        <a:lumOff val="25000"/>
+                      </a:schemeClr>
+                    </a:solidFill>
+                    <a:latin typeface="+mn-lt"/>
+                    <a:ea typeface="+mn-ea"/>
+                    <a:cs typeface="+mn-cs"/>
+                  </a:defRPr>
+                </a:pPr>
+                <a:endParaRPr lang="de-DE"/>
+              </a:p>
+            </c:txPr>
+            <c:dLblPos val="outEnd"/>
+            <c:showLegendKey val="0"/>
+            <c:showVal val="1"/>
+            <c:showCatName val="0"/>
+            <c:showSerName val="0"/>
+            <c:showPercent val="0"/>
+            <c:showBubbleSize val="0"/>
+            <c:showLeaderLines val="0"/>
+            <c:extLst>
+              <c:ext xmlns:c15="http://schemas.microsoft.com/office/drawing/2012/chart" uri="{CE6537A1-D6FC-4f65-9D91-7224C49458BB}">
+                <c15:showLeaderLines val="1"/>
+                <c15:leaderLines>
+                  <c:spPr>
+                    <a:ln w="9525" cap="flat" cmpd="sng" algn="ctr">
+                      <a:solidFill>
+                        <a:schemeClr val="tx1">
+                          <a:lumMod val="35000"/>
+                          <a:lumOff val="65000"/>
+                        </a:schemeClr>
+                      </a:solidFill>
+                      <a:round/>
+                    </a:ln>
+                    <a:effectLst/>
+                  </c:spPr>
+                </c15:leaderLines>
+              </c:ext>
+            </c:extLst>
+          </c:dLbls>
           <c:cat>
             <c:strRef>
               <c:f>Tabelle3!$A$22:$A$30</c:f>
@@ -322,38 +408,38 @@
                 <c:formatCode>General</c:formatCode>
                 <c:ptCount val="9"/>
                 <c:pt idx="0">
-                  <c:v>19.948</c:v>
+                  <c:v>20</c:v>
                 </c:pt>
                 <c:pt idx="1">
-                  <c:v>19.771000000000001</c:v>
+                  <c:v>20</c:v>
                 </c:pt>
                 <c:pt idx="2">
-                  <c:v>19.707999999999998</c:v>
+                  <c:v>20</c:v>
                 </c:pt>
                 <c:pt idx="3">
-                  <c:v>19.718</c:v>
+                  <c:v>20</c:v>
                 </c:pt>
                 <c:pt idx="4">
-                  <c:v>19.847999999999999</c:v>
+                  <c:v>20</c:v>
                 </c:pt>
                 <c:pt idx="5">
-                  <c:v>19.527999999999999</c:v>
+                  <c:v>20</c:v>
                 </c:pt>
                 <c:pt idx="6">
-                  <c:v>20.294</c:v>
+                  <c:v>20</c:v>
                 </c:pt>
                 <c:pt idx="7">
-                  <c:v>21.428999999999998</c:v>
+                  <c:v>21</c:v>
                 </c:pt>
                 <c:pt idx="8">
-                  <c:v>30.869</c:v>
+                  <c:v>31</c:v>
                 </c:pt>
               </c:numCache>
             </c:numRef>
           </c:val>
           <c:extLst>
             <c:ext xmlns:c16="http://schemas.microsoft.com/office/drawing/2014/chart" uri="{C3380CC4-5D6E-409C-BE32-E72D297353CC}">
-              <c16:uniqueId val="{00000000-5FE2-4590-94C1-D35E8582CC84}"/>
+              <c16:uniqueId val="{00000000-A3BF-4FB9-9282-777B1E3444E8}"/>
             </c:ext>
           </c:extLst>
         </c:ser>
@@ -373,6 +459,64 @@
             <a:effectLst/>
           </c:spPr>
           <c:invertIfNegative val="0"/>
+          <c:dLbls>
+            <c:spPr>
+              <a:noFill/>
+              <a:ln>
+                <a:noFill/>
+              </a:ln>
+              <a:effectLst/>
+            </c:spPr>
+            <c:txPr>
+              <a:bodyPr rot="0" spcFirstLastPara="1" vertOverflow="ellipsis" vert="horz" wrap="square" lIns="38100" tIns="19050" rIns="38100" bIns="19050" anchor="ctr" anchorCtr="1">
+                <a:spAutoFit/>
+              </a:bodyPr>
+              <a:lstStyle/>
+              <a:p>
+                <a:pPr>
+                  <a:defRPr sz="900" b="0" i="0" u="none" strike="noStrike" kern="1200" baseline="0">
+                    <a:solidFill>
+                      <a:schemeClr val="tx1">
+                        <a:lumMod val="75000"/>
+                        <a:lumOff val="25000"/>
+                      </a:schemeClr>
+                    </a:solidFill>
+                    <a:latin typeface="+mn-lt"/>
+                    <a:ea typeface="+mn-ea"/>
+                    <a:cs typeface="+mn-cs"/>
+                  </a:defRPr>
+                </a:pPr>
+                <a:endParaRPr lang="de-DE"/>
+              </a:p>
+            </c:txPr>
+            <c:dLblPos val="outEnd"/>
+            <c:showLegendKey val="0"/>
+            <c:showVal val="1"/>
+            <c:showCatName val="0"/>
+            <c:showSerName val="0"/>
+            <c:showPercent val="0"/>
+            <c:showBubbleSize val="0"/>
+            <c:showLeaderLines val="0"/>
+            <c:extLst>
+              <c:ext xmlns:c15="http://schemas.microsoft.com/office/drawing/2012/chart" uri="{CE6537A1-D6FC-4f65-9D91-7224C49458BB}">
+                <c15:showLeaderLines val="1"/>
+                <c15:leaderLines>
+                  <c:spPr>
+                    <a:ln w="9525" cap="flat" cmpd="sng" algn="ctr">
+                      <a:solidFill>
+                        <a:schemeClr val="tx1">
+                          <a:lumMod val="35000"/>
+                          <a:lumOff val="65000"/>
+                        </a:schemeClr>
+                      </a:solidFill>
+                      <a:round/>
+                    </a:ln>
+                    <a:effectLst/>
+                  </c:spPr>
+                </c15:leaderLines>
+              </c:ext>
+            </c:extLst>
+          </c:dLbls>
           <c:cat>
             <c:strRef>
               <c:f>Tabelle3!$A$22:$A$30</c:f>
@@ -415,44 +559,45 @@
                 <c:formatCode>General</c:formatCode>
                 <c:ptCount val="9"/>
                 <c:pt idx="0">
-                  <c:v>48.581000000000003</c:v>
+                  <c:v>49</c:v>
                 </c:pt>
                 <c:pt idx="1">
-                  <c:v>55.262</c:v>
+                  <c:v>55</c:v>
                 </c:pt>
                 <c:pt idx="2">
-                  <c:v>53.764000000000003</c:v>
+                  <c:v>54</c:v>
                 </c:pt>
                 <c:pt idx="3">
-                  <c:v>51.755000000000003</c:v>
+                  <c:v>52</c:v>
                 </c:pt>
                 <c:pt idx="4">
-                  <c:v>55.542999999999999</c:v>
+                  <c:v>56</c:v>
                 </c:pt>
                 <c:pt idx="5">
-                  <c:v>67.188000000000002</c:v>
+                  <c:v>67</c:v>
                 </c:pt>
                 <c:pt idx="6">
-                  <c:v>117.726</c:v>
+                  <c:v>118</c:v>
                 </c:pt>
                 <c:pt idx="7">
-                  <c:v>315.92899999999997</c:v>
+                  <c:v>316</c:v>
                 </c:pt>
                 <c:pt idx="8">
-                  <c:v>480.88400000000001</c:v>
+                  <c:v>481</c:v>
                 </c:pt>
               </c:numCache>
             </c:numRef>
           </c:val>
           <c:extLst>
             <c:ext xmlns:c16="http://schemas.microsoft.com/office/drawing/2014/chart" uri="{C3380CC4-5D6E-409C-BE32-E72D297353CC}">
-              <c16:uniqueId val="{00000001-5FE2-4590-94C1-D35E8582CC84}"/>
+              <c16:uniqueId val="{00000001-A3BF-4FB9-9282-777B1E3444E8}"/>
             </c:ext>
           </c:extLst>
         </c:ser>
         <c:dLbls>
+          <c:dLblPos val="outEnd"/>
           <c:showLegendKey val="0"/>
-          <c:showVal val="0"/>
+          <c:showVal val="1"/>
           <c:showCatName val="0"/>
           <c:showSerName val="0"/>
           <c:showPercent val="0"/>
@@ -489,12 +634,25 @@
                   </a:defRPr>
                 </a:pPr>
                 <a:r>
-                  <a:rPr lang="de-DE" dirty="0"/>
-                  <a:t>Zellenauflösung</a:t>
+                  <a:rPr lang="de-DE"/>
+                  <a:t>Hashgrid</a:t>
                 </a:r>
+                <a:r>
+                  <a:rPr lang="de-DE" baseline="0"/>
+                  <a:t> Dimension</a:t>
+                </a:r>
+                <a:endParaRPr lang="de-DE"/>
               </a:p>
             </c:rich>
           </c:tx>
+          <c:layout>
+            <c:manualLayout>
+              <c:xMode val="edge"/>
+              <c:yMode val="edge"/>
+              <c:x val="0.4453225439127802"/>
+              <c:y val="0.90547660004037955"/>
+            </c:manualLayout>
+          </c:layout>
           <c:overlay val="0"/>
           <c:spPr>
             <a:noFill/>
@@ -572,8 +730,6 @@
         <c:axId val="532484528"/>
         <c:scaling>
           <c:orientation val="minMax"/>
-          <c:max val="600"/>
-          <c:min val="0"/>
         </c:scaling>
         <c:delete val="0"/>
         <c:axPos val="l"/>
@@ -591,6 +747,20 @@
             <a:effectLst/>
           </c:spPr>
         </c:majorGridlines>
+        <c:minorGridlines>
+          <c:spPr>
+            <a:ln w="9525" cap="flat" cmpd="sng" algn="ctr">
+              <a:solidFill>
+                <a:schemeClr val="tx1">
+                  <a:lumMod val="5000"/>
+                  <a:lumOff val="95000"/>
+                </a:schemeClr>
+              </a:solidFill>
+              <a:round/>
+            </a:ln>
+            <a:effectLst/>
+          </c:spPr>
+        </c:minorGridlines>
         <c:title>
           <c:tx>
             <c:rich>
@@ -681,48 +851,9 @@
         <c:crosses val="autoZero"/>
         <c:crossBetween val="between"/>
       </c:valAx>
-      <c:dTable>
-        <c:showHorzBorder val="1"/>
-        <c:showVertBorder val="1"/>
-        <c:showOutline val="1"/>
-        <c:showKeys val="1"/>
-        <c:spPr>
-          <a:noFill/>
-          <a:ln w="9525" cap="flat" cmpd="sng" algn="ctr">
-            <a:solidFill>
-              <a:schemeClr val="tx1">
-                <a:lumMod val="15000"/>
-                <a:lumOff val="85000"/>
-              </a:schemeClr>
-            </a:solidFill>
-            <a:round/>
-          </a:ln>
-          <a:effectLst/>
-        </c:spPr>
-        <c:txPr>
-          <a:bodyPr rot="0" spcFirstLastPara="1" vertOverflow="ellipsis" vert="horz" wrap="square" anchor="ctr" anchorCtr="1"/>
-          <a:lstStyle/>
-          <a:p>
-            <a:pPr rtl="0">
-              <a:defRPr sz="900" b="0" i="0" u="none" strike="noStrike" kern="1200" baseline="0">
-                <a:solidFill>
-                  <a:schemeClr val="tx1">
-                    <a:lumMod val="65000"/>
-                    <a:lumOff val="35000"/>
-                  </a:schemeClr>
-                </a:solidFill>
-                <a:latin typeface="+mn-lt"/>
-                <a:ea typeface="+mn-ea"/>
-                <a:cs typeface="+mn-cs"/>
-              </a:defRPr>
-            </a:pPr>
-            <a:endParaRPr lang="de-DE"/>
-          </a:p>
-        </c:txPr>
-      </c:dTable>
       <c:spPr>
         <a:noFill/>
-        <a:ln w="25400">
+        <a:ln>
           <a:noFill/>
         </a:ln>
         <a:effectLst/>
@@ -783,6 +914,7 @@
   <c:externalData r:id="rId3">
     <c:autoUpdate val="0"/>
   </c:externalData>
+  <c:userShapes r:id="rId4"/>
 </c:chartSpace>
 </file>
 
@@ -1606,6 +1738,20 @@
         </c:scaling>
         <c:delete val="0"/>
         <c:axPos val="b"/>
+        <c:majorGridlines>
+          <c:spPr>
+            <a:ln w="9525" cap="flat" cmpd="sng" algn="ctr">
+              <a:solidFill>
+                <a:schemeClr val="tx1">
+                  <a:lumMod val="15000"/>
+                  <a:lumOff val="85000"/>
+                </a:schemeClr>
+              </a:solidFill>
+              <a:round/>
+            </a:ln>
+            <a:effectLst/>
+          </c:spPr>
+        </c:majorGridlines>
         <c:title>
           <c:tx>
             <c:rich>
@@ -1726,6 +1872,20 @@
             <a:effectLst/>
           </c:spPr>
         </c:majorGridlines>
+        <c:minorGridlines>
+          <c:spPr>
+            <a:ln w="9525" cap="flat" cmpd="sng" algn="ctr">
+              <a:solidFill>
+                <a:schemeClr val="tx1">
+                  <a:lumMod val="5000"/>
+                  <a:lumOff val="95000"/>
+                </a:schemeClr>
+              </a:solidFill>
+              <a:round/>
+            </a:ln>
+            <a:effectLst/>
+          </c:spPr>
+        </c:minorGridlines>
         <c:title>
           <c:tx>
             <c:rich>
@@ -3237,7 +3397,9 @@
           </c:tx>
           <c:spPr>
             <a:solidFill>
-              <a:srgbClr val="FF0000"/>
+              <a:schemeClr val="bg1">
+                <a:lumMod val="85000"/>
+              </a:schemeClr>
             </a:solidFill>
             <a:ln>
               <a:noFill/>
@@ -3253,7 +3415,7 @@
                   <a:bodyPr/>
                   <a:lstStyle/>
                   <a:p>
-                    <a:fld id="{BB61B6E4-3320-4CEF-B696-BD32C731D70B}" type="CELLRANGE">
+                    <a:fld id="{23B00024-6A7C-45DB-8CD5-9C3F40637A17}" type="CELLRANGE">
                       <a:rPr lang="en-US"/>
                       <a:pPr/>
                       <a:t>[ZELLBEREICH]</a:t>
@@ -3286,7 +3448,7 @@
                   <a:bodyPr/>
                   <a:lstStyle/>
                   <a:p>
-                    <a:fld id="{0A871E42-D487-4527-92AF-972977EEDCE2}" type="CELLRANGE">
+                    <a:fld id="{6AE405E0-A25B-4ACA-8208-F2D71360F7ED}" type="CELLRANGE">
                       <a:rPr lang="de-DE"/>
                       <a:pPr/>
                       <a:t>[ZELLBEREICH]</a:t>
@@ -3320,7 +3482,7 @@
                   <a:bodyPr/>
                   <a:lstStyle/>
                   <a:p>
-                    <a:fld id="{40E4696F-676F-4574-B5C3-C42273BB2929}" type="CELLRANGE">
+                    <a:fld id="{5BD641D3-2E39-4CB8-8A7C-ACAE5ACA9058}" type="CELLRANGE">
                       <a:rPr lang="de-DE"/>
                       <a:pPr/>
                       <a:t>[ZELLBEREICH]</a:t>
@@ -3354,7 +3516,7 @@
                   <a:bodyPr/>
                   <a:lstStyle/>
                   <a:p>
-                    <a:fld id="{71FF5355-A69A-4E1C-B563-E83FD5B29BCA}" type="CELLRANGE">
+                    <a:fld id="{81B19BB4-FC73-4028-A6F0-9E284742C978}" type="CELLRANGE">
                       <a:rPr lang="de-DE"/>
                       <a:pPr/>
                       <a:t>[ZELLBEREICH]</a:t>
@@ -3388,7 +3550,7 @@
                   <a:bodyPr/>
                   <a:lstStyle/>
                   <a:p>
-                    <a:fld id="{D89CE9EA-F313-4268-94B3-C3A8ABFB61E4}" type="CELLRANGE">
+                    <a:fld id="{3C8DA181-2DB4-4A76-B964-FA05A1661B37}" type="CELLRANGE">
                       <a:rPr lang="de-DE"/>
                       <a:pPr/>
                       <a:t>[ZELLBEREICH]</a:t>
@@ -3422,7 +3584,7 @@
                   <a:bodyPr/>
                   <a:lstStyle/>
                   <a:p>
-                    <a:fld id="{E912E843-F2C4-4CDC-8E61-635214B0ADCF}" type="CELLRANGE">
+                    <a:fld id="{C771D179-0191-4E1C-8E31-3F178B0869B6}" type="CELLRANGE">
                       <a:rPr lang="de-DE"/>
                       <a:pPr/>
                       <a:t>[ZELLBEREICH]</a:t>
@@ -3456,7 +3618,7 @@
                   <a:bodyPr/>
                   <a:lstStyle/>
                   <a:p>
-                    <a:fld id="{BEF02DCE-0162-45CF-B215-7D61E6B3E314}" type="CELLRANGE">
+                    <a:fld id="{3D7A589F-C900-4F22-88C4-CF7F2F3AE4D7}" type="CELLRANGE">
                       <a:rPr lang="de-DE"/>
                       <a:pPr/>
                       <a:t>[ZELLBEREICH]</a:t>
@@ -3490,7 +3652,7 @@
                   <a:bodyPr/>
                   <a:lstStyle/>
                   <a:p>
-                    <a:fld id="{E2520CE1-6D92-41FB-A632-0C94F52E4C3D}" type="CELLRANGE">
+                    <a:fld id="{3353EEED-9DC2-4D55-94FC-46CCE67A2617}" type="CELLRANGE">
                       <a:rPr lang="de-DE"/>
                       <a:pPr/>
                       <a:t>[ZELLBEREICH]</a:t>
@@ -3524,7 +3686,7 @@
                   <a:bodyPr/>
                   <a:lstStyle/>
                   <a:p>
-                    <a:fld id="{4DAD4742-2D10-484B-BEFE-6D10D1FFB371}" type="CELLRANGE">
+                    <a:fld id="{428327B2-C9B7-45B3-B4B5-5E61CEC3603D}" type="CELLRANGE">
                       <a:rPr lang="de-DE"/>
                       <a:pPr/>
                       <a:t>[ZELLBEREICH]</a:t>
@@ -3558,7 +3720,7 @@
                   <a:bodyPr/>
                   <a:lstStyle/>
                   <a:p>
-                    <a:fld id="{763C4414-F77D-49C3-8567-53AA4B8C7616}" type="CELLRANGE">
+                    <a:fld id="{52C1FD1E-E622-4211-8A67-581B236B9FCD}" type="CELLRANGE">
                       <a:rPr lang="de-DE"/>
                       <a:pPr/>
                       <a:t>[ZELLBEREICH]</a:t>
@@ -3781,9 +3943,9 @@
           </c:tx>
           <c:spPr>
             <a:solidFill>
-              <a:schemeClr val="accent2">
-                <a:lumMod val="60000"/>
-                <a:lumOff val="40000"/>
+              <a:schemeClr val="tx1">
+                <a:lumMod val="25000"/>
+                <a:lumOff val="75000"/>
               </a:schemeClr>
             </a:solidFill>
             <a:ln>
@@ -3800,7 +3962,7 @@
                   <a:bodyPr/>
                   <a:lstStyle/>
                   <a:p>
-                    <a:fld id="{63806226-E271-46BC-AD6E-142C2AF5631C}" type="CELLRANGE">
+                    <a:fld id="{1A2C0A56-302B-4C22-8D5A-A3725AB737C2}" type="CELLRANGE">
                       <a:rPr lang="en-US"/>
                       <a:pPr/>
                       <a:t>[ZELLBEREICH]</a:t>
@@ -3833,7 +3995,7 @@
                   <a:bodyPr/>
                   <a:lstStyle/>
                   <a:p>
-                    <a:fld id="{436214B1-5CB8-45B4-A8C5-43D33A7CC617}" type="CELLRANGE">
+                    <a:fld id="{7A1C3628-0E1C-416A-B466-10BEE274D773}" type="CELLRANGE">
                       <a:rPr lang="de-DE"/>
                       <a:pPr/>
                       <a:t>[ZELLBEREICH]</a:t>
@@ -3867,7 +4029,7 @@
                   <a:bodyPr/>
                   <a:lstStyle/>
                   <a:p>
-                    <a:fld id="{64F5E9D3-2D32-4459-85CF-06214FB07A6A}" type="CELLRANGE">
+                    <a:fld id="{EB890941-21E9-4A2D-AB19-C7017236816C}" type="CELLRANGE">
                       <a:rPr lang="de-DE"/>
                       <a:pPr/>
                       <a:t>[ZELLBEREICH]</a:t>
@@ -3901,7 +4063,7 @@
                   <a:bodyPr/>
                   <a:lstStyle/>
                   <a:p>
-                    <a:fld id="{4FB812D1-5378-4EDA-8715-757C05DEA31A}" type="CELLRANGE">
+                    <a:fld id="{63C150D3-F140-42C1-A8F9-B4A93B44FF3E}" type="CELLRANGE">
                       <a:rPr lang="de-DE"/>
                       <a:pPr/>
                       <a:t>[ZELLBEREICH]</a:t>
@@ -3935,7 +4097,7 @@
                   <a:bodyPr/>
                   <a:lstStyle/>
                   <a:p>
-                    <a:fld id="{CEC294A8-F4EF-4F16-AF84-F5BFD1BFBCD0}" type="CELLRANGE">
+                    <a:fld id="{1343CE0B-5AF9-49B8-91FA-E83E8BAB06E1}" type="CELLRANGE">
                       <a:rPr lang="de-DE"/>
                       <a:pPr/>
                       <a:t>[ZELLBEREICH]</a:t>
@@ -3969,7 +4131,7 @@
                   <a:bodyPr/>
                   <a:lstStyle/>
                   <a:p>
-                    <a:fld id="{BDB929C7-214A-4431-B306-B8565056A114}" type="CELLRANGE">
+                    <a:fld id="{0BE68134-11FD-434C-9FBB-E35970BFA433}" type="CELLRANGE">
                       <a:rPr lang="de-DE"/>
                       <a:pPr/>
                       <a:t>[ZELLBEREICH]</a:t>
@@ -4003,7 +4165,7 @@
                   <a:bodyPr/>
                   <a:lstStyle/>
                   <a:p>
-                    <a:fld id="{CCA50422-D737-44A1-AB92-5B2BA87F5A12}" type="CELLRANGE">
+                    <a:fld id="{CD56F34F-9A29-425F-A9C4-7827E87F3E5C}" type="CELLRANGE">
                       <a:rPr lang="de-DE"/>
                       <a:pPr/>
                       <a:t>[ZELLBEREICH]</a:t>
@@ -4037,7 +4199,7 @@
                   <a:bodyPr/>
                   <a:lstStyle/>
                   <a:p>
-                    <a:fld id="{38104E77-3977-4D1A-9996-C562377D78FF}" type="CELLRANGE">
+                    <a:fld id="{5876FEE1-CDBF-4646-AD26-29054E79A441}" type="CELLRANGE">
                       <a:rPr lang="de-DE"/>
                       <a:pPr/>
                       <a:t>[ZELLBEREICH]</a:t>
@@ -4071,7 +4233,7 @@
                   <a:bodyPr/>
                   <a:lstStyle/>
                   <a:p>
-                    <a:fld id="{6C489FEE-ECB4-4EDB-8906-7636A7E64591}" type="CELLRANGE">
+                    <a:fld id="{24B1B6EE-4E33-48E8-9C7E-B7CA2B7394BB}" type="CELLRANGE">
                       <a:rPr lang="de-DE"/>
                       <a:pPr/>
                       <a:t>[ZELLBEREICH]</a:t>
@@ -4105,7 +4267,7 @@
                   <a:bodyPr/>
                   <a:lstStyle/>
                   <a:p>
-                    <a:fld id="{AA4C8886-FDB0-4E6B-8FBF-1D1142CC5EEA}" type="CELLRANGE">
+                    <a:fld id="{E0ECD45D-0373-4BB2-A5F3-7F185F4CF711}" type="CELLRANGE">
                       <a:rPr lang="de-DE"/>
                       <a:pPr/>
                       <a:t>[ZELLBEREICH]</a:t>
@@ -4328,7 +4490,10 @@
           </c:tx>
           <c:spPr>
             <a:solidFill>
-              <a:schemeClr val="accent3"/>
+              <a:schemeClr val="accent3">
+                <a:lumMod val="60000"/>
+                <a:lumOff val="40000"/>
+              </a:schemeClr>
             </a:solidFill>
             <a:ln>
               <a:noFill/>
@@ -4344,7 +4509,7 @@
                   <a:bodyPr/>
                   <a:lstStyle/>
                   <a:p>
-                    <a:fld id="{FB6363EA-1137-4917-94F2-47B0FAAB4D46}" type="CELLRANGE">
+                    <a:fld id="{F965A9B5-D236-4DFB-B9F5-313EB2EB5EA4}" type="CELLRANGE">
                       <a:rPr lang="en-US"/>
                       <a:pPr/>
                       <a:t>[ZELLBEREICH]</a:t>
@@ -4377,7 +4542,7 @@
                   <a:bodyPr/>
                   <a:lstStyle/>
                   <a:p>
-                    <a:fld id="{01477B0D-DBE3-4CE4-9365-B8CCF12D3B78}" type="CELLRANGE">
+                    <a:fld id="{6D4C462C-A865-4C10-BAE5-2B864D299C0A}" type="CELLRANGE">
                       <a:rPr lang="de-DE"/>
                       <a:pPr/>
                       <a:t>[ZELLBEREICH]</a:t>
@@ -4411,7 +4576,7 @@
                   <a:bodyPr/>
                   <a:lstStyle/>
                   <a:p>
-                    <a:fld id="{ADC67CDB-586A-4868-9E94-5F27AC7A96E7}" type="CELLRANGE">
+                    <a:fld id="{2CE2D78A-1C4E-4593-9F3F-8311BE3546E4}" type="CELLRANGE">
                       <a:rPr lang="de-DE"/>
                       <a:pPr/>
                       <a:t>[ZELLBEREICH]</a:t>
@@ -4445,7 +4610,7 @@
                   <a:bodyPr/>
                   <a:lstStyle/>
                   <a:p>
-                    <a:fld id="{76E6D5F2-FB65-4406-98D7-77B720327367}" type="CELLRANGE">
+                    <a:fld id="{BA798F63-D61D-4D39-BF26-D43E826E6C50}" type="CELLRANGE">
                       <a:rPr lang="de-DE"/>
                       <a:pPr/>
                       <a:t>[ZELLBEREICH]</a:t>
@@ -4479,7 +4644,7 @@
                   <a:bodyPr/>
                   <a:lstStyle/>
                   <a:p>
-                    <a:fld id="{6E2F7BEC-A502-43EA-87BE-8505C39031B5}" type="CELLRANGE">
+                    <a:fld id="{7F261166-6C64-49F1-A00A-3D407A391E08}" type="CELLRANGE">
                       <a:rPr lang="de-DE"/>
                       <a:pPr/>
                       <a:t>[ZELLBEREICH]</a:t>
@@ -4513,7 +4678,7 @@
                   <a:bodyPr/>
                   <a:lstStyle/>
                   <a:p>
-                    <a:fld id="{DFE4F252-036D-43A6-9A03-687C5FA2F1E4}" type="CELLRANGE">
+                    <a:fld id="{D0D90753-19D2-4D49-BD54-D0DF3D867323}" type="CELLRANGE">
                       <a:rPr lang="de-DE"/>
                       <a:pPr/>
                       <a:t>[ZELLBEREICH]</a:t>
@@ -4547,7 +4712,7 @@
                   <a:bodyPr/>
                   <a:lstStyle/>
                   <a:p>
-                    <a:fld id="{FC99412D-C58A-4F4E-AC8D-53B7863D1D01}" type="CELLRANGE">
+                    <a:fld id="{811DC170-70BC-4C04-8245-EAD9E5900EF4}" type="CELLRANGE">
                       <a:rPr lang="de-DE"/>
                       <a:pPr/>
                       <a:t>[ZELLBEREICH]</a:t>
@@ -4581,7 +4746,7 @@
                   <a:bodyPr/>
                   <a:lstStyle/>
                   <a:p>
-                    <a:fld id="{49427879-2A69-46E6-A956-26C940E949CA}" type="CELLRANGE">
+                    <a:fld id="{74BDC16C-39D2-4529-951B-49F3B8A6C7D9}" type="CELLRANGE">
                       <a:rPr lang="de-DE"/>
                       <a:pPr/>
                       <a:t>[ZELLBEREICH]</a:t>
@@ -4615,7 +4780,7 @@
                   <a:bodyPr/>
                   <a:lstStyle/>
                   <a:p>
-                    <a:fld id="{868141C4-8CFE-4985-A726-E5BBAB3B7A8F}" type="CELLRANGE">
+                    <a:fld id="{68D8212E-CA94-4C22-A85D-4AE5E4089687}" type="CELLRANGE">
                       <a:rPr lang="de-DE"/>
                       <a:pPr/>
                       <a:t>[ZELLBEREICH]</a:t>
@@ -4649,7 +4814,7 @@
                   <a:bodyPr/>
                   <a:lstStyle/>
                   <a:p>
-                    <a:fld id="{A194EA89-2D88-4BD4-A410-DDFB3809A755}" type="CELLRANGE">
+                    <a:fld id="{DD0B3F24-A864-4973-B611-F23BC83A1998}" type="CELLRANGE">
                       <a:rPr lang="de-DE"/>
                       <a:pPr/>
                       <a:t>[ZELLBEREICH]</a:t>
@@ -5207,19 +5372,11 @@
             </a:pPr>
             <a:r>
               <a:rPr lang="de-DE" dirty="0"/>
-              <a:t>Abfragezeit bei Veränderung </a:t>
-            </a:r>
-            <a:r>
-              <a:rPr lang="de-DE"/>
-              <a:t>des</a:t>
-            </a:r>
-            <a:r>
-              <a:rPr lang="de-DE" baseline="0"/>
-              <a:t> Anfrage </a:t>
+              <a:t>Abfragezeit bei Veränderung des</a:t>
             </a:r>
             <a:r>
               <a:rPr lang="de-DE" baseline="0" dirty="0"/>
-              <a:t>Radius</a:t>
+              <a:t> Anfrage Radius</a:t>
             </a:r>
             <a:endParaRPr lang="de-DE" dirty="0"/>
           </a:p>
@@ -6037,6 +6194,892 @@
 </c:chartSpace>
 </file>
 
+<file path=ppt/charts/chart6.xml><?xml version="1.0" encoding="utf-8"?>
+<c:chartSpace xmlns:c="http://schemas.openxmlformats.org/drawingml/2006/chart" xmlns:a="http://schemas.openxmlformats.org/drawingml/2006/main" xmlns:r="http://schemas.openxmlformats.org/officeDocument/2006/relationships" xmlns:c16r2="http://schemas.microsoft.com/office/drawing/2015/06/chart">
+  <c:date1904 val="0"/>
+  <c:lang val="de-DE"/>
+  <c:roundedCorners val="0"/>
+  <mc:AlternateContent xmlns:mc="http://schemas.openxmlformats.org/markup-compatibility/2006">
+    <mc:Choice xmlns:c14="http://schemas.microsoft.com/office/drawing/2007/8/2/chart" Requires="c14">
+      <c14:style val="102"/>
+    </mc:Choice>
+    <mc:Fallback>
+      <c:style val="2"/>
+    </mc:Fallback>
+  </mc:AlternateContent>
+  <c:chart>
+    <c:title>
+      <c:tx>
+        <c:rich>
+          <a:bodyPr rot="0" spcFirstLastPara="1" vertOverflow="ellipsis" vert="horz" wrap="square" anchor="ctr" anchorCtr="1"/>
+          <a:lstStyle/>
+          <a:p>
+            <a:pPr>
+              <a:defRPr sz="1400" b="0" i="0" u="none" strike="noStrike" kern="1200" spc="0" baseline="0">
+                <a:solidFill>
+                  <a:schemeClr val="tx1">
+                    <a:lumMod val="65000"/>
+                    <a:lumOff val="35000"/>
+                  </a:schemeClr>
+                </a:solidFill>
+                <a:latin typeface="+mn-lt"/>
+                <a:ea typeface="+mn-ea"/>
+                <a:cs typeface="+mn-cs"/>
+              </a:defRPr>
+            </a:pPr>
+            <a:r>
+              <a:rPr lang="de-DE" sz="1800" b="0" i="0" baseline="0" dirty="0">
+                <a:effectLst/>
+              </a:rPr>
+              <a:t>Abfragezeit bei Veränderung der Anfrage x-Position</a:t>
+            </a:r>
+            <a:endParaRPr lang="de-DE" dirty="0">
+              <a:effectLst/>
+            </a:endParaRPr>
+          </a:p>
+        </c:rich>
+      </c:tx>
+      <c:overlay val="0"/>
+      <c:spPr>
+        <a:noFill/>
+        <a:ln>
+          <a:noFill/>
+        </a:ln>
+        <a:effectLst/>
+      </c:spPr>
+      <c:txPr>
+        <a:bodyPr rot="0" spcFirstLastPara="1" vertOverflow="ellipsis" vert="horz" wrap="square" anchor="ctr" anchorCtr="1"/>
+        <a:lstStyle/>
+        <a:p>
+          <a:pPr>
+            <a:defRPr sz="1400" b="0" i="0" u="none" strike="noStrike" kern="1200" spc="0" baseline="0">
+              <a:solidFill>
+                <a:schemeClr val="tx1">
+                  <a:lumMod val="65000"/>
+                  <a:lumOff val="35000"/>
+                </a:schemeClr>
+              </a:solidFill>
+              <a:latin typeface="+mn-lt"/>
+              <a:ea typeface="+mn-ea"/>
+              <a:cs typeface="+mn-cs"/>
+            </a:defRPr>
+          </a:pPr>
+          <a:endParaRPr lang="de-DE"/>
+        </a:p>
+      </c:txPr>
+    </c:title>
+    <c:autoTitleDeleted val="0"/>
+    <c:plotArea>
+      <c:layout/>
+      <c:lineChart>
+        <c:grouping val="standard"/>
+        <c:varyColors val="0"/>
+        <c:ser>
+          <c:idx val="0"/>
+          <c:order val="0"/>
+          <c:tx>
+            <c:strRef>
+              <c:f>Tabelle8!$F$1</c:f>
+              <c:strCache>
+                <c:ptCount val="1"/>
+                <c:pt idx="0">
+                  <c:v> GPU</c:v>
+                </c:pt>
+              </c:strCache>
+            </c:strRef>
+          </c:tx>
+          <c:spPr>
+            <a:ln w="19050" cap="rnd">
+              <a:solidFill>
+                <a:schemeClr val="accent5">
+                  <a:lumMod val="60000"/>
+                  <a:lumOff val="40000"/>
+                </a:schemeClr>
+              </a:solidFill>
+              <a:round/>
+            </a:ln>
+            <a:effectLst/>
+          </c:spPr>
+          <c:marker>
+            <c:symbol val="none"/>
+          </c:marker>
+          <c:cat>
+            <c:numRef>
+              <c:f>Tabelle8!$E$2:$E$31</c:f>
+              <c:numCache>
+                <c:formatCode>General</c:formatCode>
+                <c:ptCount val="30"/>
+                <c:pt idx="0">
+                  <c:v>0</c:v>
+                </c:pt>
+                <c:pt idx="1">
+                  <c:v>17</c:v>
+                </c:pt>
+                <c:pt idx="2">
+                  <c:v>35</c:v>
+                </c:pt>
+                <c:pt idx="3">
+                  <c:v>52</c:v>
+                </c:pt>
+                <c:pt idx="4">
+                  <c:v>69</c:v>
+                </c:pt>
+                <c:pt idx="5">
+                  <c:v>87</c:v>
+                </c:pt>
+                <c:pt idx="6">
+                  <c:v>104</c:v>
+                </c:pt>
+                <c:pt idx="7">
+                  <c:v>121</c:v>
+                </c:pt>
+                <c:pt idx="8">
+                  <c:v>139</c:v>
+                </c:pt>
+                <c:pt idx="9">
+                  <c:v>156</c:v>
+                </c:pt>
+                <c:pt idx="10">
+                  <c:v>173</c:v>
+                </c:pt>
+                <c:pt idx="11">
+                  <c:v>190</c:v>
+                </c:pt>
+                <c:pt idx="12">
+                  <c:v>208</c:v>
+                </c:pt>
+                <c:pt idx="13">
+                  <c:v>225</c:v>
+                </c:pt>
+                <c:pt idx="14">
+                  <c:v>243</c:v>
+                </c:pt>
+                <c:pt idx="15">
+                  <c:v>260</c:v>
+                </c:pt>
+                <c:pt idx="16">
+                  <c:v>277</c:v>
+                </c:pt>
+                <c:pt idx="17">
+                  <c:v>295</c:v>
+                </c:pt>
+                <c:pt idx="18">
+                  <c:v>312</c:v>
+                </c:pt>
+                <c:pt idx="19">
+                  <c:v>329</c:v>
+                </c:pt>
+                <c:pt idx="20">
+                  <c:v>347</c:v>
+                </c:pt>
+                <c:pt idx="21">
+                  <c:v>364</c:v>
+                </c:pt>
+                <c:pt idx="22">
+                  <c:v>381</c:v>
+                </c:pt>
+                <c:pt idx="23">
+                  <c:v>398</c:v>
+                </c:pt>
+                <c:pt idx="24">
+                  <c:v>416</c:v>
+                </c:pt>
+                <c:pt idx="25">
+                  <c:v>433</c:v>
+                </c:pt>
+                <c:pt idx="26">
+                  <c:v>450</c:v>
+                </c:pt>
+                <c:pt idx="27">
+                  <c:v>468</c:v>
+                </c:pt>
+                <c:pt idx="28">
+                  <c:v>485</c:v>
+                </c:pt>
+                <c:pt idx="29">
+                  <c:v>503</c:v>
+                </c:pt>
+              </c:numCache>
+            </c:numRef>
+          </c:cat>
+          <c:val>
+            <c:numRef>
+              <c:f>Tabelle8!$F$2:$F$31</c:f>
+              <c:numCache>
+                <c:formatCode>General</c:formatCode>
+                <c:ptCount val="30"/>
+                <c:pt idx="0">
+                  <c:v>402</c:v>
+                </c:pt>
+                <c:pt idx="1">
+                  <c:v>409</c:v>
+                </c:pt>
+                <c:pt idx="2">
+                  <c:v>391</c:v>
+                </c:pt>
+                <c:pt idx="3">
+                  <c:v>392</c:v>
+                </c:pt>
+                <c:pt idx="4">
+                  <c:v>396</c:v>
+                </c:pt>
+                <c:pt idx="5">
+                  <c:v>364</c:v>
+                </c:pt>
+                <c:pt idx="6">
+                  <c:v>394</c:v>
+                </c:pt>
+                <c:pt idx="7">
+                  <c:v>390</c:v>
+                </c:pt>
+                <c:pt idx="8">
+                  <c:v>396</c:v>
+                </c:pt>
+                <c:pt idx="9">
+                  <c:v>388</c:v>
+                </c:pt>
+                <c:pt idx="10">
+                  <c:v>362</c:v>
+                </c:pt>
+                <c:pt idx="11">
+                  <c:v>399</c:v>
+                </c:pt>
+                <c:pt idx="12">
+                  <c:v>394</c:v>
+                </c:pt>
+                <c:pt idx="13">
+                  <c:v>390</c:v>
+                </c:pt>
+                <c:pt idx="14">
+                  <c:v>401</c:v>
+                </c:pt>
+                <c:pt idx="15">
+                  <c:v>391</c:v>
+                </c:pt>
+                <c:pt idx="16">
+                  <c:v>375</c:v>
+                </c:pt>
+                <c:pt idx="17">
+                  <c:v>397</c:v>
+                </c:pt>
+                <c:pt idx="18">
+                  <c:v>396</c:v>
+                </c:pt>
+                <c:pt idx="19">
+                  <c:v>373</c:v>
+                </c:pt>
+                <c:pt idx="20">
+                  <c:v>411</c:v>
+                </c:pt>
+                <c:pt idx="21">
+                  <c:v>380</c:v>
+                </c:pt>
+                <c:pt idx="22">
+                  <c:v>392</c:v>
+                </c:pt>
+                <c:pt idx="23">
+                  <c:v>412</c:v>
+                </c:pt>
+                <c:pt idx="24">
+                  <c:v>421</c:v>
+                </c:pt>
+                <c:pt idx="25">
+                  <c:v>453</c:v>
+                </c:pt>
+                <c:pt idx="26">
+                  <c:v>465</c:v>
+                </c:pt>
+                <c:pt idx="27">
+                  <c:v>467</c:v>
+                </c:pt>
+                <c:pt idx="28">
+                  <c:v>427</c:v>
+                </c:pt>
+                <c:pt idx="29">
+                  <c:v>445</c:v>
+                </c:pt>
+              </c:numCache>
+            </c:numRef>
+          </c:val>
+          <c:smooth val="1"/>
+          <c:extLst>
+            <c:ext xmlns:c16="http://schemas.microsoft.com/office/drawing/2014/chart" uri="{C3380CC4-5D6E-409C-BE32-E72D297353CC}">
+              <c16:uniqueId val="{00000000-DE8E-4ED5-9220-42E148EF2E51}"/>
+            </c:ext>
+          </c:extLst>
+        </c:ser>
+        <c:ser>
+          <c:idx val="1"/>
+          <c:order val="1"/>
+          <c:tx>
+            <c:strRef>
+              <c:f>Tabelle8!$G$1</c:f>
+              <c:strCache>
+                <c:ptCount val="1"/>
+                <c:pt idx="0">
+                  <c:v> CPU</c:v>
+                </c:pt>
+              </c:strCache>
+            </c:strRef>
+          </c:tx>
+          <c:spPr>
+            <a:ln w="19050" cap="rnd">
+              <a:solidFill>
+                <a:schemeClr val="accent2"/>
+              </a:solidFill>
+              <a:round/>
+            </a:ln>
+            <a:effectLst/>
+          </c:spPr>
+          <c:marker>
+            <c:symbol val="none"/>
+          </c:marker>
+          <c:cat>
+            <c:numRef>
+              <c:f>Tabelle8!$E$2:$E$31</c:f>
+              <c:numCache>
+                <c:formatCode>General</c:formatCode>
+                <c:ptCount val="30"/>
+                <c:pt idx="0">
+                  <c:v>0</c:v>
+                </c:pt>
+                <c:pt idx="1">
+                  <c:v>17</c:v>
+                </c:pt>
+                <c:pt idx="2">
+                  <c:v>35</c:v>
+                </c:pt>
+                <c:pt idx="3">
+                  <c:v>52</c:v>
+                </c:pt>
+                <c:pt idx="4">
+                  <c:v>69</c:v>
+                </c:pt>
+                <c:pt idx="5">
+                  <c:v>87</c:v>
+                </c:pt>
+                <c:pt idx="6">
+                  <c:v>104</c:v>
+                </c:pt>
+                <c:pt idx="7">
+                  <c:v>121</c:v>
+                </c:pt>
+                <c:pt idx="8">
+                  <c:v>139</c:v>
+                </c:pt>
+                <c:pt idx="9">
+                  <c:v>156</c:v>
+                </c:pt>
+                <c:pt idx="10">
+                  <c:v>173</c:v>
+                </c:pt>
+                <c:pt idx="11">
+                  <c:v>190</c:v>
+                </c:pt>
+                <c:pt idx="12">
+                  <c:v>208</c:v>
+                </c:pt>
+                <c:pt idx="13">
+                  <c:v>225</c:v>
+                </c:pt>
+                <c:pt idx="14">
+                  <c:v>243</c:v>
+                </c:pt>
+                <c:pt idx="15">
+                  <c:v>260</c:v>
+                </c:pt>
+                <c:pt idx="16">
+                  <c:v>277</c:v>
+                </c:pt>
+                <c:pt idx="17">
+                  <c:v>295</c:v>
+                </c:pt>
+                <c:pt idx="18">
+                  <c:v>312</c:v>
+                </c:pt>
+                <c:pt idx="19">
+                  <c:v>329</c:v>
+                </c:pt>
+                <c:pt idx="20">
+                  <c:v>347</c:v>
+                </c:pt>
+                <c:pt idx="21">
+                  <c:v>364</c:v>
+                </c:pt>
+                <c:pt idx="22">
+                  <c:v>381</c:v>
+                </c:pt>
+                <c:pt idx="23">
+                  <c:v>398</c:v>
+                </c:pt>
+                <c:pt idx="24">
+                  <c:v>416</c:v>
+                </c:pt>
+                <c:pt idx="25">
+                  <c:v>433</c:v>
+                </c:pt>
+                <c:pt idx="26">
+                  <c:v>450</c:v>
+                </c:pt>
+                <c:pt idx="27">
+                  <c:v>468</c:v>
+                </c:pt>
+                <c:pt idx="28">
+                  <c:v>485</c:v>
+                </c:pt>
+                <c:pt idx="29">
+                  <c:v>503</c:v>
+                </c:pt>
+              </c:numCache>
+            </c:numRef>
+          </c:cat>
+          <c:val>
+            <c:numRef>
+              <c:f>Tabelle8!$G$2:$G$31</c:f>
+              <c:numCache>
+                <c:formatCode>General</c:formatCode>
+                <c:ptCount val="30"/>
+                <c:pt idx="0">
+                  <c:v>66</c:v>
+                </c:pt>
+                <c:pt idx="1">
+                  <c:v>79</c:v>
+                </c:pt>
+                <c:pt idx="2">
+                  <c:v>79</c:v>
+                </c:pt>
+                <c:pt idx="3">
+                  <c:v>78</c:v>
+                </c:pt>
+                <c:pt idx="4">
+                  <c:v>78</c:v>
+                </c:pt>
+                <c:pt idx="5">
+                  <c:v>79</c:v>
+                </c:pt>
+                <c:pt idx="6">
+                  <c:v>79</c:v>
+                </c:pt>
+                <c:pt idx="7">
+                  <c:v>81</c:v>
+                </c:pt>
+                <c:pt idx="8">
+                  <c:v>84</c:v>
+                </c:pt>
+                <c:pt idx="9">
+                  <c:v>80</c:v>
+                </c:pt>
+                <c:pt idx="10">
+                  <c:v>79</c:v>
+                </c:pt>
+                <c:pt idx="11">
+                  <c:v>78</c:v>
+                </c:pt>
+                <c:pt idx="12">
+                  <c:v>80</c:v>
+                </c:pt>
+                <c:pt idx="13">
+                  <c:v>79</c:v>
+                </c:pt>
+                <c:pt idx="14">
+                  <c:v>81</c:v>
+                </c:pt>
+                <c:pt idx="15">
+                  <c:v>82</c:v>
+                </c:pt>
+                <c:pt idx="16">
+                  <c:v>81</c:v>
+                </c:pt>
+                <c:pt idx="17">
+                  <c:v>83</c:v>
+                </c:pt>
+                <c:pt idx="18">
+                  <c:v>87</c:v>
+                </c:pt>
+                <c:pt idx="19">
+                  <c:v>89</c:v>
+                </c:pt>
+                <c:pt idx="20">
+                  <c:v>90</c:v>
+                </c:pt>
+                <c:pt idx="21">
+                  <c:v>91</c:v>
+                </c:pt>
+                <c:pt idx="22">
+                  <c:v>92</c:v>
+                </c:pt>
+                <c:pt idx="23">
+                  <c:v>133</c:v>
+                </c:pt>
+                <c:pt idx="24">
+                  <c:v>448</c:v>
+                </c:pt>
+                <c:pt idx="25">
+                  <c:v>853</c:v>
+                </c:pt>
+                <c:pt idx="26">
+                  <c:v>1178</c:v>
+                </c:pt>
+                <c:pt idx="27">
+                  <c:v>1172</c:v>
+                </c:pt>
+                <c:pt idx="28">
+                  <c:v>1001</c:v>
+                </c:pt>
+                <c:pt idx="29">
+                  <c:v>420</c:v>
+                </c:pt>
+              </c:numCache>
+            </c:numRef>
+          </c:val>
+          <c:smooth val="1"/>
+          <c:extLst>
+            <c:ext xmlns:c16="http://schemas.microsoft.com/office/drawing/2014/chart" uri="{C3380CC4-5D6E-409C-BE32-E72D297353CC}">
+              <c16:uniqueId val="{00000001-DE8E-4ED5-9220-42E148EF2E51}"/>
+            </c:ext>
+          </c:extLst>
+        </c:ser>
+        <c:dLbls>
+          <c:showLegendKey val="0"/>
+          <c:showVal val="0"/>
+          <c:showCatName val="0"/>
+          <c:showSerName val="0"/>
+          <c:showPercent val="0"/>
+          <c:showBubbleSize val="0"/>
+        </c:dLbls>
+        <c:smooth val="0"/>
+        <c:axId val="604094600"/>
+        <c:axId val="604094928"/>
+      </c:lineChart>
+      <c:catAx>
+        <c:axId val="604094600"/>
+        <c:scaling>
+          <c:orientation val="minMax"/>
+        </c:scaling>
+        <c:delete val="0"/>
+        <c:axPos val="b"/>
+        <c:majorGridlines>
+          <c:spPr>
+            <a:ln w="9525" cap="flat" cmpd="sng" algn="ctr">
+              <a:solidFill>
+                <a:schemeClr val="tx1">
+                  <a:lumMod val="15000"/>
+                  <a:lumOff val="85000"/>
+                </a:schemeClr>
+              </a:solidFill>
+              <a:round/>
+            </a:ln>
+            <a:effectLst/>
+          </c:spPr>
+        </c:majorGridlines>
+        <c:title>
+          <c:tx>
+            <c:rich>
+              <a:bodyPr rot="0" spcFirstLastPara="1" vertOverflow="ellipsis" vert="horz" wrap="square" anchor="ctr" anchorCtr="1"/>
+              <a:lstStyle/>
+              <a:p>
+                <a:pPr>
+                  <a:defRPr sz="1000" b="0" i="0" u="none" strike="noStrike" kern="1200" baseline="0">
+                    <a:solidFill>
+                      <a:schemeClr val="tx1">
+                        <a:lumMod val="65000"/>
+                        <a:lumOff val="35000"/>
+                      </a:schemeClr>
+                    </a:solidFill>
+                    <a:latin typeface="+mn-lt"/>
+                    <a:ea typeface="+mn-ea"/>
+                    <a:cs typeface="+mn-cs"/>
+                  </a:defRPr>
+                </a:pPr>
+                <a:r>
+                  <a:rPr lang="de-DE"/>
+                  <a:t>x-Position im Datensatz</a:t>
+                </a:r>
+              </a:p>
+            </c:rich>
+          </c:tx>
+          <c:layout>
+            <c:manualLayout>
+              <c:xMode val="edge"/>
+              <c:yMode val="edge"/>
+              <c:x val="0.44289683020391679"/>
+              <c:y val="0.8951278686318056"/>
+            </c:manualLayout>
+          </c:layout>
+          <c:overlay val="0"/>
+          <c:spPr>
+            <a:noFill/>
+            <a:ln>
+              <a:noFill/>
+            </a:ln>
+            <a:effectLst/>
+          </c:spPr>
+          <c:txPr>
+            <a:bodyPr rot="0" spcFirstLastPara="1" vertOverflow="ellipsis" vert="horz" wrap="square" anchor="ctr" anchorCtr="1"/>
+            <a:lstStyle/>
+            <a:p>
+              <a:pPr>
+                <a:defRPr sz="1000" b="0" i="0" u="none" strike="noStrike" kern="1200" baseline="0">
+                  <a:solidFill>
+                    <a:schemeClr val="tx1">
+                      <a:lumMod val="65000"/>
+                      <a:lumOff val="35000"/>
+                    </a:schemeClr>
+                  </a:solidFill>
+                  <a:latin typeface="+mn-lt"/>
+                  <a:ea typeface="+mn-ea"/>
+                  <a:cs typeface="+mn-cs"/>
+                </a:defRPr>
+              </a:pPr>
+              <a:endParaRPr lang="de-DE"/>
+            </a:p>
+          </c:txPr>
+        </c:title>
+        <c:numFmt formatCode="General" sourceLinked="1"/>
+        <c:majorTickMark val="none"/>
+        <c:minorTickMark val="none"/>
+        <c:tickLblPos val="nextTo"/>
+        <c:spPr>
+          <a:noFill/>
+          <a:ln w="9525" cap="flat" cmpd="sng" algn="ctr">
+            <a:solidFill>
+              <a:schemeClr val="tx1">
+                <a:lumMod val="25000"/>
+                <a:lumOff val="75000"/>
+              </a:schemeClr>
+            </a:solidFill>
+            <a:round/>
+          </a:ln>
+          <a:effectLst/>
+        </c:spPr>
+        <c:txPr>
+          <a:bodyPr rot="-60000000" spcFirstLastPara="1" vertOverflow="ellipsis" vert="horz" wrap="square" anchor="ctr" anchorCtr="1"/>
+          <a:lstStyle/>
+          <a:p>
+            <a:pPr>
+              <a:defRPr sz="900" b="0" i="0" u="none" strike="noStrike" kern="1200" baseline="0">
+                <a:solidFill>
+                  <a:schemeClr val="tx1">
+                    <a:lumMod val="65000"/>
+                    <a:lumOff val="35000"/>
+                  </a:schemeClr>
+                </a:solidFill>
+                <a:latin typeface="+mn-lt"/>
+                <a:ea typeface="+mn-ea"/>
+                <a:cs typeface="+mn-cs"/>
+              </a:defRPr>
+            </a:pPr>
+            <a:endParaRPr lang="de-DE"/>
+          </a:p>
+        </c:txPr>
+        <c:crossAx val="604094928"/>
+        <c:crosses val="autoZero"/>
+        <c:auto val="1"/>
+        <c:lblAlgn val="ctr"/>
+        <c:lblOffset val="100"/>
+        <c:noMultiLvlLbl val="0"/>
+      </c:catAx>
+      <c:valAx>
+        <c:axId val="604094928"/>
+        <c:scaling>
+          <c:orientation val="minMax"/>
+        </c:scaling>
+        <c:delete val="0"/>
+        <c:axPos val="l"/>
+        <c:majorGridlines>
+          <c:spPr>
+            <a:ln w="9525" cap="flat" cmpd="sng" algn="ctr">
+              <a:solidFill>
+                <a:schemeClr val="tx1">
+                  <a:lumMod val="15000"/>
+                  <a:lumOff val="85000"/>
+                </a:schemeClr>
+              </a:solidFill>
+              <a:round/>
+            </a:ln>
+            <a:effectLst/>
+          </c:spPr>
+        </c:majorGridlines>
+        <c:title>
+          <c:tx>
+            <c:rich>
+              <a:bodyPr rot="-5400000" spcFirstLastPara="1" vertOverflow="ellipsis" vert="horz" wrap="square" anchor="ctr" anchorCtr="1"/>
+              <a:lstStyle/>
+              <a:p>
+                <a:pPr>
+                  <a:defRPr sz="1000" b="0" i="0" u="none" strike="noStrike" kern="1200" baseline="0">
+                    <a:solidFill>
+                      <a:schemeClr val="tx1">
+                        <a:lumMod val="65000"/>
+                        <a:lumOff val="35000"/>
+                      </a:schemeClr>
+                    </a:solidFill>
+                    <a:latin typeface="+mn-lt"/>
+                    <a:ea typeface="+mn-ea"/>
+                    <a:cs typeface="+mn-cs"/>
+                  </a:defRPr>
+                </a:pPr>
+                <a:r>
+                  <a:rPr lang="de-DE"/>
+                  <a:t>Laufzeit</a:t>
+                </a:r>
+                <a:r>
+                  <a:rPr lang="de-DE" baseline="0"/>
+                  <a:t> in </a:t>
+                </a:r>
+                <a:r>
+                  <a:rPr lang="de-DE" sz="1000" b="1" i="0" u="none" strike="noStrike" baseline="0">
+                    <a:effectLst/>
+                  </a:rPr>
+                  <a:t>µs</a:t>
+                </a:r>
+                <a:endParaRPr lang="de-DE"/>
+              </a:p>
+            </c:rich>
+          </c:tx>
+          <c:overlay val="0"/>
+          <c:spPr>
+            <a:noFill/>
+            <a:ln>
+              <a:noFill/>
+            </a:ln>
+            <a:effectLst/>
+          </c:spPr>
+          <c:txPr>
+            <a:bodyPr rot="-5400000" spcFirstLastPara="1" vertOverflow="ellipsis" vert="horz" wrap="square" anchor="ctr" anchorCtr="1"/>
+            <a:lstStyle/>
+            <a:p>
+              <a:pPr>
+                <a:defRPr sz="1000" b="0" i="0" u="none" strike="noStrike" kern="1200" baseline="0">
+                  <a:solidFill>
+                    <a:schemeClr val="tx1">
+                      <a:lumMod val="65000"/>
+                      <a:lumOff val="35000"/>
+                    </a:schemeClr>
+                  </a:solidFill>
+                  <a:latin typeface="+mn-lt"/>
+                  <a:ea typeface="+mn-ea"/>
+                  <a:cs typeface="+mn-cs"/>
+                </a:defRPr>
+              </a:pPr>
+              <a:endParaRPr lang="de-DE"/>
+            </a:p>
+          </c:txPr>
+        </c:title>
+        <c:numFmt formatCode="General" sourceLinked="1"/>
+        <c:majorTickMark val="none"/>
+        <c:minorTickMark val="none"/>
+        <c:tickLblPos val="nextTo"/>
+        <c:spPr>
+          <a:noFill/>
+          <a:ln w="9525" cap="flat" cmpd="sng" algn="ctr">
+            <a:solidFill>
+              <a:schemeClr val="tx1">
+                <a:lumMod val="25000"/>
+                <a:lumOff val="75000"/>
+              </a:schemeClr>
+            </a:solidFill>
+            <a:round/>
+          </a:ln>
+          <a:effectLst/>
+        </c:spPr>
+        <c:txPr>
+          <a:bodyPr rot="-60000000" spcFirstLastPara="1" vertOverflow="ellipsis" vert="horz" wrap="square" anchor="ctr" anchorCtr="1"/>
+          <a:lstStyle/>
+          <a:p>
+            <a:pPr>
+              <a:defRPr sz="900" b="0" i="0" u="none" strike="noStrike" kern="1200" baseline="0">
+                <a:solidFill>
+                  <a:schemeClr val="tx1">
+                    <a:lumMod val="65000"/>
+                    <a:lumOff val="35000"/>
+                  </a:schemeClr>
+                </a:solidFill>
+                <a:latin typeface="+mn-lt"/>
+                <a:ea typeface="+mn-ea"/>
+                <a:cs typeface="+mn-cs"/>
+              </a:defRPr>
+            </a:pPr>
+            <a:endParaRPr lang="de-DE"/>
+          </a:p>
+        </c:txPr>
+        <c:crossAx val="604094600"/>
+        <c:crosses val="autoZero"/>
+        <c:crossBetween val="between"/>
+      </c:valAx>
+      <c:spPr>
+        <a:noFill/>
+        <a:ln>
+          <a:noFill/>
+        </a:ln>
+        <a:effectLst/>
+      </c:spPr>
+    </c:plotArea>
+    <c:legend>
+      <c:legendPos val="b"/>
+      <c:overlay val="0"/>
+      <c:spPr>
+        <a:noFill/>
+        <a:ln>
+          <a:noFill/>
+        </a:ln>
+        <a:effectLst/>
+      </c:spPr>
+      <c:txPr>
+        <a:bodyPr rot="0" spcFirstLastPara="1" vertOverflow="ellipsis" vert="horz" wrap="square" anchor="ctr" anchorCtr="1"/>
+        <a:lstStyle/>
+        <a:p>
+          <a:pPr>
+            <a:defRPr sz="900" b="0" i="0" u="none" strike="noStrike" kern="1200" baseline="0">
+              <a:solidFill>
+                <a:schemeClr val="tx1">
+                  <a:lumMod val="65000"/>
+                  <a:lumOff val="35000"/>
+                </a:schemeClr>
+              </a:solidFill>
+              <a:latin typeface="+mn-lt"/>
+              <a:ea typeface="+mn-ea"/>
+              <a:cs typeface="+mn-cs"/>
+            </a:defRPr>
+          </a:pPr>
+          <a:endParaRPr lang="de-DE"/>
+        </a:p>
+      </c:txPr>
+    </c:legend>
+    <c:plotVisOnly val="1"/>
+    <c:dispBlanksAs val="gap"/>
+    <c:extLst>
+      <c:ext xmlns:c16r3="http://schemas.microsoft.com/office/drawing/2017/03/chart" uri="{56B9EC1D-385E-4148-901F-78D8002777C0}">
+        <c16r3:dataDisplayOptions16>
+          <c16r3:dispNaAsBlank val="1"/>
+        </c16r3:dataDisplayOptions16>
+      </c:ext>
+    </c:extLst>
+    <c:showDLblsOverMax val="0"/>
+  </c:chart>
+  <c:spPr>
+    <a:noFill/>
+    <a:ln>
+      <a:noFill/>
+    </a:ln>
+    <a:effectLst/>
+  </c:spPr>
+  <c:txPr>
+    <a:bodyPr/>
+    <a:lstStyle/>
+    <a:p>
+      <a:pPr>
+        <a:defRPr/>
+      </a:pPr>
+      <a:endParaRPr lang="de-DE"/>
+    </a:p>
+  </c:txPr>
+  <c:externalData r:id="rId3">
+    <c:autoUpdate val="0"/>
+  </c:externalData>
+</c:chartSpace>
+</file>
+
 <file path=ppt/charts/colors1.xml><?xml version="1.0" encoding="utf-8"?>
 <cs:colorStyle xmlns:cs="http://schemas.microsoft.com/office/drawing/2012/chartStyle" xmlns:a="http://schemas.openxmlformats.org/drawingml/2006/main" meth="cycle" id="10">
   <a:schemeClr val="accent1"/>
@@ -6198,6 +7241,46 @@
 </file>
 
 <file path=ppt/charts/colors5.xml><?xml version="1.0" encoding="utf-8"?>
+<cs:colorStyle xmlns:cs="http://schemas.microsoft.com/office/drawing/2012/chartStyle" xmlns:a="http://schemas.openxmlformats.org/drawingml/2006/main" meth="cycle" id="10">
+  <a:schemeClr val="accent1"/>
+  <a:schemeClr val="accent2"/>
+  <a:schemeClr val="accent3"/>
+  <a:schemeClr val="accent4"/>
+  <a:schemeClr val="accent5"/>
+  <a:schemeClr val="accent6"/>
+  <cs:variation/>
+  <cs:variation>
+    <a:lumMod val="60000"/>
+  </cs:variation>
+  <cs:variation>
+    <a:lumMod val="80000"/>
+    <a:lumOff val="20000"/>
+  </cs:variation>
+  <cs:variation>
+    <a:lumMod val="80000"/>
+  </cs:variation>
+  <cs:variation>
+    <a:lumMod val="60000"/>
+    <a:lumOff val="40000"/>
+  </cs:variation>
+  <cs:variation>
+    <a:lumMod val="50000"/>
+  </cs:variation>
+  <cs:variation>
+    <a:lumMod val="70000"/>
+    <a:lumOff val="30000"/>
+  </cs:variation>
+  <cs:variation>
+    <a:lumMod val="70000"/>
+  </cs:variation>
+  <cs:variation>
+    <a:lumMod val="50000"/>
+    <a:lumOff val="50000"/>
+  </cs:variation>
+</cs:colorStyle>
+</file>
+
+<file path=ppt/charts/colors6.xml><?xml version="1.0" encoding="utf-8"?>
 <cs:colorStyle xmlns:cs="http://schemas.microsoft.com/office/drawing/2012/chartStyle" xmlns:a="http://schemas.openxmlformats.org/drawingml/2006/main" meth="cycle" id="10">
   <a:schemeClr val="accent1"/>
   <a:schemeClr val="accent2"/>
@@ -8793,6 +9876,566 @@
 </cs:chartStyle>
 </file>
 
+<file path=ppt/charts/style6.xml><?xml version="1.0" encoding="utf-8"?>
+<cs:chartStyle xmlns:cs="http://schemas.microsoft.com/office/drawing/2012/chartStyle" xmlns:a="http://schemas.openxmlformats.org/drawingml/2006/main" id="240">
+  <cs:axisTitle>
+    <cs:lnRef idx="0"/>
+    <cs:fillRef idx="0"/>
+    <cs:effectRef idx="0"/>
+    <cs:fontRef idx="minor">
+      <a:schemeClr val="tx1">
+        <a:lumMod val="65000"/>
+        <a:lumOff val="35000"/>
+      </a:schemeClr>
+    </cs:fontRef>
+    <cs:defRPr sz="1000" kern="1200"/>
+  </cs:axisTitle>
+  <cs:categoryAxis>
+    <cs:lnRef idx="0"/>
+    <cs:fillRef idx="0"/>
+    <cs:effectRef idx="0"/>
+    <cs:fontRef idx="minor">
+      <a:schemeClr val="tx1">
+        <a:lumMod val="65000"/>
+        <a:lumOff val="35000"/>
+      </a:schemeClr>
+    </cs:fontRef>
+    <cs:spPr>
+      <a:ln w="9525" cap="flat" cmpd="sng" algn="ctr">
+        <a:solidFill>
+          <a:schemeClr val="tx1">
+            <a:lumMod val="25000"/>
+            <a:lumOff val="75000"/>
+          </a:schemeClr>
+        </a:solidFill>
+        <a:round/>
+      </a:ln>
+    </cs:spPr>
+    <cs:defRPr sz="900" kern="1200"/>
+  </cs:categoryAxis>
+  <cs:chartArea mods="allowNoFillOverride allowNoLineOverride">
+    <cs:lnRef idx="0"/>
+    <cs:fillRef idx="0"/>
+    <cs:effectRef idx="0"/>
+    <cs:fontRef idx="minor">
+      <a:schemeClr val="tx1"/>
+    </cs:fontRef>
+    <cs:spPr>
+      <a:solidFill>
+        <a:schemeClr val="bg1"/>
+      </a:solidFill>
+      <a:ln w="9525" cap="flat" cmpd="sng" algn="ctr">
+        <a:solidFill>
+          <a:schemeClr val="tx1">
+            <a:lumMod val="15000"/>
+            <a:lumOff val="85000"/>
+          </a:schemeClr>
+        </a:solidFill>
+        <a:round/>
+      </a:ln>
+    </cs:spPr>
+    <cs:defRPr sz="1000" kern="1200"/>
+  </cs:chartArea>
+  <cs:dataLabel>
+    <cs:lnRef idx="0"/>
+    <cs:fillRef idx="0"/>
+    <cs:effectRef idx="0"/>
+    <cs:fontRef idx="minor">
+      <a:schemeClr val="tx1">
+        <a:lumMod val="75000"/>
+        <a:lumOff val="25000"/>
+      </a:schemeClr>
+    </cs:fontRef>
+    <cs:defRPr sz="900" kern="1200"/>
+  </cs:dataLabel>
+  <cs:dataLabelCallout>
+    <cs:lnRef idx="0"/>
+    <cs:fillRef idx="0"/>
+    <cs:effectRef idx="0"/>
+    <cs:fontRef idx="minor">
+      <a:schemeClr val="dk1">
+        <a:lumMod val="65000"/>
+        <a:lumOff val="35000"/>
+      </a:schemeClr>
+    </cs:fontRef>
+    <cs:spPr>
+      <a:solidFill>
+        <a:schemeClr val="lt1"/>
+      </a:solidFill>
+      <a:ln>
+        <a:solidFill>
+          <a:schemeClr val="dk1">
+            <a:lumMod val="25000"/>
+            <a:lumOff val="75000"/>
+          </a:schemeClr>
+        </a:solidFill>
+      </a:ln>
+    </cs:spPr>
+    <cs:defRPr sz="900" kern="1200"/>
+    <cs:bodyPr rot="0" spcFirstLastPara="1" vertOverflow="clip" horzOverflow="clip" vert="horz" wrap="square" lIns="36576" tIns="18288" rIns="36576" bIns="18288" anchor="ctr" anchorCtr="1">
+      <a:spAutoFit/>
+    </cs:bodyPr>
+  </cs:dataLabelCallout>
+  <cs:dataPoint>
+    <cs:lnRef idx="0"/>
+    <cs:fillRef idx="1">
+      <cs:styleClr val="auto"/>
+    </cs:fillRef>
+    <cs:effectRef idx="0"/>
+    <cs:fontRef idx="minor">
+      <a:schemeClr val="tx1"/>
+    </cs:fontRef>
+  </cs:dataPoint>
+  <cs:dataPoint3D>
+    <cs:lnRef idx="0"/>
+    <cs:fillRef idx="1">
+      <cs:styleClr val="auto"/>
+    </cs:fillRef>
+    <cs:effectRef idx="0"/>
+    <cs:fontRef idx="minor">
+      <a:schemeClr val="tx1"/>
+    </cs:fontRef>
+  </cs:dataPoint3D>
+  <cs:dataPointLine>
+    <cs:lnRef idx="0">
+      <cs:styleClr val="auto"/>
+    </cs:lnRef>
+    <cs:fillRef idx="1"/>
+    <cs:effectRef idx="0"/>
+    <cs:fontRef idx="minor">
+      <a:schemeClr val="tx1"/>
+    </cs:fontRef>
+    <cs:spPr>
+      <a:ln w="19050" cap="rnd">
+        <a:solidFill>
+          <a:schemeClr val="phClr"/>
+        </a:solidFill>
+        <a:round/>
+      </a:ln>
+    </cs:spPr>
+  </cs:dataPointLine>
+  <cs:dataPointMarker>
+    <cs:lnRef idx="0">
+      <cs:styleClr val="auto"/>
+    </cs:lnRef>
+    <cs:fillRef idx="1">
+      <cs:styleClr val="auto"/>
+    </cs:fillRef>
+    <cs:effectRef idx="0"/>
+    <cs:fontRef idx="minor">
+      <a:schemeClr val="tx1"/>
+    </cs:fontRef>
+    <cs:spPr>
+      <a:ln w="9525">
+        <a:solidFill>
+          <a:schemeClr val="phClr"/>
+        </a:solidFill>
+      </a:ln>
+    </cs:spPr>
+  </cs:dataPointMarker>
+  <cs:dataPointMarkerLayout symbol="circle" size="5"/>
+  <cs:dataPointWireframe>
+    <cs:lnRef idx="0">
+      <cs:styleClr val="auto"/>
+    </cs:lnRef>
+    <cs:fillRef idx="0"/>
+    <cs:effectRef idx="0"/>
+    <cs:fontRef idx="minor">
+      <a:schemeClr val="dk1"/>
+    </cs:fontRef>
+    <cs:spPr>
+      <a:ln w="9525" cap="rnd">
+        <a:solidFill>
+          <a:schemeClr val="phClr"/>
+        </a:solidFill>
+        <a:round/>
+      </a:ln>
+    </cs:spPr>
+  </cs:dataPointWireframe>
+  <cs:dataTable>
+    <cs:lnRef idx="0"/>
+    <cs:fillRef idx="0"/>
+    <cs:effectRef idx="0"/>
+    <cs:fontRef idx="minor">
+      <a:schemeClr val="tx1">
+        <a:lumMod val="65000"/>
+        <a:lumOff val="35000"/>
+      </a:schemeClr>
+    </cs:fontRef>
+    <cs:spPr>
+      <a:noFill/>
+      <a:ln w="9525" cap="flat" cmpd="sng" algn="ctr">
+        <a:solidFill>
+          <a:schemeClr val="tx1">
+            <a:lumMod val="15000"/>
+            <a:lumOff val="85000"/>
+          </a:schemeClr>
+        </a:solidFill>
+        <a:round/>
+      </a:ln>
+    </cs:spPr>
+    <cs:defRPr sz="900" kern="1200"/>
+  </cs:dataTable>
+  <cs:downBar>
+    <cs:lnRef idx="0"/>
+    <cs:fillRef idx="0"/>
+    <cs:effectRef idx="0"/>
+    <cs:fontRef idx="minor">
+      <a:schemeClr val="tx1"/>
+    </cs:fontRef>
+    <cs:spPr>
+      <a:solidFill>
+        <a:schemeClr val="dk1">
+          <a:lumMod val="75000"/>
+          <a:lumOff val="25000"/>
+        </a:schemeClr>
+      </a:solidFill>
+      <a:ln w="9525" cap="flat" cmpd="sng" algn="ctr">
+        <a:solidFill>
+          <a:schemeClr val="tx1">
+            <a:lumMod val="65000"/>
+            <a:lumOff val="35000"/>
+          </a:schemeClr>
+        </a:solidFill>
+        <a:round/>
+      </a:ln>
+    </cs:spPr>
+  </cs:downBar>
+  <cs:dropLine>
+    <cs:lnRef idx="0"/>
+    <cs:fillRef idx="0"/>
+    <cs:effectRef idx="0"/>
+    <cs:fontRef idx="minor">
+      <a:schemeClr val="tx1"/>
+    </cs:fontRef>
+    <cs:spPr>
+      <a:ln w="9525" cap="flat" cmpd="sng" algn="ctr">
+        <a:solidFill>
+          <a:schemeClr val="tx1">
+            <a:lumMod val="35000"/>
+            <a:lumOff val="65000"/>
+          </a:schemeClr>
+        </a:solidFill>
+        <a:round/>
+      </a:ln>
+    </cs:spPr>
+  </cs:dropLine>
+  <cs:errorBar>
+    <cs:lnRef idx="0"/>
+    <cs:fillRef idx="0"/>
+    <cs:effectRef idx="0"/>
+    <cs:fontRef idx="minor">
+      <a:schemeClr val="tx1"/>
+    </cs:fontRef>
+    <cs:spPr>
+      <a:ln w="9525" cap="flat" cmpd="sng" algn="ctr">
+        <a:solidFill>
+          <a:schemeClr val="tx1">
+            <a:lumMod val="65000"/>
+            <a:lumOff val="35000"/>
+          </a:schemeClr>
+        </a:solidFill>
+        <a:round/>
+      </a:ln>
+    </cs:spPr>
+  </cs:errorBar>
+  <cs:floor>
+    <cs:lnRef idx="0"/>
+    <cs:fillRef idx="0"/>
+    <cs:effectRef idx="0"/>
+    <cs:fontRef idx="minor">
+      <a:schemeClr val="tx1"/>
+    </cs:fontRef>
+    <cs:spPr>
+      <a:noFill/>
+      <a:ln>
+        <a:noFill/>
+      </a:ln>
+    </cs:spPr>
+  </cs:floor>
+  <cs:gridlineMajor>
+    <cs:lnRef idx="0"/>
+    <cs:fillRef idx="0"/>
+    <cs:effectRef idx="0"/>
+    <cs:fontRef idx="minor">
+      <a:schemeClr val="tx1"/>
+    </cs:fontRef>
+    <cs:spPr>
+      <a:ln w="9525" cap="flat" cmpd="sng" algn="ctr">
+        <a:solidFill>
+          <a:schemeClr val="tx1">
+            <a:lumMod val="15000"/>
+            <a:lumOff val="85000"/>
+          </a:schemeClr>
+        </a:solidFill>
+        <a:round/>
+      </a:ln>
+    </cs:spPr>
+  </cs:gridlineMajor>
+  <cs:gridlineMinor>
+    <cs:lnRef idx="0"/>
+    <cs:fillRef idx="0"/>
+    <cs:effectRef idx="0"/>
+    <cs:fontRef idx="minor">
+      <a:schemeClr val="tx1"/>
+    </cs:fontRef>
+    <cs:spPr>
+      <a:ln w="9525" cap="flat" cmpd="sng" algn="ctr">
+        <a:solidFill>
+          <a:schemeClr val="tx1">
+            <a:lumMod val="5000"/>
+            <a:lumOff val="95000"/>
+          </a:schemeClr>
+        </a:solidFill>
+        <a:round/>
+      </a:ln>
+    </cs:spPr>
+  </cs:gridlineMinor>
+  <cs:hiLoLine>
+    <cs:lnRef idx="0"/>
+    <cs:fillRef idx="0"/>
+    <cs:effectRef idx="0"/>
+    <cs:fontRef idx="minor">
+      <a:schemeClr val="tx1"/>
+    </cs:fontRef>
+    <cs:spPr>
+      <a:ln w="9525" cap="flat" cmpd="sng" algn="ctr">
+        <a:solidFill>
+          <a:schemeClr val="tx1">
+            <a:lumMod val="50000"/>
+            <a:lumOff val="50000"/>
+          </a:schemeClr>
+        </a:solidFill>
+        <a:round/>
+      </a:ln>
+    </cs:spPr>
+  </cs:hiLoLine>
+  <cs:leaderLine>
+    <cs:lnRef idx="0"/>
+    <cs:fillRef idx="0"/>
+    <cs:effectRef idx="0"/>
+    <cs:fontRef idx="minor">
+      <a:schemeClr val="tx1"/>
+    </cs:fontRef>
+    <cs:spPr>
+      <a:ln w="9525" cap="flat" cmpd="sng" algn="ctr">
+        <a:solidFill>
+          <a:schemeClr val="tx1">
+            <a:lumMod val="35000"/>
+            <a:lumOff val="65000"/>
+          </a:schemeClr>
+        </a:solidFill>
+        <a:round/>
+      </a:ln>
+    </cs:spPr>
+  </cs:leaderLine>
+  <cs:legend>
+    <cs:lnRef idx="0"/>
+    <cs:fillRef idx="0"/>
+    <cs:effectRef idx="0"/>
+    <cs:fontRef idx="minor">
+      <a:schemeClr val="tx1">
+        <a:lumMod val="65000"/>
+        <a:lumOff val="35000"/>
+      </a:schemeClr>
+    </cs:fontRef>
+    <cs:defRPr sz="900" kern="1200"/>
+  </cs:legend>
+  <cs:plotArea mods="allowNoFillOverride allowNoLineOverride">
+    <cs:lnRef idx="0"/>
+    <cs:fillRef idx="0"/>
+    <cs:effectRef idx="0"/>
+    <cs:fontRef idx="minor">
+      <a:schemeClr val="tx1"/>
+    </cs:fontRef>
+  </cs:plotArea>
+  <cs:plotArea3D mods="allowNoFillOverride allowNoLineOverride">
+    <cs:lnRef idx="0"/>
+    <cs:fillRef idx="0"/>
+    <cs:effectRef idx="0"/>
+    <cs:fontRef idx="minor">
+      <a:schemeClr val="tx1"/>
+    </cs:fontRef>
+  </cs:plotArea3D>
+  <cs:seriesAxis>
+    <cs:lnRef idx="0"/>
+    <cs:fillRef idx="0"/>
+    <cs:effectRef idx="0"/>
+    <cs:fontRef idx="minor">
+      <a:schemeClr val="tx1">
+        <a:lumMod val="65000"/>
+        <a:lumOff val="35000"/>
+      </a:schemeClr>
+    </cs:fontRef>
+    <cs:defRPr sz="900" kern="1200"/>
+  </cs:seriesAxis>
+  <cs:seriesLine>
+    <cs:lnRef idx="0"/>
+    <cs:fillRef idx="0"/>
+    <cs:effectRef idx="0"/>
+    <cs:fontRef idx="minor">
+      <a:schemeClr val="tx1"/>
+    </cs:fontRef>
+    <cs:spPr>
+      <a:ln w="9525" cap="flat" cmpd="sng" algn="ctr">
+        <a:solidFill>
+          <a:schemeClr val="tx1">
+            <a:lumMod val="35000"/>
+            <a:lumOff val="65000"/>
+          </a:schemeClr>
+        </a:solidFill>
+        <a:round/>
+      </a:ln>
+    </cs:spPr>
+  </cs:seriesLine>
+  <cs:title>
+    <cs:lnRef idx="0"/>
+    <cs:fillRef idx="0"/>
+    <cs:effectRef idx="0"/>
+    <cs:fontRef idx="minor">
+      <a:schemeClr val="tx1">
+        <a:lumMod val="65000"/>
+        <a:lumOff val="35000"/>
+      </a:schemeClr>
+    </cs:fontRef>
+    <cs:defRPr sz="1400" b="0" kern="1200" spc="0" baseline="0"/>
+  </cs:title>
+  <cs:trendline>
+    <cs:lnRef idx="0">
+      <cs:styleClr val="auto"/>
+    </cs:lnRef>
+    <cs:fillRef idx="0"/>
+    <cs:effectRef idx="0"/>
+    <cs:fontRef idx="minor">
+      <a:schemeClr val="tx1"/>
+    </cs:fontRef>
+    <cs:spPr>
+      <a:ln w="19050" cap="rnd">
+        <a:solidFill>
+          <a:schemeClr val="phClr"/>
+        </a:solidFill>
+        <a:prstDash val="sysDot"/>
+      </a:ln>
+    </cs:spPr>
+  </cs:trendline>
+  <cs:trendlineLabel>
+    <cs:lnRef idx="0"/>
+    <cs:fillRef idx="0"/>
+    <cs:effectRef idx="0"/>
+    <cs:fontRef idx="minor">
+      <a:schemeClr val="tx1">
+        <a:lumMod val="65000"/>
+        <a:lumOff val="35000"/>
+      </a:schemeClr>
+    </cs:fontRef>
+    <cs:defRPr sz="900" kern="1200"/>
+  </cs:trendlineLabel>
+  <cs:upBar>
+    <cs:lnRef idx="0"/>
+    <cs:fillRef idx="0"/>
+    <cs:effectRef idx="0"/>
+    <cs:fontRef idx="minor">
+      <a:schemeClr val="tx1"/>
+    </cs:fontRef>
+    <cs:spPr>
+      <a:solidFill>
+        <a:schemeClr val="lt1"/>
+      </a:solidFill>
+      <a:ln w="9525" cap="flat" cmpd="sng" algn="ctr">
+        <a:solidFill>
+          <a:schemeClr val="tx1">
+            <a:lumMod val="65000"/>
+            <a:lumOff val="35000"/>
+          </a:schemeClr>
+        </a:solidFill>
+        <a:round/>
+      </a:ln>
+    </cs:spPr>
+  </cs:upBar>
+  <cs:valueAxis>
+    <cs:lnRef idx="0"/>
+    <cs:fillRef idx="0"/>
+    <cs:effectRef idx="0"/>
+    <cs:fontRef idx="minor">
+      <a:schemeClr val="tx1">
+        <a:lumMod val="65000"/>
+        <a:lumOff val="35000"/>
+      </a:schemeClr>
+    </cs:fontRef>
+    <cs:spPr>
+      <a:ln w="9525" cap="flat" cmpd="sng" algn="ctr">
+        <a:solidFill>
+          <a:schemeClr val="tx1">
+            <a:lumMod val="25000"/>
+            <a:lumOff val="75000"/>
+          </a:schemeClr>
+        </a:solidFill>
+        <a:round/>
+      </a:ln>
+    </cs:spPr>
+    <cs:defRPr sz="900" kern="1200"/>
+  </cs:valueAxis>
+  <cs:wall>
+    <cs:lnRef idx="0"/>
+    <cs:fillRef idx="0"/>
+    <cs:effectRef idx="0"/>
+    <cs:fontRef idx="minor">
+      <a:schemeClr val="tx1"/>
+    </cs:fontRef>
+    <cs:spPr>
+      <a:noFill/>
+      <a:ln>
+        <a:noFill/>
+      </a:ln>
+    </cs:spPr>
+  </cs:wall>
+</cs:chartStyle>
+</file>
+
+<file path=ppt/drawings/drawing1.xml><?xml version="1.0" encoding="utf-8"?>
+<c:userShapes xmlns:c="http://schemas.openxmlformats.org/drawingml/2006/chart">
+  <cdr:relSizeAnchor xmlns:cdr="http://schemas.openxmlformats.org/drawingml/2006/chartDrawing">
+    <cdr:from>
+      <cdr:x>0.0718</cdr:x>
+      <cdr:y>0.09796</cdr:y>
+    </cdr:from>
+    <cdr:to>
+      <cdr:x>0.43859</cdr:x>
+      <cdr:y>0.37227</cdr:y>
+    </cdr:to>
+    <cdr:pic>
+      <cdr:nvPicPr>
+        <cdr:cNvPr id="2" name="chart">
+          <a:extLst xmlns:a="http://schemas.openxmlformats.org/drawingml/2006/main">
+            <a:ext uri="{FF2B5EF4-FFF2-40B4-BE49-F238E27FC236}">
+              <a16:creationId xmlns:a16="http://schemas.microsoft.com/office/drawing/2014/main" id="{0155C571-8B4E-4520-8020-43B81FD44CB9}"/>
+            </a:ext>
+          </a:extLst>
+        </cdr:cNvPr>
+        <cdr:cNvPicPr>
+          <a:picLocks xmlns:a="http://schemas.openxmlformats.org/drawingml/2006/main" noChangeAspect="1"/>
+        </cdr:cNvPicPr>
+      </cdr:nvPicPr>
+      <cdr:blipFill>
+        <a:blip xmlns:a="http://schemas.openxmlformats.org/drawingml/2006/main" xmlns:r="http://schemas.openxmlformats.org/officeDocument/2006/relationships" r:embed="rId1"/>
+        <a:stretch xmlns:a="http://schemas.openxmlformats.org/drawingml/2006/main">
+          <a:fillRect/>
+        </a:stretch>
+      </cdr:blipFill>
+      <cdr:spPr>
+        <a:xfrm xmlns:a="http://schemas.openxmlformats.org/drawingml/2006/main">
+          <a:off x="737544" y="500766"/>
+          <a:ext cx="3767655" cy="1402202"/>
+        </a:xfrm>
+        <a:prstGeom xmlns:a="http://schemas.openxmlformats.org/drawingml/2006/main" prst="rect">
+          <a:avLst/>
+        </a:prstGeom>
+      </cdr:spPr>
+    </cdr:pic>
+  </cdr:relSizeAnchor>
+</c:userShapes>
+</file>
+
 <file path=ppt/handoutMasters/handoutMaster1.xml><?xml version="1.0" encoding="utf-8"?>
 <p:handoutMaster xmlns:a="http://schemas.openxmlformats.org/drawingml/2006/main" xmlns:r="http://schemas.openxmlformats.org/officeDocument/2006/relationships" xmlns:p="http://schemas.openxmlformats.org/presentationml/2006/main">
   <p:cSld>
@@ -12947,14 +14590,14 @@
           <p:nvPr>
             <p:extLst>
               <p:ext uri="{D42A27DB-BD31-4B8C-83A1-F6EECF244321}">
-                <p14:modId xmlns:p14="http://schemas.microsoft.com/office/powerpoint/2010/main" val="2971725772"/>
+                <p14:modId xmlns:p14="http://schemas.microsoft.com/office/powerpoint/2010/main" val="2461367877"/>
               </p:ext>
             </p:extLst>
           </p:nvPr>
         </p:nvGraphicFramePr>
         <p:xfrm>
-          <a:off x="839416" y="1196752"/>
-          <a:ext cx="10657183" cy="5328592"/>
+          <a:off x="838200" y="1037630"/>
+          <a:ext cx="10730408" cy="5328592"/>
         </p:xfrm>
         <a:graphic>
           <a:graphicData uri="http://schemas.openxmlformats.org/drawingml/2006/chart">
@@ -13049,6 +14692,427 @@
           </a:p>
         </p:txBody>
       </p:sp>
+      <p:graphicFrame>
+        <p:nvGraphicFramePr>
+          <p:cNvPr id="3" name="Tabelle 2">
+            <a:extLst>
+              <a:ext uri="{FF2B5EF4-FFF2-40B4-BE49-F238E27FC236}">
+                <a16:creationId xmlns:a16="http://schemas.microsoft.com/office/drawing/2014/main" id="{73273C33-7E5E-4DE4-9F8D-362074D101FE}"/>
+              </a:ext>
+            </a:extLst>
+          </p:cNvPr>
+          <p:cNvGraphicFramePr>
+            <a:graphicFrameLocks noGrp="1"/>
+          </p:cNvGraphicFramePr>
+          <p:nvPr>
+            <p:extLst>
+              <p:ext uri="{D42A27DB-BD31-4B8C-83A1-F6EECF244321}">
+                <p14:modId xmlns:p14="http://schemas.microsoft.com/office/powerpoint/2010/main" val="3008432186"/>
+              </p:ext>
+            </p:extLst>
+          </p:nvPr>
+        </p:nvGraphicFramePr>
+        <p:xfrm>
+          <a:off x="1559496" y="1628800"/>
+          <a:ext cx="3528392" cy="1538380"/>
+        </p:xfrm>
+        <a:graphic>
+          <a:graphicData uri="http://schemas.openxmlformats.org/drawingml/2006/table">
+            <a:tbl>
+              <a:tblPr>
+                <a:tableStyleId>{5C22544A-7EE6-4342-B048-85BDC9FD1C3A}</a:tableStyleId>
+              </a:tblPr>
+              <a:tblGrid>
+                <a:gridCol w="936104">
+                  <a:extLst>
+                    <a:ext uri="{9D8B030D-6E8A-4147-A177-3AD203B41FA5}">
+                      <a16:colId xmlns:a16="http://schemas.microsoft.com/office/drawing/2014/main" val="1574530286"/>
+                    </a:ext>
+                  </a:extLst>
+                </a:gridCol>
+                <a:gridCol w="2592288">
+                  <a:extLst>
+                    <a:ext uri="{9D8B030D-6E8A-4147-A177-3AD203B41FA5}">
+                      <a16:colId xmlns:a16="http://schemas.microsoft.com/office/drawing/2014/main" val="1474860684"/>
+                    </a:ext>
+                  </a:extLst>
+                </a:gridCol>
+              </a:tblGrid>
+              <a:tr h="185241">
+                <a:tc>
+                  <a:txBody>
+                    <a:bodyPr/>
+                    <a:lstStyle/>
+                    <a:p>
+                      <a:pPr algn="l" fontAlgn="b"/>
+                      <a:r>
+                        <a:rPr lang="de-DE" sz="1000" u="none" strike="noStrike">
+                          <a:effectLst/>
+                        </a:rPr>
+                        <a:t>Datei:</a:t>
+                      </a:r>
+                      <a:endParaRPr lang="de-DE" sz="1000" b="0" i="0" u="none" strike="noStrike">
+                        <a:solidFill>
+                          <a:srgbClr val="000000"/>
+                        </a:solidFill>
+                        <a:effectLst/>
+                        <a:latin typeface="Calibri" panose="020F0502020204030204" pitchFamily="34" charset="0"/>
+                      </a:endParaRPr>
+                    </a:p>
+                  </a:txBody>
+                  <a:tcPr marL="8821" marR="8821" marT="8821" marB="0" anchor="b"/>
+                </a:tc>
+                <a:tc>
+                  <a:txBody>
+                    <a:bodyPr/>
+                    <a:lstStyle/>
+                    <a:p>
+                      <a:pPr algn="ctr" fontAlgn="b"/>
+                      <a:r>
+                        <a:rPr lang="de-DE" sz="1000" u="none" strike="noStrike">
+                          <a:effectLst/>
+                        </a:rPr>
+                        <a:t>exp2mill.mmpld</a:t>
+                      </a:r>
+                      <a:endParaRPr lang="de-DE" sz="1000" b="0" i="0" u="none" strike="noStrike">
+                        <a:solidFill>
+                          <a:srgbClr val="000000"/>
+                        </a:solidFill>
+                        <a:effectLst/>
+                        <a:latin typeface="Calibri" panose="020F0502020204030204" pitchFamily="34" charset="0"/>
+                      </a:endParaRPr>
+                    </a:p>
+                  </a:txBody>
+                  <a:tcPr marL="8821" marR="8821" marT="8821" marB="0" anchor="b"/>
+                </a:tc>
+                <a:extLst>
+                  <a:ext uri="{0D108BD9-81ED-4DB2-BD59-A6C34878D82A}">
+                    <a16:rowId xmlns:a16="http://schemas.microsoft.com/office/drawing/2014/main" val="3597849423"/>
+                  </a:ext>
+                </a:extLst>
+              </a:tr>
+              <a:tr h="176420">
+                <a:tc>
+                  <a:txBody>
+                    <a:bodyPr/>
+                    <a:lstStyle/>
+                    <a:p>
+                      <a:pPr algn="l" fontAlgn="b"/>
+                      <a:r>
+                        <a:rPr lang="de-DE" sz="1000" u="none" strike="noStrike">
+                          <a:effectLst/>
+                        </a:rPr>
+                        <a:t>Frame:</a:t>
+                      </a:r>
+                      <a:endParaRPr lang="de-DE" sz="1000" b="0" i="0" u="none" strike="noStrike">
+                        <a:solidFill>
+                          <a:srgbClr val="000000"/>
+                        </a:solidFill>
+                        <a:effectLst/>
+                        <a:latin typeface="Calibri" panose="020F0502020204030204" pitchFamily="34" charset="0"/>
+                      </a:endParaRPr>
+                    </a:p>
+                  </a:txBody>
+                  <a:tcPr marL="8821" marR="8821" marT="8821" marB="0" anchor="b"/>
+                </a:tc>
+                <a:tc>
+                  <a:txBody>
+                    <a:bodyPr/>
+                    <a:lstStyle/>
+                    <a:p>
+                      <a:pPr algn="ctr" fontAlgn="b"/>
+                      <a:r>
+                        <a:rPr lang="de-DE" sz="1000" u="none" strike="noStrike" dirty="0">
+                          <a:effectLst/>
+                        </a:rPr>
+                        <a:t>20</a:t>
+                      </a:r>
+                      <a:endParaRPr lang="de-DE" sz="1000" b="0" i="0" u="none" strike="noStrike" dirty="0">
+                        <a:solidFill>
+                          <a:srgbClr val="000000"/>
+                        </a:solidFill>
+                        <a:effectLst/>
+                        <a:latin typeface="Calibri" panose="020F0502020204030204" pitchFamily="34" charset="0"/>
+                      </a:endParaRPr>
+                    </a:p>
+                  </a:txBody>
+                  <a:tcPr marL="8821" marR="8821" marT="8821" marB="0" anchor="b"/>
+                </a:tc>
+                <a:extLst>
+                  <a:ext uri="{0D108BD9-81ED-4DB2-BD59-A6C34878D82A}">
+                    <a16:rowId xmlns:a16="http://schemas.microsoft.com/office/drawing/2014/main" val="2508108297"/>
+                  </a:ext>
+                </a:extLst>
+              </a:tr>
+              <a:tr h="319319">
+                <a:tc>
+                  <a:txBody>
+                    <a:bodyPr/>
+                    <a:lstStyle/>
+                    <a:p>
+                      <a:pPr algn="l" fontAlgn="b"/>
+                      <a:r>
+                        <a:rPr lang="de-DE" sz="1000" u="none" strike="noStrike">
+                          <a:effectLst/>
+                        </a:rPr>
+                        <a:t>Partikelanzahl:</a:t>
+                      </a:r>
+                      <a:endParaRPr lang="de-DE" sz="1000" b="0" i="0" u="none" strike="noStrike">
+                        <a:solidFill>
+                          <a:srgbClr val="000000"/>
+                        </a:solidFill>
+                        <a:effectLst/>
+                        <a:latin typeface="Calibri" panose="020F0502020204030204" pitchFamily="34" charset="0"/>
+                      </a:endParaRPr>
+                    </a:p>
+                  </a:txBody>
+                  <a:tcPr marL="8821" marR="8821" marT="8821" marB="0" anchor="b"/>
+                </a:tc>
+                <a:tc>
+                  <a:txBody>
+                    <a:bodyPr/>
+                    <a:lstStyle/>
+                    <a:p>
+                      <a:pPr algn="ctr" fontAlgn="b"/>
+                      <a:r>
+                        <a:rPr lang="de-DE" sz="1000" u="none" strike="noStrike">
+                          <a:effectLst/>
+                        </a:rPr>
+                        <a:t>variabel</a:t>
+                      </a:r>
+                      <a:endParaRPr lang="de-DE" sz="1000" b="0" i="0" u="none" strike="noStrike">
+                        <a:solidFill>
+                          <a:srgbClr val="000000"/>
+                        </a:solidFill>
+                        <a:effectLst/>
+                        <a:latin typeface="Calibri" panose="020F0502020204030204" pitchFamily="34" charset="0"/>
+                      </a:endParaRPr>
+                    </a:p>
+                  </a:txBody>
+                  <a:tcPr marL="8821" marR="8821" marT="8821" marB="0" anchor="b"/>
+                </a:tc>
+                <a:extLst>
+                  <a:ext uri="{0D108BD9-81ED-4DB2-BD59-A6C34878D82A}">
+                    <a16:rowId xmlns:a16="http://schemas.microsoft.com/office/drawing/2014/main" val="3988041385"/>
+                  </a:ext>
+                </a:extLst>
+              </a:tr>
+              <a:tr h="319319">
+                <a:tc>
+                  <a:txBody>
+                    <a:bodyPr/>
+                    <a:lstStyle/>
+                    <a:p>
+                      <a:pPr algn="l" fontAlgn="b"/>
+                      <a:r>
+                        <a:rPr lang="de-DE" sz="1000" u="none" strike="noStrike">
+                          <a:effectLst/>
+                        </a:rPr>
+                        <a:t>Grid Auflösung:</a:t>
+                      </a:r>
+                      <a:endParaRPr lang="de-DE" sz="1000" b="0" i="0" u="none" strike="noStrike">
+                        <a:solidFill>
+                          <a:srgbClr val="000000"/>
+                        </a:solidFill>
+                        <a:effectLst/>
+                        <a:latin typeface="Calibri" panose="020F0502020204030204" pitchFamily="34" charset="0"/>
+                      </a:endParaRPr>
+                    </a:p>
+                  </a:txBody>
+                  <a:tcPr marL="8821" marR="8821" marT="8821" marB="0" anchor="b"/>
+                </a:tc>
+                <a:tc>
+                  <a:txBody>
+                    <a:bodyPr/>
+                    <a:lstStyle/>
+                    <a:p>
+                      <a:pPr algn="ctr" fontAlgn="b"/>
+                      <a:r>
+                        <a:rPr lang="de-DE" sz="1000" u="none" strike="noStrike" dirty="0">
+                          <a:effectLst/>
+                        </a:rPr>
+                        <a:t>32x320x32</a:t>
+                      </a:r>
+                      <a:endParaRPr lang="de-DE" sz="1000" b="0" i="0" u="none" strike="noStrike" dirty="0">
+                        <a:solidFill>
+                          <a:srgbClr val="000000"/>
+                        </a:solidFill>
+                        <a:effectLst/>
+                        <a:latin typeface="Calibri" panose="020F0502020204030204" pitchFamily="34" charset="0"/>
+                      </a:endParaRPr>
+                    </a:p>
+                  </a:txBody>
+                  <a:tcPr marL="8821" marR="8821" marT="8821" marB="0" anchor="b"/>
+                </a:tc>
+                <a:extLst>
+                  <a:ext uri="{0D108BD9-81ED-4DB2-BD59-A6C34878D82A}">
+                    <a16:rowId xmlns:a16="http://schemas.microsoft.com/office/drawing/2014/main" val="750079390"/>
+                  </a:ext>
+                </a:extLst>
+              </a:tr>
+              <a:tr h="176420">
+                <a:tc>
+                  <a:txBody>
+                    <a:bodyPr/>
+                    <a:lstStyle/>
+                    <a:p>
+                      <a:pPr algn="l" fontAlgn="b"/>
+                      <a:r>
+                        <a:rPr lang="de-DE" sz="1000" u="none" strike="noStrike">
+                          <a:effectLst/>
+                        </a:rPr>
+                        <a:t>Verfahren:</a:t>
+                      </a:r>
+                      <a:endParaRPr lang="de-DE" sz="1000" b="0" i="0" u="none" strike="noStrike">
+                        <a:solidFill>
+                          <a:srgbClr val="000000"/>
+                        </a:solidFill>
+                        <a:effectLst/>
+                        <a:latin typeface="Calibri" panose="020F0502020204030204" pitchFamily="34" charset="0"/>
+                      </a:endParaRPr>
+                    </a:p>
+                  </a:txBody>
+                  <a:tcPr marL="8821" marR="8821" marT="8821" marB="0" anchor="b"/>
+                </a:tc>
+                <a:tc>
+                  <a:txBody>
+                    <a:bodyPr/>
+                    <a:lstStyle/>
+                    <a:p>
+                      <a:pPr algn="ctr" fontAlgn="b"/>
+                      <a:r>
+                        <a:rPr lang="de-DE" sz="1000" u="none" strike="noStrike">
+                          <a:effectLst/>
+                        </a:rPr>
+                        <a:t>niedrigste gemessene Zeit bei 100 durchläufen</a:t>
+                      </a:r>
+                      <a:endParaRPr lang="de-DE" sz="1000" b="0" i="0" u="none" strike="noStrike">
+                        <a:solidFill>
+                          <a:srgbClr val="000000"/>
+                        </a:solidFill>
+                        <a:effectLst/>
+                        <a:latin typeface="Calibri" panose="020F0502020204030204" pitchFamily="34" charset="0"/>
+                      </a:endParaRPr>
+                    </a:p>
+                  </a:txBody>
+                  <a:tcPr marL="8821" marR="8821" marT="8821" marB="0" anchor="b"/>
+                </a:tc>
+                <a:extLst>
+                  <a:ext uri="{0D108BD9-81ED-4DB2-BD59-A6C34878D82A}">
+                    <a16:rowId xmlns:a16="http://schemas.microsoft.com/office/drawing/2014/main" val="3537115192"/>
+                  </a:ext>
+                </a:extLst>
+              </a:tr>
+              <a:tr h="176420">
+                <a:tc>
+                  <a:txBody>
+                    <a:bodyPr/>
+                    <a:lstStyle/>
+                    <a:p>
+                      <a:pPr algn="l" fontAlgn="b"/>
+                      <a:r>
+                        <a:rPr lang="de-DE" sz="1000" u="none" strike="noStrike">
+                          <a:effectLst/>
+                        </a:rPr>
+                        <a:t>GPU:</a:t>
+                      </a:r>
+                      <a:endParaRPr lang="de-DE" sz="1000" b="0" i="0" u="none" strike="noStrike">
+                        <a:solidFill>
+                          <a:srgbClr val="000000"/>
+                        </a:solidFill>
+                        <a:effectLst/>
+                        <a:latin typeface="Calibri" panose="020F0502020204030204" pitchFamily="34" charset="0"/>
+                      </a:endParaRPr>
+                    </a:p>
+                  </a:txBody>
+                  <a:tcPr marL="8821" marR="8821" marT="8821" marB="0" anchor="b"/>
+                </a:tc>
+                <a:tc>
+                  <a:txBody>
+                    <a:bodyPr/>
+                    <a:lstStyle/>
+                    <a:p>
+                      <a:pPr algn="ctr" fontAlgn="b"/>
+                      <a:r>
+                        <a:rPr lang="de-DE" sz="1000" u="none" strike="noStrike">
+                          <a:effectLst/>
+                        </a:rPr>
+                        <a:t>Nvidia Gtx 970</a:t>
+                      </a:r>
+                      <a:endParaRPr lang="de-DE" sz="1000" b="0" i="0" u="none" strike="noStrike">
+                        <a:solidFill>
+                          <a:srgbClr val="000000"/>
+                        </a:solidFill>
+                        <a:effectLst/>
+                        <a:latin typeface="Calibri" panose="020F0502020204030204" pitchFamily="34" charset="0"/>
+                      </a:endParaRPr>
+                    </a:p>
+                  </a:txBody>
+                  <a:tcPr marL="8821" marR="8821" marT="8821" marB="0" anchor="b"/>
+                </a:tc>
+                <a:extLst>
+                  <a:ext uri="{0D108BD9-81ED-4DB2-BD59-A6C34878D82A}">
+                    <a16:rowId xmlns:a16="http://schemas.microsoft.com/office/drawing/2014/main" val="1026795611"/>
+                  </a:ext>
+                </a:extLst>
+              </a:tr>
+              <a:tr h="185241">
+                <a:tc>
+                  <a:txBody>
+                    <a:bodyPr/>
+                    <a:lstStyle/>
+                    <a:p>
+                      <a:pPr algn="l" fontAlgn="b"/>
+                      <a:r>
+                        <a:rPr lang="de-DE" sz="1000" u="none" strike="noStrike">
+                          <a:effectLst/>
+                        </a:rPr>
+                        <a:t>CPU:</a:t>
+                      </a:r>
+                      <a:endParaRPr lang="de-DE" sz="1000" b="0" i="0" u="none" strike="noStrike">
+                        <a:solidFill>
+                          <a:srgbClr val="000000"/>
+                        </a:solidFill>
+                        <a:effectLst/>
+                        <a:latin typeface="Calibri" panose="020F0502020204030204" pitchFamily="34" charset="0"/>
+                      </a:endParaRPr>
+                    </a:p>
+                  </a:txBody>
+                  <a:tcPr marL="8821" marR="8821" marT="8821" marB="0" anchor="b"/>
+                </a:tc>
+                <a:tc>
+                  <a:txBody>
+                    <a:bodyPr/>
+                    <a:lstStyle/>
+                    <a:p>
+                      <a:pPr algn="ctr" fontAlgn="b"/>
+                      <a:r>
+                        <a:rPr lang="de-DE" sz="1000" u="none" strike="noStrike" dirty="0">
+                          <a:effectLst/>
+                        </a:rPr>
+                        <a:t>Intel Xeon E3-1240 V2 3,40GHz</a:t>
+                      </a:r>
+                      <a:endParaRPr lang="de-DE" sz="1000" b="0" i="0" u="none" strike="noStrike" dirty="0">
+                        <a:solidFill>
+                          <a:srgbClr val="000000"/>
+                        </a:solidFill>
+                        <a:effectLst/>
+                        <a:latin typeface="Calibri" panose="020F0502020204030204" pitchFamily="34" charset="0"/>
+                      </a:endParaRPr>
+                    </a:p>
+                  </a:txBody>
+                  <a:tcPr marL="8821" marR="8821" marT="8821" marB="0" anchor="b"/>
+                </a:tc>
+                <a:extLst>
+                  <a:ext uri="{0D108BD9-81ED-4DB2-BD59-A6C34878D82A}">
+                    <a16:rowId xmlns:a16="http://schemas.microsoft.com/office/drawing/2014/main" val="1355456691"/>
+                  </a:ext>
+                </a:extLst>
+              </a:tr>
+            </a:tbl>
+          </a:graphicData>
+        </a:graphic>
+      </p:graphicFrame>
     </p:spTree>
     <p:extLst>
       <p:ext uri="{BB962C8B-B14F-4D97-AF65-F5344CB8AC3E}">
@@ -19724,14 +21788,14 @@
           <p:nvPr>
             <p:extLst>
               <p:ext uri="{D42A27DB-BD31-4B8C-83A1-F6EECF244321}">
-                <p14:modId xmlns:p14="http://schemas.microsoft.com/office/powerpoint/2010/main" val="1892199880"/>
+                <p14:modId xmlns:p14="http://schemas.microsoft.com/office/powerpoint/2010/main" val="2610426697"/>
               </p:ext>
             </p:extLst>
           </p:nvPr>
         </p:nvGraphicFramePr>
         <p:xfrm>
           <a:off x="1508891" y="1844824"/>
-          <a:ext cx="3936999" cy="1440180"/>
+          <a:ext cx="3936999" cy="1283970"/>
         </p:xfrm>
         <a:graphic>
           <a:graphicData uri="http://schemas.openxmlformats.org/drawingml/2006/table">
@@ -19740,14 +21804,14 @@
                 <a:tableStyleId>{5C22544A-7EE6-4342-B048-85BDC9FD1C3A}</a:tableStyleId>
               </a:tblPr>
               <a:tblGrid>
-                <a:gridCol w="1510483">
+                <a:gridCol w="986709">
                   <a:extLst>
                     <a:ext uri="{9D8B030D-6E8A-4147-A177-3AD203B41FA5}">
                       <a16:colId xmlns:a16="http://schemas.microsoft.com/office/drawing/2014/main" val="1295988609"/>
                     </a:ext>
                   </a:extLst>
                 </a:gridCol>
-                <a:gridCol w="2426516">
+                <a:gridCol w="2950290">
                   <a:extLst>
                     <a:ext uri="{9D8B030D-6E8A-4147-A177-3AD203B41FA5}">
                       <a16:colId xmlns:a16="http://schemas.microsoft.com/office/drawing/2014/main" val="3263447709"/>
@@ -19763,12 +21827,12 @@
                     <a:p>
                       <a:pPr algn="l" fontAlgn="b"/>
                       <a:r>
-                        <a:rPr lang="de-DE" sz="1100" u="none" strike="noStrike">
+                        <a:rPr lang="de-DE" sz="1100" u="none" strike="noStrike" dirty="0">
                           <a:effectLst/>
                         </a:rPr>
                         <a:t>Datei:</a:t>
                       </a:r>
-                      <a:endParaRPr lang="de-DE" sz="1100" b="0" i="0" u="none" strike="noStrike">
+                      <a:endParaRPr lang="de-DE" sz="1100" b="0" i="0" u="none" strike="noStrike" dirty="0">
                         <a:solidFill>
                           <a:srgbClr val="000000"/>
                         </a:solidFill>
@@ -20285,31 +22349,6 @@
       </p:sp>
       <p:sp>
         <p:nvSpPr>
-          <p:cNvPr id="3" name="Inhaltsplatzhalter 2">
-            <a:extLst>
-              <a:ext uri="{FF2B5EF4-FFF2-40B4-BE49-F238E27FC236}">
-                <a16:creationId xmlns:a16="http://schemas.microsoft.com/office/drawing/2014/main" id="{7A0FCD07-0B2B-450E-822C-D101440B80F2}"/>
-              </a:ext>
-            </a:extLst>
-          </p:cNvPr>
-          <p:cNvSpPr>
-            <a:spLocks noGrp="1"/>
-          </p:cNvSpPr>
-          <p:nvPr>
-            <p:ph idx="1"/>
-          </p:nvPr>
-        </p:nvSpPr>
-        <p:spPr/>
-        <p:txBody>
-          <a:bodyPr/>
-          <a:lstStyle/>
-          <a:p>
-            <a:endParaRPr lang="de-DE"/>
-          </a:p>
-        </p:txBody>
-      </p:sp>
-      <p:sp>
-        <p:nvSpPr>
           <p:cNvPr id="5" name="Datumsplatzhalter 4">
             <a:extLst>
               <a:ext uri="{FF2B5EF4-FFF2-40B4-BE49-F238E27FC236}">
@@ -20395,6 +22434,457 @@
           </a:p>
         </p:txBody>
       </p:sp>
+      <p:graphicFrame>
+        <p:nvGraphicFramePr>
+          <p:cNvPr id="8" name="Diagramm 7">
+            <a:extLst>
+              <a:ext uri="{FF2B5EF4-FFF2-40B4-BE49-F238E27FC236}">
+                <a16:creationId xmlns:a16="http://schemas.microsoft.com/office/drawing/2014/main" id="{AFF7A50D-981C-4421-8F08-A83DAF32F816}"/>
+              </a:ext>
+            </a:extLst>
+          </p:cNvPr>
+          <p:cNvGraphicFramePr>
+            <a:graphicFrameLocks/>
+          </p:cNvGraphicFramePr>
+          <p:nvPr>
+            <p:extLst>
+              <p:ext uri="{D42A27DB-BD31-4B8C-83A1-F6EECF244321}">
+                <p14:modId xmlns:p14="http://schemas.microsoft.com/office/powerpoint/2010/main" val="2685485837"/>
+              </p:ext>
+            </p:extLst>
+          </p:nvPr>
+        </p:nvGraphicFramePr>
+        <p:xfrm>
+          <a:off x="838200" y="1196751"/>
+          <a:ext cx="10672199" cy="5159599"/>
+        </p:xfrm>
+        <a:graphic>
+          <a:graphicData uri="http://schemas.openxmlformats.org/drawingml/2006/chart">
+            <c:chart xmlns:c="http://schemas.openxmlformats.org/drawingml/2006/chart" xmlns:r="http://schemas.openxmlformats.org/officeDocument/2006/relationships" r:id="rId2"/>
+          </a:graphicData>
+        </a:graphic>
+      </p:graphicFrame>
+      <p:graphicFrame>
+        <p:nvGraphicFramePr>
+          <p:cNvPr id="9" name="Tabelle 8">
+            <a:extLst>
+              <a:ext uri="{FF2B5EF4-FFF2-40B4-BE49-F238E27FC236}">
+                <a16:creationId xmlns:a16="http://schemas.microsoft.com/office/drawing/2014/main" id="{F169BBD4-8827-49CC-9ADE-B31685619DD3}"/>
+              </a:ext>
+            </a:extLst>
+          </p:cNvPr>
+          <p:cNvGraphicFramePr>
+            <a:graphicFrameLocks noGrp="1"/>
+          </p:cNvGraphicFramePr>
+          <p:nvPr>
+            <p:extLst>
+              <p:ext uri="{D42A27DB-BD31-4B8C-83A1-F6EECF244321}">
+                <p14:modId xmlns:p14="http://schemas.microsoft.com/office/powerpoint/2010/main" val="780061430"/>
+              </p:ext>
+            </p:extLst>
+          </p:nvPr>
+        </p:nvGraphicFramePr>
+        <p:xfrm>
+          <a:off x="1775520" y="1844824"/>
+          <a:ext cx="3936999" cy="1283970"/>
+        </p:xfrm>
+        <a:graphic>
+          <a:graphicData uri="http://schemas.openxmlformats.org/drawingml/2006/table">
+            <a:tbl>
+              <a:tblPr>
+                <a:tableStyleId>{5C22544A-7EE6-4342-B048-85BDC9FD1C3A}</a:tableStyleId>
+              </a:tblPr>
+              <a:tblGrid>
+                <a:gridCol w="936104">
+                  <a:extLst>
+                    <a:ext uri="{9D8B030D-6E8A-4147-A177-3AD203B41FA5}">
+                      <a16:colId xmlns:a16="http://schemas.microsoft.com/office/drawing/2014/main" val="1295988609"/>
+                    </a:ext>
+                  </a:extLst>
+                </a:gridCol>
+                <a:gridCol w="3000895">
+                  <a:extLst>
+                    <a:ext uri="{9D8B030D-6E8A-4147-A177-3AD203B41FA5}">
+                      <a16:colId xmlns:a16="http://schemas.microsoft.com/office/drawing/2014/main" val="3263447709"/>
+                    </a:ext>
+                  </a:extLst>
+                </a:gridCol>
+              </a:tblGrid>
+              <a:tr h="182880">
+                <a:tc>
+                  <a:txBody>
+                    <a:bodyPr/>
+                    <a:lstStyle/>
+                    <a:p>
+                      <a:pPr algn="l" fontAlgn="b"/>
+                      <a:r>
+                        <a:rPr lang="de-DE" sz="1100" u="none" strike="noStrike" dirty="0">
+                          <a:effectLst/>
+                        </a:rPr>
+                        <a:t>Datei:</a:t>
+                      </a:r>
+                      <a:endParaRPr lang="de-DE" sz="1100" b="0" i="0" u="none" strike="noStrike" dirty="0">
+                        <a:solidFill>
+                          <a:srgbClr val="000000"/>
+                        </a:solidFill>
+                        <a:effectLst/>
+                        <a:latin typeface="Calibri" panose="020F0502020204030204" pitchFamily="34" charset="0"/>
+                      </a:endParaRPr>
+                    </a:p>
+                  </a:txBody>
+                  <a:tcPr marL="3810" marR="3810" marT="3810" marB="0" anchor="b"/>
+                </a:tc>
+                <a:tc>
+                  <a:txBody>
+                    <a:bodyPr/>
+                    <a:lstStyle/>
+                    <a:p>
+                      <a:pPr algn="ctr" fontAlgn="b"/>
+                      <a:r>
+                        <a:rPr lang="de-DE" sz="1100" u="none" strike="noStrike">
+                          <a:effectLst/>
+                        </a:rPr>
+                        <a:t>laser.mmpld</a:t>
+                      </a:r>
+                      <a:endParaRPr lang="de-DE" sz="1100" b="0" i="0" u="none" strike="noStrike">
+                        <a:solidFill>
+                          <a:srgbClr val="000000"/>
+                        </a:solidFill>
+                        <a:effectLst/>
+                        <a:latin typeface="Calibri" panose="020F0502020204030204" pitchFamily="34" charset="0"/>
+                      </a:endParaRPr>
+                    </a:p>
+                  </a:txBody>
+                  <a:tcPr marL="3810" marR="3810" marT="3810" marB="0" anchor="b"/>
+                </a:tc>
+                <a:extLst>
+                  <a:ext uri="{0D108BD9-81ED-4DB2-BD59-A6C34878D82A}">
+                    <a16:rowId xmlns:a16="http://schemas.microsoft.com/office/drawing/2014/main" val="3629573502"/>
+                  </a:ext>
+                </a:extLst>
+              </a:tr>
+              <a:tr h="182880">
+                <a:tc>
+                  <a:txBody>
+                    <a:bodyPr/>
+                    <a:lstStyle/>
+                    <a:p>
+                      <a:pPr algn="l" fontAlgn="b"/>
+                      <a:r>
+                        <a:rPr lang="de-DE" sz="1100" u="none" strike="noStrike">
+                          <a:effectLst/>
+                        </a:rPr>
+                        <a:t>Frame:</a:t>
+                      </a:r>
+                      <a:endParaRPr lang="de-DE" sz="1100" b="0" i="0" u="none" strike="noStrike">
+                        <a:solidFill>
+                          <a:srgbClr val="000000"/>
+                        </a:solidFill>
+                        <a:effectLst/>
+                        <a:latin typeface="Calibri" panose="020F0502020204030204" pitchFamily="34" charset="0"/>
+                      </a:endParaRPr>
+                    </a:p>
+                  </a:txBody>
+                  <a:tcPr marL="3810" marR="3810" marT="3810" marB="0" anchor="b"/>
+                </a:tc>
+                <a:tc>
+                  <a:txBody>
+                    <a:bodyPr/>
+                    <a:lstStyle/>
+                    <a:p>
+                      <a:pPr algn="ctr" fontAlgn="b"/>
+                      <a:r>
+                        <a:rPr lang="de-DE" sz="1100" u="none" strike="noStrike">
+                          <a:effectLst/>
+                        </a:rPr>
+                        <a:t>200</a:t>
+                      </a:r>
+                      <a:endParaRPr lang="de-DE" sz="1100" b="0" i="0" u="none" strike="noStrike">
+                        <a:solidFill>
+                          <a:srgbClr val="000000"/>
+                        </a:solidFill>
+                        <a:effectLst/>
+                        <a:latin typeface="Calibri" panose="020F0502020204030204" pitchFamily="34" charset="0"/>
+                      </a:endParaRPr>
+                    </a:p>
+                  </a:txBody>
+                  <a:tcPr marL="3810" marR="3810" marT="3810" marB="0" anchor="b"/>
+                </a:tc>
+                <a:extLst>
+                  <a:ext uri="{0D108BD9-81ED-4DB2-BD59-A6C34878D82A}">
+                    <a16:rowId xmlns:a16="http://schemas.microsoft.com/office/drawing/2014/main" val="3380638956"/>
+                  </a:ext>
+                </a:extLst>
+              </a:tr>
+              <a:tr h="182880">
+                <a:tc>
+                  <a:txBody>
+                    <a:bodyPr/>
+                    <a:lstStyle/>
+                    <a:p>
+                      <a:pPr algn="l" fontAlgn="b"/>
+                      <a:r>
+                        <a:rPr lang="de-DE" sz="1100" u="none" strike="noStrike">
+                          <a:effectLst/>
+                        </a:rPr>
+                        <a:t>Partikelanzahl:</a:t>
+                      </a:r>
+                      <a:endParaRPr lang="de-DE" sz="1100" b="0" i="0" u="none" strike="noStrike">
+                        <a:solidFill>
+                          <a:srgbClr val="000000"/>
+                        </a:solidFill>
+                        <a:effectLst/>
+                        <a:latin typeface="Calibri" panose="020F0502020204030204" pitchFamily="34" charset="0"/>
+                      </a:endParaRPr>
+                    </a:p>
+                  </a:txBody>
+                  <a:tcPr marL="3810" marR="3810" marT="3810" marB="0" anchor="b"/>
+                </a:tc>
+                <a:tc>
+                  <a:txBody>
+                    <a:bodyPr/>
+                    <a:lstStyle/>
+                    <a:p>
+                      <a:pPr algn="ctr" fontAlgn="b"/>
+                      <a:r>
+                        <a:rPr lang="de-DE" sz="1100" u="none" strike="noStrike">
+                          <a:effectLst/>
+                        </a:rPr>
+                        <a:t>562500</a:t>
+                      </a:r>
+                      <a:endParaRPr lang="de-DE" sz="1100" b="0" i="0" u="none" strike="noStrike">
+                        <a:solidFill>
+                          <a:srgbClr val="000000"/>
+                        </a:solidFill>
+                        <a:effectLst/>
+                        <a:latin typeface="Calibri" panose="020F0502020204030204" pitchFamily="34" charset="0"/>
+                      </a:endParaRPr>
+                    </a:p>
+                  </a:txBody>
+                  <a:tcPr marL="3810" marR="3810" marT="3810" marB="0" anchor="b"/>
+                </a:tc>
+                <a:extLst>
+                  <a:ext uri="{0D108BD9-81ED-4DB2-BD59-A6C34878D82A}">
+                    <a16:rowId xmlns:a16="http://schemas.microsoft.com/office/drawing/2014/main" val="572521259"/>
+                  </a:ext>
+                </a:extLst>
+              </a:tr>
+              <a:tr h="182880">
+                <a:tc>
+                  <a:txBody>
+                    <a:bodyPr/>
+                    <a:lstStyle/>
+                    <a:p>
+                      <a:pPr algn="l" fontAlgn="b"/>
+                      <a:r>
+                        <a:rPr lang="de-DE" sz="1100" u="none" strike="noStrike">
+                          <a:effectLst/>
+                        </a:rPr>
+                        <a:t>Grid Auflösung:</a:t>
+                      </a:r>
+                      <a:endParaRPr lang="de-DE" sz="1100" b="0" i="0" u="none" strike="noStrike">
+                        <a:solidFill>
+                          <a:srgbClr val="000000"/>
+                        </a:solidFill>
+                        <a:effectLst/>
+                        <a:latin typeface="Calibri" panose="020F0502020204030204" pitchFamily="34" charset="0"/>
+                      </a:endParaRPr>
+                    </a:p>
+                  </a:txBody>
+                  <a:tcPr marL="3810" marR="3810" marT="3810" marB="0" anchor="b"/>
+                </a:tc>
+                <a:tc>
+                  <a:txBody>
+                    <a:bodyPr/>
+                    <a:lstStyle/>
+                    <a:p>
+                      <a:pPr algn="ctr" fontAlgn="b"/>
+                      <a:r>
+                        <a:rPr lang="de-DE" sz="1100" u="none" strike="noStrike">
+                          <a:effectLst/>
+                        </a:rPr>
+                        <a:t>64x64x64</a:t>
+                      </a:r>
+                      <a:endParaRPr lang="de-DE" sz="1100" b="0" i="0" u="none" strike="noStrike">
+                        <a:solidFill>
+                          <a:srgbClr val="000000"/>
+                        </a:solidFill>
+                        <a:effectLst/>
+                        <a:latin typeface="Calibri" panose="020F0502020204030204" pitchFamily="34" charset="0"/>
+                      </a:endParaRPr>
+                    </a:p>
+                  </a:txBody>
+                  <a:tcPr marL="3810" marR="3810" marT="3810" marB="0" anchor="b"/>
+                </a:tc>
+                <a:extLst>
+                  <a:ext uri="{0D108BD9-81ED-4DB2-BD59-A6C34878D82A}">
+                    <a16:rowId xmlns:a16="http://schemas.microsoft.com/office/drawing/2014/main" val="45000225"/>
+                  </a:ext>
+                </a:extLst>
+              </a:tr>
+              <a:tr h="182880">
+                <a:tc>
+                  <a:txBody>
+                    <a:bodyPr/>
+                    <a:lstStyle/>
+                    <a:p>
+                      <a:pPr algn="l" fontAlgn="b"/>
+                      <a:r>
+                        <a:rPr lang="de-DE" sz="1100" u="none" strike="noStrike">
+                          <a:effectLst/>
+                        </a:rPr>
+                        <a:t>Verfahren:</a:t>
+                      </a:r>
+                      <a:endParaRPr lang="de-DE" sz="1100" b="0" i="0" u="none" strike="noStrike">
+                        <a:solidFill>
+                          <a:srgbClr val="000000"/>
+                        </a:solidFill>
+                        <a:effectLst/>
+                        <a:latin typeface="Calibri" panose="020F0502020204030204" pitchFamily="34" charset="0"/>
+                      </a:endParaRPr>
+                    </a:p>
+                  </a:txBody>
+                  <a:tcPr marL="3810" marR="3810" marT="3810" marB="0" anchor="b"/>
+                </a:tc>
+                <a:tc>
+                  <a:txBody>
+                    <a:bodyPr/>
+                    <a:lstStyle/>
+                    <a:p>
+                      <a:pPr algn="ctr" fontAlgn="b"/>
+                      <a:r>
+                        <a:rPr lang="de-DE" sz="1100" u="none" strike="noStrike">
+                          <a:effectLst/>
+                        </a:rPr>
+                        <a:t>niedrigste gemessene Zeit bei 10 durchläufen</a:t>
+                      </a:r>
+                      <a:endParaRPr lang="de-DE" sz="1100" b="0" i="0" u="none" strike="noStrike">
+                        <a:solidFill>
+                          <a:srgbClr val="000000"/>
+                        </a:solidFill>
+                        <a:effectLst/>
+                        <a:latin typeface="Calibri" panose="020F0502020204030204" pitchFamily="34" charset="0"/>
+                      </a:endParaRPr>
+                    </a:p>
+                  </a:txBody>
+                  <a:tcPr marL="3810" marR="3810" marT="3810" marB="0" anchor="b"/>
+                </a:tc>
+                <a:extLst>
+                  <a:ext uri="{0D108BD9-81ED-4DB2-BD59-A6C34878D82A}">
+                    <a16:rowId xmlns:a16="http://schemas.microsoft.com/office/drawing/2014/main" val="2463066374"/>
+                  </a:ext>
+                </a:extLst>
+              </a:tr>
+              <a:tr h="182880">
+                <a:tc>
+                  <a:txBody>
+                    <a:bodyPr/>
+                    <a:lstStyle/>
+                    <a:p>
+                      <a:pPr algn="l" fontAlgn="b"/>
+                      <a:r>
+                        <a:rPr lang="de-DE" sz="1100" u="none" strike="noStrike">
+                          <a:effectLst/>
+                        </a:rPr>
+                        <a:t>GPU:</a:t>
+                      </a:r>
+                      <a:endParaRPr lang="de-DE" sz="1100" b="0" i="0" u="none" strike="noStrike">
+                        <a:solidFill>
+                          <a:srgbClr val="000000"/>
+                        </a:solidFill>
+                        <a:effectLst/>
+                        <a:latin typeface="Calibri" panose="020F0502020204030204" pitchFamily="34" charset="0"/>
+                      </a:endParaRPr>
+                    </a:p>
+                  </a:txBody>
+                  <a:tcPr marL="3810" marR="3810" marT="3810" marB="0" anchor="b"/>
+                </a:tc>
+                <a:tc>
+                  <a:txBody>
+                    <a:bodyPr/>
+                    <a:lstStyle/>
+                    <a:p>
+                      <a:pPr algn="ctr" fontAlgn="b"/>
+                      <a:r>
+                        <a:rPr lang="de-DE" sz="1100" u="none" strike="noStrike">
+                          <a:effectLst/>
+                        </a:rPr>
+                        <a:t>Nvidia Gtx 970</a:t>
+                      </a:r>
+                      <a:endParaRPr lang="de-DE" sz="1100" b="0" i="0" u="none" strike="noStrike">
+                        <a:solidFill>
+                          <a:srgbClr val="000000"/>
+                        </a:solidFill>
+                        <a:effectLst/>
+                        <a:latin typeface="Calibri" panose="020F0502020204030204" pitchFamily="34" charset="0"/>
+                      </a:endParaRPr>
+                    </a:p>
+                  </a:txBody>
+                  <a:tcPr marL="3810" marR="3810" marT="3810" marB="0" anchor="b"/>
+                </a:tc>
+                <a:extLst>
+                  <a:ext uri="{0D108BD9-81ED-4DB2-BD59-A6C34878D82A}">
+                    <a16:rowId xmlns:a16="http://schemas.microsoft.com/office/drawing/2014/main" val="261038477"/>
+                  </a:ext>
+                </a:extLst>
+              </a:tr>
+              <a:tr h="186690">
+                <a:tc>
+                  <a:txBody>
+                    <a:bodyPr/>
+                    <a:lstStyle/>
+                    <a:p>
+                      <a:pPr algn="l" fontAlgn="b"/>
+                      <a:r>
+                        <a:rPr lang="de-DE" sz="1100" u="none" strike="noStrike">
+                          <a:effectLst/>
+                        </a:rPr>
+                        <a:t>CPU:</a:t>
+                      </a:r>
+                      <a:endParaRPr lang="de-DE" sz="1100" b="0" i="0" u="none" strike="noStrike">
+                        <a:solidFill>
+                          <a:srgbClr val="000000"/>
+                        </a:solidFill>
+                        <a:effectLst/>
+                        <a:latin typeface="Calibri" panose="020F0502020204030204" pitchFamily="34" charset="0"/>
+                      </a:endParaRPr>
+                    </a:p>
+                  </a:txBody>
+                  <a:tcPr marL="3810" marR="3810" marT="3810" marB="0" anchor="b"/>
+                </a:tc>
+                <a:tc>
+                  <a:txBody>
+                    <a:bodyPr/>
+                    <a:lstStyle/>
+                    <a:p>
+                      <a:pPr algn="ctr" fontAlgn="b"/>
+                      <a:r>
+                        <a:rPr lang="de-DE" sz="1100" u="none" strike="noStrike" dirty="0">
+                          <a:effectLst/>
+                        </a:rPr>
+                        <a:t>Intel Xeon E3-1240 V2 3,40GHz</a:t>
+                      </a:r>
+                      <a:endParaRPr lang="de-DE" sz="1100" b="0" i="0" u="none" strike="noStrike" dirty="0">
+                        <a:solidFill>
+                          <a:srgbClr val="000000"/>
+                        </a:solidFill>
+                        <a:effectLst/>
+                        <a:latin typeface="Calibri" panose="020F0502020204030204" pitchFamily="34" charset="0"/>
+                      </a:endParaRPr>
+                    </a:p>
+                  </a:txBody>
+                  <a:tcPr marL="3810" marR="3810" marT="3810" marB="0" anchor="b"/>
+                </a:tc>
+                <a:extLst>
+                  <a:ext uri="{0D108BD9-81ED-4DB2-BD59-A6C34878D82A}">
+                    <a16:rowId xmlns:a16="http://schemas.microsoft.com/office/drawing/2014/main" val="3330964763"/>
+                  </a:ext>
+                </a:extLst>
+              </a:tr>
+            </a:tbl>
+          </a:graphicData>
+        </a:graphic>
+      </p:graphicFrame>
     </p:spTree>
     <p:extLst>
       <p:ext uri="{BB962C8B-B14F-4D97-AF65-F5344CB8AC3E}">
@@ -38183,55 +40673,79 @@
           <a:lstStyle/>
           <a:p>
             <a:r>
-              <a:rPr lang="de-DE" sz="2000"/>
+              <a:rPr lang="de-DE" sz="2000" dirty="0"/>
               <a:t>Nach Simon Green [</a:t>
             </a:r>
             <a:r>
-              <a:rPr lang="de-DE" sz="2000">
+              <a:rPr lang="de-DE" sz="2000" dirty="0">
                 <a:hlinkClick r:id="rId2"/>
               </a:rPr>
               <a:t>Link</a:t>
             </a:r>
             <a:r>
-              <a:rPr lang="de-DE" sz="2000"/>
+              <a:rPr lang="de-DE" sz="2000" dirty="0"/>
               <a:t>]</a:t>
             </a:r>
           </a:p>
           <a:p>
             <a:r>
-              <a:rPr lang="de-DE" sz="2000"/>
+              <a:rPr lang="de-DE" sz="2000" dirty="0"/>
               <a:t>Einzelne Schritte in einzelne Kernel eingeteilt</a:t>
             </a:r>
           </a:p>
           <a:p>
             <a:pPr lvl="1"/>
             <a:r>
-              <a:rPr lang="de-DE" sz="1800"/>
+              <a:rPr lang="de-DE" sz="1800" dirty="0"/>
               <a:t>Berechnung der Hashwerte</a:t>
             </a:r>
           </a:p>
           <a:p>
             <a:pPr lvl="1"/>
             <a:r>
-              <a:rPr lang="de-DE" sz="1800"/>
-              <a:t>Sortierung per Radixsort (mit Thrust)</a:t>
+              <a:rPr lang="de-DE" sz="1800" dirty="0"/>
+              <a:t>Sortierung per </a:t>
+            </a:r>
+            <a:r>
+              <a:rPr lang="de-DE" sz="1800" dirty="0" err="1"/>
+              <a:t>Radixsort</a:t>
+            </a:r>
+            <a:r>
+              <a:rPr lang="de-DE" sz="1800" dirty="0"/>
+              <a:t> (mit </a:t>
+            </a:r>
+            <a:r>
+              <a:rPr lang="de-DE" sz="1800" dirty="0" err="1"/>
+              <a:t>Thrust</a:t>
+            </a:r>
+            <a:r>
+              <a:rPr lang="de-DE" sz="1800" dirty="0"/>
+              <a:t>)</a:t>
             </a:r>
           </a:p>
           <a:p>
             <a:pPr lvl="1"/>
             <a:r>
-              <a:rPr lang="de-DE" sz="1800"/>
-              <a:t>Start und Endindex setzen</a:t>
+              <a:rPr lang="de-DE" sz="1800" dirty="0"/>
+              <a:t>Start und </a:t>
             </a:r>
-          </a:p>
-          <a:p>
             <a:r>
-              <a:rPr lang="de-DE" sz="2000"/>
+              <a:rPr lang="de-DE" sz="1800" dirty="0" err="1"/>
+              <a:t>Endindex</a:t>
+            </a:r>
+            <a:r>
+              <a:rPr lang="de-DE" sz="1800" dirty="0"/>
+              <a:t> setzen</a:t>
+            </a:r>
+          </a:p>
+          <a:p>
+            <a:r>
+              <a:rPr lang="de-DE" sz="2000" dirty="0"/>
               <a:t>Pro Partikel ein Thread</a:t>
             </a:r>
           </a:p>
           <a:p>
-            <a:endParaRPr lang="de-DE"/>
+            <a:endParaRPr lang="de-DE" dirty="0"/>
           </a:p>
           <a:p>
             <a:pPr lvl="1"/>
@@ -39863,54 +42377,61 @@
           <a:lstStyle/>
           <a:p>
             <a:r>
-              <a:rPr lang="de-DE"/>
+              <a:rPr lang="de-DE" dirty="0"/>
               <a:t>Soll Partikel nur in eine Zelle eingetragen werden oder in alle </a:t>
             </a:r>
             <a:br>
-              <a:rPr lang="de-DE"/>
+              <a:rPr lang="de-DE" dirty="0"/>
             </a:br>
             <a:r>
-              <a:rPr lang="de-DE"/>
+              <a:rPr lang="de-DE" dirty="0"/>
               <a:t>überschneidenden</a:t>
             </a:r>
           </a:p>
           <a:p>
             <a:r>
-              <a:rPr lang="de-DE"/>
-              <a:t>Mehrfache Eintragung in Buckets bedeutet mehr Aufwand</a:t>
+              <a:rPr lang="de-DE" dirty="0"/>
+              <a:t>Mehrfache Eintragung in </a:t>
+            </a:r>
+            <a:r>
+              <a:rPr lang="de-DE" dirty="0" err="1"/>
+              <a:t>Buckets</a:t>
+            </a:r>
+            <a:r>
+              <a:rPr lang="de-DE" dirty="0"/>
+              <a:t> bedeutet mehr Aufwand</a:t>
             </a:r>
             <a:br>
-              <a:rPr lang="de-DE"/>
+              <a:rPr lang="de-DE" dirty="0"/>
             </a:br>
             <a:r>
-              <a:rPr lang="de-DE"/>
+              <a:rPr lang="de-DE" dirty="0"/>
               <a:t>beim Aufbau des Grids</a:t>
             </a:r>
           </a:p>
           <a:p>
             <a:r>
-              <a:rPr lang="de-DE"/>
+              <a:rPr lang="de-DE" dirty="0"/>
               <a:t>Bei einmaligem Eintragen ist Partikelradius von Zellgröße abhängig</a:t>
             </a:r>
           </a:p>
           <a:p>
-            <a:endParaRPr lang="de-DE"/>
-          </a:p>
-          <a:p>
-            <a:endParaRPr lang="de-DE"/>
-          </a:p>
-          <a:p>
-            <a:endParaRPr lang="de-DE"/>
-          </a:p>
-          <a:p>
-            <a:endParaRPr lang="de-DE"/>
+            <a:endParaRPr lang="de-DE" dirty="0"/>
+          </a:p>
+          <a:p>
+            <a:endParaRPr lang="de-DE" dirty="0"/>
+          </a:p>
+          <a:p>
+            <a:endParaRPr lang="de-DE" dirty="0"/>
+          </a:p>
+          <a:p>
+            <a:endParaRPr lang="de-DE" dirty="0"/>
           </a:p>
           <a:p>
             <a:r>
-              <a:rPr lang="de-DE"/>
+              <a:rPr lang="de-DE" dirty="0"/>
               <a:t>Datensätze sind wegen Alignment nicht alle geeignet</a:t>
             </a:r>
-            <a:endParaRPr lang="de-DE" dirty="0"/>
           </a:p>
         </p:txBody>
       </p:sp>
@@ -41294,7 +43815,7 @@
         <p:spPr>
           <a:xfrm>
             <a:off x="1272212" y="5192767"/>
-            <a:ext cx="311304" cy="369332"/>
+            <a:ext cx="290464" cy="369332"/>
           </a:xfrm>
           <a:prstGeom prst="rect">
             <a:avLst/>
@@ -41314,7 +43835,7 @@
                 </a:solidFill>
                 <a:latin typeface="+mn-lt"/>
               </a:rPr>
-              <a:t>X</a:t>
+              <a:t>x</a:t>
             </a:r>
           </a:p>
         </p:txBody>
@@ -47555,472 +50076,6 @@
           </a:p>
         </p:txBody>
       </p:sp>
-      <p:graphicFrame>
-        <p:nvGraphicFramePr>
-          <p:cNvPr id="7" name="Inhaltsplatzhalter 6">
-            <a:extLst>
-              <a:ext uri="{FF2B5EF4-FFF2-40B4-BE49-F238E27FC236}">
-                <a16:creationId xmlns:a16="http://schemas.microsoft.com/office/drawing/2014/main" id="{04E9603A-4BC1-44BA-98F2-71EF07DAE75C}"/>
-              </a:ext>
-            </a:extLst>
-          </p:cNvPr>
-          <p:cNvGraphicFramePr>
-            <a:graphicFrameLocks noGrp="1"/>
-          </p:cNvGraphicFramePr>
-          <p:nvPr>
-            <p:ph idx="1"/>
-            <p:extLst>
-              <p:ext uri="{D42A27DB-BD31-4B8C-83A1-F6EECF244321}">
-                <p14:modId xmlns:p14="http://schemas.microsoft.com/office/powerpoint/2010/main" val="1642660990"/>
-              </p:ext>
-            </p:extLst>
-          </p:nvPr>
-        </p:nvGraphicFramePr>
-        <p:xfrm>
-          <a:off x="681038" y="1196975"/>
-          <a:ext cx="10890250" cy="5040313"/>
-        </p:xfrm>
-        <a:graphic>
-          <a:graphicData uri="http://schemas.openxmlformats.org/drawingml/2006/chart">
-            <c:chart xmlns:c="http://schemas.openxmlformats.org/drawingml/2006/chart" xmlns:r="http://schemas.openxmlformats.org/officeDocument/2006/relationships" r:id="rId2"/>
-          </a:graphicData>
-        </a:graphic>
-      </p:graphicFrame>
-      <p:graphicFrame>
-        <p:nvGraphicFramePr>
-          <p:cNvPr id="8" name="Tabelle 7">
-            <a:extLst>
-              <a:ext uri="{FF2B5EF4-FFF2-40B4-BE49-F238E27FC236}">
-                <a16:creationId xmlns:a16="http://schemas.microsoft.com/office/drawing/2014/main" id="{925A8CE2-AE44-4F65-AE7C-F6C83338A38F}"/>
-              </a:ext>
-            </a:extLst>
-          </p:cNvPr>
-          <p:cNvGraphicFramePr>
-            <a:graphicFrameLocks noGrp="1"/>
-          </p:cNvGraphicFramePr>
-          <p:nvPr>
-            <p:extLst/>
-          </p:nvPr>
-        </p:nvGraphicFramePr>
-        <p:xfrm>
-          <a:off x="2207568" y="1855333"/>
-          <a:ext cx="3240360" cy="1629152"/>
-        </p:xfrm>
-        <a:graphic>
-          <a:graphicData uri="http://schemas.openxmlformats.org/drawingml/2006/table">
-            <a:tbl>
-              <a:tblPr>
-                <a:tableStyleId>{5C22544A-7EE6-4342-B048-85BDC9FD1C3A}</a:tableStyleId>
-              </a:tblPr>
-              <a:tblGrid>
-                <a:gridCol w="896784">
-                  <a:extLst>
-                    <a:ext uri="{9D8B030D-6E8A-4147-A177-3AD203B41FA5}">
-                      <a16:colId xmlns:a16="http://schemas.microsoft.com/office/drawing/2014/main" val="3833736895"/>
-                    </a:ext>
-                  </a:extLst>
-                </a:gridCol>
-                <a:gridCol w="2343576">
-                  <a:extLst>
-                    <a:ext uri="{9D8B030D-6E8A-4147-A177-3AD203B41FA5}">
-                      <a16:colId xmlns:a16="http://schemas.microsoft.com/office/drawing/2014/main" val="3061341619"/>
-                    </a:ext>
-                  </a:extLst>
-                </a:gridCol>
-              </a:tblGrid>
-              <a:tr h="222794">
-                <a:tc>
-                  <a:txBody>
-                    <a:bodyPr/>
-                    <a:lstStyle/>
-                    <a:p>
-                      <a:pPr algn="l" fontAlgn="b"/>
-                      <a:r>
-                        <a:rPr lang="de-DE" sz="1100" u="none" strike="noStrike">
-                          <a:effectLst/>
-                        </a:rPr>
-                        <a:t>Datei:</a:t>
-                      </a:r>
-                      <a:endParaRPr lang="de-DE" sz="1100" b="0" i="0" u="none" strike="noStrike">
-                        <a:solidFill>
-                          <a:srgbClr val="000000"/>
-                        </a:solidFill>
-                        <a:effectLst/>
-                        <a:latin typeface="Calibri" panose="020F0502020204030204" pitchFamily="34" charset="0"/>
-                      </a:endParaRPr>
-                    </a:p>
-                  </a:txBody>
-                  <a:tcPr marL="3810" marR="3810" marT="3810" marB="0" anchor="b"/>
-                </a:tc>
-                <a:tc>
-                  <a:txBody>
-                    <a:bodyPr/>
-                    <a:lstStyle/>
-                    <a:p>
-                      <a:pPr algn="ctr" fontAlgn="b"/>
-                      <a:r>
-                        <a:rPr lang="de-DE" sz="1100" u="none" strike="noStrike" dirty="0">
-                          <a:effectLst/>
-                        </a:rPr>
-                        <a:t>exp2mill.mmpld</a:t>
-                      </a:r>
-                      <a:endParaRPr lang="de-DE" sz="1100" b="0" i="0" u="none" strike="noStrike" dirty="0">
-                        <a:solidFill>
-                          <a:srgbClr val="000000"/>
-                        </a:solidFill>
-                        <a:effectLst/>
-                        <a:latin typeface="Calibri" panose="020F0502020204030204" pitchFamily="34" charset="0"/>
-                      </a:endParaRPr>
-                    </a:p>
-                  </a:txBody>
-                  <a:tcPr marL="3810" marR="3810" marT="3810" marB="0" anchor="b"/>
-                </a:tc>
-                <a:extLst>
-                  <a:ext uri="{0D108BD9-81ED-4DB2-BD59-A6C34878D82A}">
-                    <a16:rowId xmlns:a16="http://schemas.microsoft.com/office/drawing/2014/main" val="3064071330"/>
-                  </a:ext>
-                </a:extLst>
-              </a:tr>
-              <a:tr h="222794">
-                <a:tc>
-                  <a:txBody>
-                    <a:bodyPr/>
-                    <a:lstStyle/>
-                    <a:p>
-                      <a:pPr algn="l" fontAlgn="b"/>
-                      <a:r>
-                        <a:rPr lang="de-DE" sz="1100" u="none" strike="noStrike">
-                          <a:effectLst/>
-                        </a:rPr>
-                        <a:t>Frame:</a:t>
-                      </a:r>
-                      <a:endParaRPr lang="de-DE" sz="1100" b="0" i="0" u="none" strike="noStrike">
-                        <a:solidFill>
-                          <a:srgbClr val="000000"/>
-                        </a:solidFill>
-                        <a:effectLst/>
-                        <a:latin typeface="Calibri" panose="020F0502020204030204" pitchFamily="34" charset="0"/>
-                      </a:endParaRPr>
-                    </a:p>
-                  </a:txBody>
-                  <a:tcPr marL="3810" marR="3810" marT="3810" marB="0" anchor="b"/>
-                </a:tc>
-                <a:tc>
-                  <a:txBody>
-                    <a:bodyPr/>
-                    <a:lstStyle/>
-                    <a:p>
-                      <a:pPr algn="ctr" fontAlgn="b"/>
-                      <a:r>
-                        <a:rPr lang="de-DE" sz="1100" u="none" strike="noStrike">
-                          <a:effectLst/>
-                        </a:rPr>
-                        <a:t>20</a:t>
-                      </a:r>
-                      <a:endParaRPr lang="de-DE" sz="1100" b="0" i="0" u="none" strike="noStrike">
-                        <a:solidFill>
-                          <a:srgbClr val="000000"/>
-                        </a:solidFill>
-                        <a:effectLst/>
-                        <a:latin typeface="Calibri" panose="020F0502020204030204" pitchFamily="34" charset="0"/>
-                      </a:endParaRPr>
-                    </a:p>
-                  </a:txBody>
-                  <a:tcPr marL="3810" marR="3810" marT="3810" marB="0" anchor="b"/>
-                </a:tc>
-                <a:extLst>
-                  <a:ext uri="{0D108BD9-81ED-4DB2-BD59-A6C34878D82A}">
-                    <a16:rowId xmlns:a16="http://schemas.microsoft.com/office/drawing/2014/main" val="30790429"/>
-                  </a:ext>
-                </a:extLst>
-              </a:tr>
-              <a:tr h="222794">
-                <a:tc>
-                  <a:txBody>
-                    <a:bodyPr/>
-                    <a:lstStyle/>
-                    <a:p>
-                      <a:pPr algn="l" fontAlgn="b"/>
-                      <a:r>
-                        <a:rPr lang="de-DE" sz="1100" u="none" strike="noStrike">
-                          <a:effectLst/>
-                        </a:rPr>
-                        <a:t>Partikelanzahl:</a:t>
-                      </a:r>
-                      <a:endParaRPr lang="de-DE" sz="1100" b="0" i="0" u="none" strike="noStrike">
-                        <a:solidFill>
-                          <a:srgbClr val="000000"/>
-                        </a:solidFill>
-                        <a:effectLst/>
-                        <a:latin typeface="Calibri" panose="020F0502020204030204" pitchFamily="34" charset="0"/>
-                      </a:endParaRPr>
-                    </a:p>
-                  </a:txBody>
-                  <a:tcPr marL="3810" marR="3810" marT="3810" marB="0" anchor="b"/>
-                </a:tc>
-                <a:tc>
-                  <a:txBody>
-                    <a:bodyPr/>
-                    <a:lstStyle/>
-                    <a:p>
-                      <a:pPr algn="ctr" fontAlgn="b"/>
-                      <a:r>
-                        <a:rPr lang="de-DE" sz="1100" u="none" strike="noStrike">
-                          <a:effectLst/>
-                        </a:rPr>
-                        <a:t>2000000</a:t>
-                      </a:r>
-                      <a:endParaRPr lang="de-DE" sz="1100" b="0" i="0" u="none" strike="noStrike">
-                        <a:solidFill>
-                          <a:srgbClr val="000000"/>
-                        </a:solidFill>
-                        <a:effectLst/>
-                        <a:latin typeface="Calibri" panose="020F0502020204030204" pitchFamily="34" charset="0"/>
-                      </a:endParaRPr>
-                    </a:p>
-                  </a:txBody>
-                  <a:tcPr marL="3810" marR="3810" marT="3810" marB="0" anchor="b"/>
-                </a:tc>
-                <a:extLst>
-                  <a:ext uri="{0D108BD9-81ED-4DB2-BD59-A6C34878D82A}">
-                    <a16:rowId xmlns:a16="http://schemas.microsoft.com/office/drawing/2014/main" val="1994081086"/>
-                  </a:ext>
-                </a:extLst>
-              </a:tr>
-              <a:tr h="162698">
-                <a:tc>
-                  <a:txBody>
-                    <a:bodyPr/>
-                    <a:lstStyle/>
-                    <a:p>
-                      <a:pPr algn="l" fontAlgn="b"/>
-                      <a:r>
-                        <a:rPr lang="de-DE" sz="1100" u="none" strike="noStrike">
-                          <a:effectLst/>
-                        </a:rPr>
-                        <a:t>Grid Auflösung:</a:t>
-                      </a:r>
-                      <a:endParaRPr lang="de-DE" sz="1100" b="0" i="0" u="none" strike="noStrike">
-                        <a:solidFill>
-                          <a:srgbClr val="000000"/>
-                        </a:solidFill>
-                        <a:effectLst/>
-                        <a:latin typeface="Calibri" panose="020F0502020204030204" pitchFamily="34" charset="0"/>
-                      </a:endParaRPr>
-                    </a:p>
-                  </a:txBody>
-                  <a:tcPr marL="3810" marR="3810" marT="3810" marB="0" anchor="b"/>
-                </a:tc>
-                <a:tc>
-                  <a:txBody>
-                    <a:bodyPr/>
-                    <a:lstStyle/>
-                    <a:p>
-                      <a:pPr algn="ctr" fontAlgn="b"/>
-                      <a:r>
-                        <a:rPr lang="de-DE" sz="1100" u="none" strike="noStrike">
-                          <a:effectLst/>
-                        </a:rPr>
-                        <a:t>variabel</a:t>
-                      </a:r>
-                      <a:endParaRPr lang="de-DE" sz="1100" b="0" i="0" u="none" strike="noStrike">
-                        <a:solidFill>
-                          <a:srgbClr val="000000"/>
-                        </a:solidFill>
-                        <a:effectLst/>
-                        <a:latin typeface="Calibri" panose="020F0502020204030204" pitchFamily="34" charset="0"/>
-                      </a:endParaRPr>
-                    </a:p>
-                  </a:txBody>
-                  <a:tcPr marL="3810" marR="3810" marT="3810" marB="0" anchor="b"/>
-                </a:tc>
-                <a:extLst>
-                  <a:ext uri="{0D108BD9-81ED-4DB2-BD59-A6C34878D82A}">
-                    <a16:rowId xmlns:a16="http://schemas.microsoft.com/office/drawing/2014/main" val="2953340864"/>
-                  </a:ext>
-                </a:extLst>
-              </a:tr>
-              <a:tr h="230856">
-                <a:tc>
-                  <a:txBody>
-                    <a:bodyPr/>
-                    <a:lstStyle/>
-                    <a:p>
-                      <a:pPr algn="l" fontAlgn="b"/>
-                      <a:r>
-                        <a:rPr lang="de-DE" sz="1100" u="none" strike="noStrike">
-                          <a:effectLst/>
-                        </a:rPr>
-                        <a:t>Verfahren:</a:t>
-                      </a:r>
-                      <a:endParaRPr lang="de-DE" sz="1100" b="0" i="0" u="none" strike="noStrike">
-                        <a:solidFill>
-                          <a:srgbClr val="000000"/>
-                        </a:solidFill>
-                        <a:effectLst/>
-                        <a:latin typeface="Calibri" panose="020F0502020204030204" pitchFamily="34" charset="0"/>
-                      </a:endParaRPr>
-                    </a:p>
-                  </a:txBody>
-                  <a:tcPr marL="3810" marR="3810" marT="3810" marB="0" anchor="b"/>
-                </a:tc>
-                <a:tc>
-                  <a:txBody>
-                    <a:bodyPr/>
-                    <a:lstStyle/>
-                    <a:p>
-                      <a:pPr algn="ctr" fontAlgn="b"/>
-                      <a:r>
-                        <a:rPr lang="de-DE" sz="1100" u="none" strike="noStrike" dirty="0">
-                          <a:effectLst/>
-                        </a:rPr>
-                        <a:t>Niedrigste gemessene Zeit bei 100 Durchläufen</a:t>
-                      </a:r>
-                      <a:endParaRPr lang="de-DE" sz="1100" b="0" i="0" u="none" strike="noStrike" dirty="0">
-                        <a:solidFill>
-                          <a:srgbClr val="000000"/>
-                        </a:solidFill>
-                        <a:effectLst/>
-                        <a:latin typeface="Calibri" panose="020F0502020204030204" pitchFamily="34" charset="0"/>
-                      </a:endParaRPr>
-                    </a:p>
-                  </a:txBody>
-                  <a:tcPr marL="3810" marR="3810" marT="3810" marB="0" anchor="b"/>
-                </a:tc>
-                <a:extLst>
-                  <a:ext uri="{0D108BD9-81ED-4DB2-BD59-A6C34878D82A}">
-                    <a16:rowId xmlns:a16="http://schemas.microsoft.com/office/drawing/2014/main" val="3561432271"/>
-                  </a:ext>
-                </a:extLst>
-              </a:tr>
-              <a:tr h="222794">
-                <a:tc>
-                  <a:txBody>
-                    <a:bodyPr/>
-                    <a:lstStyle/>
-                    <a:p>
-                      <a:pPr algn="l" fontAlgn="b"/>
-                      <a:r>
-                        <a:rPr lang="de-DE" sz="1100" u="none" strike="noStrike">
-                          <a:effectLst/>
-                        </a:rPr>
-                        <a:t>GPU:</a:t>
-                      </a:r>
-                      <a:endParaRPr lang="de-DE" sz="1100" b="0" i="0" u="none" strike="noStrike">
-                        <a:solidFill>
-                          <a:srgbClr val="000000"/>
-                        </a:solidFill>
-                        <a:effectLst/>
-                        <a:latin typeface="Calibri" panose="020F0502020204030204" pitchFamily="34" charset="0"/>
-                      </a:endParaRPr>
-                    </a:p>
-                  </a:txBody>
-                  <a:tcPr marL="3810" marR="3810" marT="3810" marB="0" anchor="b"/>
-                </a:tc>
-                <a:tc>
-                  <a:txBody>
-                    <a:bodyPr/>
-                    <a:lstStyle/>
-                    <a:p>
-                      <a:pPr algn="ctr" fontAlgn="b"/>
-                      <a:r>
-                        <a:rPr lang="de-DE" sz="1100" u="none" strike="noStrike" dirty="0" err="1">
-                          <a:effectLst/>
-                        </a:rPr>
-                        <a:t>Nvidia</a:t>
-                      </a:r>
-                      <a:r>
-                        <a:rPr lang="de-DE" sz="1100" u="none" strike="noStrike" dirty="0">
-                          <a:effectLst/>
-                        </a:rPr>
-                        <a:t> </a:t>
-                      </a:r>
-                      <a:r>
-                        <a:rPr lang="de-DE" sz="1100" u="none" strike="noStrike" dirty="0" err="1">
-                          <a:effectLst/>
-                        </a:rPr>
-                        <a:t>Gtx</a:t>
-                      </a:r>
-                      <a:r>
-                        <a:rPr lang="de-DE" sz="1100" u="none" strike="noStrike" dirty="0">
-                          <a:effectLst/>
-                        </a:rPr>
-                        <a:t> 970</a:t>
-                      </a:r>
-                      <a:endParaRPr lang="de-DE" sz="1100" b="0" i="0" u="none" strike="noStrike" dirty="0">
-                        <a:solidFill>
-                          <a:srgbClr val="000000"/>
-                        </a:solidFill>
-                        <a:effectLst/>
-                        <a:latin typeface="Calibri" panose="020F0502020204030204" pitchFamily="34" charset="0"/>
-                      </a:endParaRPr>
-                    </a:p>
-                  </a:txBody>
-                  <a:tcPr marL="3810" marR="3810" marT="3810" marB="0" anchor="b"/>
-                </a:tc>
-                <a:extLst>
-                  <a:ext uri="{0D108BD9-81ED-4DB2-BD59-A6C34878D82A}">
-                    <a16:rowId xmlns:a16="http://schemas.microsoft.com/office/drawing/2014/main" val="1295196768"/>
-                  </a:ext>
-                </a:extLst>
-              </a:tr>
-              <a:tr h="227436">
-                <a:tc>
-                  <a:txBody>
-                    <a:bodyPr/>
-                    <a:lstStyle/>
-                    <a:p>
-                      <a:pPr algn="l" fontAlgn="b"/>
-                      <a:r>
-                        <a:rPr lang="de-DE" sz="1100" u="none" strike="noStrike" dirty="0">
-                          <a:effectLst/>
-                        </a:rPr>
-                        <a:t>CPU:</a:t>
-                      </a:r>
-                      <a:endParaRPr lang="de-DE" sz="1100" b="0" i="0" u="none" strike="noStrike" dirty="0">
-                        <a:solidFill>
-                          <a:srgbClr val="000000"/>
-                        </a:solidFill>
-                        <a:effectLst/>
-                        <a:latin typeface="Calibri" panose="020F0502020204030204" pitchFamily="34" charset="0"/>
-                      </a:endParaRPr>
-                    </a:p>
-                  </a:txBody>
-                  <a:tcPr marL="3810" marR="3810" marT="3810" marB="0" anchor="b"/>
-                </a:tc>
-                <a:tc>
-                  <a:txBody>
-                    <a:bodyPr/>
-                    <a:lstStyle/>
-                    <a:p>
-                      <a:pPr algn="ctr" fontAlgn="b"/>
-                      <a:r>
-                        <a:rPr lang="de-DE" sz="1100" u="none" strike="noStrike" dirty="0">
-                          <a:effectLst/>
-                        </a:rPr>
-                        <a:t>Intel Xeon E3-1240 V2 3,40GHz</a:t>
-                      </a:r>
-                      <a:endParaRPr lang="de-DE" sz="1100" b="0" i="0" u="none" strike="noStrike" dirty="0">
-                        <a:solidFill>
-                          <a:srgbClr val="000000"/>
-                        </a:solidFill>
-                        <a:effectLst/>
-                        <a:latin typeface="Calibri" panose="020F0502020204030204" pitchFamily="34" charset="0"/>
-                      </a:endParaRPr>
-                    </a:p>
-                  </a:txBody>
-                  <a:tcPr marL="3810" marR="3810" marT="3810" marB="0" anchor="b"/>
-                </a:tc>
-                <a:extLst>
-                  <a:ext uri="{0D108BD9-81ED-4DB2-BD59-A6C34878D82A}">
-                    <a16:rowId xmlns:a16="http://schemas.microsoft.com/office/drawing/2014/main" val="2058461595"/>
-                  </a:ext>
-                </a:extLst>
-              </a:tr>
-            </a:tbl>
-          </a:graphicData>
-        </a:graphic>
-      </p:graphicFrame>
       <p:sp>
         <p:nvSpPr>
           <p:cNvPr id="4" name="Datumsplatzhalter 3">
@@ -48108,6 +50163,36 @@
           </a:p>
         </p:txBody>
       </p:sp>
+      <p:graphicFrame>
+        <p:nvGraphicFramePr>
+          <p:cNvPr id="10" name="Diagramm 9">
+            <a:extLst>
+              <a:ext uri="{FF2B5EF4-FFF2-40B4-BE49-F238E27FC236}">
+                <a16:creationId xmlns:a16="http://schemas.microsoft.com/office/drawing/2014/main" id="{04E9603A-4BC1-44BA-98F2-71EF07DAE75C}"/>
+              </a:ext>
+            </a:extLst>
+          </p:cNvPr>
+          <p:cNvGraphicFramePr>
+            <a:graphicFrameLocks/>
+          </p:cNvGraphicFramePr>
+          <p:nvPr>
+            <p:extLst>
+              <p:ext uri="{D42A27DB-BD31-4B8C-83A1-F6EECF244321}">
+                <p14:modId xmlns:p14="http://schemas.microsoft.com/office/powerpoint/2010/main" val="2038798473"/>
+              </p:ext>
+            </p:extLst>
+          </p:nvPr>
+        </p:nvGraphicFramePr>
+        <p:xfrm>
+          <a:off x="838200" y="1272050"/>
+          <a:ext cx="10515600" cy="5111849"/>
+        </p:xfrm>
+        <a:graphic>
+          <a:graphicData uri="http://schemas.openxmlformats.org/drawingml/2006/chart">
+            <c:chart xmlns:c="http://schemas.openxmlformats.org/drawingml/2006/chart" xmlns:r="http://schemas.openxmlformats.org/officeDocument/2006/relationships" r:id="rId2"/>
+          </a:graphicData>
+        </a:graphic>
+      </p:graphicFrame>
     </p:spTree>
     <p:extLst>
       <p:ext uri="{BB962C8B-B14F-4D97-AF65-F5344CB8AC3E}">
